--- a/writing/Tetranucleotide usage poster draft.pptx
+++ b/writing/Tetranucleotide usage poster draft.pptx
@@ -3149,7 +3149,7 @@
           </c:txPr>
         </c:title>
         <c:numFmt formatCode="General" sourceLinked="1"/>
-        <c:majorTickMark val="none"/>
+        <c:majorTickMark val="cross"/>
         <c:minorTickMark val="none"/>
         <c:tickLblPos val="low"/>
         <c:spPr>
@@ -3189,7 +3189,8 @@
         <c:auto val="1"/>
         <c:lblAlgn val="ctr"/>
         <c:lblOffset val="100"/>
-        <c:tickLblSkip val="10"/>
+        <c:tickLblSkip val="20"/>
+        <c:tickMarkSkip val="20"/>
         <c:noMultiLvlLbl val="0"/>
       </c:catAx>
       <c:valAx>
@@ -7344,8 +7345,8 @@
         </p:nvSpPr>
         <p:spPr>
           <a:xfrm>
-            <a:off x="32357670" y="21931963"/>
-            <a:ext cx="9155924" cy="1311391"/>
+            <a:off x="32248062" y="22000111"/>
+            <a:ext cx="9265532" cy="2542497"/>
           </a:xfrm>
           <a:prstGeom prst="rect">
             <a:avLst/>
@@ -7362,19 +7363,25 @@
           <a:lstStyle/>
           <a:p>
             <a:r>
-              <a:rPr lang="en-US" sz="4000" b="1" dirty="0" smtClean="0">
+              <a:rPr lang="en-US" sz="3200" dirty="0" smtClean="0">
                 <a:latin typeface="Avenir 65" pitchFamily="50" charset="0"/>
               </a:rPr>
-              <a:t>Future Directions</a:t>
-            </a:r>
-          </a:p>
-          <a:p>
-            <a:endParaRPr lang="en-US" sz="2000" b="1" dirty="0">
+              <a:t>Developing a Naïve Bayes classifier to quantify gene exchange</a:t>
+            </a:r>
+          </a:p>
+          <a:p>
+            <a:endParaRPr lang="en-US" sz="3200" dirty="0">
               <a:latin typeface="Avenir 65" pitchFamily="50" charset="0"/>
             </a:endParaRPr>
           </a:p>
           <a:p>
-            <a:endParaRPr lang="en-US" sz="2000" b="1" dirty="0">
+            <a:r>
+              <a:rPr lang="en-US" sz="3200" dirty="0" smtClean="0">
+                <a:latin typeface="Avenir 65" pitchFamily="50" charset="0"/>
+              </a:rPr>
+              <a:t>Investigating oligonucleotide usage similarities and differences between hosts and phage</a:t>
+            </a:r>
+            <a:endParaRPr lang="en-US" sz="1600" b="1" dirty="0">
               <a:latin typeface="Avenir 65" pitchFamily="50" charset="0"/>
             </a:endParaRPr>
           </a:p>
@@ -7671,8 +7678,8 @@
         </p:blipFill>
         <p:spPr>
           <a:xfrm rot="10800000" flipH="1" flipV="1">
-            <a:off x="36446565" y="27380994"/>
-            <a:ext cx="1888324" cy="3194793"/>
+            <a:off x="38226455" y="28022397"/>
+            <a:ext cx="1418725" cy="2400295"/>
           </a:xfrm>
           <a:prstGeom prst="rect">
             <a:avLst/>
@@ -7695,8 +7702,8 @@
         </p:blipFill>
         <p:spPr>
           <a:xfrm>
-            <a:off x="39100805" y="28538382"/>
-            <a:ext cx="2285999" cy="2226319"/>
+            <a:off x="39963331" y="28302579"/>
+            <a:ext cx="1889255" cy="1839933"/>
           </a:xfrm>
           <a:prstGeom prst="rect">
             <a:avLst/>
@@ -7711,8 +7718,8 @@
         </p:nvSpPr>
         <p:spPr>
           <a:xfrm>
-            <a:off x="32357670" y="23922674"/>
-            <a:ext cx="9398386" cy="2173165"/>
+            <a:off x="32357670" y="27966685"/>
+            <a:ext cx="5237479" cy="2511719"/>
           </a:xfrm>
           <a:prstGeom prst="rect">
             <a:avLst/>
@@ -7742,85 +7749,73 @@
               <a:rPr lang="en-US" sz="2200" dirty="0" smtClean="0">
                 <a:latin typeface="Avenir 65" pitchFamily="50" charset="0"/>
               </a:rPr>
-              <a:t> We are grateful to Dr</a:t>
+              <a:t> We are grateful to </a:t>
+            </a:r>
+            <a:r>
+              <a:rPr lang="en-US" sz="2200" dirty="0" smtClean="0">
+                <a:latin typeface="Avenir 65" pitchFamily="50" charset="0"/>
+              </a:rPr>
+              <a:t>Dr</a:t>
             </a:r>
             <a:r>
               <a:rPr lang="en-US" sz="2200" dirty="0">
                 <a:latin typeface="Avenir 65" pitchFamily="50" charset="0"/>
               </a:rPr>
-              <a:t>. David Warren, Dr. Peter Shank, Dr. Jason </a:t>
-            </a:r>
-            <a:r>
-              <a:rPr lang="en-US" sz="2200" dirty="0" err="1">
+              <a:t>. Peter Shank, </a:t>
+            </a:r>
+            <a:r>
+              <a:rPr lang="en-US" sz="2200" dirty="0" smtClean="0">
                 <a:latin typeface="Avenir 65" pitchFamily="50" charset="0"/>
               </a:rPr>
-              <a:t>Sello</a:t>
+              <a:t>Dr. </a:t>
+            </a:r>
+            <a:r>
+              <a:rPr lang="en-US" sz="2200" dirty="0" err="1" smtClean="0">
+                <a:latin typeface="Avenir 65" pitchFamily="50" charset="0"/>
+              </a:rPr>
+              <a:t>Sorin</a:t>
+            </a:r>
+            <a:r>
+              <a:rPr lang="en-US" sz="2200" dirty="0" smtClean="0">
+                <a:latin typeface="Avenir 65" pitchFamily="50" charset="0"/>
+              </a:rPr>
+              <a:t> </a:t>
+            </a:r>
+            <a:r>
+              <a:rPr lang="en-US" sz="2200" dirty="0" err="1" smtClean="0">
+                <a:latin typeface="Avenir 65" pitchFamily="50" charset="0"/>
+              </a:rPr>
+              <a:t>Istrail</a:t>
+            </a:r>
+            <a:r>
+              <a:rPr lang="en-US" sz="2200" dirty="0" smtClean="0">
+                <a:latin typeface="Avenir 65" pitchFamily="50" charset="0"/>
+              </a:rPr>
+              <a:t>, Dr. </a:t>
+            </a:r>
+            <a:r>
+              <a:rPr lang="en-US" sz="2200" dirty="0" err="1" smtClean="0">
+                <a:latin typeface="Avenir 65" pitchFamily="50" charset="0"/>
+              </a:rPr>
+              <a:t>Zhijin</a:t>
+            </a:r>
+            <a:r>
+              <a:rPr lang="en-US" sz="2200" dirty="0" smtClean="0">
+                <a:latin typeface="Avenir 65" pitchFamily="50" charset="0"/>
+              </a:rPr>
+              <a:t> Wu, </a:t>
+            </a:r>
+            <a:r>
+              <a:rPr lang="en-US" sz="2200" dirty="0" smtClean="0">
+                <a:latin typeface="Avenir 65" pitchFamily="50" charset="0"/>
+              </a:rPr>
+              <a:t>HHMI’s </a:t>
             </a:r>
             <a:r>
               <a:rPr lang="en-US" sz="2200" dirty="0">
                 <a:latin typeface="Avenir 65" pitchFamily="50" charset="0"/>
               </a:rPr>
-              <a:t>, </a:t>
-            </a:r>
-            <a:r>
-              <a:rPr lang="en-US" sz="2200" dirty="0" err="1">
-                <a:latin typeface="Avenir 65" pitchFamily="50" charset="0"/>
-              </a:rPr>
-              <a:t>Ms</a:t>
-            </a:r>
-            <a:r>
-              <a:rPr lang="en-US" sz="2200" dirty="0">
-                <a:latin typeface="Avenir 65" pitchFamily="50" charset="0"/>
-              </a:rPr>
-              <a:t> Sarah Taylor, </a:t>
-            </a:r>
-            <a:r>
-              <a:rPr lang="en-US" sz="2200" dirty="0" err="1">
-                <a:latin typeface="Avenir 65" pitchFamily="50" charset="0"/>
-              </a:rPr>
-              <a:t>Kohana</a:t>
-            </a:r>
-            <a:r>
-              <a:rPr lang="en-US" sz="2200" dirty="0">
-                <a:latin typeface="Avenir 65" pitchFamily="50" charset="0"/>
-              </a:rPr>
-              <a:t> </a:t>
-            </a:r>
-            <a:r>
-              <a:rPr lang="en-US" sz="2200" dirty="0" err="1">
-                <a:latin typeface="Avenir 65" pitchFamily="50" charset="0"/>
-              </a:rPr>
-              <a:t>Leuba</a:t>
-            </a:r>
-            <a:r>
-              <a:rPr lang="en-US" sz="2200" dirty="0">
-                <a:latin typeface="Avenir 65" pitchFamily="50" charset="0"/>
-              </a:rPr>
-              <a:t>, Nick </a:t>
-            </a:r>
-            <a:r>
-              <a:rPr lang="en-US" sz="2200" dirty="0" err="1">
-                <a:latin typeface="Avenir 65" pitchFamily="50" charset="0"/>
-              </a:rPr>
-              <a:t>Sinnott</a:t>
-            </a:r>
-            <a:r>
-              <a:rPr lang="en-US" sz="2200" dirty="0">
-                <a:latin typeface="Avenir 65" pitchFamily="50" charset="0"/>
-              </a:rPr>
-              <a:t>-Armstrong,</a:t>
-            </a:r>
-            <a:r>
-              <a:rPr lang="en-US" sz="2200" b="1" dirty="0">
-                <a:latin typeface="Avenir 65" pitchFamily="50" charset="0"/>
-              </a:rPr>
-              <a:t> </a:t>
-            </a:r>
-            <a:r>
-              <a:rPr lang="en-US" sz="2200" dirty="0">
-                <a:latin typeface="Avenir 65" pitchFamily="50" charset="0"/>
-              </a:rPr>
-              <a:t>HHMI’s SEA program and the University of Pittsburgh</a:t>
+              <a:t>SEA program and the University of Pittsburgh</a:t>
             </a:r>
             <a:r>
               <a:rPr lang="en-US" sz="2200" dirty="0" smtClean="0">
@@ -7831,66 +7826,6 @@
           </a:p>
           <a:p>
             <a:endParaRPr lang="en-US" sz="2000" dirty="0">
-              <a:latin typeface="Avenir 65" pitchFamily="50" charset="0"/>
-            </a:endParaRPr>
-          </a:p>
-        </p:txBody>
-      </p:sp>
-      <p:sp>
-        <p:nvSpPr>
-          <p:cNvPr id="17" name="TextBox 16"/>
-          <p:cNvSpPr txBox="1"/>
-          <p:nvPr/>
-        </p:nvSpPr>
-        <p:spPr>
-          <a:xfrm>
-            <a:off x="32357670" y="7562013"/>
-            <a:ext cx="9155924" cy="1434501"/>
-          </a:xfrm>
-          <a:prstGeom prst="rect">
-            <a:avLst/>
-          </a:prstGeom>
-          <a:noFill/>
-        </p:spPr>
-        <p:txBody>
-          <a:bodyPr wrap="square" lIns="79507" tIns="39754" rIns="79507" bIns="39754" rtlCol="0">
-            <a:spAutoFit/>
-          </a:bodyPr>
-          <a:lstStyle/>
-          <a:p>
-            <a:r>
-              <a:rPr lang="en-US" sz="4000" b="1" dirty="0" smtClean="0">
-                <a:latin typeface="Avenir 65" pitchFamily="50" charset="0"/>
-              </a:rPr>
-              <a:t>Conclusions</a:t>
-            </a:r>
-            <a:endParaRPr lang="en-US" sz="2400" dirty="0">
-              <a:solidFill>
-                <a:srgbClr val="000000"/>
-              </a:solidFill>
-              <a:latin typeface="Avenir 65" pitchFamily="50" charset="0"/>
-            </a:endParaRPr>
-          </a:p>
-          <a:p>
-            <a:pPr marL="342900" indent="-342900">
-              <a:buSzPts val="2400"/>
-              <a:buFont typeface="Arial" pitchFamily="34" charset="0"/>
-              <a:buChar char="•"/>
-            </a:pPr>
-            <a:endParaRPr lang="en-US" sz="2400" dirty="0">
-              <a:solidFill>
-                <a:srgbClr val="000000"/>
-              </a:solidFill>
-              <a:latin typeface="Avenir 65" pitchFamily="50" charset="0"/>
-            </a:endParaRPr>
-          </a:p>
-          <a:p>
-            <a:pPr>
-              <a:buSzPts val="2400"/>
-              <a:buFont typeface="Calibri"/>
-              <a:buChar char="•"/>
-            </a:pPr>
-            <a:endParaRPr lang="en-US" sz="2400" dirty="0" smtClean="0">
               <a:latin typeface="Avenir 65" pitchFamily="50" charset="0"/>
             </a:endParaRPr>
           </a:p>
@@ -7904,7 +7839,7 @@
         </p:nvSpPr>
         <p:spPr>
           <a:xfrm>
-            <a:off x="814572" y="20453648"/>
+            <a:off x="548188" y="18674971"/>
             <a:ext cx="9155922" cy="8698028"/>
           </a:xfrm>
           <a:prstGeom prst="rect">
@@ -7922,24 +7857,19 @@
           <a:lstStyle/>
           <a:p>
             <a:pPr marL="742950" indent="-742950">
-              <a:buAutoNum type="arabicParenR"/>
+              <a:buFont typeface="+mj-lt"/>
+              <a:buAutoNum type="alphaLcParenR"/>
             </a:pPr>
-            <a:r>
-              <a:rPr lang="en-US" sz="4000" b="1" dirty="0" err="1" smtClean="0">
-                <a:latin typeface="Avenir 65" pitchFamily="50" charset="0"/>
-              </a:rPr>
-              <a:t>Kmer</a:t>
-            </a:r>
             <a:r>
               <a:rPr lang="en-US" sz="4000" b="1" dirty="0" smtClean="0">
                 <a:latin typeface="Avenir 65" pitchFamily="50" charset="0"/>
               </a:rPr>
-              <a:t> counting </a:t>
+              <a:t>Kmer counting </a:t>
             </a:r>
           </a:p>
           <a:p>
             <a:pPr marL="742950" indent="-742950">
-              <a:buAutoNum type="arabicParenR"/>
+              <a:buAutoNum type="alphaLcParenR"/>
             </a:pPr>
             <a:endParaRPr lang="en-US" sz="4000" b="1" dirty="0">
               <a:latin typeface="Avenir 65" pitchFamily="50" charset="0"/>
@@ -7947,7 +7877,7 @@
           </a:p>
           <a:p>
             <a:pPr marL="742950" indent="-742950">
-              <a:buAutoNum type="arabicParenR"/>
+              <a:buAutoNum type="alphaLcParenR"/>
             </a:pPr>
             <a:endParaRPr lang="en-US" sz="4000" b="1" dirty="0" smtClean="0">
               <a:latin typeface="Avenir 65" pitchFamily="50" charset="0"/>
@@ -7955,7 +7885,7 @@
           </a:p>
           <a:p>
             <a:pPr marL="742950" indent="-742950">
-              <a:buAutoNum type="arabicParenR"/>
+              <a:buAutoNum type="alphaLcParenR"/>
             </a:pPr>
             <a:endParaRPr lang="en-US" sz="4000" b="1" dirty="0">
               <a:latin typeface="Avenir 65" pitchFamily="50" charset="0"/>
@@ -7963,7 +7893,7 @@
           </a:p>
           <a:p>
             <a:pPr marL="742950" indent="-742950">
-              <a:buAutoNum type="arabicParenR"/>
+              <a:buAutoNum type="alphaLcParenR"/>
             </a:pPr>
             <a:endParaRPr lang="en-US" sz="4000" b="1" dirty="0" smtClean="0">
               <a:latin typeface="Avenir 65" pitchFamily="50" charset="0"/>
@@ -7971,7 +7901,7 @@
           </a:p>
           <a:p>
             <a:pPr marL="742950" indent="-742950">
-              <a:buAutoNum type="arabicParenR"/>
+              <a:buAutoNum type="alphaLcParenR"/>
             </a:pPr>
             <a:r>
               <a:rPr lang="en-US" sz="4000" b="1" dirty="0" smtClean="0">
@@ -7982,7 +7912,7 @@
           </a:p>
           <a:p>
             <a:pPr marL="742950" indent="-742950">
-              <a:buAutoNum type="arabicParenR"/>
+              <a:buAutoNum type="alphaLcParenR"/>
             </a:pPr>
             <a:endParaRPr lang="en-US" sz="4000" b="1" dirty="0">
               <a:latin typeface="Avenir 65" pitchFamily="50" charset="0"/>
@@ -7990,7 +7920,7 @@
           </a:p>
           <a:p>
             <a:pPr marL="742950" indent="-742950">
-              <a:buAutoNum type="arabicParenR"/>
+              <a:buAutoNum type="alphaLcParenR"/>
             </a:pPr>
             <a:endParaRPr lang="en-US" sz="4000" b="1" dirty="0" smtClean="0">
               <a:latin typeface="Avenir 65" pitchFamily="50" charset="0"/>
@@ -7998,7 +7928,7 @@
           </a:p>
           <a:p>
             <a:pPr marL="742950" indent="-742950">
-              <a:buAutoNum type="arabicParenR"/>
+              <a:buAutoNum type="alphaLcParenR"/>
             </a:pPr>
             <a:endParaRPr lang="en-US" sz="4000" b="1" dirty="0">
               <a:latin typeface="Avenir 65" pitchFamily="50" charset="0"/>
@@ -8006,7 +7936,7 @@
           </a:p>
           <a:p>
             <a:pPr marL="742950" indent="-742950">
-              <a:buAutoNum type="arabicParenR"/>
+              <a:buAutoNum type="alphaLcParenR"/>
             </a:pPr>
             <a:r>
               <a:rPr lang="en-US" sz="4000" b="1" dirty="0" smtClean="0">
@@ -8017,7 +7947,7 @@
           </a:p>
           <a:p>
             <a:pPr marL="742950" indent="-742950">
-              <a:buAutoNum type="arabicParenR"/>
+              <a:buAutoNum type="alphaLcParenR"/>
             </a:pPr>
             <a:endParaRPr lang="en-US" sz="4000" b="1" dirty="0">
               <a:latin typeface="Avenir 65" pitchFamily="50" charset="0"/>
@@ -8025,7 +7955,7 @@
           </a:p>
           <a:p>
             <a:pPr marL="742950" indent="-742950">
-              <a:buAutoNum type="arabicParenR"/>
+              <a:buAutoNum type="alphaLcParenR"/>
             </a:pPr>
             <a:endParaRPr lang="en-US" sz="4000" b="1" dirty="0" smtClean="0">
               <a:latin typeface="Avenir 65" pitchFamily="50" charset="0"/>
@@ -8033,7 +7963,7 @@
           </a:p>
           <a:p>
             <a:pPr marL="742950" indent="-742950">
-              <a:buAutoNum type="arabicParenR"/>
+              <a:buAutoNum type="alphaLcParenR"/>
             </a:pPr>
             <a:endParaRPr lang="en-US" sz="4000" b="1" dirty="0">
               <a:latin typeface="Avenir 65" pitchFamily="50" charset="0"/>
@@ -8041,7 +7971,7 @@
           </a:p>
           <a:p>
             <a:pPr marL="742950" indent="-742950">
-              <a:buAutoNum type="arabicParenR"/>
+              <a:buAutoNum type="alphaLcParenR"/>
             </a:pPr>
             <a:endParaRPr lang="en-US" sz="4000" dirty="0" smtClean="0">
               <a:latin typeface="Avenir 65" pitchFamily="50" charset="0"/>
@@ -8058,7 +7988,7 @@
           <p:nvPr>
             <p:extLst>
               <p:ext uri="{D42A27DB-BD31-4B8C-83A1-F6EECF244321}">
-                <p14:modId xmlns:p14="http://schemas.microsoft.com/office/powerpoint/2010/main" val="857507276"/>
+                <p14:modId xmlns:p14="http://schemas.microsoft.com/office/powerpoint/2010/main" val="3465814567"/>
               </p:ext>
             </p:extLst>
           </p:nvPr>
@@ -8073,54 +8003,6 @@
           </a:graphicData>
         </a:graphic>
       </p:graphicFrame>
-      <p:pic>
-        <p:nvPicPr>
-          <p:cNvPr id="15" name="Picture 14"/>
-          <p:cNvPicPr>
-            <a:picLocks noChangeAspect="1"/>
-          </p:cNvPicPr>
-          <p:nvPr/>
-        </p:nvPicPr>
-        <p:blipFill>
-          <a:blip r:embed="rId6"/>
-          <a:stretch>
-            <a:fillRect/>
-          </a:stretch>
-        </p:blipFill>
-        <p:spPr>
-          <a:xfrm>
-            <a:off x="32659635" y="13836700"/>
-            <a:ext cx="4667250" cy="2571750"/>
-          </a:xfrm>
-          <a:prstGeom prst="rect">
-            <a:avLst/>
-          </a:prstGeom>
-        </p:spPr>
-      </p:pic>
-      <p:pic>
-        <p:nvPicPr>
-          <p:cNvPr id="16" name="Picture 15"/>
-          <p:cNvPicPr>
-            <a:picLocks noChangeAspect="1"/>
-          </p:cNvPicPr>
-          <p:nvPr/>
-        </p:nvPicPr>
-        <p:blipFill>
-          <a:blip r:embed="rId7"/>
-          <a:stretch>
-            <a:fillRect/>
-          </a:stretch>
-        </p:blipFill>
-        <p:spPr>
-          <a:xfrm>
-            <a:off x="32602485" y="10518955"/>
-            <a:ext cx="4781550" cy="2638425"/>
-          </a:xfrm>
-          <a:prstGeom prst="rect">
-            <a:avLst/>
-          </a:prstGeom>
-        </p:spPr>
-      </p:pic>
       <p:sp>
         <p:nvSpPr>
           <p:cNvPr id="53" name="TextBox 52"/>
@@ -8213,14 +8095,14 @@
           <p:nvPr/>
         </p:nvPicPr>
         <p:blipFill>
-          <a:blip r:embed="rId8"/>
+          <a:blip r:embed="rId6"/>
           <a:stretch>
             <a:fillRect/>
           </a:stretch>
         </p:blipFill>
         <p:spPr>
           <a:xfrm>
-            <a:off x="33525682" y="16896608"/>
+            <a:off x="2742380" y="8219250"/>
             <a:ext cx="3409950" cy="3352800"/>
           </a:xfrm>
           <a:prstGeom prst="rect">
@@ -8237,7 +8119,7 @@
           <p:nvPr/>
         </p:nvPicPr>
         <p:blipFill>
-          <a:blip r:embed="rId9">
+          <a:blip r:embed="rId7">
             <a:extLst>
               <a:ext uri="{28A0092B-C50C-407E-A947-70E740481C1C}">
                 <a14:useLocalDpi xmlns:a14="http://schemas.microsoft.com/office/drawing/2010/main" val="0"/>
@@ -8251,7 +8133,7 @@
         </p:blipFill>
         <p:spPr bwMode="auto">
           <a:xfrm>
-            <a:off x="-28701137" y="18635028"/>
+            <a:off x="-30068594" y="9819239"/>
             <a:ext cx="28701137" cy="19806708"/>
           </a:xfrm>
           <a:prstGeom prst="rect">
@@ -8592,7 +8474,7 @@
               <a:rPr lang="en-US" sz="4400" dirty="0" smtClean="0">
                 <a:latin typeface="Avenir 65" pitchFamily="50" charset="0"/>
               </a:rPr>
-              <a:t>Phylogenetic Trees</a:t>
+              <a:t>Phylogenetic trees</a:t>
             </a:r>
             <a:endParaRPr lang="en-US" sz="4400" dirty="0" smtClean="0">
               <a:latin typeface="Avenir 65" pitchFamily="50" charset="0"/>
@@ -9159,8 +9041,8 @@
         </p:nvSpPr>
         <p:spPr>
           <a:xfrm>
-            <a:off x="13113503" y="24978479"/>
-            <a:ext cx="5471692" cy="1372946"/>
+            <a:off x="11558237" y="26060844"/>
+            <a:ext cx="5471692" cy="3096495"/>
           </a:xfrm>
           <a:prstGeom prst="rect">
             <a:avLst/>
@@ -9181,8 +9063,14 @@
               <a:rPr lang="en-US" sz="2800" dirty="0" smtClean="0">
                 <a:latin typeface="Avenir 65" pitchFamily="50" charset="0"/>
               </a:rPr>
-              <a:t>More likely:</a:t>
-            </a:r>
+              <a:t>Cluster L genomes are very repetitive at the end. </a:t>
+            </a:r>
+          </a:p>
+          <a:p>
+            <a:pPr algn="ctr"/>
+            <a:endParaRPr lang="en-US" sz="2800" dirty="0">
+              <a:latin typeface="Avenir 65" pitchFamily="50" charset="0"/>
+            </a:endParaRPr>
           </a:p>
           <a:p>
             <a:pPr algn="ctr"/>
@@ -9190,7 +9078,7 @@
               <a:rPr lang="en-US" sz="2800" dirty="0" smtClean="0">
                 <a:latin typeface="Avenir 65" pitchFamily="50" charset="0"/>
               </a:rPr>
-              <a:t>Cluster L genomes are very repetitive at the end. </a:t>
+              <a:t>Repetitive regions have increased counts of specific 4-mers, contributing to the spike in TDI. </a:t>
             </a:r>
           </a:p>
         </p:txBody>
@@ -9203,8 +9091,8 @@
         </p:nvCxnSpPr>
         <p:spPr>
           <a:xfrm flipV="1">
-            <a:off x="25148572" y="18990760"/>
-            <a:ext cx="677883" cy="1463667"/>
+            <a:off x="25148572" y="19861178"/>
+            <a:ext cx="415890" cy="593251"/>
           </a:xfrm>
           <a:prstGeom prst="straightConnector1">
             <a:avLst/>
@@ -9236,7 +9124,7 @@
         </p:nvSpPr>
         <p:spPr>
           <a:xfrm>
-            <a:off x="26698147" y="17263742"/>
+            <a:off x="26750129" y="18505414"/>
             <a:ext cx="3178775" cy="511172"/>
           </a:xfrm>
           <a:prstGeom prst="rect">
@@ -9271,8 +9159,8 @@
         </p:nvSpPr>
         <p:spPr>
           <a:xfrm>
-            <a:off x="25826455" y="17793114"/>
-            <a:ext cx="5717644" cy="3896714"/>
+            <a:off x="25943418" y="19272948"/>
+            <a:ext cx="5717644" cy="2727163"/>
           </a:xfrm>
           <a:prstGeom prst="rect">
             <a:avLst/>
@@ -9436,44 +9324,811 @@
               <a:latin typeface="Avenir 65" pitchFamily="50" charset="0"/>
             </a:endParaRPr>
           </a:p>
-          <a:p>
-            <a:pPr marL="457200" indent="-457200">
-              <a:buFont typeface="Arial" panose="020B0604020202020204" pitchFamily="34" charset="0"/>
-              <a:buChar char="•"/>
-            </a:pPr>
-            <a:endParaRPr lang="en-US" sz="2400" dirty="0" smtClean="0">
+        </p:txBody>
+      </p:sp>
+      <p:cxnSp>
+        <p:nvCxnSpPr>
+          <p:cNvPr id="107" name="Straight Connector 106"/>
+          <p:cNvCxnSpPr/>
+          <p:nvPr/>
+        </p:nvCxnSpPr>
+        <p:spPr>
+          <a:xfrm flipH="1">
+            <a:off x="31977426" y="27665607"/>
+            <a:ext cx="9944606" cy="0"/>
+          </a:xfrm>
+          <a:prstGeom prst="line">
+            <a:avLst/>
+          </a:prstGeom>
+          <a:ln w="44450">
+            <a:solidFill>
+              <a:srgbClr val="4369BD"/>
+            </a:solidFill>
+          </a:ln>
+        </p:spPr>
+        <p:style>
+          <a:lnRef idx="1">
+            <a:schemeClr val="dk1"/>
+          </a:lnRef>
+          <a:fillRef idx="0">
+            <a:schemeClr val="dk1"/>
+          </a:fillRef>
+          <a:effectRef idx="0">
+            <a:schemeClr val="dk1"/>
+          </a:effectRef>
+          <a:fontRef idx="minor">
+            <a:schemeClr val="tx1"/>
+          </a:fontRef>
+        </p:style>
+      </p:cxnSp>
+      <p:cxnSp>
+        <p:nvCxnSpPr>
+          <p:cNvPr id="111" name="Straight Connector 110"/>
+          <p:cNvCxnSpPr/>
+          <p:nvPr/>
+        </p:nvCxnSpPr>
+        <p:spPr>
+          <a:xfrm flipH="1">
+            <a:off x="-101337" y="27665607"/>
+            <a:ext cx="9944606" cy="0"/>
+          </a:xfrm>
+          <a:prstGeom prst="line">
+            <a:avLst/>
+          </a:prstGeom>
+          <a:ln w="44450">
+            <a:solidFill>
+              <a:srgbClr val="4369BD"/>
+            </a:solidFill>
+          </a:ln>
+        </p:spPr>
+        <p:style>
+          <a:lnRef idx="1">
+            <a:schemeClr val="dk1"/>
+          </a:lnRef>
+          <a:fillRef idx="0">
+            <a:schemeClr val="dk1"/>
+          </a:fillRef>
+          <a:effectRef idx="0">
+            <a:schemeClr val="dk1"/>
+          </a:effectRef>
+          <a:fontRef idx="minor">
+            <a:schemeClr val="tx1"/>
+          </a:fontRef>
+        </p:style>
+      </p:cxnSp>
+      <p:sp>
+        <p:nvSpPr>
+          <p:cNvPr id="112" name="TextBox 111"/>
+          <p:cNvSpPr txBox="1"/>
+          <p:nvPr/>
+        </p:nvSpPr>
+        <p:spPr>
+          <a:xfrm>
+            <a:off x="307975" y="27891767"/>
+            <a:ext cx="9535294" cy="1188280"/>
+          </a:xfrm>
+          <a:prstGeom prst="rect">
+            <a:avLst/>
+          </a:prstGeom>
+          <a:noFill/>
+        </p:spPr>
+        <p:txBody>
+          <a:bodyPr wrap="square" lIns="79507" tIns="39754" rIns="79507" bIns="39754" rtlCol="0">
+            <a:spAutoFit/>
+          </a:bodyPr>
+          <a:lstStyle/>
+          <a:p>
+            <a:r>
+              <a:rPr lang="en-US" sz="4000" b="1" dirty="0" smtClean="0">
+                <a:latin typeface="Avenir 65" pitchFamily="50" charset="0"/>
+              </a:rPr>
+              <a:t>Literature Cited</a:t>
+            </a:r>
+            <a:endParaRPr lang="en-US" sz="4000" b="1" dirty="0" smtClean="0">
               <a:latin typeface="Avenir 65" pitchFamily="50" charset="0"/>
             </a:endParaRPr>
           </a:p>
           <a:p>
-            <a:endParaRPr lang="en-US" sz="2400" dirty="0">
+            <a:endParaRPr lang="en-US" sz="1000" b="1" dirty="0" smtClean="0">
               <a:latin typeface="Avenir 65" pitchFamily="50" charset="0"/>
             </a:endParaRPr>
           </a:p>
           <a:p>
             <a:r>
-              <a:rPr lang="en-US" sz="2400" dirty="0" smtClean="0">
+              <a:rPr lang="en-US" sz="2200" dirty="0" smtClean="0">
                 <a:latin typeface="Avenir 65" pitchFamily="50" charset="0"/>
               </a:rPr>
               <a:t> </a:t>
             </a:r>
-            <a:r>
-              <a:rPr lang="en-US" sz="2800" dirty="0" smtClean="0">
+            <a:endParaRPr lang="en-US" sz="2000" dirty="0">
+              <a:latin typeface="Avenir 65" pitchFamily="50" charset="0"/>
+            </a:endParaRPr>
+          </a:p>
+        </p:txBody>
+      </p:sp>
+      <p:sp>
+        <p:nvSpPr>
+          <p:cNvPr id="113" name="TextBox 112"/>
+          <p:cNvSpPr txBox="1"/>
+          <p:nvPr/>
+        </p:nvSpPr>
+        <p:spPr>
+          <a:xfrm>
+            <a:off x="11483625" y="25161301"/>
+            <a:ext cx="5471692" cy="757393"/>
+          </a:xfrm>
+          <a:prstGeom prst="rect">
+            <a:avLst/>
+          </a:prstGeom>
+          <a:noFill/>
+          <a:ln>
+            <a:noFill/>
+          </a:ln>
+        </p:spPr>
+        <p:txBody>
+          <a:bodyPr wrap="square" lIns="79507" tIns="39754" rIns="79507" bIns="39754" rtlCol="0">
+            <a:spAutoFit/>
+          </a:bodyPr>
+          <a:lstStyle/>
+          <a:p>
+            <a:pPr algn="ctr"/>
+            <a:r>
+              <a:rPr lang="en-US" sz="4400" dirty="0">
+                <a:ln w="3175">
+                  <a:noFill/>
+                </a:ln>
+                <a:solidFill>
+                  <a:srgbClr val="F79029"/>
+                </a:solidFill>
                 <a:latin typeface="Avenir 65" pitchFamily="50" charset="0"/>
               </a:rPr>
-              <a:t>JoeDirt </a:t>
-            </a:r>
-            <a:r>
-              <a:rPr lang="en-US" sz="2800" dirty="0" err="1" smtClean="0">
+              <a:t>More likely:</a:t>
+            </a:r>
+          </a:p>
+        </p:txBody>
+      </p:sp>
+      <p:sp>
+        <p:nvSpPr>
+          <p:cNvPr id="117" name="TextBox 116"/>
+          <p:cNvSpPr txBox="1"/>
+          <p:nvPr/>
+        </p:nvSpPr>
+        <p:spPr>
+          <a:xfrm>
+            <a:off x="18150109" y="25017088"/>
+            <a:ext cx="6047771" cy="572727"/>
+          </a:xfrm>
+          <a:prstGeom prst="rect">
+            <a:avLst/>
+          </a:prstGeom>
+          <a:noFill/>
+          <a:ln>
+            <a:noFill/>
+          </a:ln>
+        </p:spPr>
+        <p:txBody>
+          <a:bodyPr wrap="square" lIns="79507" tIns="39754" rIns="79507" bIns="39754" rtlCol="0">
+            <a:spAutoFit/>
+          </a:bodyPr>
+          <a:lstStyle/>
+          <a:p>
+            <a:r>
+              <a:rPr lang="en-US" sz="3200" dirty="0" smtClean="0">
+                <a:ln w="3175">
+                  <a:noFill/>
+                </a:ln>
+                <a:solidFill>
+                  <a:srgbClr val="F79029"/>
+                </a:solidFill>
                 <a:latin typeface="Avenir 65" pitchFamily="50" charset="0"/>
               </a:rPr>
-              <a:t>gp</a:t>
-            </a:r>
-            <a:r>
-              <a:rPr lang="en-US" sz="2800" dirty="0" smtClean="0">
+              <a:t>JoeDirt (L1)  </a:t>
+            </a:r>
+            <a:r>
+              <a:rPr lang="en-US" sz="2000" dirty="0" smtClean="0">
+                <a:ln w="3175">
+                  <a:noFill/>
+                </a:ln>
                 <a:latin typeface="Avenir 65" pitchFamily="50" charset="0"/>
               </a:rPr>
-              <a:t> 131</a:t>
+              <a:t>cluster of repeats at 70kb</a:t>
+            </a:r>
+          </a:p>
+        </p:txBody>
+      </p:sp>
+      <p:sp>
+        <p:nvSpPr>
+          <p:cNvPr id="118" name="TextBox 117"/>
+          <p:cNvSpPr txBox="1"/>
+          <p:nvPr/>
+        </p:nvSpPr>
+        <p:spPr>
+          <a:xfrm>
+            <a:off x="24938376" y="24995675"/>
+            <a:ext cx="8284824" cy="1065169"/>
+          </a:xfrm>
+          <a:prstGeom prst="rect">
+            <a:avLst/>
+          </a:prstGeom>
+          <a:noFill/>
+          <a:ln>
+            <a:noFill/>
+          </a:ln>
+        </p:spPr>
+        <p:txBody>
+          <a:bodyPr wrap="square" lIns="79507" tIns="39754" rIns="79507" bIns="39754" rtlCol="0">
+            <a:spAutoFit/>
+          </a:bodyPr>
+          <a:lstStyle/>
+          <a:p>
+            <a:r>
+              <a:rPr lang="en-US" sz="3200" dirty="0" smtClean="0">
+                <a:ln w="3175">
+                  <a:noFill/>
+                </a:ln>
+                <a:solidFill>
+                  <a:srgbClr val="F79029"/>
+                </a:solidFill>
+                <a:latin typeface="Avenir 65" pitchFamily="50" charset="0"/>
+              </a:rPr>
+              <a:t>Archie (L2) </a:t>
+            </a:r>
+            <a:r>
+              <a:rPr lang="en-US" sz="2000" dirty="0">
+                <a:ln w="3175">
+                  <a:noFill/>
+                </a:ln>
+                <a:latin typeface="Avenir 65" pitchFamily="50" charset="0"/>
+              </a:rPr>
+              <a:t>cluster of repeats at </a:t>
+            </a:r>
+            <a:r>
+              <a:rPr lang="en-US" sz="2000" dirty="0" smtClean="0">
+                <a:ln w="3175">
+                  <a:noFill/>
+                </a:ln>
+                <a:latin typeface="Avenir 65" pitchFamily="50" charset="0"/>
+              </a:rPr>
+              <a:t>74kb and 76kb</a:t>
+            </a:r>
+            <a:endParaRPr lang="en-US" sz="2000" dirty="0">
+              <a:ln w="3175">
+                <a:noFill/>
+              </a:ln>
+              <a:latin typeface="Avenir 65" pitchFamily="50" charset="0"/>
+            </a:endParaRPr>
+          </a:p>
+          <a:p>
+            <a:endParaRPr lang="en-US" sz="3200" dirty="0">
+              <a:ln w="3175">
+                <a:noFill/>
+              </a:ln>
+              <a:solidFill>
+                <a:srgbClr val="F79029"/>
+              </a:solidFill>
+              <a:latin typeface="Avenir 65" pitchFamily="50" charset="0"/>
+            </a:endParaRPr>
+          </a:p>
+        </p:txBody>
+      </p:sp>
+      <p:sp>
+        <p:nvSpPr>
+          <p:cNvPr id="121" name="TextBox 120"/>
+          <p:cNvSpPr txBox="1"/>
+          <p:nvPr/>
+        </p:nvSpPr>
+        <p:spPr>
+          <a:xfrm>
+            <a:off x="32297424" y="20693114"/>
+            <a:ext cx="914400" cy="914400"/>
+          </a:xfrm>
+          <a:prstGeom prst="rect">
+            <a:avLst/>
+          </a:prstGeom>
+          <a:noFill/>
+          <a:ln w="44450" cap="rnd">
+            <a:solidFill>
+              <a:srgbClr val="F79029"/>
+            </a:solidFill>
+          </a:ln>
+        </p:spPr>
+        <p:txBody>
+          <a:bodyPr wrap="square" lIns="0" tIns="0" rIns="0" bIns="0" rtlCol="0" anchor="ctr" anchorCtr="0">
+            <a:noAutofit/>
+          </a:bodyPr>
+          <a:lstStyle/>
+          <a:p>
+            <a:pPr algn="ctr"/>
+            <a:r>
+              <a:rPr lang="en-US" sz="4400" b="1" dirty="0" smtClean="0">
+                <a:latin typeface="Avenir 65" pitchFamily="50" charset="0"/>
+              </a:rPr>
+              <a:t>7</a:t>
+            </a:r>
+            <a:endParaRPr lang="en-US" sz="4400" b="1" dirty="0" smtClean="0">
+              <a:latin typeface="Avenir 65" pitchFamily="50" charset="0"/>
+            </a:endParaRPr>
+          </a:p>
+        </p:txBody>
+      </p:sp>
+      <p:cxnSp>
+        <p:nvCxnSpPr>
+          <p:cNvPr id="122" name="Straight Connector 121"/>
+          <p:cNvCxnSpPr/>
+          <p:nvPr/>
+        </p:nvCxnSpPr>
+        <p:spPr>
+          <a:xfrm>
+            <a:off x="33211824" y="21605192"/>
+            <a:ext cx="6314912" cy="41928"/>
+          </a:xfrm>
+          <a:prstGeom prst="line">
+            <a:avLst/>
+          </a:prstGeom>
+          <a:ln w="44450">
+            <a:solidFill>
+              <a:srgbClr val="F79029"/>
+            </a:solidFill>
+          </a:ln>
+        </p:spPr>
+        <p:style>
+          <a:lnRef idx="1">
+            <a:schemeClr val="dk1"/>
+          </a:lnRef>
+          <a:fillRef idx="0">
+            <a:schemeClr val="dk1"/>
+          </a:fillRef>
+          <a:effectRef idx="0">
+            <a:schemeClr val="dk1"/>
+          </a:effectRef>
+          <a:fontRef idx="minor">
+            <a:schemeClr val="tx1"/>
+          </a:fontRef>
+        </p:style>
+      </p:cxnSp>
+      <p:sp>
+        <p:nvSpPr>
+          <p:cNvPr id="123" name="TextBox 122"/>
+          <p:cNvSpPr txBox="1"/>
+          <p:nvPr/>
+        </p:nvSpPr>
+        <p:spPr>
+          <a:xfrm>
+            <a:off x="33450495" y="20747577"/>
+            <a:ext cx="6076241" cy="757393"/>
+          </a:xfrm>
+          <a:prstGeom prst="rect">
+            <a:avLst/>
+          </a:prstGeom>
+          <a:noFill/>
+          <a:ln>
+            <a:noFill/>
+          </a:ln>
+        </p:spPr>
+        <p:txBody>
+          <a:bodyPr wrap="square" lIns="79507" tIns="39754" rIns="79507" bIns="39754" rtlCol="0">
+            <a:spAutoFit/>
+          </a:bodyPr>
+          <a:lstStyle/>
+          <a:p>
+            <a:r>
+              <a:rPr lang="en-US" sz="4400" dirty="0" smtClean="0">
+                <a:latin typeface="Avenir 65" pitchFamily="50" charset="0"/>
+              </a:rPr>
+              <a:t>Future directions</a:t>
+            </a:r>
+          </a:p>
+        </p:txBody>
+      </p:sp>
+      <p:sp>
+        <p:nvSpPr>
+          <p:cNvPr id="124" name="TextBox 123"/>
+          <p:cNvSpPr txBox="1"/>
+          <p:nvPr/>
+        </p:nvSpPr>
+        <p:spPr>
+          <a:xfrm>
+            <a:off x="32278859" y="6642460"/>
+            <a:ext cx="914400" cy="914400"/>
+          </a:xfrm>
+          <a:prstGeom prst="rect">
+            <a:avLst/>
+          </a:prstGeom>
+          <a:noFill/>
+          <a:ln w="44450" cap="rnd">
+            <a:solidFill>
+              <a:srgbClr val="F79029"/>
+            </a:solidFill>
+          </a:ln>
+        </p:spPr>
+        <p:txBody>
+          <a:bodyPr wrap="square" lIns="0" tIns="0" rIns="0" bIns="0" rtlCol="0" anchor="ctr" anchorCtr="0">
+            <a:noAutofit/>
+          </a:bodyPr>
+          <a:lstStyle/>
+          <a:p>
+            <a:pPr algn="ctr"/>
+            <a:r>
+              <a:rPr lang="en-US" sz="4400" b="1" dirty="0">
+                <a:latin typeface="Avenir 65" pitchFamily="50" charset="0"/>
+              </a:rPr>
+              <a:t>6</a:t>
+            </a:r>
+            <a:endParaRPr lang="en-US" sz="4400" b="1" dirty="0" smtClean="0">
+              <a:latin typeface="Avenir 65" pitchFamily="50" charset="0"/>
+            </a:endParaRPr>
+          </a:p>
+        </p:txBody>
+      </p:sp>
+      <p:cxnSp>
+        <p:nvCxnSpPr>
+          <p:cNvPr id="125" name="Straight Connector 124"/>
+          <p:cNvCxnSpPr/>
+          <p:nvPr/>
+        </p:nvCxnSpPr>
+        <p:spPr>
+          <a:xfrm>
+            <a:off x="33193259" y="7554538"/>
+            <a:ext cx="6314912" cy="41928"/>
+          </a:xfrm>
+          <a:prstGeom prst="line">
+            <a:avLst/>
+          </a:prstGeom>
+          <a:ln w="44450">
+            <a:solidFill>
+              <a:srgbClr val="F79029"/>
+            </a:solidFill>
+          </a:ln>
+        </p:spPr>
+        <p:style>
+          <a:lnRef idx="1">
+            <a:schemeClr val="dk1"/>
+          </a:lnRef>
+          <a:fillRef idx="0">
+            <a:schemeClr val="dk1"/>
+          </a:fillRef>
+          <a:effectRef idx="0">
+            <a:schemeClr val="dk1"/>
+          </a:effectRef>
+          <a:fontRef idx="minor">
+            <a:schemeClr val="tx1"/>
+          </a:fontRef>
+        </p:style>
+      </p:cxnSp>
+      <p:sp>
+        <p:nvSpPr>
+          <p:cNvPr id="126" name="TextBox 125"/>
+          <p:cNvSpPr txBox="1"/>
+          <p:nvPr/>
+        </p:nvSpPr>
+        <p:spPr>
+          <a:xfrm>
+            <a:off x="33431930" y="6696923"/>
+            <a:ext cx="6076241" cy="757393"/>
+          </a:xfrm>
+          <a:prstGeom prst="rect">
+            <a:avLst/>
+          </a:prstGeom>
+          <a:noFill/>
+          <a:ln>
+            <a:noFill/>
+          </a:ln>
+        </p:spPr>
+        <p:txBody>
+          <a:bodyPr wrap="square" lIns="79507" tIns="39754" rIns="79507" bIns="39754" rtlCol="0">
+            <a:spAutoFit/>
+          </a:bodyPr>
+          <a:lstStyle/>
+          <a:p>
+            <a:r>
+              <a:rPr lang="en-US" sz="4400" dirty="0" smtClean="0">
+                <a:latin typeface="Avenir 65" pitchFamily="50" charset="0"/>
+              </a:rPr>
+              <a:t>Conclusions</a:t>
+            </a:r>
+          </a:p>
+        </p:txBody>
+      </p:sp>
+      <p:grpSp>
+        <p:nvGrpSpPr>
+          <p:cNvPr id="110" name="Group 109"/>
+          <p:cNvGrpSpPr/>
+          <p:nvPr/>
+        </p:nvGrpSpPr>
+        <p:grpSpPr>
+          <a:xfrm>
+            <a:off x="18027270" y="25589815"/>
+            <a:ext cx="6161464" cy="3939045"/>
+            <a:chOff x="18027270" y="25589815"/>
+            <a:chExt cx="6161464" cy="3939045"/>
+          </a:xfrm>
+        </p:grpSpPr>
+        <p:pic>
+          <p:nvPicPr>
+            <p:cNvPr id="93" name="Picture 92"/>
+            <p:cNvPicPr>
+              <a:picLocks noChangeAspect="1"/>
+            </p:cNvPicPr>
+            <p:nvPr/>
+          </p:nvPicPr>
+          <p:blipFill rotWithShape="1">
+            <a:blip r:embed="rId8">
+              <a:extLst>
+                <a:ext uri="{28A0092B-C50C-407E-A947-70E740481C1C}">
+                  <a14:useLocalDpi xmlns:a14="http://schemas.microsoft.com/office/drawing/2010/main" val="0"/>
+                </a:ext>
+              </a:extLst>
+            </a:blip>
+            <a:srcRect l="-5" r="93" b="98488"/>
+            <a:stretch/>
+          </p:blipFill>
+          <p:spPr>
+            <a:xfrm>
+              <a:off x="18124400" y="25589815"/>
+              <a:ext cx="6064334" cy="3939045"/>
+            </a:xfrm>
+            <a:prstGeom prst="rect">
+              <a:avLst/>
+            </a:prstGeom>
+          </p:spPr>
+        </p:pic>
+        <p:sp>
+          <p:nvSpPr>
+            <p:cNvPr id="108" name="TextBox 107"/>
+            <p:cNvSpPr txBox="1"/>
+            <p:nvPr/>
+          </p:nvSpPr>
+          <p:spPr>
+            <a:xfrm>
+              <a:off x="18027270" y="25799865"/>
+              <a:ext cx="4970800" cy="338554"/>
+            </a:xfrm>
+            <a:prstGeom prst="rect">
+              <a:avLst/>
+            </a:prstGeom>
+            <a:solidFill>
+              <a:schemeClr val="bg1"/>
+            </a:solidFill>
+          </p:spPr>
+          <p:txBody>
+            <a:bodyPr wrap="square" rtlCol="0">
+              <a:spAutoFit/>
+            </a:bodyPr>
+            <a:lstStyle/>
+            <a:p>
+              <a:r>
+                <a:rPr lang="en-US" sz="1600" dirty="0" smtClean="0"/>
+                <a:t>	70000</a:t>
+              </a:r>
+              <a:endParaRPr lang="en-US" sz="1600" dirty="0"/>
+            </a:p>
+          </p:txBody>
+        </p:sp>
+        <p:sp>
+          <p:nvSpPr>
+            <p:cNvPr id="128" name="TextBox 127"/>
+            <p:cNvSpPr txBox="1"/>
+            <p:nvPr/>
+          </p:nvSpPr>
+          <p:spPr>
+            <a:xfrm>
+              <a:off x="22914003" y="25799865"/>
+              <a:ext cx="1253150" cy="114447"/>
+            </a:xfrm>
+            <a:prstGeom prst="rect">
+              <a:avLst/>
+            </a:prstGeom>
+            <a:solidFill>
+              <a:schemeClr val="bg1"/>
+            </a:solidFill>
+          </p:spPr>
+          <p:txBody>
+            <a:bodyPr wrap="square" rtlCol="0">
+              <a:spAutoFit/>
+            </a:bodyPr>
+            <a:lstStyle/>
+            <a:p>
+              <a:endParaRPr lang="en-US" sz="1600" dirty="0"/>
+            </a:p>
+          </p:txBody>
+        </p:sp>
+      </p:grpSp>
+      <p:grpSp>
+        <p:nvGrpSpPr>
+          <p:cNvPr id="115" name="Group 114"/>
+          <p:cNvGrpSpPr/>
+          <p:nvPr/>
+        </p:nvGrpSpPr>
+        <p:grpSpPr>
+          <a:xfrm>
+            <a:off x="25006512" y="25589815"/>
+            <a:ext cx="6032300" cy="3773945"/>
+            <a:chOff x="25006512" y="25589815"/>
+            <a:chExt cx="6032300" cy="3773945"/>
+          </a:xfrm>
+        </p:grpSpPr>
+        <p:pic>
+          <p:nvPicPr>
+            <p:cNvPr id="1034" name="Picture 10" descr="http://zlab.bu.edu/~mfrith/cgi_out/rf_pic22996.png"/>
+            <p:cNvPicPr>
+              <a:picLocks noChangeAspect="1" noChangeArrowheads="1"/>
+            </p:cNvPicPr>
+            <p:nvPr/>
+          </p:nvPicPr>
+          <p:blipFill rotWithShape="1">
+            <a:blip r:embed="rId9">
+              <a:extLst>
+                <a:ext uri="{28A0092B-C50C-407E-A947-70E740481C1C}">
+                  <a14:useLocalDpi xmlns:a14="http://schemas.microsoft.com/office/drawing/2010/main" val="0"/>
+                </a:ext>
+              </a:extLst>
+            </a:blip>
+            <a:srcRect b="96083"/>
+            <a:stretch/>
+          </p:blipFill>
+          <p:spPr bwMode="auto">
+            <a:xfrm>
+              <a:off x="25006512" y="25589815"/>
+              <a:ext cx="6032300" cy="3773945"/>
+            </a:xfrm>
+            <a:prstGeom prst="rect">
+              <a:avLst/>
+            </a:prstGeom>
+            <a:noFill/>
+            <a:extLst>
+              <a:ext uri="{909E8E84-426E-40DD-AFC4-6F175D3DCCD1}">
+                <a14:hiddenFill xmlns:a14="http://schemas.microsoft.com/office/drawing/2010/main">
+                  <a:solidFill>
+                    <a:srgbClr val="FFFFFF"/>
+                  </a:solidFill>
+                </a14:hiddenFill>
+              </a:ext>
+            </a:extLst>
+          </p:spPr>
+        </p:pic>
+        <p:sp>
+          <p:nvSpPr>
+            <p:cNvPr id="130" name="TextBox 129"/>
+            <p:cNvSpPr txBox="1"/>
+            <p:nvPr/>
+          </p:nvSpPr>
+          <p:spPr>
+            <a:xfrm>
+              <a:off x="25356517" y="25799865"/>
+              <a:ext cx="4970800" cy="338554"/>
+            </a:xfrm>
+            <a:prstGeom prst="rect">
+              <a:avLst/>
+            </a:prstGeom>
+            <a:solidFill>
+              <a:schemeClr val="bg1"/>
+            </a:solidFill>
+          </p:spPr>
+          <p:txBody>
+            <a:bodyPr wrap="square" rtlCol="0">
+              <a:spAutoFit/>
+            </a:bodyPr>
+            <a:lstStyle/>
+            <a:p>
+              <a:r>
+                <a:rPr lang="en-US" sz="1600" dirty="0" smtClean="0"/>
+                <a:t>	74000</a:t>
+              </a:r>
+              <a:endParaRPr lang="en-US" sz="1600" dirty="0"/>
+            </a:p>
+          </p:txBody>
+        </p:sp>
+        <p:sp>
+          <p:nvSpPr>
+            <p:cNvPr id="131" name="TextBox 130"/>
+            <p:cNvSpPr txBox="1"/>
+            <p:nvPr/>
+          </p:nvSpPr>
+          <p:spPr>
+            <a:xfrm>
+              <a:off x="30291488" y="25772348"/>
+              <a:ext cx="729601" cy="338554"/>
+            </a:xfrm>
+            <a:prstGeom prst="rect">
+              <a:avLst/>
+            </a:prstGeom>
+            <a:solidFill>
+              <a:schemeClr val="bg1"/>
+            </a:solidFill>
+          </p:spPr>
+          <p:txBody>
+            <a:bodyPr wrap="square" rtlCol="0">
+              <a:spAutoFit/>
+            </a:bodyPr>
+            <a:lstStyle/>
+            <a:p>
+              <a:r>
+                <a:rPr lang="en-US" sz="1600" dirty="0" smtClean="0"/>
+                <a:t>76000</a:t>
+              </a:r>
+              <a:endParaRPr lang="en-US" sz="1600" dirty="0"/>
+            </a:p>
+          </p:txBody>
+        </p:sp>
+      </p:grpSp>
+      <p:sp>
+        <p:nvSpPr>
+          <p:cNvPr id="134" name="TextBox 133"/>
+          <p:cNvSpPr txBox="1"/>
+          <p:nvPr/>
+        </p:nvSpPr>
+        <p:spPr>
+          <a:xfrm>
+            <a:off x="32269960" y="25051836"/>
+            <a:ext cx="9265532" cy="2173165"/>
+          </a:xfrm>
+          <a:prstGeom prst="rect">
+            <a:avLst/>
+          </a:prstGeom>
+          <a:noFill/>
+          <a:ln w="3175">
+            <a:noFill/>
+          </a:ln>
+        </p:spPr>
+        <p:txBody>
+          <a:bodyPr wrap="square" lIns="79507" tIns="39754" rIns="79507" bIns="39754" rtlCol="0">
+            <a:spAutoFit/>
+          </a:bodyPr>
+          <a:lstStyle/>
+          <a:p>
+            <a:r>
+              <a:rPr lang="en-US" sz="4000" dirty="0" smtClean="0">
+                <a:solidFill>
+                  <a:srgbClr val="F79029"/>
+                </a:solidFill>
+                <a:latin typeface="Avenir 65" pitchFamily="50" charset="0"/>
+              </a:rPr>
+              <a:t>Additional information:</a:t>
+            </a:r>
+          </a:p>
+          <a:p>
+            <a:r>
+              <a:rPr lang="en-US" sz="3200" dirty="0" smtClean="0">
+                <a:latin typeface="Avenir 65" pitchFamily="50" charset="0"/>
+              </a:rPr>
+              <a:t>Source code and processed data is available at</a:t>
+            </a:r>
+          </a:p>
+          <a:p>
+            <a:r>
+              <a:rPr lang="en-US" sz="3200" dirty="0" smtClean="0">
+                <a:latin typeface="Avenir 65" pitchFamily="50" charset="0"/>
+              </a:rPr>
+              <a:t>Github.com/</a:t>
+            </a:r>
+            <a:r>
+              <a:rPr lang="en-US" sz="3200" dirty="0" err="1" smtClean="0">
+                <a:latin typeface="Avenir 65" pitchFamily="50" charset="0"/>
+              </a:rPr>
+              <a:t>bsiranosian</a:t>
+            </a:r>
+            <a:r>
+              <a:rPr lang="en-US" sz="3200" dirty="0" smtClean="0">
+                <a:latin typeface="Avenir 65" pitchFamily="50" charset="0"/>
+              </a:rPr>
+              <a:t>/</a:t>
+            </a:r>
+            <a:r>
+              <a:rPr lang="en-US" sz="3200" dirty="0" err="1" smtClean="0">
+                <a:latin typeface="Avenir 65" pitchFamily="50" charset="0"/>
+              </a:rPr>
+              <a:t>tago</a:t>
+            </a:r>
+            <a:endParaRPr lang="en-US" sz="3200" dirty="0" smtClean="0">
+              <a:latin typeface="Avenir 65" pitchFamily="50" charset="0"/>
+            </a:endParaRPr>
+          </a:p>
+          <a:p>
+            <a:r>
+              <a:rPr lang="en-US" sz="3200" dirty="0" smtClean="0">
+                <a:latin typeface="Avenir 65" pitchFamily="50" charset="0"/>
+              </a:rPr>
+              <a:t>Bsiranosian.com</a:t>
             </a:r>
           </a:p>
         </p:txBody>

--- a/writing/Tetranucleotide usage poster draft.pptx
+++ b/writing/Tetranucleotide usage poster draft.pptx
@@ -108,23 +108,14 @@
     </a:lvl9pPr>
   </p:defaultTextStyle>
   <p:extLst>
-    <p:ext uri="{521415D9-36F7-43E2-AB2F-B90AF26B5E84}">
-      <p14:sectionLst xmlns:p14="http://schemas.microsoft.com/office/powerpoint/2010/main">
-        <p14:section name="Untitled Section" id="{B06B8844-9F9B-407C-8BA6-259D59E14C39}">
-          <p14:sldIdLst>
-            <p14:sldId id="256"/>
-          </p14:sldIdLst>
-        </p14:section>
-      </p14:sectionLst>
-    </p:ext>
     <p:ext uri="{EFAFB233-063F-42B5-8137-9DF3F51BA10A}">
       <p15:sldGuideLst xmlns:p15="http://schemas.microsoft.com/office/powerpoint/2012/main">
-        <p15:guide id="1" orient="horz" pos="9792">
+        <p15:guide id="1" orient="horz" pos="9792" userDrawn="1">
           <p15:clr>
             <a:srgbClr val="A4A3A4"/>
           </p15:clr>
         </p15:guide>
-        <p15:guide id="2" pos="13248">
+        <p15:guide id="2" pos="13248" userDrawn="1">
           <p15:clr>
             <a:srgbClr val="A4A3A4"/>
           </p15:clr>
@@ -169,25 +160,29 @@
               </a:defRPr>
             </a:pPr>
             <a:r>
-              <a:rPr lang="en-US" sz="1800"/>
-              <a:t>Tetranuleotide Difference Index in cluster L</a:t>
-            </a:r>
-            <a:r>
-              <a:rPr lang="en-US" sz="1800" baseline="0"/>
+              <a:rPr lang="en-US" sz="2000" dirty="0" smtClean="0"/>
+              <a:t>Tetranucleotide </a:t>
+            </a:r>
+            <a:r>
+              <a:rPr lang="en-US" sz="2000" dirty="0"/>
+              <a:t>Difference Index in cluster L</a:t>
+            </a:r>
+            <a:r>
+              <a:rPr lang="en-US" sz="2000" baseline="0" dirty="0"/>
               <a:t> genomes </a:t>
             </a:r>
             <a:br>
-              <a:rPr lang="en-US" sz="1800" baseline="0"/>
+              <a:rPr lang="en-US" sz="2000" baseline="0" dirty="0"/>
             </a:br>
             <a:r>
-              <a:rPr lang="en-US" sz="1800" baseline="0"/>
+              <a:rPr lang="en-US" sz="2000" baseline="0" dirty="0"/>
               <a:t> </a:t>
             </a:r>
             <a:r>
-              <a:rPr lang="en-US" baseline="0"/>
+              <a:rPr lang="en-US" sz="1600" baseline="0" dirty="0"/>
               <a:t>(2500bp window, 500bp step size)</a:t>
             </a:r>
-            <a:endParaRPr lang="en-US"/>
+            <a:endParaRPr lang="en-US" sz="1600" dirty="0"/>
           </a:p>
         </c:rich>
       </c:tx>
@@ -195,8 +190,8 @@
         <c:manualLayout>
           <c:xMode val="edge"/>
           <c:yMode val="edge"/>
-          <c:x val="0.21707454704876333"/>
-          <c:y val="1.6666666666666666E-2"/>
+          <c:x val="0.17817990354085966"/>
+          <c:y val="2.6015831338512048E-2"/>
         </c:manualLayout>
       </c:layout>
       <c:overlay val="0"/>
@@ -235,9 +230,9 @@
           <c:layoutTarget val="inner"/>
           <c:xMode val="edge"/>
           <c:yMode val="edge"/>
-          <c:x val="6.7109648780120781E-2"/>
+          <c:x val="7.689814189855039E-2"/>
           <c:y val="0.16237379702537186"/>
-          <c:w val="0.90307037419661018"/>
+          <c:w val="0.89328188101694039"/>
           <c:h val="0.6809625984251968"/>
         </c:manualLayout>
       </c:layout>
@@ -261,7 +256,7 @@
           <c:spPr>
             <a:ln w="28575" cap="rnd">
               <a:solidFill>
-                <a:srgbClr val="4369BD"/>
+                <a:srgbClr val="C7474E"/>
               </a:solidFill>
               <a:round/>
             </a:ln>
@@ -1198,7 +1193,7 @@
           <c:spPr>
             <a:ln w="28575" cap="rnd">
               <a:solidFill>
-                <a:srgbClr val="B5CF72"/>
+                <a:srgbClr val="4E8B63"/>
               </a:solidFill>
               <a:round/>
             </a:ln>
@@ -2144,7 +2139,7 @@
           <c:spPr>
             <a:ln w="28575" cap="rnd">
               <a:solidFill>
-                <a:srgbClr val="F79029"/>
+                <a:srgbClr val="D6AA26"/>
               </a:solidFill>
               <a:bevel/>
             </a:ln>
@@ -3099,7 +3094,7 @@
               <a:lstStyle/>
               <a:p>
                 <a:pPr>
-                  <a:defRPr sz="1600" b="0" i="0" u="none" strike="noStrike" kern="1200" baseline="0">
+                  <a:defRPr sz="1800" b="0" i="0" u="none" strike="noStrike" kern="1200" baseline="0">
                     <a:solidFill>
                       <a:schemeClr val="tx1">
                         <a:lumMod val="65000"/>
@@ -3112,13 +3107,20 @@
                   </a:defRPr>
                 </a:pPr>
                 <a:r>
-                  <a:rPr lang="en-US" sz="1600"/>
+                  <a:rPr lang="en-US" sz="1800" dirty="0"/>
                   <a:t>Genomic Position</a:t>
                 </a:r>
               </a:p>
             </c:rich>
           </c:tx>
-          <c:layout/>
+          <c:layout>
+            <c:manualLayout>
+              <c:xMode val="edge"/>
+              <c:yMode val="edge"/>
+              <c:x val="0.40079581011633258"/>
+              <c:y val="0.92090330390991104"/>
+            </c:manualLayout>
+          </c:layout>
           <c:overlay val="0"/>
           <c:spPr>
             <a:noFill/>
@@ -3132,7 +3134,7 @@
             <a:lstStyle/>
             <a:p>
               <a:pPr>
-                <a:defRPr sz="1600" b="0" i="0" u="none" strike="noStrike" kern="1200" baseline="0">
+                <a:defRPr sz="1800" b="0" i="0" u="none" strike="noStrike" kern="1200" baseline="0">
                   <a:solidFill>
                     <a:schemeClr val="tx1">
                       <a:lumMod val="65000"/>
@@ -3169,7 +3171,7 @@
           <a:lstStyle/>
           <a:p>
             <a:pPr>
-              <a:defRPr sz="1200" b="0" i="0" u="none" strike="noStrike" kern="1200" baseline="0">
+              <a:defRPr sz="1600" b="0" i="0" u="none" strike="noStrike" kern="1200" baseline="0">
                 <a:solidFill>
                   <a:schemeClr val="tx1">
                     <a:lumMod val="65000"/>
@@ -3223,7 +3225,7 @@
               <a:lstStyle/>
               <a:p>
                 <a:pPr>
-                  <a:defRPr sz="1600" b="0" i="0" u="none" strike="noStrike" kern="1200" baseline="0">
+                  <a:defRPr sz="1800" b="0" i="0" u="none" strike="noStrike" kern="1200" baseline="0">
                     <a:solidFill>
                       <a:schemeClr val="tx1">
                         <a:lumMod val="65000"/>
@@ -3236,7 +3238,7 @@
                   </a:defRPr>
                 </a:pPr>
                 <a:r>
-                  <a:rPr lang="en-US" sz="1600"/>
+                  <a:rPr lang="en-US" sz="1800" dirty="0"/>
                   <a:t>TDI Z-Score</a:t>
                 </a:r>
               </a:p>
@@ -3256,7 +3258,7 @@
             <a:lstStyle/>
             <a:p>
               <a:pPr>
-                <a:defRPr sz="1600" b="0" i="0" u="none" strike="noStrike" kern="1200" baseline="0">
+                <a:defRPr sz="1800" b="0" i="0" u="none" strike="noStrike" kern="1200" baseline="0">
                   <a:solidFill>
                     <a:schemeClr val="tx1">
                       <a:lumMod val="65000"/>
@@ -3288,7 +3290,7 @@
           <a:lstStyle/>
           <a:p>
             <a:pPr>
-              <a:defRPr sz="1400" b="0" i="0" u="none" strike="noStrike" kern="1200" baseline="0">
+              <a:defRPr sz="1600" b="0" i="0" u="none" strike="noStrike" kern="1200" baseline="0">
                 <a:solidFill>
                   <a:schemeClr val="tx1">
                     <a:lumMod val="65000"/>
@@ -3340,7 +3342,7 @@
         <a:lstStyle/>
         <a:p>
           <a:pPr>
-            <a:defRPr sz="1400" b="0" i="0" u="none" strike="noStrike" kern="1200" baseline="0">
+            <a:defRPr sz="1600" b="0" i="0" u="none" strike="noStrike" kern="1200" baseline="0">
               <a:solidFill>
                 <a:schemeClr val="tx1">
                   <a:lumMod val="65000"/>
@@ -4316,7 +4318,12 @@
             <p:ph type="sldImg"/>
           </p:nvPr>
         </p:nvSpPr>
-        <p:spPr/>
+        <p:spPr>
+          <a:xfrm>
+            <a:off x="1109663" y="685800"/>
+            <a:ext cx="4638675" cy="3429000"/>
+          </a:xfrm>
+        </p:spPr>
       </p:sp>
       <p:sp>
         <p:nvSpPr>
@@ -4402,7 +4409,7 @@
         </p:nvSpPr>
         <p:spPr>
           <a:xfrm>
-            <a:off x="3154680" y="9657929"/>
+            <a:off x="3154680" y="9657933"/>
             <a:ext cx="35753040" cy="6664113"/>
           </a:xfrm>
         </p:spPr>
@@ -4447,7 +4454,7 @@
                 </a:solidFill>
               </a:defRPr>
             </a:lvl1pPr>
-            <a:lvl2pPr marL="2089883" indent="0" algn="ctr">
+            <a:lvl2pPr marL="2089594" indent="0" algn="ctr">
               <a:buNone/>
               <a:defRPr>
                 <a:solidFill>
@@ -4457,7 +4464,7 @@
                 </a:solidFill>
               </a:defRPr>
             </a:lvl2pPr>
-            <a:lvl3pPr marL="4179766" indent="0" algn="ctr">
+            <a:lvl3pPr marL="4179186" indent="0" algn="ctr">
               <a:buNone/>
               <a:defRPr>
                 <a:solidFill>
@@ -4467,7 +4474,7 @@
                 </a:solidFill>
               </a:defRPr>
             </a:lvl3pPr>
-            <a:lvl4pPr marL="6269650" indent="0" algn="ctr">
+            <a:lvl4pPr marL="6268781" indent="0" algn="ctr">
               <a:buNone/>
               <a:defRPr>
                 <a:solidFill>
@@ -4477,7 +4484,7 @@
                 </a:solidFill>
               </a:defRPr>
             </a:lvl4pPr>
-            <a:lvl5pPr marL="8359533" indent="0" algn="ctr">
+            <a:lvl5pPr marL="8358375" indent="0" algn="ctr">
               <a:buNone/>
               <a:defRPr>
                 <a:solidFill>
@@ -4487,7 +4494,7 @@
                 </a:solidFill>
               </a:defRPr>
             </a:lvl5pPr>
-            <a:lvl6pPr marL="10449417" indent="0" algn="ctr">
+            <a:lvl6pPr marL="10447969" indent="0" algn="ctr">
               <a:buNone/>
               <a:defRPr>
                 <a:solidFill>
@@ -4497,7 +4504,7 @@
                 </a:solidFill>
               </a:defRPr>
             </a:lvl6pPr>
-            <a:lvl7pPr marL="12539300" indent="0" algn="ctr">
+            <a:lvl7pPr marL="12537562" indent="0" algn="ctr">
               <a:buNone/>
               <a:defRPr>
                 <a:solidFill>
@@ -4507,7 +4514,7 @@
                 </a:solidFill>
               </a:defRPr>
             </a:lvl7pPr>
-            <a:lvl8pPr marL="14629184" indent="0" algn="ctr">
+            <a:lvl8pPr marL="14627157" indent="0" algn="ctr">
               <a:buNone/>
               <a:defRPr>
                 <a:solidFill>
@@ -4517,7 +4524,7 @@
                 </a:solidFill>
               </a:defRPr>
             </a:lvl8pPr>
-            <a:lvl9pPr marL="16719067" indent="0" algn="ctr">
+            <a:lvl9pPr marL="16716751" indent="0" algn="ctr">
               <a:buNone/>
               <a:defRPr>
                 <a:solidFill>
@@ -4808,7 +4815,7 @@
         </p:nvSpPr>
         <p:spPr>
           <a:xfrm>
-            <a:off x="170776265" y="5973233"/>
+            <a:off x="170776273" y="5973233"/>
             <a:ext cx="52994245" cy="127330625"/>
           </a:xfrm>
         </p:spPr>
@@ -5160,7 +5167,7 @@
           <a:bodyPr anchor="t"/>
           <a:lstStyle>
             <a:lvl1pPr algn="l">
-              <a:defRPr sz="18300" b="1" cap="all"/>
+              <a:defRPr sz="18298" b="1" cap="all"/>
             </a:lvl1pPr>
           </a:lstStyle>
           <a:p>
@@ -5193,7 +5200,7 @@
           <a:lstStyle>
             <a:lvl1pPr marL="0" indent="0">
               <a:buNone/>
-              <a:defRPr sz="9100">
+              <a:defRPr sz="9098">
                 <a:solidFill>
                   <a:schemeClr val="tx1">
                     <a:tint val="75000"/>
@@ -5201,9 +5208,9 @@
                 </a:solidFill>
               </a:defRPr>
             </a:lvl1pPr>
-            <a:lvl2pPr marL="2089883" indent="0">
+            <a:lvl2pPr marL="2089594" indent="0">
               <a:buNone/>
-              <a:defRPr sz="8300">
+              <a:defRPr sz="8299">
                 <a:solidFill>
                   <a:schemeClr val="tx1">
                     <a:tint val="75000"/>
@@ -5211,9 +5218,9 @@
                 </a:solidFill>
               </a:defRPr>
             </a:lvl2pPr>
-            <a:lvl3pPr marL="4179766" indent="0">
+            <a:lvl3pPr marL="4179186" indent="0">
               <a:buNone/>
-              <a:defRPr sz="7300">
+              <a:defRPr sz="7298">
                 <a:solidFill>
                   <a:schemeClr val="tx1">
                     <a:tint val="75000"/>
@@ -5221,9 +5228,9 @@
                 </a:solidFill>
               </a:defRPr>
             </a:lvl3pPr>
-            <a:lvl4pPr marL="6269650" indent="0">
+            <a:lvl4pPr marL="6268781" indent="0">
               <a:buNone/>
-              <a:defRPr sz="6400">
+              <a:defRPr sz="6398">
                 <a:solidFill>
                   <a:schemeClr val="tx1">
                     <a:tint val="75000"/>
@@ -5231,9 +5238,9 @@
                 </a:solidFill>
               </a:defRPr>
             </a:lvl4pPr>
-            <a:lvl5pPr marL="8359533" indent="0">
+            <a:lvl5pPr marL="8358375" indent="0">
               <a:buNone/>
-              <a:defRPr sz="6400">
+              <a:defRPr sz="6398">
                 <a:solidFill>
                   <a:schemeClr val="tx1">
                     <a:tint val="75000"/>
@@ -5241,9 +5248,9 @@
                 </a:solidFill>
               </a:defRPr>
             </a:lvl5pPr>
-            <a:lvl6pPr marL="10449417" indent="0">
+            <a:lvl6pPr marL="10447969" indent="0">
               <a:buNone/>
-              <a:defRPr sz="6400">
+              <a:defRPr sz="6398">
                 <a:solidFill>
                   <a:schemeClr val="tx1">
                     <a:tint val="75000"/>
@@ -5251,9 +5258,9 @@
                 </a:solidFill>
               </a:defRPr>
             </a:lvl6pPr>
-            <a:lvl7pPr marL="12539300" indent="0">
+            <a:lvl7pPr marL="12537562" indent="0">
               <a:buNone/>
-              <a:defRPr sz="6400">
+              <a:defRPr sz="6398">
                 <a:solidFill>
                   <a:schemeClr val="tx1">
                     <a:tint val="75000"/>
@@ -5261,9 +5268,9 @@
                 </a:solidFill>
               </a:defRPr>
             </a:lvl7pPr>
-            <a:lvl8pPr marL="14629184" indent="0">
+            <a:lvl8pPr marL="14627157" indent="0">
               <a:buNone/>
-              <a:defRPr sz="6400">
+              <a:defRPr sz="6398">
                 <a:solidFill>
                   <a:schemeClr val="tx1">
                     <a:tint val="75000"/>
@@ -5271,9 +5278,9 @@
                 </a:solidFill>
               </a:defRPr>
             </a:lvl8pPr>
-            <a:lvl9pPr marL="16719067" indent="0">
+            <a:lvl9pPr marL="16716751" indent="0">
               <a:buNone/>
-              <a:defRPr sz="6400">
+              <a:defRPr sz="6398">
                 <a:solidFill>
                   <a:schemeClr val="tx1">
                     <a:tint val="75000"/>
@@ -5418,7 +5425,7 @@
         </p:nvSpPr>
         <p:spPr>
           <a:xfrm>
-            <a:off x="11778935" y="34817473"/>
+            <a:off x="11778943" y="34817473"/>
             <a:ext cx="105645265" cy="98486385"/>
           </a:xfrm>
         </p:spPr>
@@ -5426,31 +5433,31 @@
           <a:bodyPr/>
           <a:lstStyle>
             <a:lvl1pPr>
-              <a:defRPr sz="12800"/>
+              <a:defRPr sz="12798"/>
             </a:lvl1pPr>
             <a:lvl2pPr>
-              <a:defRPr sz="11000"/>
+              <a:defRPr sz="10998"/>
             </a:lvl2pPr>
             <a:lvl3pPr>
-              <a:defRPr sz="9100"/>
+              <a:defRPr sz="9098"/>
             </a:lvl3pPr>
             <a:lvl4pPr>
-              <a:defRPr sz="8300"/>
+              <a:defRPr sz="8299"/>
             </a:lvl4pPr>
             <a:lvl5pPr>
-              <a:defRPr sz="8300"/>
+              <a:defRPr sz="8299"/>
             </a:lvl5pPr>
             <a:lvl6pPr>
-              <a:defRPr sz="8300"/>
+              <a:defRPr sz="8299"/>
             </a:lvl6pPr>
             <a:lvl7pPr>
-              <a:defRPr sz="8300"/>
+              <a:defRPr sz="8299"/>
             </a:lvl7pPr>
             <a:lvl8pPr>
-              <a:defRPr sz="8300"/>
+              <a:defRPr sz="8299"/>
             </a:lvl8pPr>
             <a:lvl9pPr>
-              <a:defRPr sz="8300"/>
+              <a:defRPr sz="8299"/>
             </a:lvl9pPr>
           </a:lstStyle>
           <a:p>
@@ -5511,31 +5518,31 @@
           <a:bodyPr/>
           <a:lstStyle>
             <a:lvl1pPr>
-              <a:defRPr sz="12800"/>
+              <a:defRPr sz="12798"/>
             </a:lvl1pPr>
             <a:lvl2pPr>
-              <a:defRPr sz="11000"/>
+              <a:defRPr sz="10998"/>
             </a:lvl2pPr>
             <a:lvl3pPr>
-              <a:defRPr sz="9100"/>
+              <a:defRPr sz="9098"/>
             </a:lvl3pPr>
             <a:lvl4pPr>
-              <a:defRPr sz="8300"/>
+              <a:defRPr sz="8299"/>
             </a:lvl4pPr>
             <a:lvl5pPr>
-              <a:defRPr sz="8300"/>
+              <a:defRPr sz="8299"/>
             </a:lvl5pPr>
             <a:lvl6pPr>
-              <a:defRPr sz="8300"/>
+              <a:defRPr sz="8299"/>
             </a:lvl6pPr>
             <a:lvl7pPr>
-              <a:defRPr sz="8300"/>
+              <a:defRPr sz="8299"/>
             </a:lvl7pPr>
             <a:lvl8pPr>
-              <a:defRPr sz="8300"/>
+              <a:defRPr sz="8299"/>
             </a:lvl8pPr>
             <a:lvl9pPr>
-              <a:defRPr sz="8300"/>
+              <a:defRPr sz="8299"/>
             </a:lvl9pPr>
           </a:lstStyle>
           <a:p>
@@ -5712,7 +5719,7 @@
         </p:nvSpPr>
         <p:spPr>
           <a:xfrm>
-            <a:off x="2103120" y="6959178"/>
+            <a:off x="2103122" y="6959178"/>
             <a:ext cx="18584865" cy="2900255"/>
           </a:xfrm>
         </p:spPr>
@@ -5721,39 +5728,39 @@
           <a:lstStyle>
             <a:lvl1pPr marL="0" indent="0">
               <a:buNone/>
-              <a:defRPr sz="11000" b="1"/>
+              <a:defRPr sz="10998" b="1"/>
             </a:lvl1pPr>
-            <a:lvl2pPr marL="2089883" indent="0">
+            <a:lvl2pPr marL="2089594" indent="0">
               <a:buNone/>
-              <a:defRPr sz="9100" b="1"/>
+              <a:defRPr sz="9098" b="1"/>
             </a:lvl2pPr>
-            <a:lvl3pPr marL="4179766" indent="0">
+            <a:lvl3pPr marL="4179186" indent="0">
               <a:buNone/>
-              <a:defRPr sz="8300" b="1"/>
+              <a:defRPr sz="8299" b="1"/>
             </a:lvl3pPr>
-            <a:lvl4pPr marL="6269650" indent="0">
+            <a:lvl4pPr marL="6268781" indent="0">
               <a:buNone/>
-              <a:defRPr sz="7300" b="1"/>
+              <a:defRPr sz="7298" b="1"/>
             </a:lvl4pPr>
-            <a:lvl5pPr marL="8359533" indent="0">
+            <a:lvl5pPr marL="8358375" indent="0">
               <a:buNone/>
-              <a:defRPr sz="7300" b="1"/>
+              <a:defRPr sz="7298" b="1"/>
             </a:lvl5pPr>
-            <a:lvl6pPr marL="10449417" indent="0">
+            <a:lvl6pPr marL="10447969" indent="0">
               <a:buNone/>
-              <a:defRPr sz="7300" b="1"/>
+              <a:defRPr sz="7298" b="1"/>
             </a:lvl6pPr>
-            <a:lvl7pPr marL="12539300" indent="0">
+            <a:lvl7pPr marL="12537562" indent="0">
               <a:buNone/>
-              <a:defRPr sz="7300" b="1"/>
+              <a:defRPr sz="7298" b="1"/>
             </a:lvl7pPr>
-            <a:lvl8pPr marL="14629184" indent="0">
+            <a:lvl8pPr marL="14627157" indent="0">
               <a:buNone/>
-              <a:defRPr sz="7300" b="1"/>
+              <a:defRPr sz="7298" b="1"/>
             </a:lvl8pPr>
-            <a:lvl9pPr marL="16719067" indent="0">
+            <a:lvl9pPr marL="16716751" indent="0">
               <a:buNone/>
-              <a:defRPr sz="7300" b="1"/>
+              <a:defRPr sz="7298" b="1"/>
             </a:lvl9pPr>
           </a:lstStyle>
           <a:p>
@@ -5777,7 +5784,7 @@
         </p:nvSpPr>
         <p:spPr>
           <a:xfrm>
-            <a:off x="2103120" y="9859433"/>
+            <a:off x="2103122" y="9859433"/>
             <a:ext cx="18584865" cy="17912505"/>
           </a:xfrm>
         </p:spPr>
@@ -5785,31 +5792,31 @@
           <a:bodyPr/>
           <a:lstStyle>
             <a:lvl1pPr>
-              <a:defRPr sz="11000"/>
+              <a:defRPr sz="10998"/>
             </a:lvl1pPr>
             <a:lvl2pPr>
-              <a:defRPr sz="9100"/>
+              <a:defRPr sz="9098"/>
             </a:lvl2pPr>
             <a:lvl3pPr>
-              <a:defRPr sz="8300"/>
+              <a:defRPr sz="8299"/>
             </a:lvl3pPr>
             <a:lvl4pPr>
-              <a:defRPr sz="7300"/>
+              <a:defRPr sz="7298"/>
             </a:lvl4pPr>
             <a:lvl5pPr>
-              <a:defRPr sz="7300"/>
+              <a:defRPr sz="7298"/>
             </a:lvl5pPr>
             <a:lvl6pPr>
-              <a:defRPr sz="7300"/>
+              <a:defRPr sz="7298"/>
             </a:lvl6pPr>
             <a:lvl7pPr>
-              <a:defRPr sz="7300"/>
+              <a:defRPr sz="7298"/>
             </a:lvl7pPr>
             <a:lvl8pPr>
-              <a:defRPr sz="7300"/>
+              <a:defRPr sz="7298"/>
             </a:lvl8pPr>
             <a:lvl9pPr>
-              <a:defRPr sz="7300"/>
+              <a:defRPr sz="7298"/>
             </a:lvl9pPr>
           </a:lstStyle>
           <a:p>
@@ -5862,7 +5869,7 @@
         </p:nvSpPr>
         <p:spPr>
           <a:xfrm>
-            <a:off x="21367117" y="6959178"/>
+            <a:off x="21367124" y="6959178"/>
             <a:ext cx="18592165" cy="2900255"/>
           </a:xfrm>
         </p:spPr>
@@ -5871,39 +5878,39 @@
           <a:lstStyle>
             <a:lvl1pPr marL="0" indent="0">
               <a:buNone/>
-              <a:defRPr sz="11000" b="1"/>
+              <a:defRPr sz="10998" b="1"/>
             </a:lvl1pPr>
-            <a:lvl2pPr marL="2089883" indent="0">
+            <a:lvl2pPr marL="2089594" indent="0">
               <a:buNone/>
-              <a:defRPr sz="9100" b="1"/>
+              <a:defRPr sz="9098" b="1"/>
             </a:lvl2pPr>
-            <a:lvl3pPr marL="4179766" indent="0">
+            <a:lvl3pPr marL="4179186" indent="0">
               <a:buNone/>
-              <a:defRPr sz="8300" b="1"/>
+              <a:defRPr sz="8299" b="1"/>
             </a:lvl3pPr>
-            <a:lvl4pPr marL="6269650" indent="0">
+            <a:lvl4pPr marL="6268781" indent="0">
               <a:buNone/>
-              <a:defRPr sz="7300" b="1"/>
+              <a:defRPr sz="7298" b="1"/>
             </a:lvl4pPr>
-            <a:lvl5pPr marL="8359533" indent="0">
+            <a:lvl5pPr marL="8358375" indent="0">
               <a:buNone/>
-              <a:defRPr sz="7300" b="1"/>
+              <a:defRPr sz="7298" b="1"/>
             </a:lvl5pPr>
-            <a:lvl6pPr marL="10449417" indent="0">
+            <a:lvl6pPr marL="10447969" indent="0">
               <a:buNone/>
-              <a:defRPr sz="7300" b="1"/>
+              <a:defRPr sz="7298" b="1"/>
             </a:lvl6pPr>
-            <a:lvl7pPr marL="12539300" indent="0">
+            <a:lvl7pPr marL="12537562" indent="0">
               <a:buNone/>
-              <a:defRPr sz="7300" b="1"/>
+              <a:defRPr sz="7298" b="1"/>
             </a:lvl7pPr>
-            <a:lvl8pPr marL="14629184" indent="0">
+            <a:lvl8pPr marL="14627157" indent="0">
               <a:buNone/>
-              <a:defRPr sz="7300" b="1"/>
+              <a:defRPr sz="7298" b="1"/>
             </a:lvl8pPr>
-            <a:lvl9pPr marL="16719067" indent="0">
+            <a:lvl9pPr marL="16716751" indent="0">
               <a:buNone/>
-              <a:defRPr sz="7300" b="1"/>
+              <a:defRPr sz="7298" b="1"/>
             </a:lvl9pPr>
           </a:lstStyle>
           <a:p>
@@ -5927,7 +5934,7 @@
         </p:nvSpPr>
         <p:spPr>
           <a:xfrm>
-            <a:off x="21367117" y="9859433"/>
+            <a:off x="21367124" y="9859433"/>
             <a:ext cx="18592165" cy="17912505"/>
           </a:xfrm>
         </p:spPr>
@@ -5935,31 +5942,31 @@
           <a:bodyPr/>
           <a:lstStyle>
             <a:lvl1pPr>
-              <a:defRPr sz="11000"/>
+              <a:defRPr sz="10998"/>
             </a:lvl1pPr>
             <a:lvl2pPr>
-              <a:defRPr sz="9100"/>
+              <a:defRPr sz="9098"/>
             </a:lvl2pPr>
             <a:lvl3pPr>
-              <a:defRPr sz="8300"/>
+              <a:defRPr sz="8299"/>
             </a:lvl3pPr>
             <a:lvl4pPr>
-              <a:defRPr sz="7300"/>
+              <a:defRPr sz="7298"/>
             </a:lvl4pPr>
             <a:lvl5pPr>
-              <a:defRPr sz="7300"/>
+              <a:defRPr sz="7298"/>
             </a:lvl5pPr>
             <a:lvl6pPr>
-              <a:defRPr sz="7300"/>
+              <a:defRPr sz="7298"/>
             </a:lvl6pPr>
             <a:lvl7pPr>
-              <a:defRPr sz="7300"/>
+              <a:defRPr sz="7298"/>
             </a:lvl7pPr>
             <a:lvl8pPr>
-              <a:defRPr sz="7300"/>
+              <a:defRPr sz="7298"/>
             </a:lvl8pPr>
             <a:lvl9pPr>
-              <a:defRPr sz="7300"/>
+              <a:defRPr sz="7298"/>
             </a:lvl9pPr>
           </a:lstStyle>
           <a:p>
@@ -6319,7 +6326,7 @@
           <a:bodyPr anchor="b"/>
           <a:lstStyle>
             <a:lvl1pPr algn="l">
-              <a:defRPr sz="9100" b="1"/>
+              <a:defRPr sz="9098" b="1"/>
             </a:lvl1pPr>
           </a:lstStyle>
           <a:p>
@@ -6351,31 +6358,31 @@
           <a:bodyPr/>
           <a:lstStyle>
             <a:lvl1pPr>
-              <a:defRPr sz="14600"/>
+              <a:defRPr sz="14598"/>
             </a:lvl1pPr>
             <a:lvl2pPr>
-              <a:defRPr sz="12800"/>
+              <a:defRPr sz="12798"/>
             </a:lvl2pPr>
             <a:lvl3pPr>
-              <a:defRPr sz="11000"/>
+              <a:defRPr sz="10998"/>
             </a:lvl3pPr>
             <a:lvl4pPr>
-              <a:defRPr sz="9100"/>
+              <a:defRPr sz="9098"/>
             </a:lvl4pPr>
             <a:lvl5pPr>
-              <a:defRPr sz="9100"/>
+              <a:defRPr sz="9098"/>
             </a:lvl5pPr>
             <a:lvl6pPr>
-              <a:defRPr sz="9100"/>
+              <a:defRPr sz="9098"/>
             </a:lvl6pPr>
             <a:lvl7pPr>
-              <a:defRPr sz="9100"/>
+              <a:defRPr sz="9098"/>
             </a:lvl7pPr>
             <a:lvl8pPr>
-              <a:defRPr sz="9100"/>
+              <a:defRPr sz="9098"/>
             </a:lvl8pPr>
             <a:lvl9pPr>
-              <a:defRPr sz="9100"/>
+              <a:defRPr sz="9098"/>
             </a:lvl9pPr>
           </a:lstStyle>
           <a:p>
@@ -6437,37 +6444,37 @@
           <a:lstStyle>
             <a:lvl1pPr marL="0" indent="0">
               <a:buNone/>
-              <a:defRPr sz="6400"/>
+              <a:defRPr sz="6398"/>
             </a:lvl1pPr>
-            <a:lvl2pPr marL="2089883" indent="0">
+            <a:lvl2pPr marL="2089594" indent="0">
               <a:buNone/>
-              <a:defRPr sz="5500"/>
+              <a:defRPr sz="5498"/>
             </a:lvl2pPr>
-            <a:lvl3pPr marL="4179766" indent="0">
+            <a:lvl3pPr marL="4179186" indent="0">
               <a:buNone/>
-              <a:defRPr sz="4600"/>
+              <a:defRPr sz="4598"/>
             </a:lvl3pPr>
-            <a:lvl4pPr marL="6269650" indent="0">
+            <a:lvl4pPr marL="6268781" indent="0">
               <a:buNone/>
               <a:defRPr sz="4100"/>
             </a:lvl4pPr>
-            <a:lvl5pPr marL="8359533" indent="0">
+            <a:lvl5pPr marL="8358375" indent="0">
               <a:buNone/>
               <a:defRPr sz="4100"/>
             </a:lvl5pPr>
-            <a:lvl6pPr marL="10449417" indent="0">
+            <a:lvl6pPr marL="10447969" indent="0">
               <a:buNone/>
               <a:defRPr sz="4100"/>
             </a:lvl6pPr>
-            <a:lvl7pPr marL="12539300" indent="0">
+            <a:lvl7pPr marL="12537562" indent="0">
               <a:buNone/>
               <a:defRPr sz="4100"/>
             </a:lvl7pPr>
-            <a:lvl8pPr marL="14629184" indent="0">
+            <a:lvl8pPr marL="14627157" indent="0">
               <a:buNone/>
               <a:defRPr sz="4100"/>
             </a:lvl8pPr>
-            <a:lvl9pPr marL="16719067" indent="0">
+            <a:lvl9pPr marL="16716751" indent="0">
               <a:buNone/>
               <a:defRPr sz="4100"/>
             </a:lvl9pPr>
@@ -6593,7 +6600,7 @@
           <a:bodyPr anchor="b"/>
           <a:lstStyle>
             <a:lvl1pPr algn="l">
-              <a:defRPr sz="9100" b="1"/>
+              <a:defRPr sz="9098" b="1"/>
             </a:lvl1pPr>
           </a:lstStyle>
           <a:p>
@@ -6626,39 +6633,39 @@
           <a:lstStyle>
             <a:lvl1pPr marL="0" indent="0">
               <a:buNone/>
-              <a:defRPr sz="14600"/>
+              <a:defRPr sz="14598"/>
             </a:lvl1pPr>
-            <a:lvl2pPr marL="2089883" indent="0">
+            <a:lvl2pPr marL="2089594" indent="0">
               <a:buNone/>
-              <a:defRPr sz="12800"/>
+              <a:defRPr sz="12798"/>
             </a:lvl2pPr>
-            <a:lvl3pPr marL="4179766" indent="0">
+            <a:lvl3pPr marL="4179186" indent="0">
               <a:buNone/>
-              <a:defRPr sz="11000"/>
+              <a:defRPr sz="10998"/>
             </a:lvl3pPr>
-            <a:lvl4pPr marL="6269650" indent="0">
+            <a:lvl4pPr marL="6268781" indent="0">
               <a:buNone/>
-              <a:defRPr sz="9100"/>
+              <a:defRPr sz="9098"/>
             </a:lvl4pPr>
-            <a:lvl5pPr marL="8359533" indent="0">
+            <a:lvl5pPr marL="8358375" indent="0">
               <a:buNone/>
-              <a:defRPr sz="9100"/>
+              <a:defRPr sz="9098"/>
             </a:lvl5pPr>
-            <a:lvl6pPr marL="10449417" indent="0">
+            <a:lvl6pPr marL="10447969" indent="0">
               <a:buNone/>
-              <a:defRPr sz="9100"/>
+              <a:defRPr sz="9098"/>
             </a:lvl6pPr>
-            <a:lvl7pPr marL="12539300" indent="0">
+            <a:lvl7pPr marL="12537562" indent="0">
               <a:buNone/>
-              <a:defRPr sz="9100"/>
+              <a:defRPr sz="9098"/>
             </a:lvl7pPr>
-            <a:lvl8pPr marL="14629184" indent="0">
+            <a:lvl8pPr marL="14627157" indent="0">
               <a:buNone/>
-              <a:defRPr sz="9100"/>
+              <a:defRPr sz="9098"/>
             </a:lvl8pPr>
-            <a:lvl9pPr marL="16719067" indent="0">
+            <a:lvl9pPr marL="16716751" indent="0">
               <a:buNone/>
-              <a:defRPr sz="9100"/>
+              <a:defRPr sz="9098"/>
             </a:lvl9pPr>
           </a:lstStyle>
           <a:p>
@@ -6687,37 +6694,37 @@
           <a:lstStyle>
             <a:lvl1pPr marL="0" indent="0">
               <a:buNone/>
-              <a:defRPr sz="6400"/>
+              <a:defRPr sz="6398"/>
             </a:lvl1pPr>
-            <a:lvl2pPr marL="2089883" indent="0">
+            <a:lvl2pPr marL="2089594" indent="0">
               <a:buNone/>
-              <a:defRPr sz="5500"/>
+              <a:defRPr sz="5498"/>
             </a:lvl2pPr>
-            <a:lvl3pPr marL="4179766" indent="0">
+            <a:lvl3pPr marL="4179186" indent="0">
               <a:buNone/>
-              <a:defRPr sz="4600"/>
+              <a:defRPr sz="4598"/>
             </a:lvl3pPr>
-            <a:lvl4pPr marL="6269650" indent="0">
+            <a:lvl4pPr marL="6268781" indent="0">
               <a:buNone/>
               <a:defRPr sz="4100"/>
             </a:lvl4pPr>
-            <a:lvl5pPr marL="8359533" indent="0">
+            <a:lvl5pPr marL="8358375" indent="0">
               <a:buNone/>
               <a:defRPr sz="4100"/>
             </a:lvl5pPr>
-            <a:lvl6pPr marL="10449417" indent="0">
+            <a:lvl6pPr marL="10447969" indent="0">
               <a:buNone/>
               <a:defRPr sz="4100"/>
             </a:lvl6pPr>
-            <a:lvl7pPr marL="12539300" indent="0">
+            <a:lvl7pPr marL="12537562" indent="0">
               <a:buNone/>
               <a:defRPr sz="4100"/>
             </a:lvl7pPr>
-            <a:lvl8pPr marL="14629184" indent="0">
+            <a:lvl8pPr marL="14627157" indent="0">
               <a:buNone/>
               <a:defRPr sz="4100"/>
             </a:lvl8pPr>
-            <a:lvl9pPr marL="16719067" indent="0">
+            <a:lvl9pPr marL="16716751" indent="0">
               <a:buNone/>
               <a:defRPr sz="4100"/>
             </a:lvl9pPr>
@@ -6873,7 +6880,7 @@
         </p:nvSpPr>
         <p:spPr>
           <a:xfrm>
-            <a:off x="2103120" y="7254243"/>
+            <a:off x="2103120" y="7254245"/>
             <a:ext cx="37856160" cy="20517699"/>
           </a:xfrm>
           <a:prstGeom prst="rect">
@@ -6946,7 +6953,7 @@
           <a:bodyPr vert="horz" lIns="417976" tIns="208989" rIns="417976" bIns="208989" rtlCol="0" anchor="ctr"/>
           <a:lstStyle>
             <a:lvl1pPr algn="l">
-              <a:defRPr sz="5500">
+              <a:defRPr sz="5498">
                 <a:solidFill>
                   <a:schemeClr val="tx1">
                     <a:tint val="75000"/>
@@ -6988,7 +6995,7 @@
           <a:bodyPr vert="horz" lIns="417976" tIns="208989" rIns="417976" bIns="208989" rtlCol="0" anchor="ctr"/>
           <a:lstStyle>
             <a:lvl1pPr algn="ctr">
-              <a:defRPr sz="5500">
+              <a:defRPr sz="5498">
                 <a:solidFill>
                   <a:schemeClr val="tx1">
                     <a:tint val="75000"/>
@@ -7025,7 +7032,7 @@
           <a:bodyPr vert="horz" lIns="417976" tIns="208989" rIns="417976" bIns="208989" rtlCol="0" anchor="ctr"/>
           <a:lstStyle>
             <a:lvl1pPr algn="r">
-              <a:defRPr sz="5500">
+              <a:defRPr sz="5498">
                 <a:solidFill>
                   <a:schemeClr val="tx1">
                     <a:tint val="75000"/>
@@ -7069,12 +7076,12 @@
   </p:timing>
   <p:txStyles>
     <p:titleStyle>
-      <a:lvl1pPr algn="ctr" defTabSz="2089883" rtl="0" eaLnBrk="1" latinLnBrk="0" hangingPunct="1">
+      <a:lvl1pPr algn="ctr" defTabSz="2089594" rtl="0" eaLnBrk="1" latinLnBrk="0" hangingPunct="1">
         <a:spcBef>
           <a:spcPct val="0"/>
         </a:spcBef>
         <a:buNone/>
-        <a:defRPr sz="20100" kern="1200">
+        <a:defRPr sz="20097" kern="1200">
           <a:solidFill>
             <a:schemeClr val="tx1"/>
           </a:solidFill>
@@ -7085,13 +7092,13 @@
       </a:lvl1pPr>
     </p:titleStyle>
     <p:bodyStyle>
-      <a:lvl1pPr marL="1567413" indent="-1567413" algn="l" defTabSz="2089883" rtl="0" eaLnBrk="1" latinLnBrk="0" hangingPunct="1">
+      <a:lvl1pPr marL="1567197" indent="-1567197" algn="l" defTabSz="2089594" rtl="0" eaLnBrk="1" latinLnBrk="0" hangingPunct="1">
         <a:spcBef>
           <a:spcPct val="20000"/>
         </a:spcBef>
         <a:buFont typeface="Arial"/>
         <a:buChar char="•"/>
-        <a:defRPr sz="14600" kern="1200">
+        <a:defRPr sz="14598" kern="1200">
           <a:solidFill>
             <a:schemeClr val="tx1"/>
           </a:solidFill>
@@ -7100,13 +7107,13 @@
           <a:cs typeface="+mn-cs"/>
         </a:defRPr>
       </a:lvl1pPr>
-      <a:lvl2pPr marL="3396060" indent="-1306177" algn="l" defTabSz="2089883" rtl="0" eaLnBrk="1" latinLnBrk="0" hangingPunct="1">
+      <a:lvl2pPr marL="3395589" indent="-1305996" algn="l" defTabSz="2089594" rtl="0" eaLnBrk="1" latinLnBrk="0" hangingPunct="1">
         <a:spcBef>
           <a:spcPct val="20000"/>
         </a:spcBef>
         <a:buFont typeface="Arial"/>
         <a:buChar char="–"/>
-        <a:defRPr sz="12800" kern="1200">
+        <a:defRPr sz="12798" kern="1200">
           <a:solidFill>
             <a:schemeClr val="tx1"/>
           </a:solidFill>
@@ -7115,13 +7122,13 @@
           <a:cs typeface="+mn-cs"/>
         </a:defRPr>
       </a:lvl2pPr>
-      <a:lvl3pPr marL="5224708" indent="-1044942" algn="l" defTabSz="2089883" rtl="0" eaLnBrk="1" latinLnBrk="0" hangingPunct="1">
+      <a:lvl3pPr marL="5223984" indent="-1044797" algn="l" defTabSz="2089594" rtl="0" eaLnBrk="1" latinLnBrk="0" hangingPunct="1">
         <a:spcBef>
           <a:spcPct val="20000"/>
         </a:spcBef>
         <a:buFont typeface="Arial"/>
         <a:buChar char="•"/>
-        <a:defRPr sz="11000" kern="1200">
+        <a:defRPr sz="10998" kern="1200">
           <a:solidFill>
             <a:schemeClr val="tx1"/>
           </a:solidFill>
@@ -7130,13 +7137,13 @@
           <a:cs typeface="+mn-cs"/>
         </a:defRPr>
       </a:lvl3pPr>
-      <a:lvl4pPr marL="7314591" indent="-1044942" algn="l" defTabSz="2089883" rtl="0" eaLnBrk="1" latinLnBrk="0" hangingPunct="1">
+      <a:lvl4pPr marL="7313577" indent="-1044797" algn="l" defTabSz="2089594" rtl="0" eaLnBrk="1" latinLnBrk="0" hangingPunct="1">
         <a:spcBef>
           <a:spcPct val="20000"/>
         </a:spcBef>
         <a:buFont typeface="Arial"/>
         <a:buChar char="–"/>
-        <a:defRPr sz="9100" kern="1200">
+        <a:defRPr sz="9098" kern="1200">
           <a:solidFill>
             <a:schemeClr val="tx1"/>
           </a:solidFill>
@@ -7145,13 +7152,13 @@
           <a:cs typeface="+mn-cs"/>
         </a:defRPr>
       </a:lvl4pPr>
-      <a:lvl5pPr marL="9404475" indent="-1044942" algn="l" defTabSz="2089883" rtl="0" eaLnBrk="1" latinLnBrk="0" hangingPunct="1">
+      <a:lvl5pPr marL="9403171" indent="-1044797" algn="l" defTabSz="2089594" rtl="0" eaLnBrk="1" latinLnBrk="0" hangingPunct="1">
         <a:spcBef>
           <a:spcPct val="20000"/>
         </a:spcBef>
         <a:buFont typeface="Arial"/>
         <a:buChar char="»"/>
-        <a:defRPr sz="9100" kern="1200">
+        <a:defRPr sz="9098" kern="1200">
           <a:solidFill>
             <a:schemeClr val="tx1"/>
           </a:solidFill>
@@ -7160,13 +7167,13 @@
           <a:cs typeface="+mn-cs"/>
         </a:defRPr>
       </a:lvl5pPr>
-      <a:lvl6pPr marL="11494359" indent="-1044942" algn="l" defTabSz="2089883" rtl="0" eaLnBrk="1" latinLnBrk="0" hangingPunct="1">
+      <a:lvl6pPr marL="11492766" indent="-1044797" algn="l" defTabSz="2089594" rtl="0" eaLnBrk="1" latinLnBrk="0" hangingPunct="1">
         <a:spcBef>
           <a:spcPct val="20000"/>
         </a:spcBef>
         <a:buFont typeface="Arial"/>
         <a:buChar char="•"/>
-        <a:defRPr sz="9100" kern="1200">
+        <a:defRPr sz="9098" kern="1200">
           <a:solidFill>
             <a:schemeClr val="tx1"/>
           </a:solidFill>
@@ -7175,13 +7182,13 @@
           <a:cs typeface="+mn-cs"/>
         </a:defRPr>
       </a:lvl6pPr>
-      <a:lvl7pPr marL="13584242" indent="-1044942" algn="l" defTabSz="2089883" rtl="0" eaLnBrk="1" latinLnBrk="0" hangingPunct="1">
+      <a:lvl7pPr marL="13582359" indent="-1044797" algn="l" defTabSz="2089594" rtl="0" eaLnBrk="1" latinLnBrk="0" hangingPunct="1">
         <a:spcBef>
           <a:spcPct val="20000"/>
         </a:spcBef>
         <a:buFont typeface="Arial"/>
         <a:buChar char="•"/>
-        <a:defRPr sz="9100" kern="1200">
+        <a:defRPr sz="9098" kern="1200">
           <a:solidFill>
             <a:schemeClr val="tx1"/>
           </a:solidFill>
@@ -7190,13 +7197,13 @@
           <a:cs typeface="+mn-cs"/>
         </a:defRPr>
       </a:lvl7pPr>
-      <a:lvl8pPr marL="15674125" indent="-1044942" algn="l" defTabSz="2089883" rtl="0" eaLnBrk="1" latinLnBrk="0" hangingPunct="1">
+      <a:lvl8pPr marL="15671954" indent="-1044797" algn="l" defTabSz="2089594" rtl="0" eaLnBrk="1" latinLnBrk="0" hangingPunct="1">
         <a:spcBef>
           <a:spcPct val="20000"/>
         </a:spcBef>
         <a:buFont typeface="Arial"/>
         <a:buChar char="•"/>
-        <a:defRPr sz="9100" kern="1200">
+        <a:defRPr sz="9098" kern="1200">
           <a:solidFill>
             <a:schemeClr val="tx1"/>
           </a:solidFill>
@@ -7205,13 +7212,13 @@
           <a:cs typeface="+mn-cs"/>
         </a:defRPr>
       </a:lvl8pPr>
-      <a:lvl9pPr marL="17764008" indent="-1044942" algn="l" defTabSz="2089883" rtl="0" eaLnBrk="1" latinLnBrk="0" hangingPunct="1">
+      <a:lvl9pPr marL="17761548" indent="-1044797" algn="l" defTabSz="2089594" rtl="0" eaLnBrk="1" latinLnBrk="0" hangingPunct="1">
         <a:spcBef>
           <a:spcPct val="20000"/>
         </a:spcBef>
         <a:buFont typeface="Arial"/>
         <a:buChar char="•"/>
-        <a:defRPr sz="9100" kern="1200">
+        <a:defRPr sz="9098" kern="1200">
           <a:solidFill>
             <a:schemeClr val="tx1"/>
           </a:solidFill>
@@ -7225,8 +7232,8 @@
       <a:defPPr>
         <a:defRPr lang="en-US"/>
       </a:defPPr>
-      <a:lvl1pPr marL="0" algn="l" defTabSz="2089883" rtl="0" eaLnBrk="1" latinLnBrk="0" hangingPunct="1">
-        <a:defRPr sz="8300" kern="1200">
+      <a:lvl1pPr marL="0" algn="l" defTabSz="2089594" rtl="0" eaLnBrk="1" latinLnBrk="0" hangingPunct="1">
+        <a:defRPr sz="8299" kern="1200">
           <a:solidFill>
             <a:schemeClr val="tx1"/>
           </a:solidFill>
@@ -7235,8 +7242,8 @@
           <a:cs typeface="+mn-cs"/>
         </a:defRPr>
       </a:lvl1pPr>
-      <a:lvl2pPr marL="2089883" algn="l" defTabSz="2089883" rtl="0" eaLnBrk="1" latinLnBrk="0" hangingPunct="1">
-        <a:defRPr sz="8300" kern="1200">
+      <a:lvl2pPr marL="2089594" algn="l" defTabSz="2089594" rtl="0" eaLnBrk="1" latinLnBrk="0" hangingPunct="1">
+        <a:defRPr sz="8299" kern="1200">
           <a:solidFill>
             <a:schemeClr val="tx1"/>
           </a:solidFill>
@@ -7245,8 +7252,8 @@
           <a:cs typeface="+mn-cs"/>
         </a:defRPr>
       </a:lvl2pPr>
-      <a:lvl3pPr marL="4179766" algn="l" defTabSz="2089883" rtl="0" eaLnBrk="1" latinLnBrk="0" hangingPunct="1">
-        <a:defRPr sz="8300" kern="1200">
+      <a:lvl3pPr marL="4179186" algn="l" defTabSz="2089594" rtl="0" eaLnBrk="1" latinLnBrk="0" hangingPunct="1">
+        <a:defRPr sz="8299" kern="1200">
           <a:solidFill>
             <a:schemeClr val="tx1"/>
           </a:solidFill>
@@ -7255,8 +7262,8 @@
           <a:cs typeface="+mn-cs"/>
         </a:defRPr>
       </a:lvl3pPr>
-      <a:lvl4pPr marL="6269650" algn="l" defTabSz="2089883" rtl="0" eaLnBrk="1" latinLnBrk="0" hangingPunct="1">
-        <a:defRPr sz="8300" kern="1200">
+      <a:lvl4pPr marL="6268781" algn="l" defTabSz="2089594" rtl="0" eaLnBrk="1" latinLnBrk="0" hangingPunct="1">
+        <a:defRPr sz="8299" kern="1200">
           <a:solidFill>
             <a:schemeClr val="tx1"/>
           </a:solidFill>
@@ -7265,8 +7272,8 @@
           <a:cs typeface="+mn-cs"/>
         </a:defRPr>
       </a:lvl4pPr>
-      <a:lvl5pPr marL="8359533" algn="l" defTabSz="2089883" rtl="0" eaLnBrk="1" latinLnBrk="0" hangingPunct="1">
-        <a:defRPr sz="8300" kern="1200">
+      <a:lvl5pPr marL="8358375" algn="l" defTabSz="2089594" rtl="0" eaLnBrk="1" latinLnBrk="0" hangingPunct="1">
+        <a:defRPr sz="8299" kern="1200">
           <a:solidFill>
             <a:schemeClr val="tx1"/>
           </a:solidFill>
@@ -7275,8 +7282,8 @@
           <a:cs typeface="+mn-cs"/>
         </a:defRPr>
       </a:lvl5pPr>
-      <a:lvl6pPr marL="10449417" algn="l" defTabSz="2089883" rtl="0" eaLnBrk="1" latinLnBrk="0" hangingPunct="1">
-        <a:defRPr sz="8300" kern="1200">
+      <a:lvl6pPr marL="10447969" algn="l" defTabSz="2089594" rtl="0" eaLnBrk="1" latinLnBrk="0" hangingPunct="1">
+        <a:defRPr sz="8299" kern="1200">
           <a:solidFill>
             <a:schemeClr val="tx1"/>
           </a:solidFill>
@@ -7285,8 +7292,8 @@
           <a:cs typeface="+mn-cs"/>
         </a:defRPr>
       </a:lvl6pPr>
-      <a:lvl7pPr marL="12539300" algn="l" defTabSz="2089883" rtl="0" eaLnBrk="1" latinLnBrk="0" hangingPunct="1">
-        <a:defRPr sz="8300" kern="1200">
+      <a:lvl7pPr marL="12537562" algn="l" defTabSz="2089594" rtl="0" eaLnBrk="1" latinLnBrk="0" hangingPunct="1">
+        <a:defRPr sz="8299" kern="1200">
           <a:solidFill>
             <a:schemeClr val="tx1"/>
           </a:solidFill>
@@ -7295,8 +7302,8 @@
           <a:cs typeface="+mn-cs"/>
         </a:defRPr>
       </a:lvl7pPr>
-      <a:lvl8pPr marL="14629184" algn="l" defTabSz="2089883" rtl="0" eaLnBrk="1" latinLnBrk="0" hangingPunct="1">
-        <a:defRPr sz="8300" kern="1200">
+      <a:lvl8pPr marL="14627157" algn="l" defTabSz="2089594" rtl="0" eaLnBrk="1" latinLnBrk="0" hangingPunct="1">
+        <a:defRPr sz="8299" kern="1200">
           <a:solidFill>
             <a:schemeClr val="tx1"/>
           </a:solidFill>
@@ -7305,8 +7312,8 @@
           <a:cs typeface="+mn-cs"/>
         </a:defRPr>
       </a:lvl8pPr>
-      <a:lvl9pPr marL="16719067" algn="l" defTabSz="2089883" rtl="0" eaLnBrk="1" latinLnBrk="0" hangingPunct="1">
-        <a:defRPr sz="8300" kern="1200">
+      <a:lvl9pPr marL="16716751" algn="l" defTabSz="2089594" rtl="0" eaLnBrk="1" latinLnBrk="0" hangingPunct="1">
+        <a:defRPr sz="8299" kern="1200">
           <a:solidFill>
             <a:schemeClr val="tx1"/>
           </a:solidFill>
@@ -7345,8 +7352,8 @@
         </p:nvSpPr>
         <p:spPr>
           <a:xfrm>
-            <a:off x="32248062" y="22000111"/>
-            <a:ext cx="9265532" cy="2542497"/>
+            <a:off x="32050413" y="18336593"/>
+            <a:ext cx="9265532" cy="3865936"/>
           </a:xfrm>
           <a:prstGeom prst="rect">
             <a:avLst/>
@@ -7363,71 +7370,38 @@
           <a:lstStyle/>
           <a:p>
             <a:r>
-              <a:rPr lang="en-US" sz="3200" dirty="0" smtClean="0">
+              <a:rPr lang="en-US" sz="3200" dirty="0">
                 <a:latin typeface="Avenir 65" pitchFamily="50" charset="0"/>
               </a:rPr>
-              <a:t>Developing a Naïve Bayes classifier to quantify gene exchange</a:t>
-            </a:r>
-          </a:p>
-          <a:p>
-            <a:endParaRPr lang="en-US" sz="3200" dirty="0">
+              <a:t>Horizontal gene transfer</a:t>
+            </a:r>
+          </a:p>
+          <a:p>
+            <a:r>
+              <a:rPr lang="en-US" sz="2200" dirty="0">
+                <a:latin typeface="Avenir 65" pitchFamily="50" charset="0"/>
+              </a:rPr>
+              <a:t>A naïve Bayesian classifier can use oligonucleotide counts to calculate the probability of a subsequence originating in a given genome. This can be used to find the most likely genome of origin for a possible HGT event. We plan to implement a naïve Bayesian classifier and further investigate leads uncovered with TDI.</a:t>
+            </a:r>
+          </a:p>
+          <a:p>
+            <a:r>
+              <a:rPr lang="en-US" sz="3200" dirty="0">
+                <a:latin typeface="Avenir 65" pitchFamily="50" charset="0"/>
+              </a:rPr>
+              <a:t>Host-parasite coevolution</a:t>
+            </a:r>
+          </a:p>
+          <a:p>
+            <a:r>
+              <a:rPr lang="en-US" sz="2200" dirty="0" smtClean="0">
+                <a:latin typeface="Avenir 65" pitchFamily="50" charset="0"/>
+              </a:rPr>
+              <a:t>Hosts and parasites have similar oligonucleotide usage profiles. We will use data available on phage host preference to investigate this point further. </a:t>
+            </a:r>
+            <a:endParaRPr lang="en-US" sz="2200" dirty="0">
               <a:latin typeface="Avenir 65" pitchFamily="50" charset="0"/>
             </a:endParaRPr>
-          </a:p>
-          <a:p>
-            <a:r>
-              <a:rPr lang="en-US" sz="3200" dirty="0" smtClean="0">
-                <a:latin typeface="Avenir 65" pitchFamily="50" charset="0"/>
-              </a:rPr>
-              <a:t>Investigating oligonucleotide usage similarities and differences between hosts and phage</a:t>
-            </a:r>
-            <a:endParaRPr lang="en-US" sz="1600" b="1" dirty="0">
-              <a:latin typeface="Avenir 65" pitchFamily="50" charset="0"/>
-            </a:endParaRPr>
-          </a:p>
-        </p:txBody>
-      </p:sp>
-      <p:sp>
-        <p:nvSpPr>
-          <p:cNvPr id="13" name="Rectangle 12"/>
-          <p:cNvSpPr/>
-          <p:nvPr/>
-        </p:nvSpPr>
-        <p:spPr>
-          <a:xfrm>
-            <a:off x="0" y="0"/>
-            <a:ext cx="42062400" cy="4506396"/>
-          </a:xfrm>
-          <a:prstGeom prst="rect">
-            <a:avLst/>
-          </a:prstGeom>
-          <a:solidFill>
-            <a:srgbClr val="4369BD"/>
-          </a:solidFill>
-          <a:ln>
-            <a:noFill/>
-          </a:ln>
-        </p:spPr>
-        <p:style>
-          <a:lnRef idx="1">
-            <a:schemeClr val="accent1"/>
-          </a:lnRef>
-          <a:fillRef idx="3">
-            <a:schemeClr val="accent1"/>
-          </a:fillRef>
-          <a:effectRef idx="2">
-            <a:schemeClr val="accent1"/>
-          </a:effectRef>
-          <a:fontRef idx="minor">
-            <a:schemeClr val="lt1"/>
-          </a:fontRef>
-        </p:style>
-        <p:txBody>
-          <a:bodyPr lIns="79507" tIns="39754" rIns="79507" bIns="39754" rtlCol="0" anchor="ctr"/>
-          <a:lstStyle/>
-          <a:p>
-            <a:pPr algn="ctr"/>
-            <a:endParaRPr lang="en-US" dirty="0"/>
           </a:p>
         </p:txBody>
       </p:sp>
@@ -7443,12 +7417,10 @@
         </p:nvSpPr>
         <p:spPr>
           <a:xfrm>
-            <a:off x="1158515" y="218766"/>
-            <a:ext cx="39644396" cy="3964147"/>
+            <a:off x="1158515" y="658756"/>
+            <a:ext cx="39644396" cy="3939325"/>
           </a:xfrm>
-          <a:solidFill>
-            <a:srgbClr val="91A7D8"/>
-          </a:solidFill>
+          <a:noFill/>
           <a:ln>
             <a:noFill/>
           </a:ln>
@@ -7466,196 +7438,75 @@
               <a:defRPr/>
             </a:pPr>
             <a:r>
-              <a:rPr lang="en-US" sz="8000" dirty="0">
-                <a:solidFill>
-                  <a:schemeClr val="bg1"/>
-                </a:solidFill>
+              <a:rPr lang="en-US" sz="8898" b="1" cap="all" dirty="0">
+                <a:latin typeface="AvenirNext LT Pro Regular" panose="020B0504020202020204" pitchFamily="34" charset="0"/>
+              </a:rPr>
+              <a:t>Tetranucleotide usage in mycobacteriophage genomes</a:t>
+            </a:r>
+            <a:r>
+              <a:rPr lang="en-US" sz="7998" b="1" cap="all" dirty="0">
+                <a:latin typeface="AvenirNext LT Pro Regular" panose="020B0504020202020204" pitchFamily="34" charset="0"/>
+              </a:rPr>
+              <a:t/>
+            </a:r>
+            <a:br>
+              <a:rPr lang="en-US" sz="7998" b="1" cap="all" dirty="0">
+                <a:latin typeface="AvenirNext LT Pro Regular" panose="020B0504020202020204" pitchFamily="34" charset="0"/>
+              </a:rPr>
+            </a:br>
+            <a:r>
+              <a:rPr lang="en-US" sz="6150" cap="all" dirty="0">
                 <a:latin typeface="Avenir 65" pitchFamily="50" charset="0"/>
               </a:rPr>
-              <a:t>Tetranucleotide usage in mycobacteriophage genomes:</a:t>
+              <a:t>alignment-free methods to cluster phage and infer evolutionary relationships</a:t>
+            </a:r>
+            <a:r>
+              <a:rPr lang="en-US" sz="6150" cap="all" dirty="0">
+                <a:latin typeface="Avenir 65" pitchFamily="50" charset="0"/>
+              </a:rPr>
+              <a:t/>
             </a:r>
             <a:br>
-              <a:rPr lang="en-US" sz="8000" dirty="0">
-                <a:solidFill>
-                  <a:schemeClr val="bg1"/>
-                </a:solidFill>
+              <a:rPr lang="en-US" sz="6150" cap="all" dirty="0">
                 <a:latin typeface="Avenir 65" pitchFamily="50" charset="0"/>
               </a:rPr>
             </a:br>
             <a:r>
-              <a:rPr lang="en-US" sz="8000" dirty="0">
-                <a:solidFill>
-                  <a:schemeClr val="bg1"/>
-                </a:solidFill>
+              <a:rPr lang="en-US" sz="3600" cap="all" dirty="0" smtClean="0">
                 <a:latin typeface="Avenir 65" pitchFamily="50" charset="0"/>
               </a:rPr>
-              <a:t>alignment-free methods to cluster phage and infer evolutionary </a:t>
-            </a:r>
-            <a:r>
-              <a:rPr lang="en-US" sz="8000" dirty="0" smtClean="0">
-                <a:solidFill>
-                  <a:schemeClr val="bg1"/>
-                </a:solidFill>
-                <a:latin typeface="Avenir 65" pitchFamily="50" charset="0"/>
-              </a:rPr>
-              <a:t>relationships</a:t>
-            </a:r>
-            <a:r>
-              <a:rPr lang="en-US" sz="8300" dirty="0" smtClean="0">
-                <a:solidFill>
-                  <a:schemeClr val="bg1"/>
-                </a:solidFill>
-                <a:latin typeface="Avenir 65" pitchFamily="50" charset="0"/>
-              </a:rPr>
-              <a:t> </a:t>
-            </a:r>
-            <a:r>
-              <a:rPr lang="en-US" sz="3900" dirty="0">
-                <a:solidFill>
-                  <a:schemeClr val="bg1"/>
-                </a:solidFill>
+              <a:t> </a:t>
+            </a:r>
+            <a:r>
+              <a:rPr lang="en-US" sz="3899" dirty="0">
                 <a:latin typeface="Avenir 65" pitchFamily="50" charset="0"/>
               </a:rPr>
               <a:t/>
             </a:r>
             <a:br>
-              <a:rPr lang="en-US" sz="3900" dirty="0">
-                <a:solidFill>
-                  <a:schemeClr val="bg1"/>
-                </a:solidFill>
+              <a:rPr lang="en-US" sz="3899" dirty="0">
                 <a:latin typeface="Avenir 65" pitchFamily="50" charset="0"/>
               </a:rPr>
             </a:br>
             <a:r>
-              <a:rPr lang="en-US" sz="3900" dirty="0" smtClean="0">
+              <a:rPr lang="en-US" sz="4000" dirty="0">
                 <a:solidFill>
-                  <a:schemeClr val="bg1"/>
-                </a:solidFill>
-                <a:latin typeface="Avenir 65" pitchFamily="50" charset="0"/>
-              </a:rPr>
-              <a:t/>
-            </a:r>
-            <a:br>
-              <a:rPr lang="en-US" sz="3900" dirty="0" smtClean="0">
-                <a:solidFill>
-                  <a:schemeClr val="bg1"/>
-                </a:solidFill>
-                <a:latin typeface="Avenir 65" pitchFamily="50" charset="0"/>
-              </a:rPr>
-            </a:br>
-            <a:r>
-              <a:rPr lang="en-US" sz="4800" dirty="0" smtClean="0">
-                <a:solidFill>
-                  <a:schemeClr val="bg1"/>
+                  <a:schemeClr val="tx1">
+                    <a:lumMod val="50000"/>
+                    <a:lumOff val="50000"/>
+                  </a:schemeClr>
                 </a:solidFill>
                 <a:latin typeface="Avenir 35 Light" pitchFamily="50" charset="0"/>
                 <a:cs typeface="Arial" charset="0"/>
               </a:rPr>
-              <a:t>Chen </a:t>
-            </a:r>
-            <a:r>
-              <a:rPr lang="en-US" sz="4800" dirty="0">
-                <a:solidFill>
-                  <a:schemeClr val="bg1"/>
-                </a:solidFill>
-                <a:latin typeface="Avenir 35 Light" pitchFamily="50" charset="0"/>
-                <a:cs typeface="Arial" charset="0"/>
-              </a:rPr>
-              <a:t>Ye, Benjamin Siranosian, Emma </a:t>
-            </a:r>
-            <a:r>
-              <a:rPr lang="en-US" sz="4800" dirty="0" err="1">
-                <a:solidFill>
-                  <a:schemeClr val="bg1"/>
-                </a:solidFill>
-                <a:latin typeface="Avenir 35 Light" pitchFamily="50" charset="0"/>
-                <a:cs typeface="Arial" charset="0"/>
-              </a:rPr>
-              <a:t>Herold</a:t>
-            </a:r>
-            <a:r>
-              <a:rPr lang="en-US" sz="4800" dirty="0">
-                <a:solidFill>
-                  <a:schemeClr val="bg1"/>
-                </a:solidFill>
-                <a:latin typeface="Avenir 35 Light" pitchFamily="50" charset="0"/>
-                <a:cs typeface="Arial" charset="0"/>
-              </a:rPr>
-              <a:t>, </a:t>
-            </a:r>
-            <a:r>
-              <a:rPr lang="en-US" sz="4800" dirty="0" err="1">
-                <a:solidFill>
-                  <a:schemeClr val="bg1"/>
-                </a:solidFill>
-                <a:latin typeface="Avenir 35 Light" pitchFamily="50" charset="0"/>
-                <a:cs typeface="Arial" charset="0"/>
-              </a:rPr>
-              <a:t>Minjae</a:t>
-            </a:r>
-            <a:r>
-              <a:rPr lang="en-US" sz="4800" dirty="0">
-                <a:solidFill>
-                  <a:schemeClr val="bg1"/>
-                </a:solidFill>
-                <a:latin typeface="Avenir 35 Light" pitchFamily="50" charset="0"/>
-                <a:cs typeface="Arial" charset="0"/>
-              </a:rPr>
-              <a:t> Kwon, </a:t>
-            </a:r>
-            <a:r>
-              <a:rPr lang="en-US" sz="4800" dirty="0" err="1">
-                <a:solidFill>
-                  <a:schemeClr val="bg1"/>
-                </a:solidFill>
-                <a:latin typeface="Avenir 35 Light" pitchFamily="50" charset="0"/>
-                <a:cs typeface="Arial" charset="0"/>
-              </a:rPr>
-              <a:t>Sudheesha</a:t>
-            </a:r>
-            <a:r>
-              <a:rPr lang="en-US" sz="4800" dirty="0">
-                <a:solidFill>
-                  <a:schemeClr val="bg1"/>
-                </a:solidFill>
-                <a:latin typeface="Avenir 35 Light" pitchFamily="50" charset="0"/>
-                <a:cs typeface="Arial" charset="0"/>
-              </a:rPr>
-              <a:t> </a:t>
-            </a:r>
-            <a:r>
-              <a:rPr lang="en-US" sz="4800" dirty="0" err="1">
-                <a:solidFill>
-                  <a:schemeClr val="bg1"/>
-                </a:solidFill>
-                <a:latin typeface="Avenir 35 Light" pitchFamily="50" charset="0"/>
-                <a:cs typeface="Arial" charset="0"/>
-              </a:rPr>
-              <a:t>Perera</a:t>
-            </a:r>
-            <a:r>
-              <a:rPr lang="en-US" sz="4800" dirty="0">
-                <a:solidFill>
-                  <a:schemeClr val="bg1"/>
-                </a:solidFill>
-                <a:latin typeface="Avenir 35 Light" pitchFamily="50" charset="0"/>
-                <a:cs typeface="Arial" charset="0"/>
-              </a:rPr>
-              <a:t>, Edward Williams, Sarah Taylor, Christopher </a:t>
-            </a:r>
-            <a:r>
-              <a:rPr lang="en-US" sz="4800" dirty="0" err="1">
-                <a:solidFill>
-                  <a:schemeClr val="bg1"/>
-                </a:solidFill>
-                <a:latin typeface="Avenir 35 Light" pitchFamily="50" charset="0"/>
-                <a:cs typeface="Arial" charset="0"/>
-              </a:rPr>
-              <a:t>deGraffenried</a:t>
-            </a:r>
-            <a:endParaRPr lang="en-US" sz="5400" dirty="0">
+              <a:t>Chen Ye, Benjamin Siranosian, Emma Herold, Minjae Kwon, Sudheesha Perera, Edward Williams, Sarah Taylor, Christopher de Graffenried</a:t>
+            </a:r>
+            <a:endParaRPr lang="en-US" sz="4399" dirty="0">
               <a:solidFill>
-                <a:schemeClr val="bg1"/>
+                <a:schemeClr val="tx1">
+                  <a:lumMod val="50000"/>
+                  <a:lumOff val="50000"/>
+                </a:schemeClr>
               </a:solidFill>
               <a:latin typeface="Avenir 35 Light" pitchFamily="50" charset="0"/>
             </a:endParaRPr>
@@ -7678,7 +7529,7 @@
         </p:blipFill>
         <p:spPr>
           <a:xfrm rot="10800000" flipH="1" flipV="1">
-            <a:off x="38226455" y="28022397"/>
+            <a:off x="37943820" y="28135351"/>
             <a:ext cx="1418725" cy="2400295"/>
           </a:xfrm>
           <a:prstGeom prst="rect">
@@ -7702,8 +7553,8 @@
         </p:blipFill>
         <p:spPr>
           <a:xfrm>
-            <a:off x="39963331" y="28302579"/>
-            <a:ext cx="1889255" cy="1839933"/>
+            <a:off x="39936190" y="28415532"/>
+            <a:ext cx="1889255" cy="1839934"/>
           </a:xfrm>
           <a:prstGeom prst="rect">
             <a:avLst/>
@@ -7718,7 +7569,7 @@
         </p:nvSpPr>
         <p:spPr>
           <a:xfrm>
-            <a:off x="32357670" y="27966685"/>
+            <a:off x="32330531" y="28079640"/>
             <a:ext cx="5237479" cy="2511719"/>
           </a:xfrm>
           <a:prstGeom prst="rect">
@@ -7733,29 +7584,23 @@
           <a:lstStyle/>
           <a:p>
             <a:r>
-              <a:rPr lang="en-US" sz="4000" b="1" dirty="0" smtClean="0">
+              <a:rPr lang="en-US" sz="4000" b="1" dirty="0">
                 <a:latin typeface="Avenir 65" pitchFamily="50" charset="0"/>
               </a:rPr>
               <a:t>Acknowledgements</a:t>
             </a:r>
           </a:p>
           <a:p>
-            <a:endParaRPr lang="en-US" sz="1000" b="1" dirty="0" smtClean="0">
+            <a:endParaRPr lang="en-US" sz="1000" b="1" dirty="0">
               <a:latin typeface="Avenir 65" pitchFamily="50" charset="0"/>
             </a:endParaRPr>
           </a:p>
           <a:p>
             <a:r>
-              <a:rPr lang="en-US" sz="2200" dirty="0" smtClean="0">
+              <a:rPr lang="en-US" sz="2200" dirty="0">
                 <a:latin typeface="Avenir 65" pitchFamily="50" charset="0"/>
               </a:rPr>
-              <a:t> We are grateful to </a:t>
-            </a:r>
-            <a:r>
-              <a:rPr lang="en-US" sz="2200" dirty="0" smtClean="0">
-                <a:latin typeface="Avenir 65" pitchFamily="50" charset="0"/>
-              </a:rPr>
-              <a:t>Dr</a:t>
+              <a:t>We are grateful to Dr</a:t>
             </a:r>
             <a:r>
               <a:rPr lang="en-US" sz="2200" dirty="0">
@@ -7764,52 +7609,10 @@
               <a:t>. Peter Shank, </a:t>
             </a:r>
             <a:r>
-              <a:rPr lang="en-US" sz="2200" dirty="0" smtClean="0">
+              <a:rPr lang="en-US" sz="2200" dirty="0">
                 <a:latin typeface="Avenir 65" pitchFamily="50" charset="0"/>
               </a:rPr>
-              <a:t>Dr. </a:t>
-            </a:r>
-            <a:r>
-              <a:rPr lang="en-US" sz="2200" dirty="0" err="1" smtClean="0">
-                <a:latin typeface="Avenir 65" pitchFamily="50" charset="0"/>
-              </a:rPr>
-              <a:t>Sorin</a:t>
-            </a:r>
-            <a:r>
-              <a:rPr lang="en-US" sz="2200" dirty="0" smtClean="0">
-                <a:latin typeface="Avenir 65" pitchFamily="50" charset="0"/>
-              </a:rPr>
-              <a:t> </a:t>
-            </a:r>
-            <a:r>
-              <a:rPr lang="en-US" sz="2200" dirty="0" err="1" smtClean="0">
-                <a:latin typeface="Avenir 65" pitchFamily="50" charset="0"/>
-              </a:rPr>
-              <a:t>Istrail</a:t>
-            </a:r>
-            <a:r>
-              <a:rPr lang="en-US" sz="2200" dirty="0" smtClean="0">
-                <a:latin typeface="Avenir 65" pitchFamily="50" charset="0"/>
-              </a:rPr>
-              <a:t>, Dr. </a:t>
-            </a:r>
-            <a:r>
-              <a:rPr lang="en-US" sz="2200" dirty="0" err="1" smtClean="0">
-                <a:latin typeface="Avenir 65" pitchFamily="50" charset="0"/>
-              </a:rPr>
-              <a:t>Zhijin</a:t>
-            </a:r>
-            <a:r>
-              <a:rPr lang="en-US" sz="2200" dirty="0" smtClean="0">
-                <a:latin typeface="Avenir 65" pitchFamily="50" charset="0"/>
-              </a:rPr>
-              <a:t> Wu, </a:t>
-            </a:r>
-            <a:r>
-              <a:rPr lang="en-US" sz="2200" dirty="0" smtClean="0">
-                <a:latin typeface="Avenir 65" pitchFamily="50" charset="0"/>
-              </a:rPr>
-              <a:t>HHMI’s </a:t>
+              <a:t>Dr. Sorin Istrail, Dr. Zhijin Wu, HHMI’s </a:t>
             </a:r>
             <a:r>
               <a:rPr lang="en-US" sz="2200" dirty="0">
@@ -7818,7 +7621,7 @@
               <a:t>SEA program and the University of Pittsburgh</a:t>
             </a:r>
             <a:r>
-              <a:rPr lang="en-US" sz="2200" dirty="0" smtClean="0">
+              <a:rPr lang="en-US" sz="2200" dirty="0">
                 <a:latin typeface="Avenir 65" pitchFamily="50" charset="0"/>
               </a:rPr>
               <a:t>.</a:t>
@@ -7839,8 +7642,8 @@
         </p:nvSpPr>
         <p:spPr>
           <a:xfrm>
-            <a:off x="548188" y="18674971"/>
-            <a:ext cx="9155922" cy="8698028"/>
+            <a:off x="373554" y="13743164"/>
+            <a:ext cx="9986756" cy="1249835"/>
           </a:xfrm>
           <a:prstGeom prst="rect">
             <a:avLst/>
@@ -7856,126 +7659,24 @@
           </a:bodyPr>
           <a:lstStyle/>
           <a:p>
-            <a:pPr marL="742950" indent="-742950">
+            <a:pPr marL="742847" indent="-742847">
               <a:buFont typeface="+mj-lt"/>
               <a:buAutoNum type="alphaLcParenR"/>
             </a:pPr>
             <a:r>
-              <a:rPr lang="en-US" sz="4000" b="1" dirty="0" smtClean="0">
+              <a:rPr lang="en-US" sz="3200" b="1" dirty="0">
                 <a:latin typeface="Avenir 65" pitchFamily="50" charset="0"/>
               </a:rPr>
               <a:t>Kmer counting </a:t>
             </a:r>
           </a:p>
           <a:p>
-            <a:pPr marL="742950" indent="-742950">
-              <a:buAutoNum type="alphaLcParenR"/>
-            </a:pPr>
-            <a:endParaRPr lang="en-US" sz="4000" b="1" dirty="0">
-              <a:latin typeface="Avenir 65" pitchFamily="50" charset="0"/>
-            </a:endParaRPr>
-          </a:p>
-          <a:p>
-            <a:pPr marL="742950" indent="-742950">
-              <a:buAutoNum type="alphaLcParenR"/>
-            </a:pPr>
-            <a:endParaRPr lang="en-US" sz="4000" b="1" dirty="0" smtClean="0">
-              <a:latin typeface="Avenir 65" pitchFamily="50" charset="0"/>
-            </a:endParaRPr>
-          </a:p>
-          <a:p>
-            <a:pPr marL="742950" indent="-742950">
-              <a:buAutoNum type="alphaLcParenR"/>
-            </a:pPr>
-            <a:endParaRPr lang="en-US" sz="4000" b="1" dirty="0">
-              <a:latin typeface="Avenir 65" pitchFamily="50" charset="0"/>
-            </a:endParaRPr>
-          </a:p>
-          <a:p>
-            <a:pPr marL="742950" indent="-742950">
-              <a:buAutoNum type="alphaLcParenR"/>
-            </a:pPr>
-            <a:endParaRPr lang="en-US" sz="4000" b="1" dirty="0" smtClean="0">
-              <a:latin typeface="Avenir 65" pitchFamily="50" charset="0"/>
-            </a:endParaRPr>
-          </a:p>
-          <a:p>
-            <a:pPr marL="742950" indent="-742950">
-              <a:buAutoNum type="alphaLcParenR"/>
-            </a:pPr>
-            <a:r>
-              <a:rPr lang="en-US" sz="4000" b="1" dirty="0" smtClean="0">
+            <a:r>
+              <a:rPr lang="en-US" sz="2200" dirty="0">
                 <a:latin typeface="Avenir 65" pitchFamily="50" charset="0"/>
               </a:rPr>
-              <a:t>Tetranucleotide usage deviation</a:t>
-            </a:r>
-          </a:p>
-          <a:p>
-            <a:pPr marL="742950" indent="-742950">
-              <a:buAutoNum type="alphaLcParenR"/>
-            </a:pPr>
-            <a:endParaRPr lang="en-US" sz="4000" b="1" dirty="0">
-              <a:latin typeface="Avenir 65" pitchFamily="50" charset="0"/>
-            </a:endParaRPr>
-          </a:p>
-          <a:p>
-            <a:pPr marL="742950" indent="-742950">
-              <a:buAutoNum type="alphaLcParenR"/>
-            </a:pPr>
-            <a:endParaRPr lang="en-US" sz="4000" b="1" dirty="0" smtClean="0">
-              <a:latin typeface="Avenir 65" pitchFamily="50" charset="0"/>
-            </a:endParaRPr>
-          </a:p>
-          <a:p>
-            <a:pPr marL="742950" indent="-742950">
-              <a:buAutoNum type="alphaLcParenR"/>
-            </a:pPr>
-            <a:endParaRPr lang="en-US" sz="4000" b="1" dirty="0">
-              <a:latin typeface="Avenir 65" pitchFamily="50" charset="0"/>
-            </a:endParaRPr>
-          </a:p>
-          <a:p>
-            <a:pPr marL="742950" indent="-742950">
-              <a:buAutoNum type="alphaLcParenR"/>
-            </a:pPr>
-            <a:r>
-              <a:rPr lang="en-US" sz="4000" b="1" dirty="0" smtClean="0">
-                <a:latin typeface="Avenir 65" pitchFamily="50" charset="0"/>
-              </a:rPr>
-              <a:t>Tetranucleotide Difference Index </a:t>
-            </a:r>
-          </a:p>
-          <a:p>
-            <a:pPr marL="742950" indent="-742950">
-              <a:buAutoNum type="alphaLcParenR"/>
-            </a:pPr>
-            <a:endParaRPr lang="en-US" sz="4000" b="1" dirty="0">
-              <a:latin typeface="Avenir 65" pitchFamily="50" charset="0"/>
-            </a:endParaRPr>
-          </a:p>
-          <a:p>
-            <a:pPr marL="742950" indent="-742950">
-              <a:buAutoNum type="alphaLcParenR"/>
-            </a:pPr>
-            <a:endParaRPr lang="en-US" sz="4000" b="1" dirty="0" smtClean="0">
-              <a:latin typeface="Avenir 65" pitchFamily="50" charset="0"/>
-            </a:endParaRPr>
-          </a:p>
-          <a:p>
-            <a:pPr marL="742950" indent="-742950">
-              <a:buAutoNum type="alphaLcParenR"/>
-            </a:pPr>
-            <a:endParaRPr lang="en-US" sz="4000" b="1" dirty="0">
-              <a:latin typeface="Avenir 65" pitchFamily="50" charset="0"/>
-            </a:endParaRPr>
-          </a:p>
-          <a:p>
-            <a:pPr marL="742950" indent="-742950">
-              <a:buAutoNum type="alphaLcParenR"/>
-            </a:pPr>
-            <a:endParaRPr lang="en-US" sz="4000" dirty="0" smtClean="0">
-              <a:latin typeface="Avenir 65" pitchFamily="50" charset="0"/>
-            </a:endParaRPr>
+              <a:t>We first counted the number of each tetranucleotide in all phage genomes using a sliding window of size 4</a:t>
+            </a:r>
           </a:p>
         </p:txBody>
       </p:sp>
@@ -7988,14 +7689,14 @@
           <p:nvPr>
             <p:extLst>
               <p:ext uri="{D42A27DB-BD31-4B8C-83A1-F6EECF244321}">
-                <p14:modId xmlns:p14="http://schemas.microsoft.com/office/powerpoint/2010/main" val="3465814567"/>
+                <p14:modId xmlns:p14="http://schemas.microsoft.com/office/powerpoint/2010/main" val="922711264"/>
               </p:ext>
             </p:extLst>
           </p:nvPr>
         </p:nvGraphicFramePr>
         <p:xfrm>
-          <a:off x="10992046" y="18768314"/>
-          <a:ext cx="8489605" cy="5433653"/>
+          <a:off x="10669977" y="20243846"/>
+          <a:ext cx="9082066" cy="5433653"/>
         </p:xfrm>
         <a:graphic>
           <a:graphicData uri="http://schemas.openxmlformats.org/drawingml/2006/chart">
@@ -8005,162 +7706,14 @@
       </p:graphicFrame>
       <p:sp>
         <p:nvSpPr>
-          <p:cNvPr id="53" name="TextBox 52"/>
-          <p:cNvSpPr txBox="1"/>
-          <p:nvPr/>
-        </p:nvSpPr>
-        <p:spPr>
-          <a:xfrm>
-            <a:off x="661822" y="6572232"/>
-            <a:ext cx="914400" cy="914400"/>
-          </a:xfrm>
-          <a:prstGeom prst="rect">
-            <a:avLst/>
-          </a:prstGeom>
-          <a:noFill/>
-          <a:ln w="44450" cap="rnd">
-            <a:solidFill>
-              <a:srgbClr val="F79029"/>
-            </a:solidFill>
-          </a:ln>
-        </p:spPr>
-        <p:txBody>
-          <a:bodyPr wrap="square" lIns="0" tIns="0" rIns="0" bIns="0" rtlCol="0" anchor="ctr" anchorCtr="0">
-            <a:noAutofit/>
-          </a:bodyPr>
-          <a:lstStyle/>
-          <a:p>
-            <a:pPr algn="ctr"/>
-            <a:r>
-              <a:rPr lang="en-US" sz="4400" b="1" dirty="0">
-                <a:latin typeface="Avenir 65" pitchFamily="50" charset="0"/>
-              </a:rPr>
-              <a:t>1</a:t>
-            </a:r>
-            <a:endParaRPr lang="en-US" sz="4400" b="1" dirty="0" smtClean="0">
-              <a:latin typeface="Avenir 65" pitchFamily="50" charset="0"/>
-            </a:endParaRPr>
-          </a:p>
-        </p:txBody>
-      </p:sp>
-      <p:sp>
-        <p:nvSpPr>
-          <p:cNvPr id="20" name="TextBox 19"/>
-          <p:cNvSpPr txBox="1"/>
-          <p:nvPr/>
-        </p:nvSpPr>
-        <p:spPr>
-          <a:xfrm>
-            <a:off x="0" y="4455576"/>
-            <a:ext cx="42062400" cy="1386796"/>
-          </a:xfrm>
-          <a:prstGeom prst="rect">
-            <a:avLst/>
-          </a:prstGeom>
-          <a:solidFill>
-            <a:srgbClr val="F79029"/>
-          </a:solidFill>
-        </p:spPr>
-        <p:txBody>
-          <a:bodyPr wrap="square" rtlCol="0">
-            <a:spAutoFit/>
-          </a:bodyPr>
-          <a:lstStyle/>
-          <a:p>
-            <a:pPr algn="ctr"/>
-            <a:r>
-              <a:rPr lang="en-US" spc="270" dirty="0" smtClean="0">
-                <a:solidFill>
-                  <a:schemeClr val="bg1"/>
-                </a:solidFill>
-                <a:latin typeface="Avenir 35 Light" pitchFamily="50" charset="0"/>
-              </a:rPr>
-              <a:t>BROWN UNIVERSITY PHAGE HUNTERS</a:t>
-            </a:r>
-            <a:endParaRPr lang="en-US" spc="270" dirty="0">
-              <a:solidFill>
-                <a:schemeClr val="bg1"/>
-              </a:solidFill>
-              <a:latin typeface="Avenir 35 Light" pitchFamily="50" charset="0"/>
-            </a:endParaRPr>
-          </a:p>
-        </p:txBody>
-      </p:sp>
-      <p:pic>
-        <p:nvPicPr>
-          <p:cNvPr id="21" name="Picture 20"/>
-          <p:cNvPicPr>
-            <a:picLocks noChangeAspect="1"/>
-          </p:cNvPicPr>
-          <p:nvPr/>
-        </p:nvPicPr>
-        <p:blipFill>
-          <a:blip r:embed="rId6"/>
-          <a:stretch>
-            <a:fillRect/>
-          </a:stretch>
-        </p:blipFill>
-        <p:spPr>
-          <a:xfrm>
-            <a:off x="2742380" y="8219250"/>
-            <a:ext cx="3409950" cy="3352800"/>
-          </a:xfrm>
-          <a:prstGeom prst="rect">
-            <a:avLst/>
-          </a:prstGeom>
-        </p:spPr>
-      </p:pic>
-      <p:pic>
-        <p:nvPicPr>
-          <p:cNvPr id="22" name="Picture 4" descr="http://phdposters.com/galfs/o203_p1_poster.jpg"/>
-          <p:cNvPicPr>
-            <a:picLocks noChangeAspect="1" noChangeArrowheads="1"/>
-          </p:cNvPicPr>
-          <p:nvPr/>
-        </p:nvPicPr>
-        <p:blipFill>
-          <a:blip r:embed="rId7">
-            <a:extLst>
-              <a:ext uri="{28A0092B-C50C-407E-A947-70E740481C1C}">
-                <a14:useLocalDpi xmlns:a14="http://schemas.microsoft.com/office/drawing/2010/main" val="0"/>
-              </a:ext>
-            </a:extLst>
-          </a:blip>
-          <a:srcRect/>
-          <a:stretch>
-            <a:fillRect/>
-          </a:stretch>
-        </p:blipFill>
-        <p:spPr bwMode="auto">
-          <a:xfrm>
-            <a:off x="-30068594" y="9819239"/>
-            <a:ext cx="28701137" cy="19806708"/>
-          </a:xfrm>
-          <a:prstGeom prst="rect">
-            <a:avLst/>
-          </a:prstGeom>
-          <a:noFill/>
-          <a:extLst>
-            <a:ext uri="{909E8E84-426E-40DD-AFC4-6F175D3DCCD1}">
-              <a14:hiddenFill xmlns:a14="http://schemas.microsoft.com/office/drawing/2010/main">
-                <a:solidFill>
-                  <a:srgbClr val="FFFFFF"/>
-                </a:solidFill>
-              </a14:hiddenFill>
-            </a:ext>
-          </a:extLst>
-        </p:spPr>
-      </p:pic>
-      <p:sp>
-        <p:nvSpPr>
           <p:cNvPr id="55" name="TextBox 54"/>
           <p:cNvSpPr txBox="1"/>
           <p:nvPr/>
         </p:nvSpPr>
         <p:spPr>
           <a:xfrm>
-            <a:off x="1823689" y="6687311"/>
-            <a:ext cx="6185279" cy="757393"/>
+            <a:off x="591912" y="4297524"/>
+            <a:ext cx="9566610" cy="818628"/>
           </a:xfrm>
           <a:prstGeom prst="rect">
             <a:avLst/>
@@ -8177,89 +7730,11 @@
           <a:lstStyle/>
           <a:p>
             <a:r>
-              <a:rPr lang="en-US" sz="4400" dirty="0" smtClean="0">
+              <a:rPr lang="en-US" sz="4798" dirty="0">
                 <a:latin typeface="Avenir 65" pitchFamily="50" charset="0"/>
               </a:rPr>
-              <a:t>Alignment-free analysis</a:t>
-            </a:r>
-            <a:endParaRPr lang="en-US" sz="4400" dirty="0" smtClean="0">
-              <a:latin typeface="Avenir 65" pitchFamily="50" charset="0"/>
-            </a:endParaRPr>
-          </a:p>
-        </p:txBody>
-      </p:sp>
-      <p:cxnSp>
-        <p:nvCxnSpPr>
-          <p:cNvPr id="24" name="Straight Connector 23"/>
-          <p:cNvCxnSpPr/>
-          <p:nvPr/>
-        </p:nvCxnSpPr>
-        <p:spPr>
-          <a:xfrm>
-            <a:off x="1576222" y="7484310"/>
-            <a:ext cx="6375431" cy="0"/>
-          </a:xfrm>
-          <a:prstGeom prst="line">
-            <a:avLst/>
-          </a:prstGeom>
-          <a:ln w="44450">
-            <a:solidFill>
-              <a:srgbClr val="F79029"/>
-            </a:solidFill>
-          </a:ln>
-        </p:spPr>
-        <p:style>
-          <a:lnRef idx="1">
-            <a:schemeClr val="dk1"/>
-          </a:lnRef>
-          <a:fillRef idx="0">
-            <a:schemeClr val="dk1"/>
-          </a:fillRef>
-          <a:effectRef idx="0">
-            <a:schemeClr val="dk1"/>
-          </a:effectRef>
-          <a:fontRef idx="minor">
-            <a:schemeClr val="tx1"/>
-          </a:fontRef>
-        </p:style>
-      </p:cxnSp>
-      <p:sp>
-        <p:nvSpPr>
-          <p:cNvPr id="58" name="TextBox 57"/>
-          <p:cNvSpPr txBox="1"/>
-          <p:nvPr/>
-        </p:nvSpPr>
-        <p:spPr>
-          <a:xfrm>
-            <a:off x="661822" y="16845564"/>
-            <a:ext cx="914400" cy="914400"/>
-          </a:xfrm>
-          <a:prstGeom prst="rect">
-            <a:avLst/>
-          </a:prstGeom>
-          <a:noFill/>
-          <a:ln w="44450" cap="rnd">
-            <a:solidFill>
-              <a:srgbClr val="F79029"/>
-            </a:solidFill>
-          </a:ln>
-        </p:spPr>
-        <p:txBody>
-          <a:bodyPr wrap="square" lIns="0" tIns="0" rIns="0" bIns="0" rtlCol="0" anchor="ctr" anchorCtr="0">
-            <a:noAutofit/>
-          </a:bodyPr>
-          <a:lstStyle/>
-          <a:p>
-            <a:pPr algn="ctr"/>
-            <a:r>
-              <a:rPr lang="en-US" sz="4400" b="1" dirty="0" smtClean="0">
-                <a:latin typeface="Avenir 65" pitchFamily="50" charset="0"/>
-              </a:rPr>
-              <a:t>2</a:t>
-            </a:r>
-            <a:endParaRPr lang="en-US" sz="4400" b="1" dirty="0" smtClean="0">
-              <a:latin typeface="Avenir 65" pitchFamily="50" charset="0"/>
-            </a:endParaRPr>
+              <a:t>Introduction</a:t>
+            </a:r>
           </a:p>
         </p:txBody>
       </p:sp>
@@ -8271,8 +7746,8 @@
         </p:nvSpPr>
         <p:spPr>
           <a:xfrm>
-            <a:off x="1823690" y="16960643"/>
-            <a:ext cx="2538192" cy="757393"/>
+            <a:off x="425067" y="12694322"/>
+            <a:ext cx="2538192" cy="757265"/>
           </a:xfrm>
           <a:prstGeom prst="rect">
             <a:avLst/>
@@ -8289,52 +7764,14 @@
           <a:lstStyle/>
           <a:p>
             <a:r>
-              <a:rPr lang="en-US" sz="4400" dirty="0" smtClean="0">
+              <a:rPr lang="en-US" sz="4399" dirty="0">
                 <a:latin typeface="Avenir 65" pitchFamily="50" charset="0"/>
               </a:rPr>
               <a:t>Methods</a:t>
             </a:r>
-            <a:endParaRPr lang="en-US" sz="4400" dirty="0" smtClean="0">
-              <a:latin typeface="Avenir 65" pitchFamily="50" charset="0"/>
-            </a:endParaRPr>
           </a:p>
         </p:txBody>
       </p:sp>
-      <p:cxnSp>
-        <p:nvCxnSpPr>
-          <p:cNvPr id="61" name="Straight Connector 60"/>
-          <p:cNvCxnSpPr/>
-          <p:nvPr/>
-        </p:nvCxnSpPr>
-        <p:spPr>
-          <a:xfrm flipV="1">
-            <a:off x="1576222" y="17718036"/>
-            <a:ext cx="2785660" cy="39606"/>
-          </a:xfrm>
-          <a:prstGeom prst="line">
-            <a:avLst/>
-          </a:prstGeom>
-          <a:ln w="44450">
-            <a:solidFill>
-              <a:srgbClr val="F79029"/>
-            </a:solidFill>
-          </a:ln>
-        </p:spPr>
-        <p:style>
-          <a:lnRef idx="1">
-            <a:schemeClr val="dk1"/>
-          </a:lnRef>
-          <a:fillRef idx="0">
-            <a:schemeClr val="dk1"/>
-          </a:fillRef>
-          <a:effectRef idx="0">
-            <a:schemeClr val="dk1"/>
-          </a:effectRef>
-          <a:fontRef idx="minor">
-            <a:schemeClr val="tx1"/>
-          </a:fontRef>
-        </p:style>
-      </p:cxnSp>
       <p:cxnSp>
         <p:nvCxnSpPr>
           <p:cNvPr id="69" name="Straight Connector 68"/>
@@ -8343,8 +7780,8 @@
         </p:nvCxnSpPr>
         <p:spPr>
           <a:xfrm flipH="1">
-            <a:off x="10190923" y="6687311"/>
-            <a:ext cx="48289" cy="23220134"/>
+            <a:off x="10515600" y="5077968"/>
+            <a:ext cx="52126" cy="25064549"/>
           </a:xfrm>
           <a:prstGeom prst="line">
             <a:avLst/>
@@ -8377,9 +7814,9 @@
           <p:nvPr/>
         </p:nvCxnSpPr>
         <p:spPr>
-          <a:xfrm flipH="1">
-            <a:off x="31832007" y="6687311"/>
-            <a:ext cx="48289" cy="23220134"/>
+          <a:xfrm>
+            <a:off x="31546800" y="13866302"/>
+            <a:ext cx="11654" cy="16041148"/>
           </a:xfrm>
           <a:prstGeom prst="line">
             <a:avLst/>
@@ -8407,54 +7844,14 @@
       </p:cxnSp>
       <p:sp>
         <p:nvSpPr>
-          <p:cNvPr id="73" name="TextBox 72"/>
-          <p:cNvSpPr txBox="1"/>
-          <p:nvPr/>
-        </p:nvSpPr>
-        <p:spPr>
-          <a:xfrm>
-            <a:off x="10961401" y="6689541"/>
-            <a:ext cx="914400" cy="914400"/>
-          </a:xfrm>
-          <a:prstGeom prst="rect">
-            <a:avLst/>
-          </a:prstGeom>
-          <a:noFill/>
-          <a:ln w="44450" cap="rnd">
-            <a:solidFill>
-              <a:srgbClr val="F79029"/>
-            </a:solidFill>
-          </a:ln>
-        </p:spPr>
-        <p:txBody>
-          <a:bodyPr wrap="square" lIns="0" tIns="0" rIns="0" bIns="0" rtlCol="0" anchor="ctr" anchorCtr="0">
-            <a:noAutofit/>
-          </a:bodyPr>
-          <a:lstStyle/>
-          <a:p>
-            <a:pPr algn="ctr"/>
-            <a:r>
-              <a:rPr lang="en-US" sz="4400" b="1" dirty="0" smtClean="0">
-                <a:latin typeface="Avenir 65" pitchFamily="50" charset="0"/>
-              </a:rPr>
-              <a:t>3</a:t>
-            </a:r>
-            <a:endParaRPr lang="en-US" sz="4400" b="1" dirty="0" smtClean="0">
-              <a:latin typeface="Avenir 65" pitchFamily="50" charset="0"/>
-            </a:endParaRPr>
-          </a:p>
-        </p:txBody>
-      </p:sp>
-      <p:sp>
-        <p:nvSpPr>
           <p:cNvPr id="74" name="TextBox 73"/>
           <p:cNvSpPr txBox="1"/>
           <p:nvPr/>
         </p:nvSpPr>
         <p:spPr>
           <a:xfrm>
-            <a:off x="12123269" y="6804620"/>
-            <a:ext cx="5213563" cy="757393"/>
+            <a:off x="10709368" y="4759734"/>
+            <a:ext cx="12463496" cy="818628"/>
           </a:xfrm>
           <a:prstGeom prst="rect">
             <a:avLst/>
@@ -8471,177 +7868,24 @@
           <a:lstStyle/>
           <a:p>
             <a:r>
-              <a:rPr lang="en-US" sz="4400" dirty="0" smtClean="0">
+              <a:rPr lang="en-US" sz="4798" dirty="0">
                 <a:latin typeface="Avenir 65" pitchFamily="50" charset="0"/>
               </a:rPr>
-              <a:t>Phylogenetic trees</a:t>
-            </a:r>
-            <a:endParaRPr lang="en-US" sz="4400" dirty="0" smtClean="0">
-              <a:latin typeface="Avenir 65" pitchFamily="50" charset="0"/>
-            </a:endParaRPr>
+              <a:t>Phylogenetic trees and cluster B3</a:t>
+            </a:r>
           </a:p>
         </p:txBody>
       </p:sp>
-      <p:cxnSp>
-        <p:nvCxnSpPr>
-          <p:cNvPr id="75" name="Straight Connector 74"/>
-          <p:cNvCxnSpPr/>
-          <p:nvPr/>
-        </p:nvCxnSpPr>
-        <p:spPr>
-          <a:xfrm>
-            <a:off x="11875801" y="7601619"/>
-            <a:ext cx="4630956" cy="2322"/>
-          </a:xfrm>
-          <a:prstGeom prst="line">
-            <a:avLst/>
-          </a:prstGeom>
-          <a:ln w="44450">
-            <a:solidFill>
-              <a:srgbClr val="F79029"/>
-            </a:solidFill>
-          </a:ln>
-        </p:spPr>
-        <p:style>
-          <a:lnRef idx="1">
-            <a:schemeClr val="dk1"/>
-          </a:lnRef>
-          <a:fillRef idx="0">
-            <a:schemeClr val="dk1"/>
-          </a:fillRef>
-          <a:effectRef idx="0">
-            <a:schemeClr val="dk1"/>
-          </a:effectRef>
-          <a:fontRef idx="minor">
-            <a:schemeClr val="tx1"/>
-          </a:fontRef>
-        </p:style>
-      </p:cxnSp>
       <p:sp>
         <p:nvSpPr>
-          <p:cNvPr id="77" name="TextBox 76"/>
+          <p:cNvPr id="84" name="TextBox 83"/>
           <p:cNvSpPr txBox="1"/>
           <p:nvPr/>
         </p:nvSpPr>
         <p:spPr>
           <a:xfrm>
-            <a:off x="10970198" y="16805958"/>
-            <a:ext cx="914400" cy="914400"/>
-          </a:xfrm>
-          <a:prstGeom prst="rect">
-            <a:avLst/>
-          </a:prstGeom>
-          <a:noFill/>
-          <a:ln w="44450" cap="rnd">
-            <a:solidFill>
-              <a:srgbClr val="F79029"/>
-            </a:solidFill>
-          </a:ln>
-        </p:spPr>
-        <p:txBody>
-          <a:bodyPr wrap="square" lIns="0" tIns="0" rIns="0" bIns="0" rtlCol="0" anchor="ctr" anchorCtr="0">
-            <a:noAutofit/>
-          </a:bodyPr>
-          <a:lstStyle/>
-          <a:p>
-            <a:pPr algn="ctr"/>
-            <a:r>
-              <a:rPr lang="en-US" sz="4400" b="1" dirty="0">
-                <a:latin typeface="Avenir 65" pitchFamily="50" charset="0"/>
-              </a:rPr>
-              <a:t>5</a:t>
-            </a:r>
-            <a:endParaRPr lang="en-US" sz="4400" b="1" dirty="0" smtClean="0">
-              <a:latin typeface="Avenir 65" pitchFamily="50" charset="0"/>
-            </a:endParaRPr>
-          </a:p>
-        </p:txBody>
-      </p:sp>
-      <p:cxnSp>
-        <p:nvCxnSpPr>
-          <p:cNvPr id="78" name="Straight Connector 77"/>
-          <p:cNvCxnSpPr/>
-          <p:nvPr/>
-        </p:nvCxnSpPr>
-        <p:spPr>
-          <a:xfrm>
-            <a:off x="11884598" y="17718036"/>
-            <a:ext cx="6314912" cy="41928"/>
-          </a:xfrm>
-          <a:prstGeom prst="line">
-            <a:avLst/>
-          </a:prstGeom>
-          <a:ln w="44450">
-            <a:solidFill>
-              <a:srgbClr val="F79029"/>
-            </a:solidFill>
-          </a:ln>
-        </p:spPr>
-        <p:style>
-          <a:lnRef idx="1">
-            <a:schemeClr val="dk1"/>
-          </a:lnRef>
-          <a:fillRef idx="0">
-            <a:schemeClr val="dk1"/>
-          </a:fillRef>
-          <a:effectRef idx="0">
-            <a:schemeClr val="dk1"/>
-          </a:effectRef>
-          <a:fontRef idx="minor">
-            <a:schemeClr val="tx1"/>
-          </a:fontRef>
-        </p:style>
-      </p:cxnSp>
-      <p:sp>
-        <p:nvSpPr>
-          <p:cNvPr id="81" name="TextBox 80"/>
-          <p:cNvSpPr txBox="1"/>
-          <p:nvPr/>
-        </p:nvSpPr>
-        <p:spPr>
-          <a:xfrm>
-            <a:off x="10961401" y="13008463"/>
-            <a:ext cx="914400" cy="914400"/>
-          </a:xfrm>
-          <a:prstGeom prst="rect">
-            <a:avLst/>
-          </a:prstGeom>
-          <a:noFill/>
-          <a:ln w="44450" cap="rnd">
-            <a:solidFill>
-              <a:srgbClr val="F79029"/>
-            </a:solidFill>
-          </a:ln>
-        </p:spPr>
-        <p:txBody>
-          <a:bodyPr wrap="square" lIns="0" tIns="0" rIns="0" bIns="0" rtlCol="0" anchor="ctr" anchorCtr="0">
-            <a:noAutofit/>
-          </a:bodyPr>
-          <a:lstStyle/>
-          <a:p>
-            <a:pPr algn="ctr"/>
-            <a:r>
-              <a:rPr lang="en-US" sz="4400" b="1" dirty="0">
-                <a:latin typeface="Avenir 65" pitchFamily="50" charset="0"/>
-              </a:rPr>
-              <a:t>4</a:t>
-            </a:r>
-            <a:endParaRPr lang="en-US" sz="4400" b="1" dirty="0" smtClean="0">
-              <a:latin typeface="Avenir 65" pitchFamily="50" charset="0"/>
-            </a:endParaRPr>
-          </a:p>
-        </p:txBody>
-      </p:sp>
-      <p:sp>
-        <p:nvSpPr>
-          <p:cNvPr id="82" name="TextBox 81"/>
-          <p:cNvSpPr txBox="1"/>
-          <p:nvPr/>
-        </p:nvSpPr>
-        <p:spPr>
-          <a:xfrm>
-            <a:off x="12123269" y="13123542"/>
-            <a:ext cx="5213563" cy="757393"/>
+            <a:off x="12324504" y="19550559"/>
+            <a:ext cx="6076241" cy="757265"/>
           </a:xfrm>
           <a:prstGeom prst="rect">
             <a:avLst/>
@@ -8658,76 +7902,7 @@
           <a:lstStyle/>
           <a:p>
             <a:r>
-              <a:rPr lang="en-US" sz="4400" dirty="0" smtClean="0">
-                <a:latin typeface="Avenir 65" pitchFamily="50" charset="0"/>
-              </a:rPr>
-              <a:t>Exceptional 4-mers</a:t>
-            </a:r>
-          </a:p>
-        </p:txBody>
-      </p:sp>
-      <p:cxnSp>
-        <p:nvCxnSpPr>
-          <p:cNvPr id="83" name="Straight Connector 82"/>
-          <p:cNvCxnSpPr/>
-          <p:nvPr/>
-        </p:nvCxnSpPr>
-        <p:spPr>
-          <a:xfrm>
-            <a:off x="11875801" y="13920541"/>
-            <a:ext cx="4630956" cy="2322"/>
-          </a:xfrm>
-          <a:prstGeom prst="line">
-            <a:avLst/>
-          </a:prstGeom>
-          <a:ln w="44450">
-            <a:solidFill>
-              <a:srgbClr val="F79029"/>
-            </a:solidFill>
-          </a:ln>
-        </p:spPr>
-        <p:style>
-          <a:lnRef idx="1">
-            <a:schemeClr val="dk1"/>
-          </a:lnRef>
-          <a:fillRef idx="0">
-            <a:schemeClr val="dk1"/>
-          </a:fillRef>
-          <a:effectRef idx="0">
-            <a:schemeClr val="dk1"/>
-          </a:effectRef>
-          <a:fontRef idx="minor">
-            <a:schemeClr val="tx1"/>
-          </a:fontRef>
-        </p:style>
-      </p:cxnSp>
-      <p:sp>
-        <p:nvSpPr>
-          <p:cNvPr id="84" name="TextBox 83"/>
-          <p:cNvSpPr txBox="1"/>
-          <p:nvPr/>
-        </p:nvSpPr>
-        <p:spPr>
-          <a:xfrm>
-            <a:off x="12123269" y="16860421"/>
-            <a:ext cx="6076241" cy="757393"/>
-          </a:xfrm>
-          <a:prstGeom prst="rect">
-            <a:avLst/>
-          </a:prstGeom>
-          <a:noFill/>
-          <a:ln>
-            <a:noFill/>
-          </a:ln>
-        </p:spPr>
-        <p:txBody>
-          <a:bodyPr wrap="square" lIns="79507" tIns="39754" rIns="79507" bIns="39754" rtlCol="0">
-            <a:spAutoFit/>
-          </a:bodyPr>
-          <a:lstStyle/>
-          <a:p>
-            <a:r>
-              <a:rPr lang="en-US" sz="4400" dirty="0" smtClean="0">
+              <a:rPr lang="en-US" sz="4399" dirty="0">
                 <a:latin typeface="Avenir 65" pitchFamily="50" charset="0"/>
               </a:rPr>
               <a:t>Genomic self-similarity</a:t>
@@ -8743,8 +7918,8 @@
         </p:nvSpPr>
         <p:spPr>
           <a:xfrm>
-            <a:off x="18360774" y="19838620"/>
-            <a:ext cx="1021587" cy="2750292"/>
+            <a:off x="18477893" y="21842679"/>
+            <a:ext cx="929429" cy="2369926"/>
           </a:xfrm>
           <a:prstGeom prst="roundRect">
             <a:avLst/>
@@ -8766,11 +7941,16 @@
           </a:fontRef>
         </p:style>
         <p:txBody>
-          <a:bodyPr rtlCol="0" anchor="ctr"/>
+          <a:bodyPr rot="0" spcFirstLastPara="0" vertOverflow="overflow" horzOverflow="overflow" vert="horz" wrap="square" lIns="91440" tIns="45720" rIns="91440" bIns="45720" numCol="1" spcCol="0" rtlCol="0" fromWordArt="0" anchor="ctr" anchorCtr="0" forceAA="0" compatLnSpc="1">
+            <a:prstTxWarp prst="textNoShape">
+              <a:avLst/>
+            </a:prstTxWarp>
+            <a:noAutofit/>
+          </a:bodyPr>
           <a:lstStyle/>
           <a:p>
             <a:pPr algn="ctr"/>
-            <a:endParaRPr lang="en-US"/>
+            <a:endParaRPr lang="en-US" sz="8299" dirty="0"/>
           </a:p>
         </p:txBody>
       </p:sp>
@@ -8782,14 +7962,15 @@
         </p:nvCxnSpPr>
         <p:spPr>
           <a:xfrm flipV="1">
-            <a:off x="20290836" y="19320387"/>
-            <a:ext cx="740364" cy="2053713"/>
+            <a:off x="18528043" y="21244548"/>
+            <a:ext cx="2467006" cy="565732"/>
           </a:xfrm>
           <a:prstGeom prst="straightConnector1">
             <a:avLst/>
           </a:prstGeom>
           <a:ln>
-            <a:tailEnd type="triangle"/>
+            <a:prstDash val="dash"/>
+            <a:tailEnd type="none"/>
           </a:ln>
         </p:spPr>
         <p:style>
@@ -8815,17 +7996,30 @@
         </p:nvSpPr>
         <p:spPr>
           <a:xfrm>
-            <a:off x="20511101" y="17617814"/>
-            <a:ext cx="2627086" cy="1372946"/>
+            <a:off x="21132972" y="19957300"/>
+            <a:ext cx="2627086" cy="1372561"/>
           </a:xfrm>
           <a:prstGeom prst="rect">
             <a:avLst/>
           </a:prstGeom>
-          <a:noFill/>
-          <a:ln>
+          <a:ln cap="rnd">
             <a:noFill/>
           </a:ln>
         </p:spPr>
+        <p:style>
+          <a:lnRef idx="2">
+            <a:schemeClr val="dk1"/>
+          </a:lnRef>
+          <a:fillRef idx="1">
+            <a:schemeClr val="lt1"/>
+          </a:fillRef>
+          <a:effectRef idx="0">
+            <a:schemeClr val="dk1"/>
+          </a:effectRef>
+          <a:fontRef idx="minor">
+            <a:schemeClr val="dk1"/>
+          </a:fontRef>
+        </p:style>
         <p:txBody>
           <a:bodyPr wrap="square" lIns="79507" tIns="39754" rIns="79507" bIns="39754" rtlCol="0">
             <a:spAutoFit/>
@@ -8834,7 +8028,7 @@
           <a:p>
             <a:pPr algn="ctr"/>
             <a:r>
-              <a:rPr lang="en-US" sz="2800" dirty="0" smtClean="0">
+              <a:rPr lang="en-US" sz="2799" dirty="0">
                 <a:latin typeface="Avenir 65" pitchFamily="50" charset="0"/>
               </a:rPr>
               <a:t>Evidence of horizontal gene transfer?</a:t>
@@ -8852,7 +8046,7 @@
         </p:nvSpPr>
         <p:spPr bwMode="auto">
           <a:xfrm>
-            <a:off x="155575" y="-144463"/>
+            <a:off x="155576" y="-144460"/>
             <a:ext cx="304800" cy="304801"/>
           </a:xfrm>
           <a:prstGeom prst="rect">
@@ -8877,129 +8071,157 @@
           </a:bodyPr>
           <a:lstStyle/>
           <a:p>
-            <a:endParaRPr lang="en-US"/>
+            <a:endParaRPr lang="en-US" sz="8299" dirty="0"/>
           </a:p>
         </p:txBody>
       </p:sp>
-      <p:sp>
-        <p:nvSpPr>
-          <p:cNvPr id="91" name="TextBox 90"/>
-          <p:cNvSpPr txBox="1"/>
+      <p:grpSp>
+        <p:nvGrpSpPr>
+          <p:cNvPr id="137" name="Group 136"/>
+          <p:cNvGrpSpPr/>
           <p:nvPr/>
-        </p:nvSpPr>
-        <p:spPr>
+        </p:nvGrpSpPr>
+        <p:grpSpPr>
           <a:xfrm>
-            <a:off x="22023946" y="21788225"/>
-            <a:ext cx="3017344" cy="911281"/>
+            <a:off x="20853267" y="22517064"/>
+            <a:ext cx="3559837" cy="2032993"/>
+            <a:chOff x="22641245" y="23209940"/>
+            <a:chExt cx="3559837" cy="2032993"/>
           </a:xfrm>
-          <a:prstGeom prst="rect">
-            <a:avLst/>
-          </a:prstGeom>
-          <a:noFill/>
-          <a:ln>
+        </p:grpSpPr>
+        <p:sp>
+          <p:nvSpPr>
+            <p:cNvPr id="91" name="TextBox 90"/>
+            <p:cNvSpPr txBox="1"/>
+            <p:nvPr/>
+          </p:nvSpPr>
+          <p:spPr>
+            <a:xfrm>
+              <a:off x="23010536" y="24424305"/>
+              <a:ext cx="2821255" cy="818628"/>
+            </a:xfrm>
+            <a:prstGeom prst="rect">
+              <a:avLst/>
+            </a:prstGeom>
             <a:noFill/>
-          </a:ln>
-          <a:effectLst>
-            <a:outerShdw blurRad="50800" dist="12700" dir="5400000" algn="t" rotWithShape="0">
-              <a:prstClr val="black">
-                <a:alpha val="40000"/>
-              </a:prstClr>
-            </a:outerShdw>
-          </a:effectLst>
-        </p:spPr>
-        <p:txBody>
-          <a:bodyPr wrap="square" lIns="79507" tIns="39754" rIns="79507" bIns="39754" rtlCol="0">
-            <a:spAutoFit/>
-          </a:bodyPr>
-          <a:lstStyle/>
-          <a:p>
-            <a:pPr algn="ctr"/>
-            <a:r>
-              <a:rPr lang="en-US" sz="5400" b="1" dirty="0" smtClean="0">
+            <a:ln>
+              <a:noFill/>
+            </a:ln>
+            <a:effectLst>
+              <a:outerShdw blurRad="50800" dist="12700" dir="5400000" algn="t" rotWithShape="0">
+                <a:prstClr val="black">
+                  <a:alpha val="40000"/>
+                </a:prstClr>
+              </a:outerShdw>
+            </a:effectLst>
+          </p:spPr>
+          <p:txBody>
+            <a:bodyPr wrap="square" lIns="79507" tIns="39754" rIns="79507" bIns="39754" rtlCol="0">
+              <a:spAutoFit/>
+            </a:bodyPr>
+            <a:lstStyle/>
+            <a:p>
+              <a:pPr algn="ctr"/>
+              <a:r>
+                <a:rPr lang="en-US" sz="4798" b="1" dirty="0">
+                  <a:solidFill>
+                    <a:srgbClr val="2F9ED1"/>
+                  </a:solidFill>
+                  <a:latin typeface="Times New Roman" panose="02020603050405020304" pitchFamily="18" charset="0"/>
+                  <a:cs typeface="Times New Roman" panose="02020603050405020304" pitchFamily="18" charset="0"/>
+                </a:rPr>
+                <a:t>BLAST</a:t>
+              </a:r>
+              <a:endParaRPr lang="en-US" sz="5400" b="1" dirty="0">
                 <a:solidFill>
                   <a:srgbClr val="2F9ED1"/>
                 </a:solidFill>
                 <a:latin typeface="Times New Roman" panose="02020603050405020304" pitchFamily="18" charset="0"/>
                 <a:cs typeface="Times New Roman" panose="02020603050405020304" pitchFamily="18" charset="0"/>
-              </a:rPr>
-              <a:t>BLAST</a:t>
-            </a:r>
-          </a:p>
-        </p:txBody>
-      </p:sp>
-      <p:sp>
-        <p:nvSpPr>
-          <p:cNvPr id="92" name="TextBox 91"/>
-          <p:cNvSpPr txBox="1"/>
-          <p:nvPr/>
-        </p:nvSpPr>
-        <p:spPr>
-          <a:xfrm>
-            <a:off x="21481453" y="20573860"/>
-            <a:ext cx="3906460" cy="634282"/>
-          </a:xfrm>
-          <a:prstGeom prst="rect">
-            <a:avLst/>
-          </a:prstGeom>
-          <a:noFill/>
-          <a:ln>
+              </a:endParaRPr>
+            </a:p>
+          </p:txBody>
+        </p:sp>
+        <p:sp>
+          <p:nvSpPr>
+            <p:cNvPr id="92" name="TextBox 91"/>
+            <p:cNvSpPr txBox="1"/>
+            <p:nvPr/>
+          </p:nvSpPr>
+          <p:spPr>
+            <a:xfrm>
+              <a:off x="22641245" y="23209940"/>
+              <a:ext cx="3559837" cy="572727"/>
+            </a:xfrm>
+            <a:prstGeom prst="rect">
+              <a:avLst/>
+            </a:prstGeom>
             <a:noFill/>
-          </a:ln>
-        </p:spPr>
-        <p:txBody>
-          <a:bodyPr wrap="square" lIns="79507" tIns="39754" rIns="79507" bIns="39754" rtlCol="0">
-            <a:spAutoFit/>
-          </a:bodyPr>
-          <a:lstStyle/>
-          <a:p>
-            <a:pPr algn="ctr"/>
-            <a:r>
-              <a:rPr lang="en-US" sz="3600" dirty="0" smtClean="0">
-                <a:latin typeface="Avenir 65" pitchFamily="50" charset="0"/>
-              </a:rPr>
-              <a:t>Investigate with </a:t>
-            </a:r>
-          </a:p>
-        </p:txBody>
-      </p:sp>
-      <p:sp>
-        <p:nvSpPr>
-          <p:cNvPr id="94" name="TextBox 93"/>
-          <p:cNvSpPr txBox="1"/>
-          <p:nvPr/>
-        </p:nvSpPr>
-        <p:spPr>
-          <a:xfrm>
-            <a:off x="21579388" y="21168000"/>
-            <a:ext cx="3906460" cy="634282"/>
-          </a:xfrm>
-          <a:prstGeom prst="rect">
-            <a:avLst/>
-          </a:prstGeom>
-          <a:noFill/>
-          <a:ln>
+            <a:ln>
+              <a:noFill/>
+            </a:ln>
+          </p:spPr>
+          <p:txBody>
+            <a:bodyPr wrap="square" lIns="79507" tIns="39754" rIns="79507" bIns="39754" rtlCol="0">
+              <a:spAutoFit/>
+            </a:bodyPr>
+            <a:lstStyle/>
+            <a:p>
+              <a:pPr algn="ctr"/>
+              <a:r>
+                <a:rPr lang="en-US" sz="3200" dirty="0">
+                  <a:latin typeface="Avenir 65" pitchFamily="50" charset="0"/>
+                </a:rPr>
+                <a:t>Investigate with </a:t>
+              </a:r>
+            </a:p>
+          </p:txBody>
+        </p:sp>
+        <p:sp>
+          <p:nvSpPr>
+            <p:cNvPr id="94" name="TextBox 93"/>
+            <p:cNvSpPr txBox="1"/>
+            <p:nvPr/>
+          </p:nvSpPr>
+          <p:spPr>
+            <a:xfrm>
+              <a:off x="22837224" y="23804080"/>
+              <a:ext cx="3167878" cy="572727"/>
+            </a:xfrm>
+            <a:prstGeom prst="rect">
+              <a:avLst/>
+            </a:prstGeom>
             <a:noFill/>
-          </a:ln>
-        </p:spPr>
-        <p:txBody>
-          <a:bodyPr wrap="square" lIns="79507" tIns="39754" rIns="79507" bIns="39754" rtlCol="0">
-            <a:spAutoFit/>
-          </a:bodyPr>
-          <a:lstStyle/>
-          <a:p>
-            <a:pPr algn="ctr"/>
-            <a:r>
-              <a:rPr lang="en-US" sz="3600" dirty="0" smtClean="0">
+            <a:ln>
+              <a:noFill/>
+            </a:ln>
+          </p:spPr>
+          <p:txBody>
+            <a:bodyPr wrap="square" lIns="79507" tIns="39754" rIns="79507" bIns="39754" rtlCol="0">
+              <a:spAutoFit/>
+            </a:bodyPr>
+            <a:lstStyle/>
+            <a:p>
+              <a:pPr algn="ctr"/>
+              <a:r>
+                <a:rPr lang="en-US" sz="3200" dirty="0">
+                  <a:solidFill>
+                    <a:srgbClr val="6A4A3C"/>
+                  </a:solidFill>
+                  <a:latin typeface="Hero" panose="02000506000000020004" pitchFamily="50" charset="0"/>
+                </a:rPr>
+                <a:t>Phamerator</a:t>
+              </a:r>
+              <a:endParaRPr lang="en-US" sz="3600" dirty="0">
                 <a:solidFill>
                   <a:srgbClr val="6A4A3C"/>
                 </a:solidFill>
                 <a:latin typeface="Hero" panose="02000506000000020004" pitchFamily="50" charset="0"/>
-              </a:rPr>
-              <a:t>Phamerator</a:t>
-            </a:r>
-          </a:p>
-        </p:txBody>
-      </p:sp>
+              </a:endParaRPr>
+            </a:p>
+          </p:txBody>
+        </p:sp>
+      </p:grpSp>
       <p:cxnSp>
         <p:nvCxnSpPr>
           <p:cNvPr id="97" name="Straight Arrow Connector 96"/>
@@ -9008,8 +8230,8 @@
         </p:nvCxnSpPr>
         <p:spPr>
           <a:xfrm>
-            <a:off x="22502893" y="19394858"/>
-            <a:ext cx="347386" cy="854550"/>
+            <a:off x="22665104" y="21527419"/>
+            <a:ext cx="1" cy="788921"/>
           </a:xfrm>
           <a:prstGeom prst="straightConnector1">
             <a:avLst/>
@@ -9033,56 +8255,6 @@
           </a:fontRef>
         </p:style>
       </p:cxnSp>
-      <p:sp>
-        <p:nvSpPr>
-          <p:cNvPr id="100" name="TextBox 99"/>
-          <p:cNvSpPr txBox="1"/>
-          <p:nvPr/>
-        </p:nvSpPr>
-        <p:spPr>
-          <a:xfrm>
-            <a:off x="11558237" y="26060844"/>
-            <a:ext cx="5471692" cy="3096495"/>
-          </a:xfrm>
-          <a:prstGeom prst="rect">
-            <a:avLst/>
-          </a:prstGeom>
-          <a:noFill/>
-          <a:ln>
-            <a:noFill/>
-          </a:ln>
-        </p:spPr>
-        <p:txBody>
-          <a:bodyPr wrap="square" lIns="79507" tIns="39754" rIns="79507" bIns="39754" rtlCol="0">
-            <a:spAutoFit/>
-          </a:bodyPr>
-          <a:lstStyle/>
-          <a:p>
-            <a:pPr algn="ctr"/>
-            <a:r>
-              <a:rPr lang="en-US" sz="2800" dirty="0" smtClean="0">
-                <a:latin typeface="Avenir 65" pitchFamily="50" charset="0"/>
-              </a:rPr>
-              <a:t>Cluster L genomes are very repetitive at the end. </a:t>
-            </a:r>
-          </a:p>
-          <a:p>
-            <a:pPr algn="ctr"/>
-            <a:endParaRPr lang="en-US" sz="2800" dirty="0">
-              <a:latin typeface="Avenir 65" pitchFamily="50" charset="0"/>
-            </a:endParaRPr>
-          </a:p>
-          <a:p>
-            <a:pPr algn="ctr"/>
-            <a:r>
-              <a:rPr lang="en-US" sz="2800" dirty="0" smtClean="0">
-                <a:latin typeface="Avenir 65" pitchFamily="50" charset="0"/>
-              </a:rPr>
-              <a:t>Repetitive regions have increased counts of specific 4-mers, contributing to the spike in TDI. </a:t>
-            </a:r>
-          </a:p>
-        </p:txBody>
-      </p:sp>
       <p:cxnSp>
         <p:nvCxnSpPr>
           <p:cNvPr id="101" name="Straight Arrow Connector 100"/>
@@ -9091,8 +8263,8 @@
         </p:nvCxnSpPr>
         <p:spPr>
           <a:xfrm flipV="1">
-            <a:off x="25148572" y="19861178"/>
-            <a:ext cx="415890" cy="593251"/>
+            <a:off x="24136810" y="20810018"/>
+            <a:ext cx="1346906" cy="1476931"/>
           </a:xfrm>
           <a:prstGeom prst="straightConnector1">
             <a:avLst/>
@@ -9124,8 +8296,8 @@
         </p:nvSpPr>
         <p:spPr>
           <a:xfrm>
-            <a:off x="26750129" y="18505414"/>
-            <a:ext cx="3178775" cy="511172"/>
+            <a:off x="25146246" y="20206245"/>
+            <a:ext cx="3178775" cy="511043"/>
           </a:xfrm>
           <a:prstGeom prst="rect">
             <a:avLst/>
@@ -9143,7 +8315,7 @@
           <a:p>
             <a:pPr algn="ctr"/>
             <a:r>
-              <a:rPr lang="en-US" sz="2800" dirty="0" smtClean="0">
+              <a:rPr lang="en-US" sz="2799" dirty="0">
                 <a:latin typeface="Avenir 65" pitchFamily="50" charset="0"/>
               </a:rPr>
               <a:t>Some homology</a:t>
@@ -9159,8 +8331,8 @@
         </p:nvSpPr>
         <p:spPr>
           <a:xfrm>
-            <a:off x="25943418" y="19272948"/>
-            <a:ext cx="5717644" cy="2727163"/>
+            <a:off x="25295135" y="21321854"/>
+            <a:ext cx="5717644" cy="2357703"/>
           </a:xfrm>
           <a:prstGeom prst="rect">
             <a:avLst/>
@@ -9177,150 +8349,84 @@
           <a:lstStyle/>
           <a:p>
             <a:r>
-              <a:rPr lang="en-US" sz="2800" dirty="0" smtClean="0">
+              <a:rPr lang="en-US" sz="2799" dirty="0">
                 <a:latin typeface="Avenir 65" pitchFamily="50" charset="0"/>
               </a:rPr>
-              <a:t>JoeDirt </a:t>
-            </a:r>
-            <a:r>
-              <a:rPr lang="en-US" sz="2800" dirty="0" err="1" smtClean="0">
-                <a:latin typeface="Avenir 65" pitchFamily="50" charset="0"/>
-              </a:rPr>
-              <a:t>gp</a:t>
-            </a:r>
-            <a:r>
-              <a:rPr lang="en-US" sz="2800" dirty="0" smtClean="0">
-                <a:latin typeface="Avenir 65" pitchFamily="50" charset="0"/>
-              </a:rPr>
-              <a:t> 130</a:t>
-            </a:r>
-          </a:p>
-          <a:p>
-            <a:pPr marL="457200" indent="-457200">
+              <a:t>JoeDirt gp 130</a:t>
+            </a:r>
+          </a:p>
+          <a:p>
+            <a:pPr marL="457136" indent="-457136">
               <a:buFont typeface="Arial" panose="020B0604020202020204" pitchFamily="34" charset="0"/>
               <a:buChar char="•"/>
             </a:pPr>
             <a:r>
+              <a:rPr lang="en-US" sz="2400" i="1" dirty="0">
+                <a:latin typeface="Avenir 65" pitchFamily="50" charset="0"/>
+              </a:rPr>
+              <a:t>Mycobacterium abscessus </a:t>
+            </a:r>
+            <a:r>
               <a:rPr lang="en-US" sz="2400" dirty="0">
                 <a:latin typeface="Avenir 65" pitchFamily="50" charset="0"/>
               </a:rPr>
-              <a:t>Mycobacterium </a:t>
-            </a:r>
-            <a:r>
-              <a:rPr lang="en-US" sz="2400" dirty="0" err="1" smtClean="0">
+              <a:t>E = 2e-48</a:t>
+            </a:r>
+          </a:p>
+          <a:p>
+            <a:pPr marL="457136" indent="-457136">
+              <a:buFont typeface="Arial" panose="020B0604020202020204" pitchFamily="34" charset="0"/>
+              <a:buChar char="•"/>
+            </a:pPr>
+            <a:r>
+              <a:rPr lang="en-US" sz="2400" i="1" dirty="0">
                 <a:latin typeface="Avenir 65" pitchFamily="50" charset="0"/>
               </a:rPr>
-              <a:t>abscessus</a:t>
-            </a:r>
-            <a:r>
-              <a:rPr lang="en-US" sz="2400" dirty="0" smtClean="0">
-                <a:latin typeface="Avenir 65" pitchFamily="50" charset="0"/>
-              </a:rPr>
-              <a:t> E </a:t>
+              <a:t>Flavobacterium psychrophilum </a:t>
             </a:r>
             <a:r>
               <a:rPr lang="en-US" sz="2400" dirty="0">
                 <a:latin typeface="Avenir 65" pitchFamily="50" charset="0"/>
               </a:rPr>
-              <a:t>= </a:t>
-            </a:r>
-            <a:r>
-              <a:rPr lang="en-US" sz="2400" dirty="0" smtClean="0">
-                <a:latin typeface="Avenir 65" pitchFamily="50" charset="0"/>
-              </a:rPr>
-              <a:t>2e-48</a:t>
-            </a:r>
-          </a:p>
-          <a:p>
-            <a:pPr marL="457200" indent="-457200">
+              <a:t>E=2e-28</a:t>
+            </a:r>
+          </a:p>
+          <a:p>
+            <a:pPr marL="457136" indent="-457136">
               <a:buFont typeface="Arial" panose="020B0604020202020204" pitchFamily="34" charset="0"/>
               <a:buChar char="•"/>
             </a:pPr>
             <a:r>
-              <a:rPr lang="en-US" sz="2400" dirty="0" err="1" smtClean="0">
+              <a:rPr lang="en-US" sz="2400" i="1" dirty="0" err="1">
                 <a:latin typeface="Avenir 65" pitchFamily="50" charset="0"/>
               </a:rPr>
-              <a:t>Flavobacterium</a:t>
-            </a:r>
-            <a:r>
-              <a:rPr lang="en-US" sz="2400" dirty="0" smtClean="0">
+              <a:t>Opitutaceae</a:t>
+            </a:r>
+            <a:r>
+              <a:rPr lang="en-US" sz="2400" i="1" dirty="0">
+                <a:latin typeface="Avenir 65" pitchFamily="50" charset="0"/>
+              </a:rPr>
+              <a:t> bacterium </a:t>
+            </a:r>
+            <a:r>
+              <a:rPr lang="en-US" sz="2400" dirty="0">
+                <a:latin typeface="Avenir 65" pitchFamily="50" charset="0"/>
+              </a:rPr>
+              <a:t>TAV1 ATPase</a:t>
+            </a:r>
+            <a:r>
+              <a:rPr lang="en-US" sz="2400" b="1" dirty="0">
                 <a:latin typeface="Avenir 65" pitchFamily="50" charset="0"/>
               </a:rPr>
               <a:t> </a:t>
             </a:r>
             <a:r>
-              <a:rPr lang="en-US" sz="2400" dirty="0" err="1">
-                <a:latin typeface="Avenir 65" pitchFamily="50" charset="0"/>
-              </a:rPr>
-              <a:t>psychrophilum</a:t>
-            </a:r>
-            <a:r>
               <a:rPr lang="en-US" sz="2400" dirty="0">
                 <a:latin typeface="Avenir 65" pitchFamily="50" charset="0"/>
               </a:rPr>
-              <a:t> </a:t>
-            </a:r>
-            <a:r>
-              <a:rPr lang="en-US" sz="2400" dirty="0" smtClean="0">
-                <a:latin typeface="Avenir 65" pitchFamily="50" charset="0"/>
-              </a:rPr>
-              <a:t>E=2e-28</a:t>
-            </a:r>
-          </a:p>
-          <a:p>
-            <a:pPr marL="457200" indent="-457200">
-              <a:buFont typeface="Arial" panose="020B0604020202020204" pitchFamily="34" charset="0"/>
-              <a:buChar char="•"/>
-            </a:pPr>
-            <a:r>
-              <a:rPr lang="en-US" sz="2400" dirty="0" smtClean="0">
-                <a:latin typeface="Avenir 65" pitchFamily="50" charset="0"/>
-              </a:rPr>
-              <a:t>Streptomyces sp.  E = 4e-28</a:t>
-            </a:r>
-          </a:p>
-          <a:p>
-            <a:pPr marL="457200" indent="-457200">
-              <a:buFont typeface="Arial" panose="020B0604020202020204" pitchFamily="34" charset="0"/>
-              <a:buChar char="•"/>
-            </a:pPr>
-            <a:r>
-              <a:rPr lang="en-US" sz="2400" dirty="0" err="1" smtClean="0">
-                <a:latin typeface="Avenir 65" pitchFamily="50" charset="0"/>
-              </a:rPr>
-              <a:t>Opitutaceae</a:t>
-            </a:r>
-            <a:r>
-              <a:rPr lang="en-US" sz="2400" dirty="0" smtClean="0">
-                <a:latin typeface="Avenir 65" pitchFamily="50" charset="0"/>
-              </a:rPr>
-              <a:t> </a:t>
-            </a:r>
-            <a:r>
-              <a:rPr lang="en-US" sz="2400" dirty="0">
-                <a:latin typeface="Avenir 65" pitchFamily="50" charset="0"/>
-              </a:rPr>
-              <a:t>bacterium </a:t>
-            </a:r>
-            <a:r>
-              <a:rPr lang="en-US" sz="2400" dirty="0" smtClean="0">
-                <a:latin typeface="Avenir 65" pitchFamily="50" charset="0"/>
-              </a:rPr>
-              <a:t>TAV1 </a:t>
-            </a:r>
-            <a:r>
-              <a:rPr lang="en-US" sz="2400" b="1" dirty="0" smtClean="0">
-                <a:latin typeface="Avenir 65" pitchFamily="50" charset="0"/>
-              </a:rPr>
-              <a:t>ATPase </a:t>
-            </a:r>
-            <a:r>
-              <a:rPr lang="en-US" sz="2400" dirty="0" smtClean="0">
-                <a:latin typeface="Avenir 65" pitchFamily="50" charset="0"/>
-              </a:rPr>
               <a:t>E = 1e-23</a:t>
             </a:r>
-            <a:endParaRPr lang="en-US" sz="2400" b="1" dirty="0" smtClean="0">
+            <a:endParaRPr lang="en-US" sz="2400" b="1" dirty="0">
               <a:latin typeface="Avenir 65" pitchFamily="50" charset="0"/>
             </a:endParaRPr>
           </a:p>
@@ -9334,7 +8440,7 @@
         </p:nvCxnSpPr>
         <p:spPr>
           <a:xfrm flipH="1">
-            <a:off x="31977426" y="27665607"/>
+            <a:off x="31977427" y="27665607"/>
             <a:ext cx="9944606" cy="0"/>
           </a:xfrm>
           <a:prstGeom prst="line">
@@ -9369,7 +8475,7 @@
         </p:nvCxnSpPr>
         <p:spPr>
           <a:xfrm flipH="1">
-            <a:off x="-101337" y="27665607"/>
+            <a:off x="31880839" y="24189436"/>
             <a:ext cx="9944606" cy="0"/>
           </a:xfrm>
           <a:prstGeom prst="line">
@@ -9404,8 +8510,8 @@
         </p:nvSpPr>
         <p:spPr>
           <a:xfrm>
-            <a:off x="307975" y="27891767"/>
-            <a:ext cx="9535294" cy="1188280"/>
+            <a:off x="31965059" y="24550057"/>
+            <a:ext cx="9535294" cy="3034939"/>
           </a:xfrm>
           <a:prstGeom prst="rect">
             <a:avLst/>
@@ -9419,43 +8525,322 @@
           <a:lstStyle/>
           <a:p>
             <a:r>
-              <a:rPr lang="en-US" sz="4000" b="1" dirty="0" smtClean="0">
+              <a:rPr lang="en-US" sz="3200" b="1" dirty="0">
                 <a:latin typeface="Avenir 65" pitchFamily="50" charset="0"/>
               </a:rPr>
               <a:t>Literature Cited</a:t>
             </a:r>
-            <a:endParaRPr lang="en-US" sz="4000" b="1" dirty="0" smtClean="0">
+            <a:endParaRPr lang="en-US" sz="1600" dirty="0"/>
+          </a:p>
+          <a:p>
+            <a:r>
+              <a:rPr lang="en-US" sz="1600" dirty="0" err="1"/>
+              <a:t>Betley</a:t>
+            </a:r>
+            <a:r>
+              <a:rPr lang="en-US" sz="1600" dirty="0"/>
+              <a:t>, J. N., Frith, M. C., Graber, J. H., </a:t>
+            </a:r>
+            <a:r>
+              <a:rPr lang="en-US" sz="1600" dirty="0" err="1"/>
+              <a:t>Choo</a:t>
+            </a:r>
+            <a:r>
+              <a:rPr lang="en-US" sz="1600" dirty="0"/>
+              <a:t>, S. &amp; Deshler, J. O. A ubiquitous and conserved signal for RNA localization in chordates. </a:t>
+            </a:r>
+            <a:r>
+              <a:rPr lang="en-US" sz="1600" i="1" dirty="0" err="1"/>
+              <a:t>Curr</a:t>
+            </a:r>
+            <a:r>
+              <a:rPr lang="en-US" sz="1600" i="1" dirty="0"/>
+              <a:t>. Biol.</a:t>
+            </a:r>
+            <a:r>
+              <a:rPr lang="en-US" sz="1600" dirty="0"/>
+              <a:t> </a:t>
+            </a:r>
+            <a:r>
+              <a:rPr lang="en-US" sz="1600" b="1" dirty="0"/>
+              <a:t>12,</a:t>
+            </a:r>
+            <a:r>
+              <a:rPr lang="en-US" sz="1600" dirty="0"/>
+              <a:t> 1756–1761 (2002).</a:t>
+            </a:r>
+          </a:p>
+          <a:p>
+            <a:r>
+              <a:rPr lang="en-US" sz="1600" dirty="0"/>
+              <a:t>Hall, M. </a:t>
+            </a:r>
+            <a:r>
+              <a:rPr lang="en-US" sz="1600" i="1" dirty="0"/>
+              <a:t>et al.</a:t>
+            </a:r>
+            <a:r>
+              <a:rPr lang="en-US" sz="1600" dirty="0"/>
+              <a:t> The WEKA Data Mining Software: An Update. </a:t>
+            </a:r>
+            <a:r>
+              <a:rPr lang="en-US" sz="1600" i="1" dirty="0"/>
+              <a:t>SIGKDD Explor. f.</a:t>
+            </a:r>
+            <a:r>
+              <a:rPr lang="en-US" sz="1600" dirty="0"/>
+              <a:t> </a:t>
+            </a:r>
+            <a:r>
+              <a:rPr lang="en-US" sz="1600" b="1" dirty="0"/>
+              <a:t>11,</a:t>
+            </a:r>
+            <a:r>
+              <a:rPr lang="en-US" sz="1600" dirty="0"/>
+              <a:t> 10–18 (2009).</a:t>
+            </a:r>
+          </a:p>
+          <a:p>
+            <a:r>
+              <a:rPr lang="en-US" sz="1600" dirty="0" err="1"/>
+              <a:t>Hatfull</a:t>
+            </a:r>
+            <a:r>
+              <a:rPr lang="en-US" sz="1600" dirty="0"/>
+              <a:t>, G. F. </a:t>
+            </a:r>
+            <a:r>
+              <a:rPr lang="en-US" sz="1600" i="1" dirty="0"/>
+              <a:t>et al.</a:t>
+            </a:r>
+            <a:r>
+              <a:rPr lang="en-US" sz="1600" dirty="0"/>
+              <a:t> Comparative Genomic Analysis of 60 Mycobacteriophage Genomes: Genome Clustering, Gene Acquisition, and Gene Size. </a:t>
+            </a:r>
+            <a:r>
+              <a:rPr lang="en-US" sz="1600" i="1" dirty="0"/>
+              <a:t>Journal of Molecular Biology</a:t>
+            </a:r>
+            <a:r>
+              <a:rPr lang="en-US" sz="1600" dirty="0"/>
+              <a:t> </a:t>
+            </a:r>
+            <a:r>
+              <a:rPr lang="en-US" sz="1600" b="1" dirty="0"/>
+              <a:t>397,</a:t>
+            </a:r>
+            <a:r>
+              <a:rPr lang="en-US" sz="1600" dirty="0"/>
+              <a:t> 119–143 (2010).</a:t>
+            </a:r>
+          </a:p>
+          <a:p>
+            <a:r>
+              <a:rPr lang="en-US" sz="1600" dirty="0"/>
+              <a:t>Sandberg, R. </a:t>
+            </a:r>
+            <a:r>
+              <a:rPr lang="en-US" sz="1600" i="1" dirty="0"/>
+              <a:t>et al.</a:t>
+            </a:r>
+            <a:r>
+              <a:rPr lang="en-US" sz="1600" dirty="0"/>
+              <a:t> Capturing Whole-Genome Characteristics in Short Sequences Using a </a:t>
+            </a:r>
+            <a:r>
+              <a:rPr lang="en-US" sz="1600" dirty="0" err="1"/>
+              <a:t>Na?ve</a:t>
+            </a:r>
+            <a:r>
+              <a:rPr lang="en-US" sz="1600" dirty="0"/>
+              <a:t> Bayesian Classifier. </a:t>
+            </a:r>
+            <a:r>
+              <a:rPr lang="en-US" sz="1600" i="1" dirty="0"/>
+              <a:t>Genome Res</a:t>
+            </a:r>
+            <a:r>
+              <a:rPr lang="en-US" sz="1600" dirty="0"/>
+              <a:t> </a:t>
+            </a:r>
+            <a:r>
+              <a:rPr lang="en-US" sz="1600" b="1" dirty="0"/>
+              <a:t>11,</a:t>
+            </a:r>
+            <a:r>
+              <a:rPr lang="en-US" sz="1600" dirty="0"/>
+              <a:t> 1404–1409 (2001).</a:t>
+            </a:r>
+          </a:p>
+          <a:p>
+            <a:r>
+              <a:rPr lang="en-US" sz="1600" dirty="0"/>
+              <a:t>Pride, D. T., </a:t>
+            </a:r>
+            <a:r>
+              <a:rPr lang="en-US" sz="1600" dirty="0" err="1"/>
+              <a:t>Wassenaar</a:t>
+            </a:r>
+            <a:r>
+              <a:rPr lang="en-US" sz="1600" dirty="0"/>
+              <a:t>, T. M., </a:t>
+            </a:r>
+            <a:r>
+              <a:rPr lang="en-US" sz="1600" dirty="0" err="1"/>
+              <a:t>Ghose</a:t>
+            </a:r>
+            <a:r>
+              <a:rPr lang="en-US" sz="1600" dirty="0"/>
+              <a:t>, C. &amp; </a:t>
+            </a:r>
+            <a:r>
+              <a:rPr lang="en-US" sz="1600" dirty="0" err="1"/>
+              <a:t>Blaser</a:t>
+            </a:r>
+            <a:r>
+              <a:rPr lang="en-US" sz="1600" dirty="0"/>
+              <a:t>, M. J. Evidence of host-virus co-evolution in tetranucleotide usage patterns of bacteriophages and eukaryotic viruses. </a:t>
+            </a:r>
+            <a:r>
+              <a:rPr lang="en-US" sz="1600" i="1" dirty="0"/>
+              <a:t>BMC Genomics</a:t>
+            </a:r>
+            <a:r>
+              <a:rPr lang="en-US" sz="1600" dirty="0"/>
+              <a:t> </a:t>
+            </a:r>
+            <a:r>
+              <a:rPr lang="en-US" sz="1600" b="1" dirty="0"/>
+              <a:t>7,</a:t>
+            </a:r>
+            <a:r>
+              <a:rPr lang="en-US" sz="1600" dirty="0"/>
+              <a:t> 8 (2006).</a:t>
+            </a:r>
+          </a:p>
+          <a:p>
+            <a:endParaRPr lang="en-US" sz="1600" b="1" dirty="0">
               <a:latin typeface="Avenir 65" pitchFamily="50" charset="0"/>
             </a:endParaRPr>
           </a:p>
-          <a:p>
-            <a:endParaRPr lang="en-US" sz="1000" b="1" dirty="0" smtClean="0">
-              <a:latin typeface="Avenir 65" pitchFamily="50" charset="0"/>
-            </a:endParaRPr>
-          </a:p>
-          <a:p>
-            <a:r>
-              <a:rPr lang="en-US" sz="2200" dirty="0" smtClean="0">
-                <a:latin typeface="Avenir 65" pitchFamily="50" charset="0"/>
-              </a:rPr>
-              <a:t> </a:t>
-            </a:r>
-            <a:endParaRPr lang="en-US" sz="2000" dirty="0">
-              <a:latin typeface="Avenir 65" pitchFamily="50" charset="0"/>
-            </a:endParaRPr>
-          </a:p>
         </p:txBody>
       </p:sp>
+      <p:grpSp>
+        <p:nvGrpSpPr>
+          <p:cNvPr id="143" name="Group 142"/>
+          <p:cNvGrpSpPr/>
+          <p:nvPr/>
+        </p:nvGrpSpPr>
+        <p:grpSpPr>
+          <a:xfrm>
+            <a:off x="11964802" y="26519998"/>
+            <a:ext cx="5566655" cy="3564380"/>
+            <a:chOff x="11660660" y="26293973"/>
+            <a:chExt cx="5566655" cy="3564382"/>
+          </a:xfrm>
+        </p:grpSpPr>
+        <p:sp>
+          <p:nvSpPr>
+            <p:cNvPr id="100" name="TextBox 99"/>
+            <p:cNvSpPr txBox="1"/>
+            <p:nvPr/>
+          </p:nvSpPr>
+          <p:spPr>
+            <a:xfrm>
+              <a:off x="11660660" y="27193516"/>
+              <a:ext cx="5566655" cy="2664839"/>
+            </a:xfrm>
+            <a:prstGeom prst="rect">
+              <a:avLst/>
+            </a:prstGeom>
+            <a:noFill/>
+            <a:ln>
+              <a:noFill/>
+            </a:ln>
+          </p:spPr>
+          <p:txBody>
+            <a:bodyPr wrap="square" lIns="79507" tIns="39754" rIns="79507" bIns="39754" rtlCol="0">
+              <a:spAutoFit/>
+            </a:bodyPr>
+            <a:lstStyle/>
+            <a:p>
+              <a:pPr marL="457136" indent="-457136">
+                <a:buFont typeface="Arial" panose="020B0604020202020204" pitchFamily="34" charset="0"/>
+                <a:buChar char="•"/>
+              </a:pPr>
+              <a:r>
+                <a:rPr lang="en-US" sz="2799" dirty="0">
+                  <a:latin typeface="Avenir 65" pitchFamily="50" charset="0"/>
+                </a:rPr>
+                <a:t>Cluster L genomes are very repetitive at the end. </a:t>
+              </a:r>
+            </a:p>
+            <a:p>
+              <a:pPr marL="457136" indent="-457136">
+                <a:buFont typeface="Arial" panose="020B0604020202020204" pitchFamily="34" charset="0"/>
+                <a:buChar char="•"/>
+              </a:pPr>
+              <a:r>
+                <a:rPr lang="en-US" sz="2799" dirty="0">
+                  <a:latin typeface="Avenir 65" pitchFamily="50" charset="0"/>
+                </a:rPr>
+                <a:t>Repetitive regions have increased counts of specific 4-mers, contributing to the spike in TDI. </a:t>
+              </a:r>
+            </a:p>
+          </p:txBody>
+        </p:sp>
+        <p:sp>
+          <p:nvSpPr>
+            <p:cNvPr id="113" name="TextBox 112"/>
+            <p:cNvSpPr txBox="1"/>
+            <p:nvPr/>
+          </p:nvSpPr>
+          <p:spPr>
+            <a:xfrm>
+              <a:off x="11708141" y="26293973"/>
+              <a:ext cx="5471692" cy="757265"/>
+            </a:xfrm>
+            <a:prstGeom prst="rect">
+              <a:avLst/>
+            </a:prstGeom>
+            <a:noFill/>
+            <a:ln>
+              <a:noFill/>
+            </a:ln>
+          </p:spPr>
+          <p:txBody>
+            <a:bodyPr wrap="square" lIns="79507" tIns="39754" rIns="79507" bIns="39754" rtlCol="0">
+              <a:spAutoFit/>
+            </a:bodyPr>
+            <a:lstStyle/>
+            <a:p>
+              <a:pPr algn="ctr"/>
+              <a:r>
+                <a:rPr lang="en-US" sz="4399" dirty="0">
+                  <a:ln w="3175">
+                    <a:noFill/>
+                  </a:ln>
+                  <a:solidFill>
+                    <a:srgbClr val="F79029"/>
+                  </a:solidFill>
+                  <a:latin typeface="Avenir 65" pitchFamily="50" charset="0"/>
+                </a:rPr>
+                <a:t>More likely:</a:t>
+              </a:r>
+            </a:p>
+          </p:txBody>
+        </p:sp>
+      </p:grpSp>
       <p:sp>
         <p:nvSpPr>
-          <p:cNvPr id="113" name="TextBox 112"/>
+          <p:cNvPr id="123" name="TextBox 122"/>
           <p:cNvSpPr txBox="1"/>
           <p:nvPr/>
         </p:nvSpPr>
         <p:spPr>
           <a:xfrm>
-            <a:off x="11483625" y="25161301"/>
-            <a:ext cx="5471692" cy="757393"/>
+            <a:off x="32035008" y="17528521"/>
+            <a:ext cx="6076241" cy="757265"/>
           </a:xfrm>
           <a:prstGeom prst="rect">
             <a:avLst/>
@@ -9471,32 +8856,25 @@
           </a:bodyPr>
           <a:lstStyle/>
           <a:p>
-            <a:pPr algn="ctr"/>
-            <a:r>
-              <a:rPr lang="en-US" sz="4400" dirty="0">
-                <a:ln w="3175">
-                  <a:noFill/>
-                </a:ln>
-                <a:solidFill>
-                  <a:srgbClr val="F79029"/>
-                </a:solidFill>
+            <a:r>
+              <a:rPr lang="en-US" sz="4399" dirty="0">
                 <a:latin typeface="Avenir 65" pitchFamily="50" charset="0"/>
               </a:rPr>
-              <a:t>More likely:</a:t>
+              <a:t>Future directions</a:t>
             </a:r>
           </a:p>
         </p:txBody>
       </p:sp>
       <p:sp>
         <p:nvSpPr>
-          <p:cNvPr id="117" name="TextBox 116"/>
+          <p:cNvPr id="126" name="TextBox 125"/>
           <p:cNvSpPr txBox="1"/>
           <p:nvPr/>
         </p:nvSpPr>
         <p:spPr>
           <a:xfrm>
-            <a:off x="18150109" y="25017088"/>
-            <a:ext cx="6047771" cy="572727"/>
+            <a:off x="32177417" y="13830075"/>
+            <a:ext cx="6076241" cy="757265"/>
           </a:xfrm>
           <a:prstGeom prst="rect">
             <a:avLst/>
@@ -9513,39 +8891,2083 @@
           <a:lstStyle/>
           <a:p>
             <a:r>
-              <a:rPr lang="en-US" sz="3200" dirty="0" smtClean="0">
-                <a:ln w="3175">
-                  <a:noFill/>
-                </a:ln>
+              <a:rPr lang="en-US" sz="4399" dirty="0">
+                <a:latin typeface="Avenir 65" pitchFamily="50" charset="0"/>
+              </a:rPr>
+              <a:t>Conclusions</a:t>
+            </a:r>
+          </a:p>
+        </p:txBody>
+      </p:sp>
+      <p:sp>
+        <p:nvSpPr>
+          <p:cNvPr id="134" name="TextBox 133"/>
+          <p:cNvSpPr txBox="1"/>
+          <p:nvPr/>
+        </p:nvSpPr>
+        <p:spPr>
+          <a:xfrm>
+            <a:off x="32050413" y="22223624"/>
+            <a:ext cx="9265532" cy="1803833"/>
+          </a:xfrm>
+          <a:prstGeom prst="rect">
+            <a:avLst/>
+          </a:prstGeom>
+          <a:noFill/>
+          <a:ln w="3175">
+            <a:noFill/>
+          </a:ln>
+        </p:spPr>
+        <p:txBody>
+          <a:bodyPr wrap="square" lIns="79507" tIns="39754" rIns="79507" bIns="39754" rtlCol="0">
+            <a:spAutoFit/>
+          </a:bodyPr>
+          <a:lstStyle/>
+          <a:p>
+            <a:r>
+              <a:rPr lang="en-US" sz="4000" dirty="0">
                 <a:solidFill>
                   <a:srgbClr val="F79029"/>
                 </a:solidFill>
                 <a:latin typeface="Avenir 65" pitchFamily="50" charset="0"/>
               </a:rPr>
-              <a:t>JoeDirt (L1)  </a:t>
-            </a:r>
-            <a:r>
-              <a:rPr lang="en-US" sz="2000" dirty="0" smtClean="0">
-                <a:ln w="3175">
-                  <a:noFill/>
-                </a:ln>
+              <a:t>Additional information:</a:t>
+            </a:r>
+          </a:p>
+          <a:p>
+            <a:r>
+              <a:rPr lang="en-US" sz="2400" dirty="0">
                 <a:latin typeface="Avenir 65" pitchFamily="50" charset="0"/>
               </a:rPr>
-              <a:t>cluster of repeats at 70kb</a:t>
+              <a:t>Source code and processed data is available at</a:t>
+            </a:r>
+          </a:p>
+          <a:p>
+            <a:r>
+              <a:rPr lang="en-US" sz="2400" dirty="0">
+                <a:latin typeface="Avenir 65" pitchFamily="50" charset="0"/>
+              </a:rPr>
+              <a:t>Github.com/</a:t>
+            </a:r>
+            <a:r>
+              <a:rPr lang="en-US" sz="2400" dirty="0" err="1">
+                <a:latin typeface="Avenir 65" pitchFamily="50" charset="0"/>
+              </a:rPr>
+              <a:t>bsiranosian</a:t>
+            </a:r>
+            <a:r>
+              <a:rPr lang="en-US" sz="2400" dirty="0">
+                <a:latin typeface="Avenir 65" pitchFamily="50" charset="0"/>
+              </a:rPr>
+              <a:t>/tango</a:t>
+            </a:r>
+          </a:p>
+          <a:p>
+            <a:r>
+              <a:rPr lang="en-US" sz="2400" dirty="0">
+                <a:latin typeface="Avenir 65" pitchFamily="50" charset="0"/>
+              </a:rPr>
+              <a:t>Bsiranosian.com</a:t>
             </a:r>
           </a:p>
         </p:txBody>
       </p:sp>
+      <mc:AlternateContent xmlns:mc="http://schemas.openxmlformats.org/markup-compatibility/2006">
+        <mc:Choice xmlns:a14="http://schemas.microsoft.com/office/drawing/2010/main" Requires="a14">
+          <p:sp>
+            <p:nvSpPr>
+              <p:cNvPr id="135" name="TextBox 134"/>
+              <p:cNvSpPr txBox="1"/>
+              <p:nvPr/>
+            </p:nvSpPr>
+            <p:spPr>
+              <a:xfrm>
+                <a:off x="432548" y="17514926"/>
+                <a:ext cx="9784968" cy="1926944"/>
+              </a:xfrm>
+              <a:prstGeom prst="rect">
+                <a:avLst/>
+              </a:prstGeom>
+              <a:noFill/>
+              <a:ln>
+                <a:noFill/>
+              </a:ln>
+            </p:spPr>
+            <p:txBody>
+              <a:bodyPr wrap="square" lIns="79507" tIns="39754" rIns="79507" bIns="39754" rtlCol="0">
+                <a:spAutoFit/>
+              </a:bodyPr>
+              <a:lstStyle/>
+              <a:p>
+                <a:pPr marL="742847" indent="-742847">
+                  <a:buFont typeface="+mj-lt"/>
+                  <a:buAutoNum type="alphaLcParenR" startAt="2"/>
+                </a:pPr>
+                <a:r>
+                  <a:rPr lang="en-US" sz="3200" b="1" dirty="0">
+                    <a:latin typeface="Avenir 65" pitchFamily="50" charset="0"/>
+                  </a:rPr>
+                  <a:t>Tetranucleotide usage deviation (TUD)</a:t>
+                </a:r>
+              </a:p>
+              <a:p>
+                <a:r>
+                  <a:rPr lang="en-US" sz="2200" dirty="0">
+                    <a:latin typeface="Avenir 65" pitchFamily="50" charset="0"/>
+                  </a:rPr>
+                  <a:t>To remove biases in tetranucleotide counts, we divided each observed count by the number of tetranucleotides expected under a model of random nucleotide distribution. This gives the Tetranucleotide Usage Deviation (TUD) for a tetranucleotide </a:t>
+                </a:r>
+                <a14:m>
+                  <m:oMath xmlns:m="http://schemas.openxmlformats.org/officeDocument/2006/math">
+                    <m:r>
+                      <a:rPr lang="en-US" sz="2200" i="1">
+                        <a:latin typeface="Cambria Math" panose="02040503050406030204" pitchFamily="18" charset="0"/>
+                      </a:rPr>
+                      <m:t>𝑤</m:t>
+                    </m:r>
+                  </m:oMath>
+                </a14:m>
+                <a:r>
+                  <a:rPr lang="en-US" sz="2200" dirty="0">
+                    <a:latin typeface="Avenir 65" pitchFamily="50" charset="0"/>
+                  </a:rPr>
+                  <a:t>. </a:t>
+                </a:r>
+              </a:p>
+            </p:txBody>
+          </p:sp>
+        </mc:Choice>
+        <mc:Fallback>
+          <p:sp>
+            <p:nvSpPr>
+              <p:cNvPr id="135" name="TextBox 134"/>
+              <p:cNvSpPr txBox="1">
+                <a:spLocks noRot="1" noChangeAspect="1" noMove="1" noResize="1" noEditPoints="1" noAdjustHandles="1" noChangeArrowheads="1" noChangeShapeType="1" noTextEdit="1"/>
+              </p:cNvSpPr>
+              <p:nvPr/>
+            </p:nvSpPr>
+            <p:spPr>
+              <a:xfrm>
+                <a:off x="432548" y="17514926"/>
+                <a:ext cx="9784968" cy="1926944"/>
+              </a:xfrm>
+              <a:prstGeom prst="rect">
+                <a:avLst/>
+              </a:prstGeom>
+              <a:blipFill rotWithShape="0">
+                <a:blip r:embed="rId6"/>
+                <a:stretch>
+                  <a:fillRect l="-1745" t="-4747" b="-6013"/>
+                </a:stretch>
+              </a:blipFill>
+              <a:ln>
+                <a:noFill/>
+              </a:ln>
+            </p:spPr>
+            <p:txBody>
+              <a:bodyPr/>
+              <a:lstStyle/>
+              <a:p>
+                <a:r>
+                  <a:rPr lang="en-US">
+                    <a:noFill/>
+                  </a:rPr>
+                  <a:t> </a:t>
+                </a:r>
+              </a:p>
+            </p:txBody>
+          </p:sp>
+        </mc:Fallback>
+      </mc:AlternateContent>
+      <mc:AlternateContent xmlns:mc="http://schemas.openxmlformats.org/markup-compatibility/2006">
+        <mc:Choice xmlns:a14="http://schemas.microsoft.com/office/drawing/2010/main" Requires="a14">
+          <p:sp>
+            <p:nvSpPr>
+              <p:cNvPr id="136" name="TextBox 135"/>
+              <p:cNvSpPr txBox="1"/>
+              <p:nvPr/>
+            </p:nvSpPr>
+            <p:spPr>
+              <a:xfrm>
+                <a:off x="261183" y="24460105"/>
+                <a:ext cx="10005451" cy="6296858"/>
+              </a:xfrm>
+              <a:prstGeom prst="rect">
+                <a:avLst/>
+              </a:prstGeom>
+              <a:noFill/>
+              <a:ln>
+                <a:noFill/>
+              </a:ln>
+            </p:spPr>
+            <p:txBody>
+              <a:bodyPr wrap="square" lIns="79507" tIns="39754" rIns="79507" bIns="39754" rtlCol="0">
+                <a:spAutoFit/>
+              </a:bodyPr>
+              <a:lstStyle/>
+              <a:p>
+                <a:pPr marL="742847" indent="-742847">
+                  <a:buFont typeface="+mj-lt"/>
+                  <a:buAutoNum type="alphaLcParenR" startAt="4"/>
+                </a:pPr>
+                <a:r>
+                  <a:rPr lang="en-US" sz="3200" b="1" dirty="0">
+                    <a:latin typeface="Avenir 65" pitchFamily="50" charset="0"/>
+                  </a:rPr>
+                  <a:t>Tetranucleotide difference index (TDI)</a:t>
+                </a:r>
+              </a:p>
+              <a:p>
+                <a:r>
+                  <a:rPr lang="en-US" sz="2200" dirty="0">
+                    <a:latin typeface="Avenir 65" pitchFamily="50" charset="0"/>
+                  </a:rPr>
+                  <a:t>Genomes are relatively self-similar in oligonucleotide usage. A region with a drastically different TUD signal can indicate horizontal transfer of genetic material. We computed a tetranucleotide difference index (TDI) in a sliding window to look for</a:t>
+                </a:r>
+                <a:r>
+                  <a:rPr lang="en-US" sz="2200" i="1" dirty="0">
+                    <a:latin typeface="Avenir 65" pitchFamily="50" charset="0"/>
+                  </a:rPr>
+                  <a:t> </a:t>
+                </a:r>
+                <a:r>
+                  <a:rPr lang="en-US" sz="2200" dirty="0">
+                    <a:latin typeface="Avenir 65" pitchFamily="50" charset="0"/>
+                  </a:rPr>
+                  <a:t>regions of interest in phage genomes. </a:t>
+                </a:r>
+              </a:p>
+              <a:p>
+                <a:endParaRPr lang="en-US" sz="2200" b="1" dirty="0">
+                  <a:latin typeface="Avenir 65" pitchFamily="50" charset="0"/>
+                </a:endParaRPr>
+              </a:p>
+              <a:p>
+                <a:r>
+                  <a:rPr lang="en-US" sz="2200" dirty="0">
+                    <a:latin typeface="Avenir 65" pitchFamily="50" charset="0"/>
+                  </a:rPr>
+                  <a:t>Tetranucleotide differences are measured in each window </a:t>
+                </a:r>
+                <a14:m>
+                  <m:oMath xmlns:m="http://schemas.openxmlformats.org/officeDocument/2006/math">
+                    <m:r>
+                      <a:rPr lang="en-US" sz="2200" i="1">
+                        <a:latin typeface="Cambria Math" panose="02040503050406030204" pitchFamily="18" charset="0"/>
+                      </a:rPr>
+                      <m:t>𝑠</m:t>
+                    </m:r>
+                  </m:oMath>
+                </a14:m>
+                <a:r>
+                  <a:rPr lang="en-US" sz="2200" dirty="0">
+                    <a:latin typeface="Avenir 65" pitchFamily="50" charset="0"/>
+                  </a:rPr>
+                  <a:t> by the equation:</a:t>
+                </a:r>
+              </a:p>
+              <a:p>
+                <a:pPr/>
+                <a:endParaRPr lang="en-US" sz="2200" i="1" dirty="0">
+                  <a:latin typeface="Cambria Math" panose="02040503050406030204" pitchFamily="18" charset="0"/>
+                </a:endParaRPr>
+              </a:p>
+              <a:p>
+                <a:pPr/>
+                <a14:m>
+                  <m:oMathPara xmlns:m="http://schemas.openxmlformats.org/officeDocument/2006/math">
+                    <m:oMathParaPr>
+                      <m:jc m:val="center"/>
+                    </m:oMathParaPr>
+                    <m:oMath xmlns:m="http://schemas.openxmlformats.org/officeDocument/2006/math">
+                      <m:r>
+                        <a:rPr lang="en-US" sz="2200" i="1">
+                          <a:latin typeface="Cambria Math" panose="02040503050406030204" pitchFamily="18" charset="0"/>
+                        </a:rPr>
+                        <m:t>𝑇</m:t>
+                      </m:r>
+                      <m:sSub>
+                        <m:sSubPr>
+                          <m:ctrlPr>
+                            <a:rPr lang="en-US" sz="2200" i="1">
+                              <a:latin typeface="Cambria Math" panose="02040503050406030204" pitchFamily="18" charset="0"/>
+                            </a:rPr>
+                          </m:ctrlPr>
+                        </m:sSubPr>
+                        <m:e>
+                          <m:r>
+                            <a:rPr lang="en-US" sz="2200" i="1">
+                              <a:latin typeface="Cambria Math" panose="02040503050406030204" pitchFamily="18" charset="0"/>
+                            </a:rPr>
+                            <m:t>𝐷</m:t>
+                          </m:r>
+                        </m:e>
+                        <m:sub>
+                          <m:r>
+                            <a:rPr lang="en-US" sz="2200" i="1">
+                              <a:latin typeface="Cambria Math" panose="02040503050406030204" pitchFamily="18" charset="0"/>
+                            </a:rPr>
+                            <m:t>𝑠</m:t>
+                          </m:r>
+                        </m:sub>
+                      </m:sSub>
+                      <m:r>
+                        <a:rPr lang="en-US" sz="2200" i="1">
+                          <a:latin typeface="Cambria Math" panose="02040503050406030204" pitchFamily="18" charset="0"/>
+                        </a:rPr>
+                        <m:t>=</m:t>
+                      </m:r>
+                      <m:nary>
+                        <m:naryPr>
+                          <m:chr m:val="∑"/>
+                          <m:ctrlPr>
+                            <a:rPr lang="en-US" sz="2200" i="1">
+                              <a:latin typeface="Cambria Math" panose="02040503050406030204" pitchFamily="18" charset="0"/>
+                            </a:rPr>
+                          </m:ctrlPr>
+                        </m:naryPr>
+                        <m:sub>
+                          <m:r>
+                            <m:rPr>
+                              <m:brk m:alnAt="23"/>
+                            </m:rPr>
+                            <a:rPr lang="en-US" sz="2200" i="1">
+                              <a:latin typeface="Cambria Math" panose="02040503050406030204" pitchFamily="18" charset="0"/>
+                            </a:rPr>
+                            <m:t>𝑖</m:t>
+                          </m:r>
+                          <m:r>
+                            <a:rPr lang="en-US" sz="2200" i="1">
+                              <a:latin typeface="Cambria Math" panose="02040503050406030204" pitchFamily="18" charset="0"/>
+                            </a:rPr>
+                            <m:t>=1</m:t>
+                          </m:r>
+                        </m:sub>
+                        <m:sup>
+                          <m:r>
+                            <a:rPr lang="en-US" sz="2200" i="1">
+                              <a:latin typeface="Cambria Math" panose="02040503050406030204" pitchFamily="18" charset="0"/>
+                            </a:rPr>
+                            <m:t>256</m:t>
+                          </m:r>
+                        </m:sup>
+                        <m:e>
+                          <m:d>
+                            <m:dPr>
+                              <m:begChr m:val="|"/>
+                              <m:endChr m:val="|"/>
+                              <m:ctrlPr>
+                                <a:rPr lang="en-US" sz="2200" i="1">
+                                  <a:latin typeface="Cambria Math" panose="02040503050406030204" pitchFamily="18" charset="0"/>
+                                </a:rPr>
+                              </m:ctrlPr>
+                            </m:dPr>
+                            <m:e>
+                              <m:r>
+                                <a:rPr lang="en-US" sz="2200" i="1">
+                                  <a:latin typeface="Cambria Math" panose="02040503050406030204" pitchFamily="18" charset="0"/>
+                                </a:rPr>
+                                <m:t>𝑇𝑈</m:t>
+                              </m:r>
+                              <m:sSub>
+                                <m:sSubPr>
+                                  <m:ctrlPr>
+                                    <a:rPr lang="en-US" sz="2200" i="1">
+                                      <a:latin typeface="Cambria Math" panose="02040503050406030204" pitchFamily="18" charset="0"/>
+                                    </a:rPr>
+                                  </m:ctrlPr>
+                                </m:sSubPr>
+                                <m:e>
+                                  <m:r>
+                                    <a:rPr lang="en-US" sz="2200" i="1">
+                                      <a:latin typeface="Cambria Math" panose="02040503050406030204" pitchFamily="18" charset="0"/>
+                                    </a:rPr>
+                                    <m:t>𝐷</m:t>
+                                  </m:r>
+                                </m:e>
+                                <m:sub>
+                                  <m:r>
+                                    <a:rPr lang="en-US" sz="2200" i="1">
+                                      <a:latin typeface="Cambria Math" panose="02040503050406030204" pitchFamily="18" charset="0"/>
+                                    </a:rPr>
+                                    <m:t>𝑠</m:t>
+                                  </m:r>
+                                </m:sub>
+                              </m:sSub>
+                              <m:d>
+                                <m:dPr>
+                                  <m:ctrlPr>
+                                    <a:rPr lang="en-US" sz="2200" i="1">
+                                      <a:latin typeface="Cambria Math" panose="02040503050406030204" pitchFamily="18" charset="0"/>
+                                    </a:rPr>
+                                  </m:ctrlPr>
+                                </m:dPr>
+                                <m:e>
+                                  <m:sSub>
+                                    <m:sSubPr>
+                                      <m:ctrlPr>
+                                        <a:rPr lang="en-US" sz="2200" i="1">
+                                          <a:latin typeface="Cambria Math" panose="02040503050406030204" pitchFamily="18" charset="0"/>
+                                        </a:rPr>
+                                      </m:ctrlPr>
+                                    </m:sSubPr>
+                                    <m:e>
+                                      <m:r>
+                                        <a:rPr lang="en-US" sz="2200" i="1">
+                                          <a:latin typeface="Cambria Math" panose="02040503050406030204" pitchFamily="18" charset="0"/>
+                                        </a:rPr>
+                                        <m:t>𝑤</m:t>
+                                      </m:r>
+                                    </m:e>
+                                    <m:sub>
+                                      <m:r>
+                                        <a:rPr lang="en-US" sz="2200" i="1">
+                                          <a:latin typeface="Cambria Math" panose="02040503050406030204" pitchFamily="18" charset="0"/>
+                                        </a:rPr>
+                                        <m:t>𝑖</m:t>
+                                      </m:r>
+                                    </m:sub>
+                                  </m:sSub>
+                                </m:e>
+                              </m:d>
+                              <m:r>
+                                <a:rPr lang="en-US" sz="2200" i="1">
+                                  <a:latin typeface="Cambria Math" panose="02040503050406030204" pitchFamily="18" charset="0"/>
+                                </a:rPr>
+                                <m:t>−</m:t>
+                              </m:r>
+                              <m:r>
+                                <a:rPr lang="en-US" sz="2200" i="1">
+                                  <a:latin typeface="Cambria Math" panose="02040503050406030204" pitchFamily="18" charset="0"/>
+                                </a:rPr>
+                                <m:t>𝑇𝑈</m:t>
+                              </m:r>
+                              <m:sSub>
+                                <m:sSubPr>
+                                  <m:ctrlPr>
+                                    <a:rPr lang="en-US" sz="2200" i="1">
+                                      <a:latin typeface="Cambria Math" panose="02040503050406030204" pitchFamily="18" charset="0"/>
+                                    </a:rPr>
+                                  </m:ctrlPr>
+                                </m:sSubPr>
+                                <m:e>
+                                  <m:r>
+                                    <a:rPr lang="en-US" sz="2200" i="1">
+                                      <a:latin typeface="Cambria Math" panose="02040503050406030204" pitchFamily="18" charset="0"/>
+                                    </a:rPr>
+                                    <m:t>𝐷</m:t>
+                                  </m:r>
+                                </m:e>
+                                <m:sub>
+                                  <m:r>
+                                    <a:rPr lang="en-US" sz="2200" i="1">
+                                      <a:latin typeface="Cambria Math" panose="02040503050406030204" pitchFamily="18" charset="0"/>
+                                    </a:rPr>
+                                    <m:t>𝐺</m:t>
+                                  </m:r>
+                                </m:sub>
+                              </m:sSub>
+                              <m:r>
+                                <a:rPr lang="en-US" sz="2200" i="1">
+                                  <a:latin typeface="Cambria Math" panose="02040503050406030204" pitchFamily="18" charset="0"/>
+                                </a:rPr>
+                                <m:t>(</m:t>
+                              </m:r>
+                              <m:sSub>
+                                <m:sSubPr>
+                                  <m:ctrlPr>
+                                    <a:rPr lang="en-US" sz="2200" i="1">
+                                      <a:latin typeface="Cambria Math" panose="02040503050406030204" pitchFamily="18" charset="0"/>
+                                    </a:rPr>
+                                  </m:ctrlPr>
+                                </m:sSubPr>
+                                <m:e>
+                                  <m:r>
+                                    <a:rPr lang="en-US" sz="2200" i="1">
+                                      <a:latin typeface="Cambria Math" panose="02040503050406030204" pitchFamily="18" charset="0"/>
+                                    </a:rPr>
+                                    <m:t>𝑤</m:t>
+                                  </m:r>
+                                </m:e>
+                                <m:sub>
+                                  <m:r>
+                                    <a:rPr lang="en-US" sz="2200" i="1">
+                                      <a:latin typeface="Cambria Math" panose="02040503050406030204" pitchFamily="18" charset="0"/>
+                                    </a:rPr>
+                                    <m:t>𝑖</m:t>
+                                  </m:r>
+                                </m:sub>
+                              </m:sSub>
+                              <m:r>
+                                <a:rPr lang="en-US" sz="2200" i="1">
+                                  <a:latin typeface="Cambria Math" panose="02040503050406030204" pitchFamily="18" charset="0"/>
+                                </a:rPr>
+                                <m:t>)</m:t>
+                              </m:r>
+                            </m:e>
+                          </m:d>
+                        </m:e>
+                      </m:nary>
+                    </m:oMath>
+                  </m:oMathPara>
+                </a14:m>
+                <a:r>
+                  <a:rPr lang="en-US" sz="2200" dirty="0">
+                    <a:latin typeface="Avenir 65" pitchFamily="50" charset="0"/>
+                  </a:rPr>
+                  <a:t/>
+                </a:r>
+                <a:br>
+                  <a:rPr lang="en-US" sz="2200" dirty="0">
+                    <a:latin typeface="Avenir 65" pitchFamily="50" charset="0"/>
+                  </a:rPr>
+                </a:br>
+                <a:endParaRPr lang="en-US" sz="2200" dirty="0">
+                  <a:latin typeface="Avenir 65" pitchFamily="50" charset="0"/>
+                </a:endParaRPr>
+              </a:p>
+              <a:p>
+                <a:pPr/>
+                <a:endParaRPr lang="en-US" sz="2200" dirty="0">
+                  <a:latin typeface="Avenir 65" pitchFamily="50" charset="0"/>
+                </a:endParaRPr>
+              </a:p>
+              <a:p>
+                <a:pPr/>
+                <a:r>
+                  <a:rPr lang="en-US" sz="2200" dirty="0">
+                    <a:latin typeface="Avenir 65" pitchFamily="50" charset="0"/>
+                  </a:rPr>
+                  <a:t>Where </a:t>
+                </a:r>
+                <a14:m>
+                  <m:oMath xmlns:m="http://schemas.openxmlformats.org/officeDocument/2006/math">
+                    <m:r>
+                      <a:rPr lang="en-US" sz="2200" i="1">
+                        <a:latin typeface="Cambria Math" panose="02040503050406030204" pitchFamily="18" charset="0"/>
+                      </a:rPr>
+                      <m:t>𝑇𝑈</m:t>
+                    </m:r>
+                    <m:sSub>
+                      <m:sSubPr>
+                        <m:ctrlPr>
+                          <a:rPr lang="en-US" sz="2200" i="1">
+                            <a:latin typeface="Cambria Math" panose="02040503050406030204" pitchFamily="18" charset="0"/>
+                          </a:rPr>
+                        </m:ctrlPr>
+                      </m:sSubPr>
+                      <m:e>
+                        <m:r>
+                          <a:rPr lang="en-US" sz="2200" i="1">
+                            <a:latin typeface="Cambria Math" panose="02040503050406030204" pitchFamily="18" charset="0"/>
+                          </a:rPr>
+                          <m:t>𝐷</m:t>
+                        </m:r>
+                      </m:e>
+                      <m:sub>
+                        <m:r>
+                          <a:rPr lang="en-US" sz="2200" i="1">
+                            <a:latin typeface="Cambria Math" panose="02040503050406030204" pitchFamily="18" charset="0"/>
+                          </a:rPr>
+                          <m:t>𝑠</m:t>
+                        </m:r>
+                      </m:sub>
+                    </m:sSub>
+                  </m:oMath>
+                </a14:m>
+                <a:r>
+                  <a:rPr lang="en-US" sz="2200" dirty="0">
+                    <a:latin typeface="Avenir 65" pitchFamily="50" charset="0"/>
+                  </a:rPr>
+                  <a:t> is the TUD value for a word </a:t>
+                </a:r>
+                <a14:m>
+                  <m:oMath xmlns:m="http://schemas.openxmlformats.org/officeDocument/2006/math">
+                    <m:sSub>
+                      <m:sSubPr>
+                        <m:ctrlPr>
+                          <a:rPr lang="en-US" sz="2200" i="1">
+                            <a:latin typeface="Cambria Math" panose="02040503050406030204" pitchFamily="18" charset="0"/>
+                          </a:rPr>
+                        </m:ctrlPr>
+                      </m:sSubPr>
+                      <m:e>
+                        <m:r>
+                          <a:rPr lang="en-US" sz="2200" i="1">
+                            <a:latin typeface="Cambria Math" panose="02040503050406030204" pitchFamily="18" charset="0"/>
+                          </a:rPr>
+                          <m:t>𝑤</m:t>
+                        </m:r>
+                      </m:e>
+                      <m:sub>
+                        <m:r>
+                          <a:rPr lang="en-US" sz="2200" i="1">
+                            <a:latin typeface="Cambria Math" panose="02040503050406030204" pitchFamily="18" charset="0"/>
+                          </a:rPr>
+                          <m:t>𝑖</m:t>
+                        </m:r>
+                      </m:sub>
+                    </m:sSub>
+                  </m:oMath>
+                </a14:m>
+                <a:r>
+                  <a:rPr lang="en-US" sz="2200" dirty="0">
+                    <a:latin typeface="Avenir 65" pitchFamily="50" charset="0"/>
+                  </a:rPr>
+                  <a:t> in the sliding window and  </a:t>
+                </a:r>
+                <a14:m>
+                  <m:oMath xmlns:m="http://schemas.openxmlformats.org/officeDocument/2006/math">
+                    <m:r>
+                      <a:rPr lang="en-US" sz="2200" i="1">
+                        <a:latin typeface="Cambria Math" panose="02040503050406030204" pitchFamily="18" charset="0"/>
+                      </a:rPr>
+                      <m:t>𝑇𝑈</m:t>
+                    </m:r>
+                    <m:sSub>
+                      <m:sSubPr>
+                        <m:ctrlPr>
+                          <a:rPr lang="en-US" sz="2200" i="1">
+                            <a:latin typeface="Cambria Math" panose="02040503050406030204" pitchFamily="18" charset="0"/>
+                          </a:rPr>
+                        </m:ctrlPr>
+                      </m:sSubPr>
+                      <m:e>
+                        <m:r>
+                          <a:rPr lang="en-US" sz="2200" i="1">
+                            <a:latin typeface="Cambria Math" panose="02040503050406030204" pitchFamily="18" charset="0"/>
+                          </a:rPr>
+                          <m:t>𝐷</m:t>
+                        </m:r>
+                      </m:e>
+                      <m:sub>
+                        <m:r>
+                          <a:rPr lang="en-US" sz="2200" i="1">
+                            <a:latin typeface="Cambria Math" panose="02040503050406030204" pitchFamily="18" charset="0"/>
+                          </a:rPr>
+                          <m:t>𝐺</m:t>
+                        </m:r>
+                      </m:sub>
+                    </m:sSub>
+                  </m:oMath>
+                </a14:m>
+                <a:r>
+                  <a:rPr lang="en-US" sz="2200" dirty="0">
+                    <a:latin typeface="Avenir 65" pitchFamily="50" charset="0"/>
+                  </a:rPr>
+                  <a:t> is the TUD value for the entire genome. We compare the Z-score of tetranucleotide differences for each window to find regions of significant difference:</a:t>
+                </a:r>
+              </a:p>
+              <a:p>
+                <a:pPr algn="ctr"/>
+                <a14:m>
+                  <m:oMathPara xmlns:m="http://schemas.openxmlformats.org/officeDocument/2006/math">
+                    <m:oMathParaPr>
+                      <m:jc m:val="center"/>
+                    </m:oMathParaPr>
+                    <m:oMath xmlns:m="http://schemas.openxmlformats.org/officeDocument/2006/math">
+                      <m:sSub>
+                        <m:sSubPr>
+                          <m:ctrlPr>
+                            <a:rPr lang="en-US" sz="2200" i="1">
+                              <a:latin typeface="Cambria Math" panose="02040503050406030204" pitchFamily="18" charset="0"/>
+                            </a:rPr>
+                          </m:ctrlPr>
+                        </m:sSubPr>
+                        <m:e>
+                          <m:r>
+                            <a:rPr lang="en-US" sz="2200" i="1">
+                              <a:latin typeface="Cambria Math" panose="02040503050406030204" pitchFamily="18" charset="0"/>
+                            </a:rPr>
+                            <m:t>𝑍</m:t>
+                          </m:r>
+                        </m:e>
+                        <m:sub>
+                          <m:r>
+                            <a:rPr lang="en-US" sz="2200" i="1">
+                              <a:latin typeface="Cambria Math" panose="02040503050406030204" pitchFamily="18" charset="0"/>
+                            </a:rPr>
+                            <m:t>𝑠</m:t>
+                          </m:r>
+                        </m:sub>
+                      </m:sSub>
+                      <m:r>
+                        <a:rPr lang="en-US" sz="2200" i="1">
+                          <a:latin typeface="Cambria Math" panose="02040503050406030204" pitchFamily="18" charset="0"/>
+                        </a:rPr>
+                        <m:t>= </m:t>
+                      </m:r>
+                      <m:f>
+                        <m:fPr>
+                          <m:ctrlPr>
+                            <a:rPr lang="en-US" sz="2200" i="1">
+                              <a:latin typeface="Cambria Math" panose="02040503050406030204" pitchFamily="18" charset="0"/>
+                            </a:rPr>
+                          </m:ctrlPr>
+                        </m:fPr>
+                        <m:num>
+                          <m:r>
+                            <a:rPr lang="en-US" sz="2200" i="1">
+                              <a:latin typeface="Cambria Math" panose="02040503050406030204" pitchFamily="18" charset="0"/>
+                            </a:rPr>
+                            <m:t>𝑇</m:t>
+                          </m:r>
+                          <m:sSub>
+                            <m:sSubPr>
+                              <m:ctrlPr>
+                                <a:rPr lang="en-US" sz="2200" i="1">
+                                  <a:latin typeface="Cambria Math" panose="02040503050406030204" pitchFamily="18" charset="0"/>
+                                </a:rPr>
+                              </m:ctrlPr>
+                            </m:sSubPr>
+                            <m:e>
+                              <m:r>
+                                <a:rPr lang="en-US" sz="2200" i="1">
+                                  <a:latin typeface="Cambria Math" panose="02040503050406030204" pitchFamily="18" charset="0"/>
+                                </a:rPr>
+                                <m:t>𝐷</m:t>
+                              </m:r>
+                            </m:e>
+                            <m:sub>
+                              <m:r>
+                                <a:rPr lang="en-US" sz="2200" i="1">
+                                  <a:latin typeface="Cambria Math" panose="02040503050406030204" pitchFamily="18" charset="0"/>
+                                </a:rPr>
+                                <m:t>𝑠</m:t>
+                              </m:r>
+                            </m:sub>
+                          </m:sSub>
+                          <m:r>
+                            <a:rPr lang="en-US" sz="2200" i="1">
+                              <a:latin typeface="Cambria Math" panose="02040503050406030204" pitchFamily="18" charset="0"/>
+                            </a:rPr>
+                            <m:t>−</m:t>
+                          </m:r>
+                          <m:r>
+                            <a:rPr lang="en-US" sz="2200" i="1">
+                              <a:latin typeface="Cambria Math" panose="02040503050406030204" pitchFamily="18" charset="0"/>
+                            </a:rPr>
+                            <m:t>𝑚𝑒𝑎𝑛</m:t>
+                          </m:r>
+                          <m:r>
+                            <a:rPr lang="en-US" sz="2200" i="1">
+                              <a:latin typeface="Cambria Math" panose="02040503050406030204" pitchFamily="18" charset="0"/>
+                            </a:rPr>
+                            <m:t>(</m:t>
+                          </m:r>
+                          <m:r>
+                            <a:rPr lang="en-US" sz="2200" i="1">
+                              <a:latin typeface="Cambria Math" panose="02040503050406030204" pitchFamily="18" charset="0"/>
+                            </a:rPr>
+                            <m:t>𝑇𝐷</m:t>
+                          </m:r>
+                          <m:r>
+                            <a:rPr lang="en-US" sz="2200" i="1">
+                              <a:latin typeface="Cambria Math" panose="02040503050406030204" pitchFamily="18" charset="0"/>
+                            </a:rPr>
+                            <m:t>)</m:t>
+                          </m:r>
+                        </m:num>
+                        <m:den>
+                          <m:r>
+                            <a:rPr lang="en-US" sz="2200" i="1">
+                              <a:latin typeface="Cambria Math" panose="02040503050406030204" pitchFamily="18" charset="0"/>
+                            </a:rPr>
+                            <m:t>𝑠𝑡𝑑𝑒𝑣</m:t>
+                          </m:r>
+                          <m:r>
+                            <a:rPr lang="en-US" sz="2200" i="1">
+                              <a:latin typeface="Cambria Math" panose="02040503050406030204" pitchFamily="18" charset="0"/>
+                            </a:rPr>
+                            <m:t>(</m:t>
+                          </m:r>
+                          <m:r>
+                            <a:rPr lang="en-US" sz="2200" i="1">
+                              <a:latin typeface="Cambria Math" panose="02040503050406030204" pitchFamily="18" charset="0"/>
+                            </a:rPr>
+                            <m:t>𝑇𝐷</m:t>
+                          </m:r>
+                          <m:r>
+                            <a:rPr lang="en-US" sz="2200" i="1">
+                              <a:latin typeface="Cambria Math" panose="02040503050406030204" pitchFamily="18" charset="0"/>
+                            </a:rPr>
+                            <m:t>)</m:t>
+                          </m:r>
+                        </m:den>
+                      </m:f>
+                    </m:oMath>
+                  </m:oMathPara>
+                </a14:m>
+                <a:endParaRPr lang="en-US" sz="2200" dirty="0">
+                  <a:latin typeface="Avenir 65" pitchFamily="50" charset="0"/>
+                </a:endParaRPr>
+              </a:p>
+            </p:txBody>
+          </p:sp>
+        </mc:Choice>
+        <mc:Fallback>
+          <p:sp>
+            <p:nvSpPr>
+              <p:cNvPr id="136" name="TextBox 135"/>
+              <p:cNvSpPr txBox="1">
+                <a:spLocks noRot="1" noChangeAspect="1" noMove="1" noResize="1" noEditPoints="1" noAdjustHandles="1" noChangeArrowheads="1" noChangeShapeType="1" noTextEdit="1"/>
+              </p:cNvSpPr>
+              <p:nvPr/>
+            </p:nvSpPr>
+            <p:spPr>
+              <a:xfrm>
+                <a:off x="261183" y="24460105"/>
+                <a:ext cx="10005451" cy="6296858"/>
+              </a:xfrm>
+              <a:prstGeom prst="rect">
+                <a:avLst/>
+              </a:prstGeom>
+              <a:blipFill rotWithShape="0">
+                <a:blip r:embed="rId7"/>
+                <a:stretch>
+                  <a:fillRect l="-1706" t="-1452"/>
+                </a:stretch>
+              </a:blipFill>
+              <a:ln>
+                <a:noFill/>
+              </a:ln>
+            </p:spPr>
+            <p:txBody>
+              <a:bodyPr/>
+              <a:lstStyle/>
+              <a:p>
+                <a:r>
+                  <a:rPr lang="en-US">
+                    <a:noFill/>
+                  </a:rPr>
+                  <a:t> </a:t>
+                </a:r>
+              </a:p>
+            </p:txBody>
+          </p:sp>
+        </mc:Fallback>
+      </mc:AlternateContent>
+      <p:grpSp>
+        <p:nvGrpSpPr>
+          <p:cNvPr id="148" name="Group 147"/>
+          <p:cNvGrpSpPr/>
+          <p:nvPr/>
+        </p:nvGrpSpPr>
+        <p:grpSpPr>
+          <a:xfrm>
+            <a:off x="1555469" y="15080000"/>
+            <a:ext cx="3407470" cy="2279729"/>
+            <a:chOff x="1496474" y="15993721"/>
+            <a:chExt cx="3407470" cy="2279730"/>
+          </a:xfrm>
+        </p:grpSpPr>
+        <p:sp>
+          <p:nvSpPr>
+            <p:cNvPr id="158" name="TextBox 157"/>
+            <p:cNvSpPr txBox="1"/>
+            <p:nvPr/>
+          </p:nvSpPr>
+          <p:spPr>
+            <a:xfrm>
+              <a:off x="1496474" y="16061498"/>
+              <a:ext cx="3168800" cy="2144177"/>
+            </a:xfrm>
+            <a:prstGeom prst="rect">
+              <a:avLst/>
+            </a:prstGeom>
+            <a:noFill/>
+          </p:spPr>
+          <p:txBody>
+            <a:bodyPr wrap="square" rtlCol="0">
+              <a:spAutoFit/>
+            </a:bodyPr>
+            <a:lstStyle/>
+            <a:p>
+              <a:pPr>
+                <a:spcAft>
+                  <a:spcPts val="400"/>
+                </a:spcAft>
+              </a:pPr>
+              <a:r>
+                <a:rPr lang="en-US" sz="2400" spc="600" dirty="0" smtClean="0">
+                  <a:ln w="19050">
+                    <a:solidFill>
+                      <a:srgbClr val="C7474E"/>
+                    </a:solidFill>
+                  </a:ln>
+                  <a:solidFill>
+                    <a:srgbClr val="C7474E"/>
+                  </a:solidFill>
+                  <a:effectLst/>
+                  <a:latin typeface="Hero" panose="02000506000000020004" pitchFamily="50" charset="0"/>
+                </a:rPr>
+                <a:t>GATG</a:t>
+              </a:r>
+              <a:r>
+                <a:rPr lang="en-US" sz="2400" spc="600" dirty="0" smtClean="0">
+                  <a:latin typeface="Hero" panose="02000506000000020004" pitchFamily="50" charset="0"/>
+                </a:rPr>
+                <a:t>ATGATCA</a:t>
+              </a:r>
+              <a:endParaRPr lang="en-US" sz="2400" spc="600" dirty="0">
+                <a:latin typeface="Hero" panose="02000506000000020004" pitchFamily="50" charset="0"/>
+              </a:endParaRPr>
+            </a:p>
+            <a:p>
+              <a:pPr>
+                <a:spcAft>
+                  <a:spcPts val="400"/>
+                </a:spcAft>
+              </a:pPr>
+              <a:r>
+                <a:rPr lang="en-US" sz="2400" spc="600" dirty="0">
+                  <a:latin typeface="Hero" panose="02000506000000020004" pitchFamily="50" charset="0"/>
+                </a:rPr>
+                <a:t>G</a:t>
+              </a:r>
+              <a:r>
+                <a:rPr lang="en-US" sz="2400" spc="600" dirty="0">
+                  <a:ln w="19050">
+                    <a:solidFill>
+                      <a:srgbClr val="D6AA26"/>
+                    </a:solidFill>
+                  </a:ln>
+                  <a:solidFill>
+                    <a:srgbClr val="D6AA26"/>
+                  </a:solidFill>
+                  <a:latin typeface="Hero" panose="02000506000000020004" pitchFamily="50" charset="0"/>
+                </a:rPr>
+                <a:t>ATGA</a:t>
+              </a:r>
+              <a:r>
+                <a:rPr lang="en-US" sz="2400" spc="600" dirty="0">
+                  <a:latin typeface="Hero" panose="02000506000000020004" pitchFamily="50" charset="0"/>
+                </a:rPr>
+                <a:t>TGATCA</a:t>
+              </a:r>
+            </a:p>
+            <a:p>
+              <a:pPr>
+                <a:spcAft>
+                  <a:spcPts val="400"/>
+                </a:spcAft>
+              </a:pPr>
+              <a:r>
+                <a:rPr lang="en-US" sz="2400" spc="600" dirty="0">
+                  <a:latin typeface="Hero" panose="02000506000000020004" pitchFamily="50" charset="0"/>
+                </a:rPr>
+                <a:t>GA</a:t>
+              </a:r>
+              <a:r>
+                <a:rPr lang="en-US" sz="2400" spc="600" dirty="0">
+                  <a:ln w="19050">
+                    <a:solidFill>
+                      <a:srgbClr val="4E8B63"/>
+                    </a:solidFill>
+                  </a:ln>
+                  <a:solidFill>
+                    <a:srgbClr val="4E8B63"/>
+                  </a:solidFill>
+                  <a:latin typeface="Hero" panose="02000506000000020004" pitchFamily="50" charset="0"/>
+                </a:rPr>
+                <a:t>TGAT</a:t>
+              </a:r>
+              <a:r>
+                <a:rPr lang="en-US" sz="2400" spc="600" dirty="0">
+                  <a:latin typeface="Hero" panose="02000506000000020004" pitchFamily="50" charset="0"/>
+                </a:rPr>
+                <a:t>GATCA</a:t>
+              </a:r>
+            </a:p>
+            <a:p>
+              <a:pPr>
+                <a:spcAft>
+                  <a:spcPts val="400"/>
+                </a:spcAft>
+              </a:pPr>
+              <a:r>
+                <a:rPr lang="en-US" sz="2400" spc="600" dirty="0">
+                  <a:latin typeface="Hero" panose="02000506000000020004" pitchFamily="50" charset="0"/>
+                </a:rPr>
+                <a:t>GAT</a:t>
+              </a:r>
+              <a:r>
+                <a:rPr lang="en-US" sz="2400" spc="600" dirty="0">
+                  <a:ln w="19050">
+                    <a:solidFill>
+                      <a:srgbClr val="C7474E"/>
+                    </a:solidFill>
+                  </a:ln>
+                  <a:solidFill>
+                    <a:srgbClr val="C7474E"/>
+                  </a:solidFill>
+                  <a:latin typeface="Hero" panose="02000506000000020004" pitchFamily="50" charset="0"/>
+                </a:rPr>
+                <a:t>GATG</a:t>
+              </a:r>
+              <a:r>
+                <a:rPr lang="en-US" sz="2400" spc="600" dirty="0">
+                  <a:latin typeface="Hero" panose="02000506000000020004" pitchFamily="50" charset="0"/>
+                </a:rPr>
+                <a:t>ATCA</a:t>
+              </a:r>
+            </a:p>
+            <a:p>
+              <a:pPr>
+                <a:spcAft>
+                  <a:spcPts val="400"/>
+                </a:spcAft>
+              </a:pPr>
+              <a:r>
+                <a:rPr lang="en-US" sz="2400" spc="600" dirty="0">
+                  <a:latin typeface="Hero" panose="02000506000000020004" pitchFamily="50" charset="0"/>
+                </a:rPr>
+                <a:t>GATG</a:t>
+              </a:r>
+              <a:r>
+                <a:rPr lang="en-US" sz="2400" spc="600" dirty="0">
+                  <a:ln w="19050">
+                    <a:solidFill>
+                      <a:srgbClr val="D6AA26"/>
+                    </a:solidFill>
+                  </a:ln>
+                  <a:solidFill>
+                    <a:srgbClr val="D6AA26"/>
+                  </a:solidFill>
+                  <a:latin typeface="Hero" panose="02000506000000020004" pitchFamily="50" charset="0"/>
+                </a:rPr>
+                <a:t>ATGA</a:t>
+              </a:r>
+              <a:r>
+                <a:rPr lang="en-US" sz="2400" spc="600" dirty="0">
+                  <a:latin typeface="Hero" panose="02000506000000020004" pitchFamily="50" charset="0"/>
+                </a:rPr>
+                <a:t>TCA</a:t>
+              </a:r>
+            </a:p>
+          </p:txBody>
+        </p:sp>
+        <p:cxnSp>
+          <p:nvCxnSpPr>
+            <p:cNvPr id="1055" name="Straight Connector 1054"/>
+            <p:cNvCxnSpPr/>
+            <p:nvPr/>
+          </p:nvCxnSpPr>
+          <p:spPr>
+            <a:xfrm>
+              <a:off x="4903944" y="15993721"/>
+              <a:ext cx="0" cy="2279730"/>
+            </a:xfrm>
+            <a:prstGeom prst="line">
+              <a:avLst/>
+            </a:prstGeom>
+            <a:ln w="19050">
+              <a:solidFill>
+                <a:schemeClr val="tx1"/>
+              </a:solidFill>
+            </a:ln>
+          </p:spPr>
+          <p:style>
+            <a:lnRef idx="1">
+              <a:schemeClr val="dk1"/>
+            </a:lnRef>
+            <a:fillRef idx="0">
+              <a:schemeClr val="dk1"/>
+            </a:fillRef>
+            <a:effectRef idx="0">
+              <a:schemeClr val="dk1"/>
+            </a:effectRef>
+            <a:fontRef idx="minor">
+              <a:schemeClr val="tx1"/>
+            </a:fontRef>
+          </p:style>
+        </p:cxnSp>
+      </p:grpSp>
       <p:sp>
         <p:nvSpPr>
-          <p:cNvPr id="118" name="TextBox 117"/>
+          <p:cNvPr id="1056" name="TextBox 1055"/>
           <p:cNvSpPr txBox="1"/>
           <p:nvPr/>
         </p:nvSpPr>
         <p:spPr>
           <a:xfrm>
-            <a:off x="24938376" y="24995675"/>
-            <a:ext cx="8284824" cy="1065169"/>
+            <a:off x="438428" y="5226564"/>
+            <a:ext cx="9935530" cy="6863417"/>
+          </a:xfrm>
+          <a:prstGeom prst="rect">
+            <a:avLst/>
+          </a:prstGeom>
+          <a:noFill/>
+        </p:spPr>
+        <p:txBody>
+          <a:bodyPr wrap="square" rtlCol="0">
+            <a:spAutoFit/>
+          </a:bodyPr>
+          <a:lstStyle/>
+          <a:p>
+            <a:r>
+              <a:rPr lang="en-US" sz="2200" dirty="0">
+                <a:latin typeface="Avenir 65" pitchFamily="50" charset="0"/>
+              </a:rPr>
+              <a:t>Traditionally, phage genomes are compared using methods that require sequence alignment or gene annotation. These methods may be ineffective for populations with significant horizontal gene transfer and are relatively difficult to compute for large datasets. Mycobacteriophages also lack a common genetic element, like ribosomal RNA in bacteria, from which to compute phylogenetic relationships. Alignment-free sequence analysis methods, such as measures that compute the usage of oligonucleotides in a genome, have the potential to infer relationships between significantly diverged sequences. We examined the usage of tetranucleotides in all 663 phage genomes available in the mycobacteriophage database as an alternative to alignment and annotation based methods. </a:t>
+            </a:r>
+          </a:p>
+          <a:p>
+            <a:r>
+              <a:rPr lang="en-US" sz="2200" dirty="0">
+                <a:latin typeface="Avenir 65" pitchFamily="50" charset="0"/>
+              </a:rPr>
+              <a:t>We found tetranucleotide usage deviation (TUD), a normalized measure of tetranucleotide usage in a genome, to be comparable </a:t>
+            </a:r>
+            <a:r>
+              <a:rPr lang="en-US" sz="2200" dirty="0">
+                <a:latin typeface="Avenir 65" pitchFamily="50" charset="0"/>
+              </a:rPr>
+              <a:t>for members of the same phage subcluster and distinct between </a:t>
+            </a:r>
+            <a:r>
+              <a:rPr lang="en-US" sz="2200" dirty="0">
+                <a:latin typeface="Avenir 65" pitchFamily="50" charset="0"/>
+              </a:rPr>
+              <a:t>subclusters. We used TUD as a measure of distance between phage and were able to:</a:t>
+            </a:r>
+          </a:p>
+          <a:p>
+            <a:pPr marL="342853" indent="-342853">
+              <a:buFont typeface="Arial" panose="020B0604020202020204" pitchFamily="34" charset="0"/>
+              <a:buChar char="•"/>
+            </a:pPr>
+            <a:r>
+              <a:rPr lang="en-US" sz="2200" dirty="0">
+                <a:latin typeface="Avenir 65" pitchFamily="50" charset="0"/>
+              </a:rPr>
+              <a:t>Construct phylogenetic trees that place members of a subcluster in a monophyletic clade</a:t>
+            </a:r>
+          </a:p>
+          <a:p>
+            <a:pPr marL="342853" indent="-342853">
+              <a:buFont typeface="Arial" panose="020B0604020202020204" pitchFamily="34" charset="0"/>
+              <a:buChar char="•"/>
+            </a:pPr>
+            <a:r>
+              <a:rPr lang="en-US" sz="2200" dirty="0">
+                <a:latin typeface="Avenir 65" pitchFamily="50" charset="0"/>
+              </a:rPr>
+              <a:t>Accurately assign subclusters to phage </a:t>
+            </a:r>
+            <a:r>
+              <a:rPr lang="en-US" sz="2200" dirty="0" smtClean="0">
+                <a:latin typeface="Avenir 65" pitchFamily="50" charset="0"/>
+              </a:rPr>
+              <a:t>in a nearest neighbor classifier</a:t>
+            </a:r>
+            <a:endParaRPr lang="en-US" sz="2200" dirty="0">
+              <a:latin typeface="Avenir 65" pitchFamily="50" charset="0"/>
+            </a:endParaRPr>
+          </a:p>
+          <a:p>
+            <a:pPr marL="342853" indent="-342853">
+              <a:buFont typeface="Arial" panose="020B0604020202020204" pitchFamily="34" charset="0"/>
+              <a:buChar char="•"/>
+            </a:pPr>
+            <a:r>
+              <a:rPr lang="en-US" sz="2200" dirty="0">
+                <a:latin typeface="Avenir 65" pitchFamily="50" charset="0"/>
+              </a:rPr>
+              <a:t>Identify windows in a genome with significantly different tetranucleotide usage, possibly indicating horizontal gene transfer</a:t>
+            </a:r>
+          </a:p>
+        </p:txBody>
+      </p:sp>
+      <mc:AlternateContent xmlns:mc="http://schemas.openxmlformats.org/markup-compatibility/2006">
+        <mc:Choice xmlns:a14="http://schemas.microsoft.com/office/drawing/2010/main" Requires="a14">
+          <p:sp>
+            <p:nvSpPr>
+              <p:cNvPr id="1057" name="Rectangle 1056"/>
+              <p:cNvSpPr/>
+              <p:nvPr/>
+            </p:nvSpPr>
+            <p:spPr>
+              <a:xfrm>
+                <a:off x="3597504" y="19554948"/>
+                <a:ext cx="2935419" cy="861326"/>
+              </a:xfrm>
+              <a:prstGeom prst="rect">
+                <a:avLst/>
+              </a:prstGeom>
+            </p:spPr>
+            <p:txBody>
+              <a:bodyPr wrap="none">
+                <a:spAutoFit/>
+              </a:bodyPr>
+              <a:lstStyle/>
+              <a:p>
+                <a14:m>
+                  <m:oMathPara xmlns:m="http://schemas.openxmlformats.org/officeDocument/2006/math">
+                    <m:oMathParaPr>
+                      <m:jc m:val="centerGroup"/>
+                    </m:oMathParaPr>
+                    <m:oMath xmlns:m="http://schemas.openxmlformats.org/officeDocument/2006/math">
+                      <m:r>
+                        <a:rPr lang="en-US" sz="2400" b="1" i="1">
+                          <a:latin typeface="Cambria Math" panose="02040503050406030204" pitchFamily="18" charset="0"/>
+                        </a:rPr>
+                        <m:t>𝑻𝑼𝑫</m:t>
+                      </m:r>
+                      <m:d>
+                        <m:dPr>
+                          <m:ctrlPr>
+                            <a:rPr lang="en-US" sz="2400" b="1" i="1">
+                              <a:latin typeface="Cambria Math" panose="02040503050406030204" pitchFamily="18" charset="0"/>
+                            </a:rPr>
+                          </m:ctrlPr>
+                        </m:dPr>
+                        <m:e>
+                          <m:r>
+                            <a:rPr lang="en-US" sz="2400" b="1" i="1">
+                              <a:latin typeface="Cambria Math" panose="02040503050406030204" pitchFamily="18" charset="0"/>
+                            </a:rPr>
+                            <m:t>𝒘</m:t>
+                          </m:r>
+                        </m:e>
+                      </m:d>
+                      <m:r>
+                        <a:rPr lang="en-US" sz="2400" b="1" i="1">
+                          <a:latin typeface="Cambria Math" panose="02040503050406030204" pitchFamily="18" charset="0"/>
+                        </a:rPr>
+                        <m:t>= </m:t>
+                      </m:r>
+                      <m:f>
+                        <m:fPr>
+                          <m:ctrlPr>
+                            <a:rPr lang="en-US" sz="2400" b="1" i="1">
+                              <a:latin typeface="Cambria Math" panose="02040503050406030204" pitchFamily="18" charset="0"/>
+                            </a:rPr>
+                          </m:ctrlPr>
+                        </m:fPr>
+                        <m:num>
+                          <m:r>
+                            <a:rPr lang="en-US" sz="2400" b="1" i="1">
+                              <a:latin typeface="Cambria Math" panose="02040503050406030204" pitchFamily="18" charset="0"/>
+                            </a:rPr>
+                            <m:t>𝑶𝒃𝒔</m:t>
+                          </m:r>
+                          <m:r>
+                            <a:rPr lang="en-US" sz="2400" b="1" i="1">
+                              <a:latin typeface="Cambria Math" panose="02040503050406030204" pitchFamily="18" charset="0"/>
+                            </a:rPr>
+                            <m:t>(</m:t>
+                          </m:r>
+                          <m:r>
+                            <a:rPr lang="en-US" sz="2400" b="1" i="1">
+                              <a:latin typeface="Cambria Math" panose="02040503050406030204" pitchFamily="18" charset="0"/>
+                            </a:rPr>
+                            <m:t>𝒘</m:t>
+                          </m:r>
+                          <m:r>
+                            <a:rPr lang="en-US" sz="2400" b="1" i="1">
+                              <a:latin typeface="Cambria Math" panose="02040503050406030204" pitchFamily="18" charset="0"/>
+                            </a:rPr>
+                            <m:t>)</m:t>
+                          </m:r>
+                        </m:num>
+                        <m:den>
+                          <m:r>
+                            <a:rPr lang="en-US" sz="2400" b="1" i="1">
+                              <a:latin typeface="Cambria Math" panose="02040503050406030204" pitchFamily="18" charset="0"/>
+                            </a:rPr>
+                            <m:t>𝑬𝒙𝒑</m:t>
+                          </m:r>
+                          <m:r>
+                            <a:rPr lang="en-US" sz="2400" b="1" i="1">
+                              <a:latin typeface="Cambria Math" panose="02040503050406030204" pitchFamily="18" charset="0"/>
+                            </a:rPr>
+                            <m:t>(</m:t>
+                          </m:r>
+                          <m:r>
+                            <a:rPr lang="en-US" sz="2400" b="1" i="1">
+                              <a:latin typeface="Cambria Math" panose="02040503050406030204" pitchFamily="18" charset="0"/>
+                            </a:rPr>
+                            <m:t>𝒘</m:t>
+                          </m:r>
+                          <m:r>
+                            <a:rPr lang="en-US" sz="2400" b="1" i="1">
+                              <a:latin typeface="Cambria Math" panose="02040503050406030204" pitchFamily="18" charset="0"/>
+                            </a:rPr>
+                            <m:t>)</m:t>
+                          </m:r>
+                        </m:den>
+                      </m:f>
+                    </m:oMath>
+                  </m:oMathPara>
+                </a14:m>
+                <a:endParaRPr lang="en-US" sz="2400" dirty="0"/>
+              </a:p>
+            </p:txBody>
+          </p:sp>
+        </mc:Choice>
+        <mc:Fallback>
+          <p:sp>
+            <p:nvSpPr>
+              <p:cNvPr id="1057" name="Rectangle 1056"/>
+              <p:cNvSpPr>
+                <a:spLocks noRot="1" noChangeAspect="1" noMove="1" noResize="1" noEditPoints="1" noAdjustHandles="1" noChangeArrowheads="1" noChangeShapeType="1" noTextEdit="1"/>
+              </p:cNvSpPr>
+              <p:nvPr/>
+            </p:nvSpPr>
+            <p:spPr>
+              <a:xfrm>
+                <a:off x="3597504" y="19554948"/>
+                <a:ext cx="2935419" cy="861326"/>
+              </a:xfrm>
+              <a:prstGeom prst="rect">
+                <a:avLst/>
+              </a:prstGeom>
+              <a:blipFill rotWithShape="0">
+                <a:blip r:embed="rId8"/>
+                <a:stretch>
+                  <a:fillRect/>
+                </a:stretch>
+              </a:blipFill>
+            </p:spPr>
+            <p:txBody>
+              <a:bodyPr/>
+              <a:lstStyle/>
+              <a:p>
+                <a:r>
+                  <a:rPr lang="en-US">
+                    <a:noFill/>
+                  </a:rPr>
+                  <a:t> </a:t>
+                </a:r>
+              </a:p>
+            </p:txBody>
+          </p:sp>
+        </mc:Fallback>
+      </mc:AlternateContent>
+      <mc:AlternateContent xmlns:mc="http://schemas.openxmlformats.org/markup-compatibility/2006">
+        <mc:Choice xmlns:a14="http://schemas.microsoft.com/office/drawing/2010/main" Requires="a14">
+          <p:sp>
+            <p:nvSpPr>
+              <p:cNvPr id="1058" name="Rectangle 1057"/>
+              <p:cNvSpPr/>
+              <p:nvPr/>
+            </p:nvSpPr>
+            <p:spPr>
+              <a:xfrm>
+                <a:off x="2233829" y="20486028"/>
+                <a:ext cx="5662769" cy="461665"/>
+              </a:xfrm>
+              <a:prstGeom prst="rect">
+                <a:avLst/>
+              </a:prstGeom>
+            </p:spPr>
+            <p:txBody>
+              <a:bodyPr wrap="none">
+                <a:spAutoFit/>
+              </a:bodyPr>
+              <a:lstStyle/>
+              <a:p>
+                <a14:m>
+                  <m:oMathPara xmlns:m="http://schemas.openxmlformats.org/officeDocument/2006/math">
+                    <m:oMathParaPr>
+                      <m:jc m:val="centerGroup"/>
+                    </m:oMathParaPr>
+                    <m:oMath xmlns:m="http://schemas.openxmlformats.org/officeDocument/2006/math">
+                      <m:r>
+                        <a:rPr lang="en-US" sz="2400" b="1" i="1" dirty="0">
+                          <a:latin typeface="Cambria Math" panose="02040503050406030204" pitchFamily="18" charset="0"/>
+                        </a:rPr>
+                        <m:t>𝑬𝒙𝒑</m:t>
+                      </m:r>
+                      <m:d>
+                        <m:dPr>
+                          <m:ctrlPr>
+                            <a:rPr lang="en-US" sz="2400" b="1" i="1" dirty="0">
+                              <a:latin typeface="Cambria Math" panose="02040503050406030204" pitchFamily="18" charset="0"/>
+                            </a:rPr>
+                          </m:ctrlPr>
+                        </m:dPr>
+                        <m:e>
+                          <m:r>
+                            <a:rPr lang="en-US" sz="2400" b="1" i="1" dirty="0">
+                              <a:latin typeface="Cambria Math" panose="02040503050406030204" pitchFamily="18" charset="0"/>
+                            </a:rPr>
+                            <m:t>𝑾</m:t>
+                          </m:r>
+                        </m:e>
+                      </m:d>
+                      <m:r>
+                        <a:rPr lang="en-US" sz="2400" b="1" i="1" dirty="0">
+                          <a:latin typeface="Cambria Math" panose="02040503050406030204" pitchFamily="18" charset="0"/>
+                        </a:rPr>
+                        <m:t>= </m:t>
+                      </m:r>
+                      <m:d>
+                        <m:dPr>
+                          <m:begChr m:val="["/>
+                          <m:endChr m:val="]"/>
+                          <m:ctrlPr>
+                            <a:rPr lang="en-US" sz="2400" b="1" i="1" dirty="0">
+                              <a:latin typeface="Cambria Math" panose="02040503050406030204" pitchFamily="18" charset="0"/>
+                            </a:rPr>
+                          </m:ctrlPr>
+                        </m:dPr>
+                        <m:e>
+                          <m:d>
+                            <m:dPr>
+                              <m:ctrlPr>
+                                <a:rPr lang="en-US" sz="2400" b="1" i="1" dirty="0">
+                                  <a:latin typeface="Cambria Math" panose="02040503050406030204" pitchFamily="18" charset="0"/>
+                                </a:rPr>
+                              </m:ctrlPr>
+                            </m:dPr>
+                            <m:e>
+                              <m:sSup>
+                                <m:sSupPr>
+                                  <m:ctrlPr>
+                                    <a:rPr lang="en-US" sz="2400" b="1" i="1" dirty="0">
+                                      <a:latin typeface="Cambria Math" panose="02040503050406030204" pitchFamily="18" charset="0"/>
+                                    </a:rPr>
+                                  </m:ctrlPr>
+                                </m:sSupPr>
+                                <m:e>
+                                  <m:r>
+                                    <a:rPr lang="en-US" sz="2400" b="1" i="1" dirty="0">
+                                      <a:latin typeface="Cambria Math" panose="02040503050406030204" pitchFamily="18" charset="0"/>
+                                    </a:rPr>
+                                    <m:t>𝑨</m:t>
+                                  </m:r>
+                                </m:e>
+                                <m:sup>
+                                  <m:r>
+                                    <a:rPr lang="en-US" sz="2400" b="1" i="1" dirty="0">
+                                      <a:latin typeface="Cambria Math" panose="02040503050406030204" pitchFamily="18" charset="0"/>
+                                    </a:rPr>
+                                    <m:t>𝒂</m:t>
+                                  </m:r>
+                                </m:sup>
+                              </m:sSup>
+                              <m:r>
+                                <a:rPr lang="en-US" sz="2400" b="1" i="1" dirty="0">
+                                  <a:latin typeface="Cambria Math" panose="02040503050406030204" pitchFamily="18" charset="0"/>
+                                  <a:ea typeface="Cambria Math" panose="02040503050406030204" pitchFamily="18" charset="0"/>
+                                </a:rPr>
+                                <m:t>∗</m:t>
+                              </m:r>
+                              <m:sSup>
+                                <m:sSupPr>
+                                  <m:ctrlPr>
+                                    <a:rPr lang="en-US" sz="2400" b="1" i="1" dirty="0">
+                                      <a:latin typeface="Cambria Math" panose="02040503050406030204" pitchFamily="18" charset="0"/>
+                                    </a:rPr>
+                                  </m:ctrlPr>
+                                </m:sSupPr>
+                                <m:e>
+                                  <m:r>
+                                    <a:rPr lang="en-US" sz="2400" b="1" i="1" dirty="0">
+                                      <a:latin typeface="Cambria Math" panose="02040503050406030204" pitchFamily="18" charset="0"/>
+                                    </a:rPr>
+                                    <m:t>𝑪</m:t>
+                                  </m:r>
+                                </m:e>
+                                <m:sup>
+                                  <m:r>
+                                    <a:rPr lang="en-US" sz="2400" b="1" i="1" dirty="0">
+                                      <a:latin typeface="Cambria Math" panose="02040503050406030204" pitchFamily="18" charset="0"/>
+                                    </a:rPr>
+                                    <m:t>𝒄</m:t>
+                                  </m:r>
+                                </m:sup>
+                              </m:sSup>
+                              <m:r>
+                                <a:rPr lang="en-US" sz="2400" b="1" i="1" dirty="0">
+                                  <a:latin typeface="Cambria Math" panose="02040503050406030204" pitchFamily="18" charset="0"/>
+                                </a:rPr>
+                                <m:t>∗</m:t>
+                              </m:r>
+                              <m:sSup>
+                                <m:sSupPr>
+                                  <m:ctrlPr>
+                                    <a:rPr lang="en-US" sz="2400" b="1" i="1" dirty="0">
+                                      <a:latin typeface="Cambria Math" panose="02040503050406030204" pitchFamily="18" charset="0"/>
+                                    </a:rPr>
+                                  </m:ctrlPr>
+                                </m:sSupPr>
+                                <m:e>
+                                  <m:r>
+                                    <a:rPr lang="en-US" sz="2400" b="1" i="1" dirty="0">
+                                      <a:latin typeface="Cambria Math" panose="02040503050406030204" pitchFamily="18" charset="0"/>
+                                    </a:rPr>
+                                    <m:t>𝑮</m:t>
+                                  </m:r>
+                                </m:e>
+                                <m:sup>
+                                  <m:r>
+                                    <a:rPr lang="en-US" sz="2400" b="1" i="1" dirty="0">
+                                      <a:latin typeface="Cambria Math" panose="02040503050406030204" pitchFamily="18" charset="0"/>
+                                    </a:rPr>
+                                    <m:t>𝒈</m:t>
+                                  </m:r>
+                                </m:sup>
+                              </m:sSup>
+                              <m:r>
+                                <a:rPr lang="en-US" sz="2400" b="1" i="1" dirty="0">
+                                  <a:latin typeface="Cambria Math" panose="02040503050406030204" pitchFamily="18" charset="0"/>
+                                </a:rPr>
+                                <m:t>∗</m:t>
+                              </m:r>
+                              <m:sSup>
+                                <m:sSupPr>
+                                  <m:ctrlPr>
+                                    <a:rPr lang="en-US" sz="2400" b="1" i="1" dirty="0">
+                                      <a:latin typeface="Cambria Math" panose="02040503050406030204" pitchFamily="18" charset="0"/>
+                                    </a:rPr>
+                                  </m:ctrlPr>
+                                </m:sSupPr>
+                                <m:e>
+                                  <m:r>
+                                    <a:rPr lang="en-US" sz="2400" b="1" i="1" dirty="0">
+                                      <a:latin typeface="Cambria Math" panose="02040503050406030204" pitchFamily="18" charset="0"/>
+                                    </a:rPr>
+                                    <m:t>𝑻</m:t>
+                                  </m:r>
+                                </m:e>
+                                <m:sup>
+                                  <m:r>
+                                    <a:rPr lang="en-US" sz="2400" b="1" i="1" dirty="0">
+                                      <a:latin typeface="Cambria Math" panose="02040503050406030204" pitchFamily="18" charset="0"/>
+                                    </a:rPr>
+                                    <m:t>𝒕</m:t>
+                                  </m:r>
+                                </m:sup>
+                              </m:sSup>
+                            </m:e>
+                          </m:d>
+                          <m:r>
+                            <a:rPr lang="en-US" sz="2400" b="1" i="1" dirty="0">
+                              <a:latin typeface="Cambria Math" panose="02040503050406030204" pitchFamily="18" charset="0"/>
+                            </a:rPr>
+                            <m:t> ∗</m:t>
+                          </m:r>
+                          <m:r>
+                            <a:rPr lang="en-US" sz="2400" b="1" i="1" dirty="0">
+                              <a:latin typeface="Cambria Math" panose="02040503050406030204" pitchFamily="18" charset="0"/>
+                            </a:rPr>
+                            <m:t>𝑵</m:t>
+                          </m:r>
+                          <m:r>
+                            <a:rPr lang="en-US" sz="2400" b="1" i="1" dirty="0">
+                              <a:latin typeface="Cambria Math" panose="02040503050406030204" pitchFamily="18" charset="0"/>
+                            </a:rPr>
+                            <m:t>−</m:t>
+                          </m:r>
+                          <m:r>
+                            <a:rPr lang="en-US" sz="2400" b="1" i="1" dirty="0">
+                              <a:latin typeface="Cambria Math" panose="02040503050406030204" pitchFamily="18" charset="0"/>
+                            </a:rPr>
+                            <m:t>𝟑</m:t>
+                          </m:r>
+                        </m:e>
+                      </m:d>
+                    </m:oMath>
+                  </m:oMathPara>
+                </a14:m>
+                <a:endParaRPr lang="en-US" sz="2400" dirty="0"/>
+              </a:p>
+            </p:txBody>
+          </p:sp>
+        </mc:Choice>
+        <mc:Fallback>
+          <p:sp>
+            <p:nvSpPr>
+              <p:cNvPr id="1058" name="Rectangle 1057"/>
+              <p:cNvSpPr>
+                <a:spLocks noRot="1" noChangeAspect="1" noMove="1" noResize="1" noEditPoints="1" noAdjustHandles="1" noChangeArrowheads="1" noChangeShapeType="1" noTextEdit="1"/>
+              </p:cNvSpPr>
+              <p:nvPr/>
+            </p:nvSpPr>
+            <p:spPr>
+              <a:xfrm>
+                <a:off x="2233829" y="20486028"/>
+                <a:ext cx="5662769" cy="461665"/>
+              </a:xfrm>
+              <a:prstGeom prst="rect">
+                <a:avLst/>
+              </a:prstGeom>
+              <a:blipFill rotWithShape="0">
+                <a:blip r:embed="rId9"/>
+                <a:stretch>
+                  <a:fillRect b="-17333"/>
+                </a:stretch>
+              </a:blipFill>
+            </p:spPr>
+            <p:txBody>
+              <a:bodyPr/>
+              <a:lstStyle/>
+              <a:p>
+                <a:r>
+                  <a:rPr lang="en-US">
+                    <a:noFill/>
+                  </a:rPr>
+                  <a:t> </a:t>
+                </a:r>
+              </a:p>
+            </p:txBody>
+          </p:sp>
+        </mc:Fallback>
+      </mc:AlternateContent>
+      <mc:AlternateContent xmlns:mc="http://schemas.openxmlformats.org/markup-compatibility/2006">
+        <mc:Choice xmlns:a14="http://schemas.microsoft.com/office/drawing/2010/main" Requires="a14">
+          <p:graphicFrame>
+            <p:nvGraphicFramePr>
+              <p:cNvPr id="186" name="Table 185"/>
+              <p:cNvGraphicFramePr>
+                <a:graphicFrameLocks noGrp="1"/>
+              </p:cNvGraphicFramePr>
+              <p:nvPr>
+                <p:extLst>
+                  <p:ext uri="{D42A27DB-BD31-4B8C-83A1-F6EECF244321}">
+                    <p14:modId xmlns:p14="http://schemas.microsoft.com/office/powerpoint/2010/main" val="2481992481"/>
+                  </p:ext>
+                </p:extLst>
+              </p:nvPr>
+            </p:nvGraphicFramePr>
+            <p:xfrm>
+              <a:off x="1744912" y="21178900"/>
+              <a:ext cx="6640603" cy="1920240"/>
+            </p:xfrm>
+            <a:graphic>
+              <a:graphicData uri="http://schemas.openxmlformats.org/drawingml/2006/table">
+                <a:tbl>
+                  <a:tblPr firstRow="1" bandRow="1">
+                    <a:tableStyleId>{2D5ABB26-0587-4C30-8999-92F81FD0307C}</a:tableStyleId>
+                  </a:tblPr>
+                  <a:tblGrid>
+                    <a:gridCol w="1275868"/>
+                    <a:gridCol w="5364735"/>
+                  </a:tblGrid>
+                  <a:tr h="1785769">
+                    <a:tc>
+                      <a:txBody>
+                        <a:bodyPr/>
+                        <a:lstStyle/>
+                        <a:p>
+                          <a:pPr algn="l"/>
+                          <a:r>
+                            <a:rPr lang="en-US" sz="2200" dirty="0" smtClean="0">
+                              <a:solidFill>
+                                <a:schemeClr val="tx1"/>
+                              </a:solidFill>
+                              <a:latin typeface="Avenir 65" pitchFamily="50" charset="0"/>
+                            </a:rPr>
+                            <a:t>Where</a:t>
+                          </a:r>
+                          <a:endParaRPr lang="en-US" sz="2200" dirty="0">
+                            <a:solidFill>
+                              <a:schemeClr val="tx1"/>
+                            </a:solidFill>
+                            <a:latin typeface="Avenir 65" pitchFamily="50" charset="0"/>
+                          </a:endParaRPr>
+                        </a:p>
+                      </a:txBody>
+                      <a:tcPr anchor="ctr"/>
+                    </a:tc>
+                    <a:tc>
+                      <a:txBody>
+                        <a:bodyPr/>
+                        <a:lstStyle/>
+                        <a:p>
+                          <a:pPr marL="0" marR="0" indent="0" algn="l" defTabSz="2089883" rtl="0" eaLnBrk="1" fontAlgn="auto" latinLnBrk="0" hangingPunct="1">
+                            <a:lnSpc>
+                              <a:spcPct val="100000"/>
+                            </a:lnSpc>
+                            <a:spcBef>
+                              <a:spcPts val="0"/>
+                            </a:spcBef>
+                            <a:spcAft>
+                              <a:spcPts val="600"/>
+                            </a:spcAft>
+                            <a:buClrTx/>
+                            <a:buSzTx/>
+                            <a:buFontTx/>
+                            <a:buNone/>
+                            <a:tabLst/>
+                            <a:defRPr/>
+                          </a:pPr>
+                          <a14:m>
+                            <m:oMath xmlns:m="http://schemas.openxmlformats.org/officeDocument/2006/math">
+                              <m:r>
+                                <a:rPr lang="en-US" sz="2200" b="0" i="1" smtClean="0">
+                                  <a:latin typeface="Cambria Math" panose="02040503050406030204" pitchFamily="18" charset="0"/>
+                                </a:rPr>
+                                <m:t>𝐴</m:t>
+                              </m:r>
+                              <m:r>
+                                <a:rPr lang="en-US" sz="2200" b="0" i="1" smtClean="0">
+                                  <a:latin typeface="Cambria Math" panose="02040503050406030204" pitchFamily="18" charset="0"/>
+                                </a:rPr>
+                                <m:t>,</m:t>
+                              </m:r>
+                              <m:r>
+                                <a:rPr lang="en-US" sz="2200" b="0" i="1" smtClean="0">
+                                  <a:latin typeface="Cambria Math" panose="02040503050406030204" pitchFamily="18" charset="0"/>
+                                </a:rPr>
+                                <m:t>𝐶</m:t>
+                              </m:r>
+                              <m:r>
+                                <a:rPr lang="en-US" sz="2200" b="0" i="1" smtClean="0">
+                                  <a:latin typeface="Cambria Math" panose="02040503050406030204" pitchFamily="18" charset="0"/>
+                                </a:rPr>
+                                <m:t>,</m:t>
+                              </m:r>
+                              <m:r>
+                                <a:rPr lang="en-US" sz="2200" b="0" i="1" smtClean="0">
+                                  <a:latin typeface="Cambria Math" panose="02040503050406030204" pitchFamily="18" charset="0"/>
+                                </a:rPr>
+                                <m:t>𝐺</m:t>
+                              </m:r>
+                              <m:r>
+                                <a:rPr lang="en-US" sz="2200" b="0" i="1" smtClean="0">
+                                  <a:latin typeface="Cambria Math" panose="02040503050406030204" pitchFamily="18" charset="0"/>
+                                </a:rPr>
+                                <m:t>,</m:t>
+                              </m:r>
+                              <m:r>
+                                <a:rPr lang="en-US" sz="2200" b="0" i="1" smtClean="0">
+                                  <a:latin typeface="Cambria Math" panose="02040503050406030204" pitchFamily="18" charset="0"/>
+                                </a:rPr>
+                                <m:t>𝑇</m:t>
+                              </m:r>
+                              <m:r>
+                                <a:rPr lang="en-US" sz="2200" b="0" i="1" smtClean="0">
+                                  <a:latin typeface="Cambria Math" panose="02040503050406030204" pitchFamily="18" charset="0"/>
+                                </a:rPr>
+                                <m:t> </m:t>
+                              </m:r>
+                            </m:oMath>
+                          </a14:m>
+                          <a:r>
+                            <a:rPr lang="en-US" sz="2200" dirty="0" smtClean="0">
+                              <a:latin typeface="Avenir 65" pitchFamily="50" charset="0"/>
+                            </a:rPr>
+                            <a:t>represent </a:t>
+                          </a:r>
+                          <a:r>
+                            <a:rPr lang="en-US" sz="2200" dirty="0" smtClean="0">
+                              <a:latin typeface="Avenir 65" pitchFamily="50" charset="0"/>
+                            </a:rPr>
+                            <a:t>the mononucleotide frequency in the genome</a:t>
+                          </a:r>
+                          <a:endParaRPr lang="en-US" sz="2200" dirty="0">
+                            <a:latin typeface="Avenir 65" pitchFamily="50" charset="0"/>
+                          </a:endParaRPr>
+                        </a:p>
+                        <a:p>
+                          <a:pPr marL="0" marR="0" indent="0" algn="l" defTabSz="2089883" rtl="0" eaLnBrk="1" fontAlgn="auto" latinLnBrk="0" hangingPunct="1">
+                            <a:lnSpc>
+                              <a:spcPct val="100000"/>
+                            </a:lnSpc>
+                            <a:spcBef>
+                              <a:spcPts val="0"/>
+                            </a:spcBef>
+                            <a:spcAft>
+                              <a:spcPts val="600"/>
+                            </a:spcAft>
+                            <a:buClrTx/>
+                            <a:buSzTx/>
+                            <a:buFontTx/>
+                            <a:buNone/>
+                            <a:tabLst/>
+                            <a:defRPr/>
+                          </a:pPr>
+                          <a14:m>
+                            <m:oMath xmlns:m="http://schemas.openxmlformats.org/officeDocument/2006/math">
+                              <m:r>
+                                <a:rPr lang="en-US" sz="2200" b="0" i="1" smtClean="0">
+                                  <a:latin typeface="Cambria Math" panose="02040503050406030204" pitchFamily="18" charset="0"/>
+                                </a:rPr>
+                                <m:t>𝑎</m:t>
+                              </m:r>
+                              <m:r>
+                                <a:rPr lang="en-US" sz="2200" b="0" i="1" smtClean="0">
+                                  <a:latin typeface="Cambria Math" panose="02040503050406030204" pitchFamily="18" charset="0"/>
+                                </a:rPr>
+                                <m:t>,</m:t>
+                              </m:r>
+                              <m:r>
+                                <a:rPr lang="en-US" sz="2200" b="0" i="1" smtClean="0">
+                                  <a:latin typeface="Cambria Math" panose="02040503050406030204" pitchFamily="18" charset="0"/>
+                                </a:rPr>
+                                <m:t>𝑐</m:t>
+                              </m:r>
+                              <m:r>
+                                <a:rPr lang="en-US" sz="2200" b="0" i="1" smtClean="0">
+                                  <a:latin typeface="Cambria Math" panose="02040503050406030204" pitchFamily="18" charset="0"/>
+                                </a:rPr>
+                                <m:t>,</m:t>
+                              </m:r>
+                              <m:r>
+                                <a:rPr lang="en-US" sz="2200" b="0" i="1" smtClean="0">
+                                  <a:latin typeface="Cambria Math" panose="02040503050406030204" pitchFamily="18" charset="0"/>
+                                </a:rPr>
+                                <m:t>𝑔</m:t>
+                              </m:r>
+                              <m:r>
+                                <a:rPr lang="en-US" sz="2200" b="0" i="1" smtClean="0">
+                                  <a:latin typeface="Cambria Math" panose="02040503050406030204" pitchFamily="18" charset="0"/>
+                                </a:rPr>
+                                <m:t>,</m:t>
+                              </m:r>
+                              <m:r>
+                                <a:rPr lang="en-US" sz="2200" b="0" i="1" smtClean="0">
+                                  <a:latin typeface="Cambria Math" panose="02040503050406030204" pitchFamily="18" charset="0"/>
+                                </a:rPr>
+                                <m:t>𝑡</m:t>
+                              </m:r>
+                              <m:r>
+                                <a:rPr lang="en-US" sz="2200" b="0" i="1" smtClean="0">
+                                  <a:latin typeface="Cambria Math" panose="02040503050406030204" pitchFamily="18" charset="0"/>
+                                </a:rPr>
+                                <m:t> </m:t>
+                              </m:r>
+                            </m:oMath>
+                          </a14:m>
+                          <a:r>
+                            <a:rPr lang="en-US" sz="2200" dirty="0" smtClean="0">
+                              <a:solidFill>
+                                <a:schemeClr val="tx1"/>
+                              </a:solidFill>
+                              <a:latin typeface="Avenir 65" pitchFamily="50" charset="0"/>
+                            </a:rPr>
+                            <a:t>represent the number of each nucleotide in</a:t>
+                          </a:r>
+                          <a:r>
+                            <a:rPr lang="en-US" sz="2200" baseline="0" dirty="0" smtClean="0">
+                              <a:solidFill>
+                                <a:schemeClr val="tx1"/>
+                              </a:solidFill>
+                              <a:latin typeface="Avenir 65" pitchFamily="50" charset="0"/>
+                            </a:rPr>
+                            <a:t> the tetranucleotide </a:t>
+                          </a:r>
+                          <a14:m>
+                            <m:oMath xmlns:m="http://schemas.openxmlformats.org/officeDocument/2006/math">
+                              <m:r>
+                                <a:rPr lang="en-US" sz="2200" b="0" i="1" smtClean="0">
+                                  <a:latin typeface="Cambria Math" panose="02040503050406030204" pitchFamily="18" charset="0"/>
+                                </a:rPr>
+                                <m:t>𝑤</m:t>
+                              </m:r>
+                            </m:oMath>
+                          </a14:m>
+                          <a:endParaRPr lang="en-US" sz="2200" b="0" dirty="0" smtClean="0">
+                            <a:latin typeface="Avenir 65" pitchFamily="50" charset="0"/>
+                          </a:endParaRPr>
+                        </a:p>
+                        <a:p>
+                          <a:pPr marL="0" marR="0" indent="0" algn="l" defTabSz="2089883" rtl="0" eaLnBrk="1" fontAlgn="auto" latinLnBrk="0" hangingPunct="1">
+                            <a:lnSpc>
+                              <a:spcPct val="100000"/>
+                            </a:lnSpc>
+                            <a:spcBef>
+                              <a:spcPts val="0"/>
+                            </a:spcBef>
+                            <a:spcAft>
+                              <a:spcPts val="600"/>
+                            </a:spcAft>
+                            <a:buClrTx/>
+                            <a:buSzTx/>
+                            <a:buFontTx/>
+                            <a:buNone/>
+                            <a:tabLst/>
+                            <a:defRPr/>
+                          </a:pPr>
+                          <a14:m>
+                            <m:oMath xmlns:m="http://schemas.openxmlformats.org/officeDocument/2006/math">
+                              <m:r>
+                                <a:rPr lang="en-US" sz="2200" b="0" i="1" smtClean="0">
+                                  <a:latin typeface="Cambria Math" panose="02040503050406030204" pitchFamily="18" charset="0"/>
+                                </a:rPr>
+                                <m:t>𝑁</m:t>
+                              </m:r>
+                            </m:oMath>
+                          </a14:m>
+                          <a:r>
+                            <a:rPr lang="en-US" sz="2200" dirty="0" smtClean="0">
+                              <a:latin typeface="Avenir 65" pitchFamily="50" charset="0"/>
+                            </a:rPr>
+                            <a:t> </a:t>
+                          </a:r>
+                          <a:r>
+                            <a:rPr lang="en-US" sz="2200" dirty="0" smtClean="0">
+                              <a:latin typeface="Avenir 65" pitchFamily="50" charset="0"/>
+                            </a:rPr>
+                            <a:t>is th</a:t>
+                          </a:r>
+                          <a:r>
+                            <a:rPr lang="en-US" sz="2200" baseline="0" dirty="0" smtClean="0">
+                              <a:latin typeface="Avenir 65" pitchFamily="50" charset="0"/>
+                            </a:rPr>
+                            <a:t>e length of the genome</a:t>
+                          </a:r>
+                          <a:endParaRPr lang="en-US" sz="2200" dirty="0" smtClean="0">
+                            <a:latin typeface="Avenir 65" pitchFamily="50" charset="0"/>
+                          </a:endParaRPr>
+                        </a:p>
+                      </a:txBody>
+                      <a:tcPr/>
+                    </a:tc>
+                  </a:tr>
+                </a:tbl>
+              </a:graphicData>
+            </a:graphic>
+          </p:graphicFrame>
+        </mc:Choice>
+        <mc:Fallback>
+          <p:graphicFrame>
+            <p:nvGraphicFramePr>
+              <p:cNvPr id="186" name="Table 185"/>
+              <p:cNvGraphicFramePr>
+                <a:graphicFrameLocks noGrp="1"/>
+              </p:cNvGraphicFramePr>
+              <p:nvPr>
+                <p:extLst>
+                  <p:ext uri="{D42A27DB-BD31-4B8C-83A1-F6EECF244321}">
+                    <p14:modId xmlns:p14="http://schemas.microsoft.com/office/powerpoint/2010/main" val="2481992481"/>
+                  </p:ext>
+                </p:extLst>
+              </p:nvPr>
+            </p:nvGraphicFramePr>
+            <p:xfrm>
+              <a:off x="1744912" y="21178900"/>
+              <a:ext cx="6640603" cy="1920240"/>
+            </p:xfrm>
+            <a:graphic>
+              <a:graphicData uri="http://schemas.openxmlformats.org/drawingml/2006/table">
+                <a:tbl>
+                  <a:tblPr firstRow="1" bandRow="1">
+                    <a:tableStyleId>{2D5ABB26-0587-4C30-8999-92F81FD0307C}</a:tableStyleId>
+                  </a:tblPr>
+                  <a:tblGrid>
+                    <a:gridCol w="1275868"/>
+                    <a:gridCol w="5364735"/>
+                  </a:tblGrid>
+                  <a:tr h="1920240">
+                    <a:tc>
+                      <a:txBody>
+                        <a:bodyPr/>
+                        <a:lstStyle/>
+                        <a:p>
+                          <a:pPr algn="l"/>
+                          <a:r>
+                            <a:rPr lang="en-US" sz="2200" dirty="0" smtClean="0">
+                              <a:solidFill>
+                                <a:schemeClr val="tx1"/>
+                              </a:solidFill>
+                              <a:latin typeface="Avenir 65" pitchFamily="50" charset="0"/>
+                            </a:rPr>
+                            <a:t>Where</a:t>
+                          </a:r>
+                          <a:endParaRPr lang="en-US" sz="2200" dirty="0">
+                            <a:solidFill>
+                              <a:schemeClr val="tx1"/>
+                            </a:solidFill>
+                            <a:latin typeface="Avenir 65" pitchFamily="50" charset="0"/>
+                          </a:endParaRPr>
+                        </a:p>
+                      </a:txBody>
+                      <a:tcPr anchor="ctr"/>
+                    </a:tc>
+                    <a:tc>
+                      <a:txBody>
+                        <a:bodyPr/>
+                        <a:lstStyle/>
+                        <a:p>
+                          <a:endParaRPr lang="en-US"/>
+                        </a:p>
+                      </a:txBody>
+                      <a:tcPr>
+                        <a:blipFill rotWithShape="0">
+                          <a:blip r:embed="rId10"/>
+                          <a:stretch>
+                            <a:fillRect l="-23723" t="-2215" b="-6329"/>
+                          </a:stretch>
+                        </a:blipFill>
+                      </a:tcPr>
+                    </a:tc>
+                  </a:tr>
+                </a:tbl>
+              </a:graphicData>
+            </a:graphic>
+          </p:graphicFrame>
+        </mc:Fallback>
+      </mc:AlternateContent>
+      <p:sp>
+        <p:nvSpPr>
+          <p:cNvPr id="1061" name="Left Brace 1060"/>
+          <p:cNvSpPr/>
+          <p:nvPr/>
+        </p:nvSpPr>
+        <p:spPr>
+          <a:xfrm>
+            <a:off x="2733868" y="21207637"/>
+            <a:ext cx="235620" cy="1862766"/>
+          </a:xfrm>
+          <a:prstGeom prst="leftBrace">
+            <a:avLst>
+              <a:gd name="adj1" fmla="val 38736"/>
+              <a:gd name="adj2" fmla="val 50000"/>
+            </a:avLst>
+          </a:prstGeom>
+          <a:ln w="19050">
+            <a:solidFill>
+              <a:srgbClr val="C7474E"/>
+            </a:solidFill>
+          </a:ln>
+        </p:spPr>
+        <p:style>
+          <a:lnRef idx="1">
+            <a:schemeClr val="dk1"/>
+          </a:lnRef>
+          <a:fillRef idx="0">
+            <a:schemeClr val="dk1"/>
+          </a:fillRef>
+          <a:effectRef idx="0">
+            <a:schemeClr val="dk1"/>
+          </a:effectRef>
+          <a:fontRef idx="minor">
+            <a:schemeClr val="tx1"/>
+          </a:fontRef>
+        </p:style>
+        <p:txBody>
+          <a:bodyPr rot="0" spcFirstLastPara="0" vertOverflow="overflow" horzOverflow="overflow" vert="horz" wrap="square" lIns="91440" tIns="45720" rIns="91440" bIns="45720" numCol="1" spcCol="0" rtlCol="0" fromWordArt="0" anchor="ctr" anchorCtr="0" forceAA="0" compatLnSpc="1">
+            <a:prstTxWarp prst="textNoShape">
+              <a:avLst/>
+            </a:prstTxWarp>
+            <a:noAutofit/>
+          </a:bodyPr>
+          <a:lstStyle/>
+          <a:p>
+            <a:pPr algn="ctr"/>
+            <a:endParaRPr lang="en-US" sz="8299">
+              <a:solidFill>
+                <a:srgbClr val="B5CF72"/>
+              </a:solidFill>
+            </a:endParaRPr>
+          </a:p>
+        </p:txBody>
+      </p:sp>
+      <p:sp>
+        <p:nvSpPr>
+          <p:cNvPr id="195" name="TextBox 194"/>
+          <p:cNvSpPr txBox="1"/>
+          <p:nvPr/>
+        </p:nvSpPr>
+        <p:spPr>
+          <a:xfrm>
+            <a:off x="487252" y="23245882"/>
+            <a:ext cx="9155922" cy="757393"/>
           </a:xfrm>
           <a:prstGeom prst="rect">
             <a:avLst/>
@@ -9561,8 +10983,1083 @@
           </a:bodyPr>
           <a:lstStyle/>
           <a:p>
-            <a:r>
-              <a:rPr lang="en-US" sz="3200" dirty="0" smtClean="0">
+            <a:pPr algn="ctr"/>
+            <a:r>
+              <a:rPr lang="en-US" sz="2200" dirty="0">
+                <a:latin typeface="Avenir 65" pitchFamily="50" charset="0"/>
+              </a:rPr>
+              <a:t>The TUD signal for a genome is a vector of 4</a:t>
+            </a:r>
+            <a:r>
+              <a:rPr lang="en-US" sz="2200" baseline="30000" dirty="0">
+                <a:latin typeface="Avenir 65" pitchFamily="50" charset="0"/>
+              </a:rPr>
+              <a:t>4</a:t>
+            </a:r>
+            <a:r>
+              <a:rPr lang="en-US" sz="2200" dirty="0">
+                <a:latin typeface="Avenir 65" pitchFamily="50" charset="0"/>
+              </a:rPr>
+              <a:t> = 256 values – one for each possible tetranucleotide</a:t>
+            </a:r>
+          </a:p>
+        </p:txBody>
+      </p:sp>
+      <p:sp>
+        <p:nvSpPr>
+          <p:cNvPr id="200" name="TextBox 199"/>
+          <p:cNvSpPr txBox="1"/>
+          <p:nvPr/>
+        </p:nvSpPr>
+        <p:spPr>
+          <a:xfrm>
+            <a:off x="13445911" y="17987994"/>
+            <a:ext cx="6490351" cy="418839"/>
+          </a:xfrm>
+          <a:prstGeom prst="rect">
+            <a:avLst/>
+          </a:prstGeom>
+          <a:noFill/>
+          <a:ln>
+            <a:noFill/>
+          </a:ln>
+        </p:spPr>
+        <p:txBody>
+          <a:bodyPr wrap="square" lIns="79507" tIns="39754" rIns="79507" bIns="39754" rtlCol="0">
+            <a:spAutoFit/>
+          </a:bodyPr>
+          <a:lstStyle/>
+          <a:p>
+            <a:r>
+              <a:rPr lang="en-US" sz="2200" dirty="0">
+                <a:latin typeface="Avenir 65" pitchFamily="50" charset="0"/>
+              </a:rPr>
+              <a:t>Neighbor joining tree from TUD distance</a:t>
+            </a:r>
+          </a:p>
+        </p:txBody>
+      </p:sp>
+      <p:sp>
+        <p:nvSpPr>
+          <p:cNvPr id="203" name="TextBox 202"/>
+          <p:cNvSpPr txBox="1"/>
+          <p:nvPr/>
+        </p:nvSpPr>
+        <p:spPr>
+          <a:xfrm>
+            <a:off x="35997154" y="8593545"/>
+            <a:ext cx="4073233" cy="418839"/>
+          </a:xfrm>
+          <a:prstGeom prst="rect">
+            <a:avLst/>
+          </a:prstGeom>
+          <a:noFill/>
+          <a:ln>
+            <a:noFill/>
+          </a:ln>
+        </p:spPr>
+        <p:txBody>
+          <a:bodyPr wrap="square" lIns="79507" tIns="39754" rIns="79507" bIns="39754" rtlCol="0">
+            <a:spAutoFit/>
+          </a:bodyPr>
+          <a:lstStyle/>
+          <a:p>
+            <a:pPr algn="ctr"/>
+            <a:r>
+              <a:rPr lang="en-US" sz="2200" dirty="0" smtClean="0">
+                <a:latin typeface="Avenir 65" pitchFamily="50" charset="0"/>
+              </a:rPr>
+              <a:t>That’s a </a:t>
+            </a:r>
+            <a:r>
+              <a:rPr lang="en-US" sz="2200" dirty="0" err="1" smtClean="0">
+                <a:latin typeface="Avenir 65" pitchFamily="50" charset="0"/>
+              </a:rPr>
+              <a:t>BamHI</a:t>
+            </a:r>
+            <a:r>
+              <a:rPr lang="en-US" sz="2200" dirty="0" smtClean="0">
+                <a:latin typeface="Avenir 65" pitchFamily="50" charset="0"/>
+              </a:rPr>
+              <a:t> restriction site!</a:t>
+            </a:r>
+            <a:endParaRPr lang="en-US" sz="2200" dirty="0">
+              <a:latin typeface="Avenir 65" pitchFamily="50" charset="0"/>
+            </a:endParaRPr>
+          </a:p>
+        </p:txBody>
+      </p:sp>
+      <p:pic>
+        <p:nvPicPr>
+          <p:cNvPr id="1076" name="Picture 1075"/>
+          <p:cNvPicPr>
+            <a:picLocks noChangeAspect="1"/>
+          </p:cNvPicPr>
+          <p:nvPr/>
+        </p:nvPicPr>
+        <p:blipFill>
+          <a:blip r:embed="rId11">
+            <a:extLst>
+              <a:ext uri="{28A0092B-C50C-407E-A947-70E740481C1C}">
+                <a14:useLocalDpi xmlns:a14="http://schemas.microsoft.com/office/drawing/2010/main" val="0"/>
+              </a:ext>
+            </a:extLst>
+          </a:blip>
+          <a:stretch>
+            <a:fillRect/>
+          </a:stretch>
+        </p:blipFill>
+        <p:spPr>
+          <a:xfrm>
+            <a:off x="23717795" y="6628824"/>
+            <a:ext cx="4819111" cy="3863530"/>
+          </a:xfrm>
+          <a:prstGeom prst="rect">
+            <a:avLst/>
+          </a:prstGeom>
+        </p:spPr>
+      </p:pic>
+      <p:pic>
+        <p:nvPicPr>
+          <p:cNvPr id="1078" name="Picture 1077"/>
+          <p:cNvPicPr>
+            <a:picLocks noChangeAspect="1"/>
+          </p:cNvPicPr>
+          <p:nvPr/>
+        </p:nvPicPr>
+        <p:blipFill>
+          <a:blip r:embed="rId12">
+            <a:extLst>
+              <a:ext uri="{28A0092B-C50C-407E-A947-70E740481C1C}">
+                <a14:useLocalDpi xmlns:a14="http://schemas.microsoft.com/office/drawing/2010/main" val="0"/>
+              </a:ext>
+            </a:extLst>
+          </a:blip>
+          <a:stretch>
+            <a:fillRect/>
+          </a:stretch>
+        </p:blipFill>
+        <p:spPr>
+          <a:xfrm>
+            <a:off x="29442906" y="6792856"/>
+            <a:ext cx="4815925" cy="3812918"/>
+          </a:xfrm>
+          <a:prstGeom prst="rect">
+            <a:avLst/>
+          </a:prstGeom>
+        </p:spPr>
+      </p:pic>
+      <p:grpSp>
+        <p:nvGrpSpPr>
+          <p:cNvPr id="1080" name="Group 1079"/>
+          <p:cNvGrpSpPr/>
+          <p:nvPr/>
+        </p:nvGrpSpPr>
+        <p:grpSpPr>
+          <a:xfrm>
+            <a:off x="0" y="16136"/>
+            <a:ext cx="42062400" cy="459980"/>
+            <a:chOff x="0" y="5025271"/>
+            <a:chExt cx="42062400" cy="531001"/>
+          </a:xfrm>
+        </p:grpSpPr>
+        <p:sp>
+          <p:nvSpPr>
+            <p:cNvPr id="1079" name="Rectangle 1078"/>
+            <p:cNvSpPr/>
+            <p:nvPr/>
+          </p:nvSpPr>
+          <p:spPr>
+            <a:xfrm>
+              <a:off x="0" y="5025271"/>
+              <a:ext cx="2064774" cy="531001"/>
+            </a:xfrm>
+            <a:prstGeom prst="rect">
+              <a:avLst/>
+            </a:prstGeom>
+            <a:solidFill>
+              <a:srgbClr val="C7474E"/>
+            </a:solidFill>
+            <a:ln>
+              <a:noFill/>
+            </a:ln>
+            <a:effectLst/>
+          </p:spPr>
+          <p:style>
+            <a:lnRef idx="1">
+              <a:schemeClr val="accent1"/>
+            </a:lnRef>
+            <a:fillRef idx="3">
+              <a:schemeClr val="accent1"/>
+            </a:fillRef>
+            <a:effectRef idx="2">
+              <a:schemeClr val="accent1"/>
+            </a:effectRef>
+            <a:fontRef idx="minor">
+              <a:schemeClr val="lt1"/>
+            </a:fontRef>
+          </p:style>
+          <p:txBody>
+            <a:bodyPr rot="0" spcFirstLastPara="0" vertOverflow="overflow" horzOverflow="overflow" vert="horz" wrap="square" lIns="91440" tIns="45720" rIns="91440" bIns="45720" numCol="1" spcCol="0" rtlCol="0" fromWordArt="0" anchor="ctr" anchorCtr="0" forceAA="0" compatLnSpc="1">
+              <a:prstTxWarp prst="textNoShape">
+                <a:avLst/>
+              </a:prstTxWarp>
+              <a:noAutofit/>
+            </a:bodyPr>
+            <a:lstStyle/>
+            <a:p>
+              <a:pPr algn="ctr"/>
+              <a:endParaRPr lang="en-US" sz="8299" dirty="0"/>
+            </a:p>
+          </p:txBody>
+        </p:sp>
+        <p:sp>
+          <p:nvSpPr>
+            <p:cNvPr id="216" name="Rectangle 215"/>
+            <p:cNvSpPr/>
+            <p:nvPr/>
+          </p:nvSpPr>
+          <p:spPr>
+            <a:xfrm>
+              <a:off x="4127773" y="5025271"/>
+              <a:ext cx="2355222" cy="531001"/>
+            </a:xfrm>
+            <a:prstGeom prst="rect">
+              <a:avLst/>
+            </a:prstGeom>
+            <a:solidFill>
+              <a:srgbClr val="4E8B63"/>
+            </a:solidFill>
+            <a:ln>
+              <a:noFill/>
+            </a:ln>
+            <a:effectLst/>
+          </p:spPr>
+          <p:style>
+            <a:lnRef idx="1">
+              <a:schemeClr val="accent1"/>
+            </a:lnRef>
+            <a:fillRef idx="3">
+              <a:schemeClr val="accent1"/>
+            </a:fillRef>
+            <a:effectRef idx="2">
+              <a:schemeClr val="accent1"/>
+            </a:effectRef>
+            <a:fontRef idx="minor">
+              <a:schemeClr val="lt1"/>
+            </a:fontRef>
+          </p:style>
+          <p:txBody>
+            <a:bodyPr rot="0" spcFirstLastPara="0" vertOverflow="overflow" horzOverflow="overflow" vert="horz" wrap="square" lIns="91440" tIns="45720" rIns="91440" bIns="45720" numCol="1" spcCol="0" rtlCol="0" fromWordArt="0" anchor="ctr" anchorCtr="0" forceAA="0" compatLnSpc="1">
+              <a:prstTxWarp prst="textNoShape">
+                <a:avLst/>
+              </a:prstTxWarp>
+              <a:noAutofit/>
+            </a:bodyPr>
+            <a:lstStyle/>
+            <a:p>
+              <a:pPr algn="ctr"/>
+              <a:endParaRPr lang="en-US" sz="8299" dirty="0"/>
+            </a:p>
+          </p:txBody>
+        </p:sp>
+        <p:sp>
+          <p:nvSpPr>
+            <p:cNvPr id="217" name="Rectangle 216"/>
+            <p:cNvSpPr/>
+            <p:nvPr/>
+          </p:nvSpPr>
+          <p:spPr>
+            <a:xfrm>
+              <a:off x="2062999" y="5025271"/>
+              <a:ext cx="2320453" cy="531001"/>
+            </a:xfrm>
+            <a:prstGeom prst="rect">
+              <a:avLst/>
+            </a:prstGeom>
+            <a:solidFill>
+              <a:srgbClr val="D6AA26"/>
+            </a:solidFill>
+            <a:ln>
+              <a:noFill/>
+            </a:ln>
+            <a:effectLst/>
+          </p:spPr>
+          <p:style>
+            <a:lnRef idx="1">
+              <a:schemeClr val="accent1"/>
+            </a:lnRef>
+            <a:fillRef idx="3">
+              <a:schemeClr val="accent1"/>
+            </a:fillRef>
+            <a:effectRef idx="2">
+              <a:schemeClr val="accent1"/>
+            </a:effectRef>
+            <a:fontRef idx="minor">
+              <a:schemeClr val="lt1"/>
+            </a:fontRef>
+          </p:style>
+          <p:txBody>
+            <a:bodyPr rot="0" spcFirstLastPara="0" vertOverflow="overflow" horzOverflow="overflow" vert="horz" wrap="square" lIns="91440" tIns="45720" rIns="91440" bIns="45720" numCol="1" spcCol="0" rtlCol="0" fromWordArt="0" anchor="ctr" anchorCtr="0" forceAA="0" compatLnSpc="1">
+              <a:prstTxWarp prst="textNoShape">
+                <a:avLst/>
+              </a:prstTxWarp>
+              <a:noAutofit/>
+            </a:bodyPr>
+            <a:lstStyle/>
+            <a:p>
+              <a:pPr algn="ctr"/>
+              <a:endParaRPr lang="en-US" sz="8299" dirty="0"/>
+            </a:p>
+          </p:txBody>
+        </p:sp>
+        <p:sp>
+          <p:nvSpPr>
+            <p:cNvPr id="218" name="Rectangle 217"/>
+            <p:cNvSpPr/>
+            <p:nvPr/>
+          </p:nvSpPr>
+          <p:spPr>
+            <a:xfrm>
+              <a:off x="6482995" y="5025271"/>
+              <a:ext cx="6260548" cy="531001"/>
+            </a:xfrm>
+            <a:prstGeom prst="rect">
+              <a:avLst/>
+            </a:prstGeom>
+            <a:solidFill>
+              <a:srgbClr val="163845"/>
+            </a:solidFill>
+            <a:ln>
+              <a:noFill/>
+            </a:ln>
+            <a:effectLst/>
+          </p:spPr>
+          <p:style>
+            <a:lnRef idx="1">
+              <a:schemeClr val="accent1"/>
+            </a:lnRef>
+            <a:fillRef idx="3">
+              <a:schemeClr val="accent1"/>
+            </a:fillRef>
+            <a:effectRef idx="2">
+              <a:schemeClr val="accent1"/>
+            </a:effectRef>
+            <a:fontRef idx="minor">
+              <a:schemeClr val="lt1"/>
+            </a:fontRef>
+          </p:style>
+          <p:txBody>
+            <a:bodyPr rot="0" spcFirstLastPara="0" vertOverflow="overflow" horzOverflow="overflow" vert="horz" wrap="square" lIns="91440" tIns="45720" rIns="91440" bIns="45720" numCol="1" spcCol="0" rtlCol="0" fromWordArt="0" anchor="ctr" anchorCtr="0" forceAA="0" compatLnSpc="1">
+              <a:prstTxWarp prst="textNoShape">
+                <a:avLst/>
+              </a:prstTxWarp>
+              <a:noAutofit/>
+            </a:bodyPr>
+            <a:lstStyle/>
+            <a:p>
+              <a:pPr algn="ctr"/>
+              <a:endParaRPr lang="en-US" sz="8299" dirty="0"/>
+            </a:p>
+          </p:txBody>
+        </p:sp>
+        <p:sp>
+          <p:nvSpPr>
+            <p:cNvPr id="219" name="Rectangle 218"/>
+            <p:cNvSpPr/>
+            <p:nvPr/>
+          </p:nvSpPr>
+          <p:spPr>
+            <a:xfrm>
+              <a:off x="12512372" y="5025271"/>
+              <a:ext cx="2064774" cy="531001"/>
+            </a:xfrm>
+            <a:prstGeom prst="rect">
+              <a:avLst/>
+            </a:prstGeom>
+            <a:solidFill>
+              <a:srgbClr val="C7474E"/>
+            </a:solidFill>
+            <a:ln>
+              <a:noFill/>
+            </a:ln>
+            <a:effectLst/>
+          </p:spPr>
+          <p:style>
+            <a:lnRef idx="1">
+              <a:schemeClr val="accent1"/>
+            </a:lnRef>
+            <a:fillRef idx="3">
+              <a:schemeClr val="accent1"/>
+            </a:fillRef>
+            <a:effectRef idx="2">
+              <a:schemeClr val="accent1"/>
+            </a:effectRef>
+            <a:fontRef idx="minor">
+              <a:schemeClr val="lt1"/>
+            </a:fontRef>
+          </p:style>
+          <p:txBody>
+            <a:bodyPr rot="0" spcFirstLastPara="0" vertOverflow="overflow" horzOverflow="overflow" vert="horz" wrap="square" lIns="91440" tIns="45720" rIns="91440" bIns="45720" numCol="1" spcCol="0" rtlCol="0" fromWordArt="0" anchor="ctr" anchorCtr="0" forceAA="0" compatLnSpc="1">
+              <a:prstTxWarp prst="textNoShape">
+                <a:avLst/>
+              </a:prstTxWarp>
+              <a:noAutofit/>
+            </a:bodyPr>
+            <a:lstStyle/>
+            <a:p>
+              <a:pPr algn="ctr"/>
+              <a:endParaRPr lang="en-US" sz="8299" dirty="0"/>
+            </a:p>
+          </p:txBody>
+        </p:sp>
+        <p:sp>
+          <p:nvSpPr>
+            <p:cNvPr id="220" name="Rectangle 219"/>
+            <p:cNvSpPr/>
+            <p:nvPr/>
+          </p:nvSpPr>
+          <p:spPr>
+            <a:xfrm>
+              <a:off x="14575371" y="5025271"/>
+              <a:ext cx="7370229" cy="531001"/>
+            </a:xfrm>
+            <a:prstGeom prst="rect">
+              <a:avLst/>
+            </a:prstGeom>
+            <a:solidFill>
+              <a:srgbClr val="D6AA26"/>
+            </a:solidFill>
+            <a:ln>
+              <a:noFill/>
+            </a:ln>
+            <a:effectLst/>
+          </p:spPr>
+          <p:style>
+            <a:lnRef idx="1">
+              <a:schemeClr val="accent1"/>
+            </a:lnRef>
+            <a:fillRef idx="3">
+              <a:schemeClr val="accent1"/>
+            </a:fillRef>
+            <a:effectRef idx="2">
+              <a:schemeClr val="accent1"/>
+            </a:effectRef>
+            <a:fontRef idx="minor">
+              <a:schemeClr val="lt1"/>
+            </a:fontRef>
+          </p:style>
+          <p:txBody>
+            <a:bodyPr rot="0" spcFirstLastPara="0" vertOverflow="overflow" horzOverflow="overflow" vert="horz" wrap="square" lIns="91440" tIns="45720" rIns="91440" bIns="45720" numCol="1" spcCol="0" rtlCol="0" fromWordArt="0" anchor="ctr" anchorCtr="0" forceAA="0" compatLnSpc="1">
+              <a:prstTxWarp prst="textNoShape">
+                <a:avLst/>
+              </a:prstTxWarp>
+              <a:noAutofit/>
+            </a:bodyPr>
+            <a:lstStyle/>
+            <a:p>
+              <a:pPr algn="ctr"/>
+              <a:endParaRPr lang="en-US" sz="8299" dirty="0"/>
+            </a:p>
+          </p:txBody>
+        </p:sp>
+        <p:sp>
+          <p:nvSpPr>
+            <p:cNvPr id="221" name="Rectangle 220"/>
+            <p:cNvSpPr/>
+            <p:nvPr/>
+          </p:nvSpPr>
+          <p:spPr>
+            <a:xfrm>
+              <a:off x="21420303" y="5025271"/>
+              <a:ext cx="3835612" cy="531001"/>
+            </a:xfrm>
+            <a:prstGeom prst="rect">
+              <a:avLst/>
+            </a:prstGeom>
+            <a:solidFill>
+              <a:srgbClr val="163845"/>
+            </a:solidFill>
+            <a:ln>
+              <a:noFill/>
+            </a:ln>
+            <a:effectLst/>
+          </p:spPr>
+          <p:style>
+            <a:lnRef idx="1">
+              <a:schemeClr val="accent1"/>
+            </a:lnRef>
+            <a:fillRef idx="3">
+              <a:schemeClr val="accent1"/>
+            </a:fillRef>
+            <a:effectRef idx="2">
+              <a:schemeClr val="accent1"/>
+            </a:effectRef>
+            <a:fontRef idx="minor">
+              <a:schemeClr val="lt1"/>
+            </a:fontRef>
+          </p:style>
+          <p:txBody>
+            <a:bodyPr rot="0" spcFirstLastPara="0" vertOverflow="overflow" horzOverflow="overflow" vert="horz" wrap="square" lIns="91440" tIns="45720" rIns="91440" bIns="45720" numCol="1" spcCol="0" rtlCol="0" fromWordArt="0" anchor="ctr" anchorCtr="0" forceAA="0" compatLnSpc="1">
+              <a:prstTxWarp prst="textNoShape">
+                <a:avLst/>
+              </a:prstTxWarp>
+              <a:noAutofit/>
+            </a:bodyPr>
+            <a:lstStyle/>
+            <a:p>
+              <a:pPr algn="ctr"/>
+              <a:endParaRPr lang="en-US" sz="8299" dirty="0"/>
+            </a:p>
+          </p:txBody>
+        </p:sp>
+        <p:sp>
+          <p:nvSpPr>
+            <p:cNvPr id="222" name="Rectangle 221"/>
+            <p:cNvSpPr/>
+            <p:nvPr/>
+          </p:nvSpPr>
+          <p:spPr>
+            <a:xfrm>
+              <a:off x="24526580" y="5025271"/>
+              <a:ext cx="2355222" cy="531001"/>
+            </a:xfrm>
+            <a:prstGeom prst="rect">
+              <a:avLst/>
+            </a:prstGeom>
+            <a:solidFill>
+              <a:srgbClr val="4E8B63"/>
+            </a:solidFill>
+            <a:ln>
+              <a:noFill/>
+            </a:ln>
+            <a:effectLst/>
+          </p:spPr>
+          <p:style>
+            <a:lnRef idx="1">
+              <a:schemeClr val="accent1"/>
+            </a:lnRef>
+            <a:fillRef idx="3">
+              <a:schemeClr val="accent1"/>
+            </a:fillRef>
+            <a:effectRef idx="2">
+              <a:schemeClr val="accent1"/>
+            </a:effectRef>
+            <a:fontRef idx="minor">
+              <a:schemeClr val="lt1"/>
+            </a:fontRef>
+          </p:style>
+          <p:txBody>
+            <a:bodyPr rot="0" spcFirstLastPara="0" vertOverflow="overflow" horzOverflow="overflow" vert="horz" wrap="square" lIns="91440" tIns="45720" rIns="91440" bIns="45720" numCol="1" spcCol="0" rtlCol="0" fromWordArt="0" anchor="ctr" anchorCtr="0" forceAA="0" compatLnSpc="1">
+              <a:prstTxWarp prst="textNoShape">
+                <a:avLst/>
+              </a:prstTxWarp>
+              <a:noAutofit/>
+            </a:bodyPr>
+            <a:lstStyle/>
+            <a:p>
+              <a:pPr algn="ctr"/>
+              <a:endParaRPr lang="en-US" sz="8299" dirty="0"/>
+            </a:p>
+          </p:txBody>
+        </p:sp>
+        <p:sp>
+          <p:nvSpPr>
+            <p:cNvPr id="223" name="Rectangle 222"/>
+            <p:cNvSpPr/>
+            <p:nvPr/>
+          </p:nvSpPr>
+          <p:spPr>
+            <a:xfrm>
+              <a:off x="26201082" y="5025271"/>
+              <a:ext cx="7735101" cy="531001"/>
+            </a:xfrm>
+            <a:prstGeom prst="rect">
+              <a:avLst/>
+            </a:prstGeom>
+            <a:solidFill>
+              <a:srgbClr val="D6AA26"/>
+            </a:solidFill>
+            <a:ln>
+              <a:noFill/>
+            </a:ln>
+            <a:effectLst/>
+          </p:spPr>
+          <p:style>
+            <a:lnRef idx="1">
+              <a:schemeClr val="accent1"/>
+            </a:lnRef>
+            <a:fillRef idx="3">
+              <a:schemeClr val="accent1"/>
+            </a:fillRef>
+            <a:effectRef idx="2">
+              <a:schemeClr val="accent1"/>
+            </a:effectRef>
+            <a:fontRef idx="minor">
+              <a:schemeClr val="lt1"/>
+            </a:fontRef>
+          </p:style>
+          <p:txBody>
+            <a:bodyPr rot="0" spcFirstLastPara="0" vertOverflow="overflow" horzOverflow="overflow" vert="horz" wrap="square" lIns="91440" tIns="45720" rIns="91440" bIns="45720" numCol="1" spcCol="0" rtlCol="0" fromWordArt="0" anchor="ctr" anchorCtr="0" forceAA="0" compatLnSpc="1">
+              <a:prstTxWarp prst="textNoShape">
+                <a:avLst/>
+              </a:prstTxWarp>
+              <a:noAutofit/>
+            </a:bodyPr>
+            <a:lstStyle/>
+            <a:p>
+              <a:pPr algn="ctr"/>
+              <a:endParaRPr lang="en-US" sz="8299" dirty="0"/>
+            </a:p>
+          </p:txBody>
+        </p:sp>
+        <p:sp>
+          <p:nvSpPr>
+            <p:cNvPr id="226" name="Rectangle 225"/>
+            <p:cNvSpPr/>
+            <p:nvPr/>
+          </p:nvSpPr>
+          <p:spPr>
+            <a:xfrm>
+              <a:off x="32769807" y="5025271"/>
+              <a:ext cx="2355222" cy="531001"/>
+            </a:xfrm>
+            <a:prstGeom prst="rect">
+              <a:avLst/>
+            </a:prstGeom>
+            <a:solidFill>
+              <a:srgbClr val="4E8B63"/>
+            </a:solidFill>
+            <a:ln>
+              <a:noFill/>
+            </a:ln>
+            <a:effectLst/>
+          </p:spPr>
+          <p:style>
+            <a:lnRef idx="1">
+              <a:schemeClr val="accent1"/>
+            </a:lnRef>
+            <a:fillRef idx="3">
+              <a:schemeClr val="accent1"/>
+            </a:fillRef>
+            <a:effectRef idx="2">
+              <a:schemeClr val="accent1"/>
+            </a:effectRef>
+            <a:fontRef idx="minor">
+              <a:schemeClr val="lt1"/>
+            </a:fontRef>
+          </p:style>
+          <p:txBody>
+            <a:bodyPr rot="0" spcFirstLastPara="0" vertOverflow="overflow" horzOverflow="overflow" vert="horz" wrap="square" lIns="91440" tIns="45720" rIns="91440" bIns="45720" numCol="1" spcCol="0" rtlCol="0" fromWordArt="0" anchor="ctr" anchorCtr="0" forceAA="0" compatLnSpc="1">
+              <a:prstTxWarp prst="textNoShape">
+                <a:avLst/>
+              </a:prstTxWarp>
+              <a:noAutofit/>
+            </a:bodyPr>
+            <a:lstStyle/>
+            <a:p>
+              <a:pPr algn="ctr"/>
+              <a:endParaRPr lang="en-US" sz="8299" dirty="0"/>
+            </a:p>
+          </p:txBody>
+        </p:sp>
+        <p:sp>
+          <p:nvSpPr>
+            <p:cNvPr id="227" name="Rectangle 226"/>
+            <p:cNvSpPr/>
+            <p:nvPr/>
+          </p:nvSpPr>
+          <p:spPr>
+            <a:xfrm>
+              <a:off x="34820285" y="5025271"/>
+              <a:ext cx="4687885" cy="531001"/>
+            </a:xfrm>
+            <a:prstGeom prst="rect">
+              <a:avLst/>
+            </a:prstGeom>
+            <a:solidFill>
+              <a:srgbClr val="C7474E"/>
+            </a:solidFill>
+            <a:ln>
+              <a:noFill/>
+            </a:ln>
+            <a:effectLst/>
+          </p:spPr>
+          <p:style>
+            <a:lnRef idx="1">
+              <a:schemeClr val="accent1"/>
+            </a:lnRef>
+            <a:fillRef idx="3">
+              <a:schemeClr val="accent1"/>
+            </a:fillRef>
+            <a:effectRef idx="2">
+              <a:schemeClr val="accent1"/>
+            </a:effectRef>
+            <a:fontRef idx="minor">
+              <a:schemeClr val="lt1"/>
+            </a:fontRef>
+          </p:style>
+          <p:txBody>
+            <a:bodyPr rot="0" spcFirstLastPara="0" vertOverflow="overflow" horzOverflow="overflow" vert="horz" wrap="square" lIns="91440" tIns="45720" rIns="91440" bIns="45720" numCol="1" spcCol="0" rtlCol="0" fromWordArt="0" anchor="ctr" anchorCtr="0" forceAA="0" compatLnSpc="1">
+              <a:prstTxWarp prst="textNoShape">
+                <a:avLst/>
+              </a:prstTxWarp>
+              <a:noAutofit/>
+            </a:bodyPr>
+            <a:lstStyle/>
+            <a:p>
+              <a:pPr algn="ctr"/>
+              <a:endParaRPr lang="en-US" sz="8299" dirty="0"/>
+            </a:p>
+          </p:txBody>
+        </p:sp>
+        <p:sp>
+          <p:nvSpPr>
+            <p:cNvPr id="228" name="Rectangle 227"/>
+            <p:cNvSpPr/>
+            <p:nvPr/>
+          </p:nvSpPr>
+          <p:spPr>
+            <a:xfrm>
+              <a:off x="38365731" y="5025271"/>
+              <a:ext cx="3696669" cy="531001"/>
+            </a:xfrm>
+            <a:prstGeom prst="rect">
+              <a:avLst/>
+            </a:prstGeom>
+            <a:solidFill>
+              <a:srgbClr val="163845"/>
+            </a:solidFill>
+            <a:ln>
+              <a:noFill/>
+            </a:ln>
+            <a:effectLst/>
+          </p:spPr>
+          <p:style>
+            <a:lnRef idx="1">
+              <a:schemeClr val="accent1"/>
+            </a:lnRef>
+            <a:fillRef idx="3">
+              <a:schemeClr val="accent1"/>
+            </a:fillRef>
+            <a:effectRef idx="2">
+              <a:schemeClr val="accent1"/>
+            </a:effectRef>
+            <a:fontRef idx="minor">
+              <a:schemeClr val="lt1"/>
+            </a:fontRef>
+          </p:style>
+          <p:txBody>
+            <a:bodyPr rot="0" spcFirstLastPara="0" vertOverflow="overflow" horzOverflow="overflow" vert="horz" wrap="square" lIns="91440" tIns="45720" rIns="91440" bIns="45720" numCol="1" spcCol="0" rtlCol="0" fromWordArt="0" anchor="ctr" anchorCtr="0" forceAA="0" compatLnSpc="1">
+              <a:prstTxWarp prst="textNoShape">
+                <a:avLst/>
+              </a:prstTxWarp>
+              <a:noAutofit/>
+            </a:bodyPr>
+            <a:lstStyle/>
+            <a:p>
+              <a:pPr algn="ctr"/>
+              <a:endParaRPr lang="en-US" sz="8299" dirty="0"/>
+            </a:p>
+          </p:txBody>
+        </p:sp>
+      </p:grpSp>
+      <p:sp>
+        <p:nvSpPr>
+          <p:cNvPr id="232" name="TextBox 231"/>
+          <p:cNvSpPr txBox="1"/>
+          <p:nvPr/>
+        </p:nvSpPr>
+        <p:spPr>
+          <a:xfrm>
+            <a:off x="32048883" y="14587340"/>
+            <a:ext cx="9687694" cy="2800767"/>
+          </a:xfrm>
+          <a:prstGeom prst="rect">
+            <a:avLst/>
+          </a:prstGeom>
+          <a:noFill/>
+        </p:spPr>
+        <p:txBody>
+          <a:bodyPr wrap="square" rtlCol="0">
+            <a:spAutoFit/>
+          </a:bodyPr>
+          <a:lstStyle/>
+          <a:p>
+            <a:r>
+              <a:rPr lang="en-US" sz="2200" dirty="0">
+                <a:latin typeface="Avenir 65" pitchFamily="50" charset="0"/>
+              </a:rPr>
+              <a:t>Tetranucleotide usage deviation and other alignment-free methods can investigate relationships within the diverse mycobacteriophage population. TUD accurately reconstructs phylogenetic trees and can highlight regions of particular interest in a genome. These methods can be applied in a high-throughput manner, take very small amounts of computational time, and serve as an excellent first pass in the comparative analysis of a mycobacteriophage genome. With some further work we hope to see these methods applied to every new phage sequence. </a:t>
+            </a:r>
+          </a:p>
+        </p:txBody>
+      </p:sp>
+      <p:grpSp>
+        <p:nvGrpSpPr>
+          <p:cNvPr id="147" name="Group 146"/>
+          <p:cNvGrpSpPr/>
+          <p:nvPr/>
+        </p:nvGrpSpPr>
+        <p:grpSpPr>
+          <a:xfrm>
+            <a:off x="17876105" y="26149767"/>
+            <a:ext cx="6446140" cy="4711383"/>
+            <a:chOff x="17876105" y="26149760"/>
+            <a:chExt cx="6446140" cy="4711383"/>
+          </a:xfrm>
+        </p:grpSpPr>
+        <p:sp>
+          <p:nvSpPr>
+            <p:cNvPr id="117" name="TextBox 116"/>
+            <p:cNvSpPr txBox="1"/>
+            <p:nvPr/>
+          </p:nvSpPr>
+          <p:spPr>
+            <a:xfrm>
+              <a:off x="18075290" y="26149760"/>
+              <a:ext cx="6047771" cy="572727"/>
+            </a:xfrm>
+            <a:prstGeom prst="rect">
+              <a:avLst/>
+            </a:prstGeom>
+            <a:noFill/>
+            <a:ln>
+              <a:noFill/>
+            </a:ln>
+          </p:spPr>
+          <p:txBody>
+            <a:bodyPr wrap="square" lIns="79507" tIns="39754" rIns="79507" bIns="39754" rtlCol="0">
+              <a:spAutoFit/>
+            </a:bodyPr>
+            <a:lstStyle/>
+            <a:p>
+              <a:r>
+                <a:rPr lang="en-US" sz="3200" dirty="0">
+                  <a:ln w="3175">
+                    <a:noFill/>
+                  </a:ln>
+                  <a:solidFill>
+                    <a:srgbClr val="F79029"/>
+                  </a:solidFill>
+                  <a:latin typeface="Avenir 65" pitchFamily="50" charset="0"/>
+                </a:rPr>
+                <a:t>JoeDirt (L1)  </a:t>
+              </a:r>
+              <a:r>
+                <a:rPr lang="en-US" sz="2000" dirty="0">
+                  <a:ln w="3175">
+                    <a:noFill/>
+                  </a:ln>
+                  <a:latin typeface="Avenir 65" pitchFamily="50" charset="0"/>
+                </a:rPr>
+                <a:t>cluster of repeats at 70kb</a:t>
+              </a:r>
+            </a:p>
+          </p:txBody>
+        </p:sp>
+        <p:grpSp>
+          <p:nvGrpSpPr>
+            <p:cNvPr id="110" name="Group 109"/>
+            <p:cNvGrpSpPr/>
+            <p:nvPr/>
+          </p:nvGrpSpPr>
+          <p:grpSpPr>
+            <a:xfrm>
+              <a:off x="18018443" y="26722487"/>
+              <a:ext cx="6161464" cy="3939045"/>
+              <a:chOff x="18027270" y="25589815"/>
+              <a:chExt cx="6161464" cy="3939045"/>
+            </a:xfrm>
+          </p:grpSpPr>
+          <p:pic>
+            <p:nvPicPr>
+              <p:cNvPr id="93" name="Picture 92"/>
+              <p:cNvPicPr>
+                <a:picLocks noChangeAspect="1"/>
+              </p:cNvPicPr>
+              <p:nvPr/>
+            </p:nvPicPr>
+            <p:blipFill rotWithShape="1">
+              <a:blip r:embed="rId13">
+                <a:extLst>
+                  <a:ext uri="{28A0092B-C50C-407E-A947-70E740481C1C}">
+                    <a14:useLocalDpi xmlns:a14="http://schemas.microsoft.com/office/drawing/2010/main" val="0"/>
+                  </a:ext>
+                </a:extLst>
+              </a:blip>
+              <a:srcRect l="-5" r="93" b="98488"/>
+              <a:stretch/>
+            </p:blipFill>
+            <p:spPr>
+              <a:xfrm>
+                <a:off x="18124400" y="25589815"/>
+                <a:ext cx="6064334" cy="3939045"/>
+              </a:xfrm>
+              <a:prstGeom prst="rect">
+                <a:avLst/>
+              </a:prstGeom>
+            </p:spPr>
+          </p:pic>
+          <p:sp>
+            <p:nvSpPr>
+              <p:cNvPr id="108" name="TextBox 107"/>
+              <p:cNvSpPr txBox="1"/>
+              <p:nvPr/>
+            </p:nvSpPr>
+            <p:spPr>
+              <a:xfrm>
+                <a:off x="18027270" y="25799865"/>
+                <a:ext cx="4970800" cy="338554"/>
+              </a:xfrm>
+              <a:prstGeom prst="rect">
+                <a:avLst/>
+              </a:prstGeom>
+              <a:solidFill>
+                <a:schemeClr val="bg1"/>
+              </a:solidFill>
+            </p:spPr>
+            <p:txBody>
+              <a:bodyPr wrap="square" rtlCol="0">
+                <a:spAutoFit/>
+              </a:bodyPr>
+              <a:lstStyle/>
+              <a:p>
+                <a:r>
+                  <a:rPr lang="en-US" sz="1600" dirty="0"/>
+                  <a:t>	70000</a:t>
+                </a:r>
+              </a:p>
+            </p:txBody>
+          </p:sp>
+          <p:sp>
+            <p:nvSpPr>
+              <p:cNvPr id="128" name="TextBox 127"/>
+              <p:cNvSpPr txBox="1"/>
+              <p:nvPr/>
+            </p:nvSpPr>
+            <p:spPr>
+              <a:xfrm>
+                <a:off x="22914002" y="25799865"/>
+                <a:ext cx="1253150" cy="338554"/>
+              </a:xfrm>
+              <a:prstGeom prst="rect">
+                <a:avLst/>
+              </a:prstGeom>
+              <a:solidFill>
+                <a:schemeClr val="bg1"/>
+              </a:solidFill>
+            </p:spPr>
+            <p:txBody>
+              <a:bodyPr wrap="square" rtlCol="0">
+                <a:spAutoFit/>
+              </a:bodyPr>
+              <a:lstStyle/>
+              <a:p>
+                <a:endParaRPr lang="en-US" sz="1600" dirty="0"/>
+              </a:p>
+            </p:txBody>
+          </p:sp>
+        </p:grpSp>
+        <p:sp>
+          <p:nvSpPr>
+            <p:cNvPr id="233" name="TextBox 232"/>
+            <p:cNvSpPr txBox="1"/>
+            <p:nvPr/>
+          </p:nvSpPr>
+          <p:spPr>
+            <a:xfrm>
+              <a:off x="17876105" y="30503860"/>
+              <a:ext cx="6446140" cy="357283"/>
+            </a:xfrm>
+            <a:prstGeom prst="rect">
+              <a:avLst/>
+            </a:prstGeom>
+            <a:noFill/>
+            <a:ln>
+              <a:noFill/>
+            </a:ln>
+          </p:spPr>
+          <p:txBody>
+            <a:bodyPr wrap="square" lIns="79507" tIns="39754" rIns="79507" bIns="39754" rtlCol="0">
+              <a:spAutoFit/>
+            </a:bodyPr>
+            <a:lstStyle/>
+            <a:p>
+              <a:pPr algn="ctr"/>
+              <a:r>
+                <a:rPr lang="en-US" sz="1800" dirty="0">
+                  <a:latin typeface="Avenir 65" pitchFamily="50" charset="0"/>
+                </a:rPr>
+                <a:t>Colored lines indicate significant clusters of repeats </a:t>
+              </a:r>
+            </a:p>
+          </p:txBody>
+        </p:sp>
+      </p:grpSp>
+      <p:grpSp>
+        <p:nvGrpSpPr>
+          <p:cNvPr id="144" name="Group 143"/>
+          <p:cNvGrpSpPr/>
+          <p:nvPr/>
+        </p:nvGrpSpPr>
+        <p:grpSpPr>
+          <a:xfrm>
+            <a:off x="24731855" y="26175014"/>
+            <a:ext cx="6622783" cy="4760591"/>
+            <a:chOff x="24731850" y="26175008"/>
+            <a:chExt cx="6622783" cy="4760590"/>
+          </a:xfrm>
+        </p:grpSpPr>
+        <p:sp>
+          <p:nvSpPr>
+            <p:cNvPr id="118" name="TextBox 117"/>
+            <p:cNvSpPr txBox="1"/>
+            <p:nvPr/>
+          </p:nvSpPr>
+          <p:spPr>
+            <a:xfrm>
+              <a:off x="24731850" y="26175008"/>
+              <a:ext cx="6622783" cy="1065169"/>
+            </a:xfrm>
+            <a:prstGeom prst="rect">
+              <a:avLst/>
+            </a:prstGeom>
+            <a:noFill/>
+            <a:ln>
+              <a:noFill/>
+            </a:ln>
+          </p:spPr>
+          <p:txBody>
+            <a:bodyPr wrap="square" lIns="79507" tIns="39754" rIns="79507" bIns="39754" rtlCol="0">
+              <a:spAutoFit/>
+            </a:bodyPr>
+            <a:lstStyle/>
+            <a:p>
+              <a:r>
+                <a:rPr lang="en-US" sz="3200" dirty="0">
+                  <a:ln w="3175">
+                    <a:noFill/>
+                  </a:ln>
+                  <a:solidFill>
+                    <a:srgbClr val="F79029"/>
+                  </a:solidFill>
+                  <a:latin typeface="Avenir 65" pitchFamily="50" charset="0"/>
+                </a:rPr>
+                <a:t>Archie (L2) </a:t>
+              </a:r>
+              <a:r>
+                <a:rPr lang="en-US" sz="2000" dirty="0">
+                  <a:ln w="3175">
+                    <a:noFill/>
+                  </a:ln>
+                  <a:latin typeface="Avenir 65" pitchFamily="50" charset="0"/>
+                </a:rPr>
+                <a:t>cluster of repeats at 74kb and 76kb</a:t>
+              </a:r>
+            </a:p>
+            <a:p>
+              <a:endParaRPr lang="en-US" sz="3200" dirty="0">
                 <a:ln w="3175">
                   <a:noFill/>
                 </a:ln>
@@ -9570,104 +12067,790 @@
                   <a:srgbClr val="F79029"/>
                 </a:solidFill>
                 <a:latin typeface="Avenir 65" pitchFamily="50" charset="0"/>
-              </a:rPr>
-              <a:t>Archie (L2) </a:t>
-            </a:r>
-            <a:r>
-              <a:rPr lang="en-US" sz="2000" dirty="0">
-                <a:ln w="3175">
-                  <a:noFill/>
-                </a:ln>
-                <a:latin typeface="Avenir 65" pitchFamily="50" charset="0"/>
-              </a:rPr>
-              <a:t>cluster of repeats at </a:t>
-            </a:r>
-            <a:r>
-              <a:rPr lang="en-US" sz="2000" dirty="0" smtClean="0">
-                <a:ln w="3175">
-                  <a:noFill/>
-                </a:ln>
-                <a:latin typeface="Avenir 65" pitchFamily="50" charset="0"/>
-              </a:rPr>
-              <a:t>74kb and 76kb</a:t>
-            </a:r>
-            <a:endParaRPr lang="en-US" sz="2000" dirty="0">
-              <a:ln w="3175">
-                <a:noFill/>
-              </a:ln>
-              <a:latin typeface="Avenir 65" pitchFamily="50" charset="0"/>
-            </a:endParaRPr>
-          </a:p>
-          <a:p>
-            <a:endParaRPr lang="en-US" sz="3200" dirty="0">
-              <a:ln w="3175">
-                <a:noFill/>
-              </a:ln>
+              </a:endParaRPr>
+            </a:p>
+          </p:txBody>
+        </p:sp>
+        <p:grpSp>
+          <p:nvGrpSpPr>
+            <p:cNvPr id="115" name="Group 114"/>
+            <p:cNvGrpSpPr/>
+            <p:nvPr/>
+          </p:nvGrpSpPr>
+          <p:grpSpPr>
+            <a:xfrm>
+              <a:off x="25027091" y="26722487"/>
+              <a:ext cx="6032300" cy="3773945"/>
+              <a:chOff x="25006512" y="25589815"/>
+              <a:chExt cx="6032300" cy="3773945"/>
+            </a:xfrm>
+          </p:grpSpPr>
+          <p:pic>
+            <p:nvPicPr>
+              <p:cNvPr id="1034" name="Picture 10" descr="http://zlab.bu.edu/~mfrith/cgi_out/rf_pic22996.png"/>
+              <p:cNvPicPr>
+                <a:picLocks noChangeAspect="1" noChangeArrowheads="1"/>
+              </p:cNvPicPr>
+              <p:nvPr/>
+            </p:nvPicPr>
+            <p:blipFill rotWithShape="1">
+              <a:blip r:embed="rId14">
+                <a:extLst>
+                  <a:ext uri="{28A0092B-C50C-407E-A947-70E740481C1C}">
+                    <a14:useLocalDpi xmlns:a14="http://schemas.microsoft.com/office/drawing/2010/main" val="0"/>
+                  </a:ext>
+                </a:extLst>
+              </a:blip>
+              <a:srcRect b="96083"/>
+              <a:stretch/>
+            </p:blipFill>
+            <p:spPr bwMode="auto">
+              <a:xfrm>
+                <a:off x="25006512" y="25589815"/>
+                <a:ext cx="6032300" cy="3773945"/>
+              </a:xfrm>
+              <a:prstGeom prst="rect">
+                <a:avLst/>
+              </a:prstGeom>
+              <a:noFill/>
+              <a:extLst>
+                <a:ext uri="{909E8E84-426E-40DD-AFC4-6F175D3DCCD1}">
+                  <a14:hiddenFill xmlns:a14="http://schemas.microsoft.com/office/drawing/2010/main">
+                    <a:solidFill>
+                      <a:srgbClr val="FFFFFF"/>
+                    </a:solidFill>
+                  </a14:hiddenFill>
+                </a:ext>
+              </a:extLst>
+            </p:spPr>
+          </p:pic>
+          <p:sp>
+            <p:nvSpPr>
+              <p:cNvPr id="130" name="TextBox 129"/>
+              <p:cNvSpPr txBox="1"/>
+              <p:nvPr/>
+            </p:nvSpPr>
+            <p:spPr>
+              <a:xfrm>
+                <a:off x="25356517" y="25799865"/>
+                <a:ext cx="4970800" cy="338554"/>
+              </a:xfrm>
+              <a:prstGeom prst="rect">
+                <a:avLst/>
+              </a:prstGeom>
               <a:solidFill>
-                <a:srgbClr val="F79029"/>
+                <a:schemeClr val="bg1"/>
               </a:solidFill>
-              <a:latin typeface="Avenir 65" pitchFamily="50" charset="0"/>
-            </a:endParaRPr>
-          </a:p>
-        </p:txBody>
-      </p:sp>
+            </p:spPr>
+            <p:txBody>
+              <a:bodyPr wrap="square" rtlCol="0">
+                <a:spAutoFit/>
+              </a:bodyPr>
+              <a:lstStyle/>
+              <a:p>
+                <a:r>
+                  <a:rPr lang="en-US" sz="1600" dirty="0"/>
+                  <a:t>	74000</a:t>
+                </a:r>
+              </a:p>
+            </p:txBody>
+          </p:sp>
+          <p:sp>
+            <p:nvSpPr>
+              <p:cNvPr id="131" name="TextBox 130"/>
+              <p:cNvSpPr txBox="1"/>
+              <p:nvPr/>
+            </p:nvSpPr>
+            <p:spPr>
+              <a:xfrm>
+                <a:off x="30291488" y="25772348"/>
+                <a:ext cx="729601" cy="338554"/>
+              </a:xfrm>
+              <a:prstGeom prst="rect">
+                <a:avLst/>
+              </a:prstGeom>
+              <a:solidFill>
+                <a:schemeClr val="bg1"/>
+              </a:solidFill>
+            </p:spPr>
+            <p:txBody>
+              <a:bodyPr wrap="square" rtlCol="0">
+                <a:spAutoFit/>
+              </a:bodyPr>
+              <a:lstStyle/>
+              <a:p>
+                <a:r>
+                  <a:rPr lang="en-US" sz="1600" dirty="0"/>
+                  <a:t>76000</a:t>
+                </a:r>
+              </a:p>
+            </p:txBody>
+          </p:sp>
+        </p:grpSp>
+        <p:sp>
+          <p:nvSpPr>
+            <p:cNvPr id="234" name="TextBox 233"/>
+            <p:cNvSpPr txBox="1"/>
+            <p:nvPr/>
+          </p:nvSpPr>
+          <p:spPr>
+            <a:xfrm>
+              <a:off x="24820171" y="30578315"/>
+              <a:ext cx="6446139" cy="357283"/>
+            </a:xfrm>
+            <a:prstGeom prst="rect">
+              <a:avLst/>
+            </a:prstGeom>
+            <a:noFill/>
+            <a:ln>
+              <a:noFill/>
+            </a:ln>
+          </p:spPr>
+          <p:txBody>
+            <a:bodyPr wrap="square" lIns="79507" tIns="39754" rIns="79507" bIns="39754" rtlCol="0">
+              <a:spAutoFit/>
+            </a:bodyPr>
+            <a:lstStyle/>
+            <a:p>
+              <a:pPr algn="ctr"/>
+              <a:r>
+                <a:rPr lang="en-US" sz="1800" dirty="0">
+                  <a:latin typeface="Avenir 65" pitchFamily="50" charset="0"/>
+                </a:rPr>
+                <a:t>Colored lines indicate significant clusters of repeats </a:t>
+              </a:r>
+            </a:p>
+          </p:txBody>
+        </p:sp>
+      </p:grpSp>
+      <p:pic>
+        <p:nvPicPr>
+          <p:cNvPr id="1082" name="Picture 1081"/>
+          <p:cNvPicPr>
+            <a:picLocks noChangeAspect="1"/>
+          </p:cNvPicPr>
+          <p:nvPr/>
+        </p:nvPicPr>
+        <p:blipFill>
+          <a:blip r:embed="rId15">
+            <a:extLst>
+              <a:ext uri="{28A0092B-C50C-407E-A947-70E740481C1C}">
+                <a14:useLocalDpi xmlns:a14="http://schemas.microsoft.com/office/drawing/2010/main" val="0"/>
+              </a:ext>
+            </a:extLst>
+          </a:blip>
+          <a:stretch>
+            <a:fillRect/>
+          </a:stretch>
+        </p:blipFill>
+        <p:spPr>
+          <a:xfrm>
+            <a:off x="10501952" y="5779086"/>
+            <a:ext cx="9444088" cy="11955904"/>
+          </a:xfrm>
+          <a:prstGeom prst="rect">
+            <a:avLst/>
+          </a:prstGeom>
+        </p:spPr>
+      </p:pic>
+      <p:graphicFrame>
+        <p:nvGraphicFramePr>
+          <p:cNvPr id="1086" name="Table 1085"/>
+          <p:cNvGraphicFramePr>
+            <a:graphicFrameLocks noGrp="1"/>
+          </p:cNvGraphicFramePr>
+          <p:nvPr>
+            <p:extLst>
+              <p:ext uri="{D42A27DB-BD31-4B8C-83A1-F6EECF244321}">
+                <p14:modId xmlns:p14="http://schemas.microsoft.com/office/powerpoint/2010/main" val="1208562906"/>
+              </p:ext>
+            </p:extLst>
+          </p:nvPr>
+        </p:nvGraphicFramePr>
+        <p:xfrm>
+          <a:off x="5411805" y="15262687"/>
+          <a:ext cx="2484903" cy="1930508"/>
+        </p:xfrm>
+        <a:graphic>
+          <a:graphicData uri="http://schemas.openxmlformats.org/drawingml/2006/table">
+            <a:tbl>
+              <a:tblPr firstRow="1" bandRow="1">
+                <a:tableStyleId>{2D5ABB26-0587-4C30-8999-92F81FD0307C}</a:tableStyleId>
+              </a:tblPr>
+              <a:tblGrid>
+                <a:gridCol w="1354392"/>
+                <a:gridCol w="1130511"/>
+              </a:tblGrid>
+              <a:tr h="542771">
+                <a:tc gridSpan="2">
+                  <a:txBody>
+                    <a:bodyPr/>
+                    <a:lstStyle/>
+                    <a:p>
+                      <a:pPr marL="0" marR="0" indent="0" algn="ctr" defTabSz="2089883" rtl="0" eaLnBrk="1" fontAlgn="auto" latinLnBrk="0" hangingPunct="1">
+                        <a:lnSpc>
+                          <a:spcPct val="100000"/>
+                        </a:lnSpc>
+                        <a:spcBef>
+                          <a:spcPts val="0"/>
+                        </a:spcBef>
+                        <a:spcAft>
+                          <a:spcPts val="0"/>
+                        </a:spcAft>
+                        <a:buClrTx/>
+                        <a:buSzTx/>
+                        <a:buFontTx/>
+                        <a:buNone/>
+                        <a:tabLst/>
+                        <a:defRPr/>
+                      </a:pPr>
+                      <a:r>
+                        <a:rPr lang="en-US" sz="2400" dirty="0" smtClean="0">
+                          <a:latin typeface="Avenir 65" pitchFamily="50" charset="0"/>
+                        </a:rPr>
+                        <a:t>Here’s the result</a:t>
+                      </a:r>
+                    </a:p>
+                  </a:txBody>
+                  <a:tcPr>
+                    <a:lnL>
+                      <a:noFill/>
+                    </a:lnL>
+                    <a:lnR w="12700" cap="flat" cmpd="sng" algn="ctr">
+                      <a:noFill/>
+                      <a:prstDash val="solid"/>
+                      <a:round/>
+                      <a:headEnd type="none" w="med" len="med"/>
+                      <a:tailEnd type="none" w="med" len="med"/>
+                    </a:lnR>
+                    <a:lnT>
+                      <a:noFill/>
+                    </a:lnT>
+                    <a:lnB w="12700" cap="flat" cmpd="sng" algn="ctr">
+                      <a:noFill/>
+                      <a:prstDash val="solid"/>
+                      <a:round/>
+                      <a:headEnd type="none" w="med" len="med"/>
+                      <a:tailEnd type="none" w="med" len="med"/>
+                    </a:lnB>
+                    <a:lnTlToBr w="12700" cmpd="sng">
+                      <a:noFill/>
+                      <a:prstDash val="solid"/>
+                    </a:lnTlToBr>
+                    <a:lnBlToTr w="12700" cmpd="sng">
+                      <a:noFill/>
+                      <a:prstDash val="solid"/>
+                    </a:lnBlToTr>
+                  </a:tcPr>
+                </a:tc>
+                <a:tc hMerge="1">
+                  <a:txBody>
+                    <a:bodyPr/>
+                    <a:lstStyle/>
+                    <a:p>
+                      <a:endParaRPr lang="en-US" sz="2400" dirty="0"/>
+                    </a:p>
+                  </a:txBody>
+                  <a:tcPr>
+                    <a:lnL w="12700" cap="flat" cmpd="sng" algn="ctr">
+                      <a:solidFill>
+                        <a:schemeClr val="tx1"/>
+                      </a:solidFill>
+                      <a:prstDash val="solid"/>
+                      <a:round/>
+                      <a:headEnd type="none" w="med" len="med"/>
+                      <a:tailEnd type="none" w="med" len="med"/>
+                    </a:lnL>
+                    <a:lnR>
+                      <a:noFill/>
+                    </a:lnR>
+                    <a:lnT>
+                      <a:noFill/>
+                    </a:lnT>
+                    <a:lnB w="12700" cap="flat" cmpd="sng" algn="ctr">
+                      <a:solidFill>
+                        <a:schemeClr val="tx1"/>
+                      </a:solidFill>
+                      <a:prstDash val="solid"/>
+                      <a:round/>
+                      <a:headEnd type="none" w="med" len="med"/>
+                      <a:tailEnd type="none" w="med" len="med"/>
+                    </a:lnB>
+                    <a:lnTlToBr w="12700" cmpd="sng">
+                      <a:noFill/>
+                      <a:prstDash val="solid"/>
+                    </a:lnTlToBr>
+                    <a:lnBlToTr w="12700" cmpd="sng">
+                      <a:noFill/>
+                      <a:prstDash val="solid"/>
+                    </a:lnBlToTr>
+                  </a:tcPr>
+                </a:tc>
+              </a:tr>
+              <a:tr h="462579">
+                <a:tc>
+                  <a:txBody>
+                    <a:bodyPr/>
+                    <a:lstStyle/>
+                    <a:p>
+                      <a:pPr>
+                        <a:spcAft>
+                          <a:spcPts val="400"/>
+                        </a:spcAft>
+                      </a:pPr>
+                      <a:r>
+                        <a:rPr lang="en-US" sz="2400" spc="600" dirty="0" smtClean="0">
+                          <a:ln w="19050">
+                            <a:solidFill>
+                              <a:srgbClr val="C7474E"/>
+                            </a:solidFill>
+                          </a:ln>
+                          <a:solidFill>
+                            <a:srgbClr val="C7474E"/>
+                          </a:solidFill>
+                          <a:latin typeface="Hero" panose="02000506000000020004" pitchFamily="50" charset="0"/>
+                        </a:rPr>
+                        <a:t>GATG</a:t>
+                      </a:r>
+                      <a:endParaRPr lang="en-US" sz="2400" dirty="0"/>
+                    </a:p>
+                  </a:txBody>
+                  <a:tcPr>
+                    <a:lnL>
+                      <a:noFill/>
+                    </a:lnL>
+                    <a:lnR w="12700" cap="flat" cmpd="sng" algn="ctr">
+                      <a:noFill/>
+                      <a:prstDash val="solid"/>
+                      <a:round/>
+                      <a:headEnd type="none" w="med" len="med"/>
+                      <a:tailEnd type="none" w="med" len="med"/>
+                    </a:lnR>
+                    <a:lnT w="12700" cap="flat" cmpd="sng" algn="ctr">
+                      <a:noFill/>
+                      <a:prstDash val="solid"/>
+                      <a:round/>
+                      <a:headEnd type="none" w="med" len="med"/>
+                      <a:tailEnd type="none" w="med" len="med"/>
+                    </a:lnT>
+                    <a:lnB w="12700" cap="flat" cmpd="sng" algn="ctr">
+                      <a:noFill/>
+                      <a:prstDash val="solid"/>
+                      <a:round/>
+                      <a:headEnd type="none" w="med" len="med"/>
+                      <a:tailEnd type="none" w="med" len="med"/>
+                    </a:lnB>
+                    <a:lnTlToBr w="12700" cmpd="sng">
+                      <a:noFill/>
+                      <a:prstDash val="solid"/>
+                    </a:lnTlToBr>
+                    <a:lnBlToTr w="12700" cmpd="sng">
+                      <a:noFill/>
+                      <a:prstDash val="solid"/>
+                    </a:lnBlToTr>
+                  </a:tcPr>
+                </a:tc>
+                <a:tc>
+                  <a:txBody>
+                    <a:bodyPr/>
+                    <a:lstStyle/>
+                    <a:p>
+                      <a:pPr marL="0" marR="0" indent="0" algn="l" defTabSz="2089883" rtl="0" eaLnBrk="1" fontAlgn="auto" latinLnBrk="0" hangingPunct="1">
+                        <a:lnSpc>
+                          <a:spcPct val="100000"/>
+                        </a:lnSpc>
+                        <a:spcBef>
+                          <a:spcPts val="0"/>
+                        </a:spcBef>
+                        <a:spcAft>
+                          <a:spcPts val="0"/>
+                        </a:spcAft>
+                        <a:buClrTx/>
+                        <a:buSzTx/>
+                        <a:buFontTx/>
+                        <a:buNone/>
+                        <a:tabLst/>
+                        <a:defRPr/>
+                      </a:pPr>
+                      <a:r>
+                        <a:rPr lang="en-US" sz="2400" dirty="0" smtClean="0">
+                          <a:latin typeface="Avenir 65" pitchFamily="50" charset="0"/>
+                        </a:rPr>
+                        <a:t>x2</a:t>
+                      </a:r>
+                    </a:p>
+                  </a:txBody>
+                  <a:tcPr>
+                    <a:lnL w="12700" cap="flat" cmpd="sng" algn="ctr">
+                      <a:noFill/>
+                      <a:prstDash val="solid"/>
+                      <a:round/>
+                      <a:headEnd type="none" w="med" len="med"/>
+                      <a:tailEnd type="none" w="med" len="med"/>
+                    </a:lnL>
+                    <a:lnR>
+                      <a:noFill/>
+                    </a:lnR>
+                    <a:lnT w="12700" cap="flat" cmpd="sng" algn="ctr">
+                      <a:noFill/>
+                      <a:prstDash val="solid"/>
+                      <a:round/>
+                      <a:headEnd type="none" w="med" len="med"/>
+                      <a:tailEnd type="none" w="med" len="med"/>
+                    </a:lnT>
+                    <a:lnB w="12700" cap="flat" cmpd="sng" algn="ctr">
+                      <a:noFill/>
+                      <a:prstDash val="solid"/>
+                      <a:round/>
+                      <a:headEnd type="none" w="med" len="med"/>
+                      <a:tailEnd type="none" w="med" len="med"/>
+                    </a:lnB>
+                    <a:lnTlToBr w="12700" cmpd="sng">
+                      <a:noFill/>
+                      <a:prstDash val="solid"/>
+                    </a:lnTlToBr>
+                    <a:lnBlToTr w="12700" cmpd="sng">
+                      <a:noFill/>
+                      <a:prstDash val="solid"/>
+                    </a:lnBlToTr>
+                  </a:tcPr>
+                </a:tc>
+              </a:tr>
+              <a:tr h="462579">
+                <a:tc>
+                  <a:txBody>
+                    <a:bodyPr/>
+                    <a:lstStyle/>
+                    <a:p>
+                      <a:r>
+                        <a:rPr lang="en-US" sz="2400" spc="600" dirty="0" smtClean="0">
+                          <a:ln w="19050">
+                            <a:solidFill>
+                              <a:srgbClr val="D6AA26"/>
+                            </a:solidFill>
+                          </a:ln>
+                          <a:solidFill>
+                            <a:srgbClr val="D6AA26"/>
+                          </a:solidFill>
+                          <a:latin typeface="Hero" panose="02000506000000020004" pitchFamily="50" charset="0"/>
+                        </a:rPr>
+                        <a:t>ATGA</a:t>
+                      </a:r>
+                      <a:r>
+                        <a:rPr lang="en-US" sz="2400" dirty="0" smtClean="0">
+                          <a:latin typeface="Avenir 65" pitchFamily="50" charset="0"/>
+                        </a:rPr>
+                        <a:t> </a:t>
+                      </a:r>
+                      <a:endParaRPr lang="en-US" sz="2400" dirty="0"/>
+                    </a:p>
+                  </a:txBody>
+                  <a:tcPr>
+                    <a:lnL>
+                      <a:noFill/>
+                    </a:lnL>
+                    <a:lnR w="12700" cap="flat" cmpd="sng" algn="ctr">
+                      <a:noFill/>
+                      <a:prstDash val="solid"/>
+                      <a:round/>
+                      <a:headEnd type="none" w="med" len="med"/>
+                      <a:tailEnd type="none" w="med" len="med"/>
+                    </a:lnR>
+                    <a:lnT w="12700" cap="flat" cmpd="sng" algn="ctr">
+                      <a:noFill/>
+                      <a:prstDash val="solid"/>
+                      <a:round/>
+                      <a:headEnd type="none" w="med" len="med"/>
+                      <a:tailEnd type="none" w="med" len="med"/>
+                    </a:lnT>
+                    <a:lnB w="12700" cap="flat" cmpd="sng" algn="ctr">
+                      <a:noFill/>
+                      <a:prstDash val="solid"/>
+                      <a:round/>
+                      <a:headEnd type="none" w="med" len="med"/>
+                      <a:tailEnd type="none" w="med" len="med"/>
+                    </a:lnB>
+                    <a:lnTlToBr w="12700" cmpd="sng">
+                      <a:noFill/>
+                      <a:prstDash val="solid"/>
+                    </a:lnTlToBr>
+                    <a:lnBlToTr w="12700" cmpd="sng">
+                      <a:noFill/>
+                      <a:prstDash val="solid"/>
+                    </a:lnBlToTr>
+                  </a:tcPr>
+                </a:tc>
+                <a:tc>
+                  <a:txBody>
+                    <a:bodyPr/>
+                    <a:lstStyle/>
+                    <a:p>
+                      <a:pPr marL="0" marR="0" indent="0" algn="l" defTabSz="2089883" rtl="0" eaLnBrk="1" fontAlgn="auto" latinLnBrk="0" hangingPunct="1">
+                        <a:lnSpc>
+                          <a:spcPct val="100000"/>
+                        </a:lnSpc>
+                        <a:spcBef>
+                          <a:spcPts val="0"/>
+                        </a:spcBef>
+                        <a:spcAft>
+                          <a:spcPts val="0"/>
+                        </a:spcAft>
+                        <a:buClrTx/>
+                        <a:buSzTx/>
+                        <a:buFontTx/>
+                        <a:buNone/>
+                        <a:tabLst/>
+                        <a:defRPr/>
+                      </a:pPr>
+                      <a:r>
+                        <a:rPr lang="en-US" sz="2400" dirty="0" smtClean="0">
+                          <a:latin typeface="Avenir 65" pitchFamily="50" charset="0"/>
+                        </a:rPr>
+                        <a:t>x2</a:t>
+                      </a:r>
+                    </a:p>
+                  </a:txBody>
+                  <a:tcPr>
+                    <a:lnL w="12700" cap="flat" cmpd="sng" algn="ctr">
+                      <a:noFill/>
+                      <a:prstDash val="solid"/>
+                      <a:round/>
+                      <a:headEnd type="none" w="med" len="med"/>
+                      <a:tailEnd type="none" w="med" len="med"/>
+                    </a:lnL>
+                    <a:lnR>
+                      <a:noFill/>
+                    </a:lnR>
+                    <a:lnT w="12700" cap="flat" cmpd="sng" algn="ctr">
+                      <a:noFill/>
+                      <a:prstDash val="solid"/>
+                      <a:round/>
+                      <a:headEnd type="none" w="med" len="med"/>
+                      <a:tailEnd type="none" w="med" len="med"/>
+                    </a:lnT>
+                    <a:lnB w="12700" cap="flat" cmpd="sng" algn="ctr">
+                      <a:noFill/>
+                      <a:prstDash val="solid"/>
+                      <a:round/>
+                      <a:headEnd type="none" w="med" len="med"/>
+                      <a:tailEnd type="none" w="med" len="med"/>
+                    </a:lnB>
+                    <a:lnTlToBr w="12700" cmpd="sng">
+                      <a:noFill/>
+                      <a:prstDash val="solid"/>
+                    </a:lnTlToBr>
+                    <a:lnBlToTr w="12700" cmpd="sng">
+                      <a:noFill/>
+                      <a:prstDash val="solid"/>
+                    </a:lnBlToTr>
+                  </a:tcPr>
+                </a:tc>
+              </a:tr>
+              <a:tr h="462579">
+                <a:tc>
+                  <a:txBody>
+                    <a:bodyPr/>
+                    <a:lstStyle/>
+                    <a:p>
+                      <a:r>
+                        <a:rPr lang="en-US" sz="2400" spc="600" dirty="0" smtClean="0">
+                          <a:ln w="19050">
+                            <a:solidFill>
+                              <a:srgbClr val="4E8B63"/>
+                            </a:solidFill>
+                          </a:ln>
+                          <a:solidFill>
+                            <a:srgbClr val="4E8B63"/>
+                          </a:solidFill>
+                          <a:latin typeface="Hero" panose="02000506000000020004" pitchFamily="50" charset="0"/>
+                        </a:rPr>
+                        <a:t>TGAT</a:t>
+                      </a:r>
+                      <a:r>
+                        <a:rPr lang="en-US" sz="2400" dirty="0" smtClean="0">
+                          <a:latin typeface="Avenir 65" pitchFamily="50" charset="0"/>
+                        </a:rPr>
+                        <a:t> </a:t>
+                      </a:r>
+                      <a:endParaRPr lang="en-US" sz="2400" dirty="0"/>
+                    </a:p>
+                  </a:txBody>
+                  <a:tcPr>
+                    <a:lnL>
+                      <a:noFill/>
+                    </a:lnL>
+                    <a:lnR w="12700" cap="flat" cmpd="sng" algn="ctr">
+                      <a:noFill/>
+                      <a:prstDash val="solid"/>
+                      <a:round/>
+                      <a:headEnd type="none" w="med" len="med"/>
+                      <a:tailEnd type="none" w="med" len="med"/>
+                    </a:lnR>
+                    <a:lnT w="12700" cap="flat" cmpd="sng" algn="ctr">
+                      <a:noFill/>
+                      <a:prstDash val="solid"/>
+                      <a:round/>
+                      <a:headEnd type="none" w="med" len="med"/>
+                      <a:tailEnd type="none" w="med" len="med"/>
+                    </a:lnT>
+                    <a:lnB>
+                      <a:noFill/>
+                    </a:lnB>
+                    <a:lnTlToBr w="12700" cmpd="sng">
+                      <a:noFill/>
+                      <a:prstDash val="solid"/>
+                    </a:lnTlToBr>
+                    <a:lnBlToTr w="12700" cmpd="sng">
+                      <a:noFill/>
+                      <a:prstDash val="solid"/>
+                    </a:lnBlToTr>
+                  </a:tcPr>
+                </a:tc>
+                <a:tc>
+                  <a:txBody>
+                    <a:bodyPr/>
+                    <a:lstStyle/>
+                    <a:p>
+                      <a:r>
+                        <a:rPr lang="en-US" sz="2400" dirty="0" smtClean="0">
+                          <a:latin typeface="Avenir 65" pitchFamily="50" charset="0"/>
+                        </a:rPr>
+                        <a:t>x1 </a:t>
+                      </a:r>
+                      <a:endParaRPr lang="en-US" sz="2400" dirty="0"/>
+                    </a:p>
+                  </a:txBody>
+                  <a:tcPr>
+                    <a:lnL w="12700" cap="flat" cmpd="sng" algn="ctr">
+                      <a:noFill/>
+                      <a:prstDash val="solid"/>
+                      <a:round/>
+                      <a:headEnd type="none" w="med" len="med"/>
+                      <a:tailEnd type="none" w="med" len="med"/>
+                    </a:lnL>
+                    <a:lnR>
+                      <a:noFill/>
+                    </a:lnR>
+                    <a:lnT w="12700" cap="flat" cmpd="sng" algn="ctr">
+                      <a:noFill/>
+                      <a:prstDash val="solid"/>
+                      <a:round/>
+                      <a:headEnd type="none" w="med" len="med"/>
+                      <a:tailEnd type="none" w="med" len="med"/>
+                    </a:lnT>
+                    <a:lnB>
+                      <a:noFill/>
+                    </a:lnB>
+                    <a:lnTlToBr w="12700" cmpd="sng">
+                      <a:noFill/>
+                      <a:prstDash val="solid"/>
+                    </a:lnTlToBr>
+                    <a:lnBlToTr w="12700" cmpd="sng">
+                      <a:noFill/>
+                      <a:prstDash val="solid"/>
+                    </a:lnBlToTr>
+                  </a:tcPr>
+                </a:tc>
+              </a:tr>
+            </a:tbl>
+          </a:graphicData>
+        </a:graphic>
+      </p:graphicFrame>
       <p:sp>
         <p:nvSpPr>
-          <p:cNvPr id="121" name="TextBox 120"/>
-          <p:cNvSpPr txBox="1"/>
+          <p:cNvPr id="246" name="Rounded Rectangle 245"/>
+          <p:cNvSpPr/>
           <p:nvPr/>
         </p:nvSpPr>
         <p:spPr>
           <a:xfrm>
-            <a:off x="32297424" y="20693114"/>
-            <a:ext cx="914400" cy="914400"/>
+            <a:off x="21064010" y="19957285"/>
+            <a:ext cx="2765008" cy="1372985"/>
           </a:xfrm>
-          <a:prstGeom prst="rect">
+          <a:prstGeom prst="roundRect">
             <a:avLst/>
           </a:prstGeom>
           <a:noFill/>
-          <a:ln w="44450" cap="rnd">
-            <a:solidFill>
-              <a:srgbClr val="F79029"/>
-            </a:solidFill>
-          </a:ln>
         </p:spPr>
+        <p:style>
+          <a:lnRef idx="2">
+            <a:schemeClr val="dk1"/>
+          </a:lnRef>
+          <a:fillRef idx="1">
+            <a:schemeClr val="lt1"/>
+          </a:fillRef>
+          <a:effectRef idx="0">
+            <a:schemeClr val="dk1"/>
+          </a:effectRef>
+          <a:fontRef idx="minor">
+            <a:schemeClr val="dk1"/>
+          </a:fontRef>
+        </p:style>
         <p:txBody>
-          <a:bodyPr wrap="square" lIns="0" tIns="0" rIns="0" bIns="0" rtlCol="0" anchor="ctr" anchorCtr="0">
+          <a:bodyPr rot="0" spcFirstLastPara="0" vertOverflow="overflow" horzOverflow="overflow" vert="horz" wrap="square" lIns="91440" tIns="45720" rIns="91440" bIns="45720" numCol="1" spcCol="0" rtlCol="0" fromWordArt="0" anchor="ctr" anchorCtr="0" forceAA="0" compatLnSpc="1">
+            <a:prstTxWarp prst="textNoShape">
+              <a:avLst/>
+            </a:prstTxWarp>
             <a:noAutofit/>
           </a:bodyPr>
           <a:lstStyle/>
           <a:p>
             <a:pPr algn="ctr"/>
-            <a:r>
-              <a:rPr lang="en-US" sz="4400" b="1" dirty="0" smtClean="0">
-                <a:latin typeface="Avenir 65" pitchFamily="50" charset="0"/>
-              </a:rPr>
-              <a:t>7</a:t>
-            </a:r>
-            <a:endParaRPr lang="en-US" sz="4400" b="1" dirty="0" smtClean="0">
-              <a:latin typeface="Avenir 65" pitchFamily="50" charset="0"/>
-            </a:endParaRPr>
+            <a:endParaRPr lang="en-US" sz="8299" dirty="0"/>
           </a:p>
         </p:txBody>
       </p:sp>
       <p:cxnSp>
         <p:nvCxnSpPr>
-          <p:cNvPr id="122" name="Straight Connector 121"/>
+          <p:cNvPr id="248" name="Straight Arrow Connector 247"/>
           <p:cNvCxnSpPr/>
           <p:nvPr/>
         </p:nvCxnSpPr>
         <p:spPr>
-          <a:xfrm>
-            <a:off x="33211824" y="21605192"/>
-            <a:ext cx="6314912" cy="41928"/>
+          <a:xfrm flipV="1">
+            <a:off x="19391600" y="21244549"/>
+            <a:ext cx="1552398" cy="2929586"/>
+          </a:xfrm>
+          <a:prstGeom prst="straightConnector1">
+            <a:avLst/>
+          </a:prstGeom>
+          <a:ln>
+            <a:prstDash val="dash"/>
+            <a:tailEnd type="none"/>
+          </a:ln>
+        </p:spPr>
+        <p:style>
+          <a:lnRef idx="1">
+            <a:schemeClr val="dk1"/>
+          </a:lnRef>
+          <a:fillRef idx="0">
+            <a:schemeClr val="dk1"/>
+          </a:fillRef>
+          <a:effectRef idx="0">
+            <a:schemeClr val="dk1"/>
+          </a:effectRef>
+          <a:fontRef idx="minor">
+            <a:schemeClr val="tx1"/>
+          </a:fontRef>
+        </p:style>
+      </p:cxnSp>
+      <p:cxnSp>
+        <p:nvCxnSpPr>
+          <p:cNvPr id="262" name="Straight Connector 261"/>
+          <p:cNvCxnSpPr/>
+          <p:nvPr/>
+        </p:nvCxnSpPr>
+        <p:spPr>
+          <a:xfrm flipH="1">
+            <a:off x="10436246" y="19168012"/>
+            <a:ext cx="21103215" cy="0"/>
           </a:xfrm>
           <a:prstGeom prst="line">
             <a:avLst/>
           </a:prstGeom>
           <a:ln w="44450">
             <a:solidFill>
-              <a:srgbClr val="F79029"/>
+              <a:srgbClr val="4369BD"/>
             </a:solidFill>
           </a:ln>
         </p:spPr>
@@ -9688,14 +12871,14 @@
       </p:cxnSp>
       <p:sp>
         <p:nvSpPr>
-          <p:cNvPr id="123" name="TextBox 122"/>
+          <p:cNvPr id="269" name="TextBox 268"/>
           <p:cNvSpPr txBox="1"/>
           <p:nvPr/>
         </p:nvSpPr>
         <p:spPr>
           <a:xfrm>
-            <a:off x="33450495" y="20747577"/>
-            <a:ext cx="6076241" cy="757393"/>
+            <a:off x="22612605" y="11483100"/>
+            <a:ext cx="2294905" cy="1426022"/>
           </a:xfrm>
           <a:prstGeom prst="rect">
             <a:avLst/>
@@ -9712,71 +12895,191 @@
           <a:lstStyle/>
           <a:p>
             <a:r>
-              <a:rPr lang="en-US" sz="4400" dirty="0" smtClean="0">
+              <a:rPr lang="en-US" sz="2200" dirty="0" smtClean="0">
                 <a:latin typeface="Avenir 65" pitchFamily="50" charset="0"/>
               </a:rPr>
-              <a:t>Future directions</a:t>
-            </a:r>
+              <a:t>Alignment based tree in </a:t>
+            </a:r>
+            <a:r>
+              <a:rPr lang="en-US" sz="2200" dirty="0" err="1" smtClean="0">
+                <a:latin typeface="Avenir 65" pitchFamily="50" charset="0"/>
+              </a:rPr>
+              <a:t>Hatfull</a:t>
+            </a:r>
+            <a:r>
+              <a:rPr lang="en-US" sz="2200" dirty="0" smtClean="0">
+                <a:latin typeface="Avenir 65" pitchFamily="50" charset="0"/>
+              </a:rPr>
+              <a:t> </a:t>
+            </a:r>
+            <a:r>
+              <a:rPr lang="en-US" sz="2200" i="1" dirty="0" smtClean="0">
+                <a:latin typeface="Avenir 65" pitchFamily="50" charset="0"/>
+              </a:rPr>
+              <a:t>et. al</a:t>
+            </a:r>
+            <a:r>
+              <a:rPr lang="en-US" sz="2200" dirty="0" smtClean="0">
+                <a:latin typeface="Avenir 65" pitchFamily="50" charset="0"/>
+              </a:rPr>
+              <a:t> (2010)</a:t>
+            </a:r>
+            <a:endParaRPr lang="en-US" sz="2200" dirty="0">
+              <a:latin typeface="Avenir 65" pitchFamily="50" charset="0"/>
+            </a:endParaRPr>
           </a:p>
         </p:txBody>
       </p:sp>
       <p:sp>
         <p:nvSpPr>
-          <p:cNvPr id="124" name="TextBox 123"/>
+          <p:cNvPr id="270" name="TextBox 269"/>
           <p:cNvSpPr txBox="1"/>
           <p:nvPr/>
         </p:nvSpPr>
         <p:spPr>
           <a:xfrm>
-            <a:off x="32278859" y="6642460"/>
-            <a:ext cx="914400" cy="914400"/>
+            <a:off x="26371418" y="11465226"/>
+            <a:ext cx="2294905" cy="757393"/>
           </a:xfrm>
           <a:prstGeom prst="rect">
             <a:avLst/>
           </a:prstGeom>
           <a:noFill/>
-          <a:ln w="44450" cap="rnd">
-            <a:solidFill>
-              <a:srgbClr val="F79029"/>
-            </a:solidFill>
+          <a:ln>
+            <a:noFill/>
           </a:ln>
         </p:spPr>
         <p:txBody>
-          <a:bodyPr wrap="square" lIns="0" tIns="0" rIns="0" bIns="0" rtlCol="0" anchor="ctr" anchorCtr="0">
-            <a:noAutofit/>
+          <a:bodyPr wrap="square" lIns="79507" tIns="39754" rIns="79507" bIns="39754" rtlCol="0">
+            <a:spAutoFit/>
           </a:bodyPr>
           <a:lstStyle/>
           <a:p>
-            <a:pPr algn="ctr"/>
-            <a:r>
-              <a:rPr lang="en-US" sz="4400" b="1" dirty="0">
+            <a:r>
+              <a:rPr lang="en-US" sz="2200" dirty="0" smtClean="0">
                 <a:latin typeface="Avenir 65" pitchFamily="50" charset="0"/>
               </a:rPr>
-              <a:t>6</a:t>
-            </a:r>
-            <a:endParaRPr lang="en-US" sz="4400" b="1" dirty="0" smtClean="0">
+              <a:t>Our TUD based tree</a:t>
+            </a:r>
+            <a:endParaRPr lang="en-US" sz="2200" dirty="0">
               <a:latin typeface="Avenir 65" pitchFamily="50" charset="0"/>
             </a:endParaRPr>
           </a:p>
         </p:txBody>
       </p:sp>
+      <p:pic>
+        <p:nvPicPr>
+          <p:cNvPr id="165" name="Picture 164"/>
+          <p:cNvPicPr>
+            <a:picLocks noChangeAspect="1"/>
+          </p:cNvPicPr>
+          <p:nvPr/>
+        </p:nvPicPr>
+        <p:blipFill>
+          <a:blip r:embed="rId16"/>
+          <a:stretch>
+            <a:fillRect/>
+          </a:stretch>
+        </p:blipFill>
+        <p:spPr>
+          <a:xfrm>
+            <a:off x="22226964" y="13063538"/>
+            <a:ext cx="2762250" cy="2790825"/>
+          </a:xfrm>
+          <a:prstGeom prst="rect">
+            <a:avLst/>
+          </a:prstGeom>
+        </p:spPr>
+      </p:pic>
+      <p:pic>
+        <p:nvPicPr>
+          <p:cNvPr id="166" name="Picture 165"/>
+          <p:cNvPicPr>
+            <a:picLocks noChangeAspect="1"/>
+          </p:cNvPicPr>
+          <p:nvPr/>
+        </p:nvPicPr>
+        <p:blipFill>
+          <a:blip r:embed="rId17"/>
+          <a:stretch>
+            <a:fillRect/>
+          </a:stretch>
+        </p:blipFill>
+        <p:spPr>
+          <a:xfrm>
+            <a:off x="26061836" y="13373100"/>
+            <a:ext cx="2362200" cy="2171700"/>
+          </a:xfrm>
+          <a:prstGeom prst="rect">
+            <a:avLst/>
+          </a:prstGeom>
+        </p:spPr>
+      </p:pic>
+      <p:pic>
+        <p:nvPicPr>
+          <p:cNvPr id="167" name="Picture 166"/>
+          <p:cNvPicPr>
+            <a:picLocks noChangeAspect="1"/>
+          </p:cNvPicPr>
+          <p:nvPr/>
+        </p:nvPicPr>
+        <p:blipFill>
+          <a:blip r:embed="rId18"/>
+          <a:stretch>
+            <a:fillRect/>
+          </a:stretch>
+        </p:blipFill>
+        <p:spPr>
+          <a:xfrm>
+            <a:off x="22549823" y="15796734"/>
+            <a:ext cx="2028825" cy="2486025"/>
+          </a:xfrm>
+          <a:prstGeom prst="rect">
+            <a:avLst/>
+          </a:prstGeom>
+        </p:spPr>
+      </p:pic>
+      <p:pic>
+        <p:nvPicPr>
+          <p:cNvPr id="169" name="Picture 168"/>
+          <p:cNvPicPr>
+            <a:picLocks noChangeAspect="1"/>
+          </p:cNvPicPr>
+          <p:nvPr/>
+        </p:nvPicPr>
+        <p:blipFill>
+          <a:blip r:embed="rId19"/>
+          <a:stretch>
+            <a:fillRect/>
+          </a:stretch>
+        </p:blipFill>
+        <p:spPr>
+          <a:xfrm>
+            <a:off x="25775781" y="15401160"/>
+            <a:ext cx="3667125" cy="3324225"/>
+          </a:xfrm>
+          <a:prstGeom prst="rect">
+            <a:avLst/>
+          </a:prstGeom>
+        </p:spPr>
+      </p:pic>
       <p:cxnSp>
         <p:nvCxnSpPr>
-          <p:cNvPr id="125" name="Straight Connector 124"/>
+          <p:cNvPr id="275" name="Straight Connector 274"/>
           <p:cNvCxnSpPr/>
           <p:nvPr/>
         </p:nvCxnSpPr>
         <p:spPr>
           <a:xfrm>
-            <a:off x="33193259" y="7554538"/>
-            <a:ext cx="6314912" cy="41928"/>
+            <a:off x="36912581" y="7143750"/>
+            <a:ext cx="0" cy="528594"/>
           </a:xfrm>
           <a:prstGeom prst="line">
             <a:avLst/>
           </a:prstGeom>
-          <a:ln w="44450">
+          <a:ln w="19050">
             <a:solidFill>
-              <a:srgbClr val="F79029"/>
+              <a:srgbClr val="C00000"/>
             </a:solidFill>
           </a:ln>
         </p:spPr>
@@ -9795,16 +13098,127 @@
           </a:fontRef>
         </p:style>
       </p:cxnSp>
+      <p:grpSp>
+        <p:nvGrpSpPr>
+          <p:cNvPr id="171" name="Group 170"/>
+          <p:cNvGrpSpPr/>
+          <p:nvPr/>
+        </p:nvGrpSpPr>
+        <p:grpSpPr>
+          <a:xfrm>
+            <a:off x="36388712" y="7052784"/>
+            <a:ext cx="3290119" cy="1419481"/>
+            <a:chOff x="19386141" y="7064496"/>
+            <a:chExt cx="3290119" cy="1419481"/>
+          </a:xfrm>
+        </p:grpSpPr>
+        <p:sp>
+          <p:nvSpPr>
+            <p:cNvPr id="170" name="Rectangle 169"/>
+            <p:cNvSpPr/>
+            <p:nvPr/>
+          </p:nvSpPr>
+          <p:spPr>
+            <a:xfrm>
+              <a:off x="19386141" y="7064496"/>
+              <a:ext cx="3290119" cy="769441"/>
+            </a:xfrm>
+            <a:prstGeom prst="rect">
+              <a:avLst/>
+            </a:prstGeom>
+          </p:spPr>
+          <p:txBody>
+            <a:bodyPr wrap="square">
+              <a:spAutoFit/>
+            </a:bodyPr>
+            <a:lstStyle/>
+            <a:p>
+              <a:pPr>
+                <a:spcAft>
+                  <a:spcPts val="400"/>
+                </a:spcAft>
+              </a:pPr>
+              <a:r>
+                <a:rPr lang="en-US" sz="4400" spc="900" normalizeH="1" dirty="0" smtClean="0">
+                  <a:ln w="19050">
+                    <a:solidFill>
+                      <a:schemeClr val="tx1"/>
+                    </a:solidFill>
+                  </a:ln>
+                  <a:latin typeface="Hero" panose="02000506000000020004" pitchFamily="50" charset="0"/>
+                </a:rPr>
+                <a:t>GGATCC</a:t>
+              </a:r>
+              <a:endParaRPr lang="en-US" sz="4400" spc="900" normalizeH="1" dirty="0">
+                <a:ln w="19050">
+                  <a:solidFill>
+                    <a:schemeClr val="tx1"/>
+                  </a:solidFill>
+                </a:ln>
+                <a:latin typeface="Hero" panose="02000506000000020004" pitchFamily="50" charset="0"/>
+              </a:endParaRPr>
+            </a:p>
+          </p:txBody>
+        </p:sp>
+        <p:sp>
+          <p:nvSpPr>
+            <p:cNvPr id="277" name="Rectangle 276"/>
+            <p:cNvSpPr/>
+            <p:nvPr/>
+          </p:nvSpPr>
+          <p:spPr>
+            <a:xfrm>
+              <a:off x="19386141" y="7714536"/>
+              <a:ext cx="3290119" cy="769441"/>
+            </a:xfrm>
+            <a:prstGeom prst="rect">
+              <a:avLst/>
+            </a:prstGeom>
+          </p:spPr>
+          <p:txBody>
+            <a:bodyPr wrap="square">
+              <a:spAutoFit/>
+            </a:bodyPr>
+            <a:lstStyle/>
+            <a:p>
+              <a:pPr>
+                <a:spcAft>
+                  <a:spcPts val="400"/>
+                </a:spcAft>
+              </a:pPr>
+              <a:r>
+                <a:rPr lang="en-US" sz="4400" spc="900" normalizeH="1" dirty="0" smtClean="0">
+                  <a:ln w="19050">
+                    <a:solidFill>
+                      <a:schemeClr val="tx1"/>
+                    </a:solidFill>
+                  </a:ln>
+                  <a:latin typeface="Hero" panose="02000506000000020004" pitchFamily="50" charset="0"/>
+                </a:rPr>
+                <a:t>CCTAGG</a:t>
+              </a:r>
+              <a:endParaRPr lang="en-US" sz="4400" spc="900" normalizeH="1" dirty="0">
+                <a:ln w="19050">
+                  <a:solidFill>
+                    <a:schemeClr val="tx1"/>
+                  </a:solidFill>
+                </a:ln>
+                <a:latin typeface="Hero" panose="02000506000000020004" pitchFamily="50" charset="0"/>
+              </a:endParaRPr>
+            </a:p>
+          </p:txBody>
+        </p:sp>
+      </p:grpSp>
       <p:sp>
         <p:nvSpPr>
-          <p:cNvPr id="126" name="TextBox 125"/>
+          <p:cNvPr id="279" name="TextBox 278"/>
           <p:cNvSpPr txBox="1"/>
           <p:nvPr/>
         </p:nvSpPr>
         <p:spPr>
           <a:xfrm>
-            <a:off x="33431930" y="6696923"/>
-            <a:ext cx="6076241" cy="757393"/>
+            <a:off x="24971506" y="5490480"/>
+            <a:ext cx="7130800" cy="1095947"/>
           </a:xfrm>
           <a:prstGeom prst="rect">
             <a:avLst/>
@@ -9821,318 +13235,119 @@
           <a:lstStyle/>
           <a:p>
             <a:r>
-              <a:rPr lang="en-US" sz="4400" dirty="0" smtClean="0">
+              <a:rPr lang="en-US" sz="2200" dirty="0">
                 <a:latin typeface="Avenir 65" pitchFamily="50" charset="0"/>
               </a:rPr>
-              <a:t>Conclusions</a:t>
+              <a:t>Cluster B3 phage aren’t closely related to other members of cluster B. We investigated what specific tetranucleotides are responsible for this. </a:t>
             </a:r>
           </a:p>
         </p:txBody>
       </p:sp>
-      <p:grpSp>
-        <p:nvGrpSpPr>
-          <p:cNvPr id="110" name="Group 109"/>
-          <p:cNvGrpSpPr/>
+      <p:cxnSp>
+        <p:nvCxnSpPr>
+          <p:cNvPr id="284" name="Straight Connector 283"/>
+          <p:cNvCxnSpPr/>
           <p:nvPr/>
-        </p:nvGrpSpPr>
-        <p:grpSpPr>
-          <a:xfrm>
-            <a:off x="18027270" y="25589815"/>
-            <a:ext cx="6161464" cy="3939045"/>
-            <a:chOff x="18027270" y="25589815"/>
-            <a:chExt cx="6161464" cy="3939045"/>
+        </p:nvCxnSpPr>
+        <p:spPr>
+          <a:xfrm flipH="1">
+            <a:off x="36902730" y="7672344"/>
+            <a:ext cx="1902120" cy="0"/>
           </a:xfrm>
-        </p:grpSpPr>
-        <p:pic>
-          <p:nvPicPr>
-            <p:cNvPr id="93" name="Picture 92"/>
-            <p:cNvPicPr>
-              <a:picLocks noChangeAspect="1"/>
-            </p:cNvPicPr>
-            <p:nvPr/>
-          </p:nvPicPr>
-          <p:blipFill rotWithShape="1">
-            <a:blip r:embed="rId8">
-              <a:extLst>
-                <a:ext uri="{28A0092B-C50C-407E-A947-70E740481C1C}">
-                  <a14:useLocalDpi xmlns:a14="http://schemas.microsoft.com/office/drawing/2010/main" val="0"/>
-                </a:ext>
-              </a:extLst>
-            </a:blip>
-            <a:srcRect l="-5" r="93" b="98488"/>
-            <a:stretch/>
-          </p:blipFill>
-          <p:spPr>
-            <a:xfrm>
-              <a:off x="18124400" y="25589815"/>
-              <a:ext cx="6064334" cy="3939045"/>
-            </a:xfrm>
-            <a:prstGeom prst="rect">
-              <a:avLst/>
-            </a:prstGeom>
-          </p:spPr>
-        </p:pic>
-        <p:sp>
-          <p:nvSpPr>
-            <p:cNvPr id="108" name="TextBox 107"/>
-            <p:cNvSpPr txBox="1"/>
-            <p:nvPr/>
-          </p:nvSpPr>
-          <p:spPr>
-            <a:xfrm>
-              <a:off x="18027270" y="25799865"/>
-              <a:ext cx="4970800" cy="338554"/>
-            </a:xfrm>
-            <a:prstGeom prst="rect">
-              <a:avLst/>
-            </a:prstGeom>
+          <a:prstGeom prst="line">
+            <a:avLst/>
+          </a:prstGeom>
+          <a:ln w="19050">
             <a:solidFill>
-              <a:schemeClr val="bg1"/>
+              <a:srgbClr val="C00000"/>
             </a:solidFill>
-          </p:spPr>
-          <p:txBody>
-            <a:bodyPr wrap="square" rtlCol="0">
-              <a:spAutoFit/>
-            </a:bodyPr>
-            <a:lstStyle/>
-            <a:p>
-              <a:r>
-                <a:rPr lang="en-US" sz="1600" dirty="0" smtClean="0"/>
-                <a:t>	70000</a:t>
-              </a:r>
-              <a:endParaRPr lang="en-US" sz="1600" dirty="0"/>
-            </a:p>
-          </p:txBody>
-        </p:sp>
-        <p:sp>
-          <p:nvSpPr>
-            <p:cNvPr id="128" name="TextBox 127"/>
-            <p:cNvSpPr txBox="1"/>
-            <p:nvPr/>
-          </p:nvSpPr>
-          <p:spPr>
-            <a:xfrm>
-              <a:off x="22914003" y="25799865"/>
-              <a:ext cx="1253150" cy="114447"/>
-            </a:xfrm>
-            <a:prstGeom prst="rect">
-              <a:avLst/>
-            </a:prstGeom>
-            <a:solidFill>
-              <a:schemeClr val="bg1"/>
-            </a:solidFill>
-          </p:spPr>
-          <p:txBody>
-            <a:bodyPr wrap="square" rtlCol="0">
-              <a:spAutoFit/>
-            </a:bodyPr>
-            <a:lstStyle/>
-            <a:p>
-              <a:endParaRPr lang="en-US" sz="1600" dirty="0"/>
-            </a:p>
-          </p:txBody>
-        </p:sp>
-      </p:grpSp>
-      <p:grpSp>
-        <p:nvGrpSpPr>
-          <p:cNvPr id="115" name="Group 114"/>
-          <p:cNvGrpSpPr/>
+          </a:ln>
+        </p:spPr>
+        <p:style>
+          <a:lnRef idx="1">
+            <a:schemeClr val="dk1"/>
+          </a:lnRef>
+          <a:fillRef idx="0">
+            <a:schemeClr val="dk1"/>
+          </a:fillRef>
+          <a:effectRef idx="0">
+            <a:schemeClr val="dk1"/>
+          </a:effectRef>
+          <a:fontRef idx="minor">
+            <a:schemeClr val="tx1"/>
+          </a:fontRef>
+        </p:style>
+      </p:cxnSp>
+      <p:cxnSp>
+        <p:nvCxnSpPr>
+          <p:cNvPr id="287" name="Straight Connector 286"/>
+          <p:cNvCxnSpPr/>
           <p:nvPr/>
-        </p:nvGrpSpPr>
-        <p:grpSpPr>
-          <a:xfrm>
-            <a:off x="25006512" y="25589815"/>
-            <a:ext cx="6032300" cy="3773945"/>
-            <a:chOff x="25006512" y="25589815"/>
-            <a:chExt cx="6032300" cy="3773945"/>
-          </a:xfrm>
-        </p:grpSpPr>
-        <p:pic>
-          <p:nvPicPr>
-            <p:cNvPr id="1034" name="Picture 10" descr="http://zlab.bu.edu/~mfrith/cgi_out/rf_pic22996.png"/>
-            <p:cNvPicPr>
-              <a:picLocks noChangeAspect="1" noChangeArrowheads="1"/>
-            </p:cNvPicPr>
-            <p:nvPr/>
-          </p:nvPicPr>
-          <p:blipFill rotWithShape="1">
-            <a:blip r:embed="rId9">
-              <a:extLst>
-                <a:ext uri="{28A0092B-C50C-407E-A947-70E740481C1C}">
-                  <a14:useLocalDpi xmlns:a14="http://schemas.microsoft.com/office/drawing/2010/main" val="0"/>
-                </a:ext>
-              </a:extLst>
-            </a:blip>
-            <a:srcRect b="96083"/>
-            <a:stretch/>
-          </p:blipFill>
-          <p:spPr bwMode="auto">
-            <a:xfrm>
-              <a:off x="25006512" y="25589815"/>
-              <a:ext cx="6032300" cy="3773945"/>
-            </a:xfrm>
-            <a:prstGeom prst="rect">
-              <a:avLst/>
-            </a:prstGeom>
-            <a:noFill/>
-            <a:extLst>
-              <a:ext uri="{909E8E84-426E-40DD-AFC4-6F175D3DCCD1}">
-                <a14:hiddenFill xmlns:a14="http://schemas.microsoft.com/office/drawing/2010/main">
-                  <a:solidFill>
-                    <a:srgbClr val="FFFFFF"/>
-                  </a:solidFill>
-                </a14:hiddenFill>
-              </a:ext>
-            </a:extLst>
-          </p:spPr>
-        </p:pic>
-        <p:sp>
-          <p:nvSpPr>
-            <p:cNvPr id="130" name="TextBox 129"/>
-            <p:cNvSpPr txBox="1"/>
-            <p:nvPr/>
-          </p:nvSpPr>
-          <p:spPr>
-            <a:xfrm>
-              <a:off x="25356517" y="25799865"/>
-              <a:ext cx="4970800" cy="338554"/>
-            </a:xfrm>
-            <a:prstGeom prst="rect">
-              <a:avLst/>
-            </a:prstGeom>
-            <a:solidFill>
-              <a:schemeClr val="bg1"/>
-            </a:solidFill>
-          </p:spPr>
-          <p:txBody>
-            <a:bodyPr wrap="square" rtlCol="0">
-              <a:spAutoFit/>
-            </a:bodyPr>
-            <a:lstStyle/>
-            <a:p>
-              <a:r>
-                <a:rPr lang="en-US" sz="1600" dirty="0" smtClean="0"/>
-                <a:t>	74000</a:t>
-              </a:r>
-              <a:endParaRPr lang="en-US" sz="1600" dirty="0"/>
-            </a:p>
-          </p:txBody>
-        </p:sp>
-        <p:sp>
-          <p:nvSpPr>
-            <p:cNvPr id="131" name="TextBox 130"/>
-            <p:cNvSpPr txBox="1"/>
-            <p:nvPr/>
-          </p:nvSpPr>
-          <p:spPr>
-            <a:xfrm>
-              <a:off x="30291488" y="25772348"/>
-              <a:ext cx="729601" cy="338554"/>
-            </a:xfrm>
-            <a:prstGeom prst="rect">
-              <a:avLst/>
-            </a:prstGeom>
-            <a:solidFill>
-              <a:schemeClr val="bg1"/>
-            </a:solidFill>
-          </p:spPr>
-          <p:txBody>
-            <a:bodyPr wrap="square" rtlCol="0">
-              <a:spAutoFit/>
-            </a:bodyPr>
-            <a:lstStyle/>
-            <a:p>
-              <a:r>
-                <a:rPr lang="en-US" sz="1600" dirty="0" smtClean="0"/>
-                <a:t>76000</a:t>
-              </a:r>
-              <a:endParaRPr lang="en-US" sz="1600" dirty="0"/>
-            </a:p>
-          </p:txBody>
-        </p:sp>
-      </p:grpSp>
-      <p:sp>
-        <p:nvSpPr>
-          <p:cNvPr id="134" name="TextBox 133"/>
-          <p:cNvSpPr txBox="1"/>
-          <p:nvPr/>
-        </p:nvSpPr>
+        </p:nvCxnSpPr>
         <p:spPr>
           <a:xfrm>
-            <a:off x="32269960" y="25051836"/>
-            <a:ext cx="9265532" cy="2173165"/>
+            <a:off x="38801044" y="7672344"/>
+            <a:ext cx="0" cy="580632"/>
           </a:xfrm>
-          <a:prstGeom prst="rect">
+          <a:prstGeom prst="line">
             <a:avLst/>
           </a:prstGeom>
-          <a:noFill/>
-          <a:ln w="3175">
-            <a:noFill/>
+          <a:ln w="19050">
+            <a:solidFill>
+              <a:srgbClr val="C00000"/>
+            </a:solidFill>
           </a:ln>
         </p:spPr>
-        <p:txBody>
-          <a:bodyPr wrap="square" lIns="79507" tIns="39754" rIns="79507" bIns="39754" rtlCol="0">
-            <a:spAutoFit/>
-          </a:bodyPr>
-          <a:lstStyle/>
-          <a:p>
-            <a:r>
-              <a:rPr lang="en-US" sz="4000" dirty="0" smtClean="0">
-                <a:solidFill>
-                  <a:srgbClr val="F79029"/>
-                </a:solidFill>
-                <a:latin typeface="Avenir 65" pitchFamily="50" charset="0"/>
-              </a:rPr>
-              <a:t>Additional information:</a:t>
-            </a:r>
-          </a:p>
-          <a:p>
-            <a:r>
-              <a:rPr lang="en-US" sz="3200" dirty="0" smtClean="0">
-                <a:latin typeface="Avenir 65" pitchFamily="50" charset="0"/>
-              </a:rPr>
-              <a:t>Source code and processed data is available at</a:t>
-            </a:r>
-          </a:p>
-          <a:p>
-            <a:r>
-              <a:rPr lang="en-US" sz="3200" dirty="0" smtClean="0">
-                <a:latin typeface="Avenir 65" pitchFamily="50" charset="0"/>
-              </a:rPr>
-              <a:t>Github.com/</a:t>
-            </a:r>
-            <a:r>
-              <a:rPr lang="en-US" sz="3200" dirty="0" err="1" smtClean="0">
-                <a:latin typeface="Avenir 65" pitchFamily="50" charset="0"/>
-              </a:rPr>
-              <a:t>bsiranosian</a:t>
-            </a:r>
-            <a:r>
-              <a:rPr lang="en-US" sz="3200" dirty="0" smtClean="0">
-                <a:latin typeface="Avenir 65" pitchFamily="50" charset="0"/>
-              </a:rPr>
-              <a:t>/</a:t>
-            </a:r>
-            <a:r>
-              <a:rPr lang="en-US" sz="3200" dirty="0" err="1" smtClean="0">
-                <a:latin typeface="Avenir 65" pitchFamily="50" charset="0"/>
-              </a:rPr>
-              <a:t>tago</a:t>
-            </a:r>
-            <a:endParaRPr lang="en-US" sz="3200" dirty="0" smtClean="0">
-              <a:latin typeface="Avenir 65" pitchFamily="50" charset="0"/>
-            </a:endParaRPr>
-          </a:p>
-          <a:p>
-            <a:r>
-              <a:rPr lang="en-US" sz="3200" dirty="0" smtClean="0">
-                <a:latin typeface="Avenir 65" pitchFamily="50" charset="0"/>
-              </a:rPr>
-              <a:t>Bsiranosian.com</a:t>
-            </a:r>
-          </a:p>
-        </p:txBody>
-      </p:sp>
+        <p:style>
+          <a:lnRef idx="1">
+            <a:schemeClr val="dk1"/>
+          </a:lnRef>
+          <a:fillRef idx="0">
+            <a:schemeClr val="dk1"/>
+          </a:fillRef>
+          <a:effectRef idx="0">
+            <a:schemeClr val="dk1"/>
+          </a:effectRef>
+          <a:fontRef idx="minor">
+            <a:schemeClr val="tx1"/>
+          </a:fontRef>
+        </p:style>
+      </p:cxnSp>
+      <p:cxnSp>
+        <p:nvCxnSpPr>
+          <p:cNvPr id="292" name="Straight Connector 291"/>
+          <p:cNvCxnSpPr/>
+          <p:nvPr/>
+        </p:nvCxnSpPr>
+        <p:spPr>
+          <a:xfrm flipH="1">
+            <a:off x="31920427" y="13756923"/>
+            <a:ext cx="9944606" cy="0"/>
+          </a:xfrm>
+          <a:prstGeom prst="line">
+            <a:avLst/>
+          </a:prstGeom>
+          <a:ln w="44450">
+            <a:solidFill>
+              <a:srgbClr val="4369BD"/>
+            </a:solidFill>
+          </a:ln>
+        </p:spPr>
+        <p:style>
+          <a:lnRef idx="1">
+            <a:schemeClr val="dk1"/>
+          </a:lnRef>
+          <a:fillRef idx="0">
+            <a:schemeClr val="dk1"/>
+          </a:fillRef>
+          <a:effectRef idx="0">
+            <a:schemeClr val="dk1"/>
+          </a:effectRef>
+          <a:fontRef idx="minor">
+            <a:schemeClr val="tx1"/>
+          </a:fontRef>
+        </p:style>
+      </p:cxnSp>
     </p:spTree>
   </p:cSld>
   <p:clrMapOvr>

--- a/writing/Tetranucleotide usage poster draft.pptx
+++ b/writing/Tetranucleotide usage poster draft.pptx
@@ -108,14 +108,23 @@
     </a:lvl9pPr>
   </p:defaultTextStyle>
   <p:extLst>
+    <p:ext uri="{521415D9-36F7-43E2-AB2F-B90AF26B5E84}">
+      <p14:sectionLst xmlns:p14="http://schemas.microsoft.com/office/powerpoint/2010/main">
+        <p14:section name="Untitled Section" id="{B06B8844-9F9B-407C-8BA6-259D59E14C39}">
+          <p14:sldIdLst>
+            <p14:sldId id="256"/>
+          </p14:sldIdLst>
+        </p14:section>
+      </p14:sectionLst>
+    </p:ext>
     <p:ext uri="{EFAFB233-063F-42B5-8137-9DF3F51BA10A}">
       <p15:sldGuideLst xmlns:p15="http://schemas.microsoft.com/office/powerpoint/2012/main">
-        <p15:guide id="1" orient="horz" pos="9792" userDrawn="1">
+        <p15:guide id="1" orient="horz" pos="9792">
           <p15:clr>
             <a:srgbClr val="A4A3A4"/>
           </p15:clr>
         </p15:guide>
-        <p15:guide id="2" pos="13248" userDrawn="1">
+        <p15:guide id="2" pos="13248">
           <p15:clr>
             <a:srgbClr val="A4A3A4"/>
           </p15:clr>
@@ -160,29 +169,25 @@
               </a:defRPr>
             </a:pPr>
             <a:r>
-              <a:rPr lang="en-US" sz="2000" dirty="0" smtClean="0"/>
-              <a:t>Tetranucleotide </a:t>
-            </a:r>
-            <a:r>
-              <a:rPr lang="en-US" sz="2000" dirty="0"/>
-              <a:t>Difference Index in cluster L</a:t>
-            </a:r>
-            <a:r>
-              <a:rPr lang="en-US" sz="2000" baseline="0" dirty="0"/>
+              <a:rPr lang="en-US" sz="1800"/>
+              <a:t>Tetranuleotide Difference Index in cluster L</a:t>
+            </a:r>
+            <a:r>
+              <a:rPr lang="en-US" sz="1800" baseline="0"/>
               <a:t> genomes </a:t>
             </a:r>
             <a:br>
-              <a:rPr lang="en-US" sz="2000" baseline="0" dirty="0"/>
+              <a:rPr lang="en-US" sz="1800" baseline="0"/>
             </a:br>
             <a:r>
-              <a:rPr lang="en-US" sz="2000" baseline="0" dirty="0"/>
+              <a:rPr lang="en-US" sz="1800" baseline="0"/>
               <a:t> </a:t>
             </a:r>
             <a:r>
-              <a:rPr lang="en-US" sz="1600" baseline="0" dirty="0"/>
+              <a:rPr lang="en-US" baseline="0"/>
               <a:t>(2500bp window, 500bp step size)</a:t>
             </a:r>
-            <a:endParaRPr lang="en-US" sz="1600" dirty="0"/>
+            <a:endParaRPr lang="en-US"/>
           </a:p>
         </c:rich>
       </c:tx>
@@ -190,8 +195,8 @@
         <c:manualLayout>
           <c:xMode val="edge"/>
           <c:yMode val="edge"/>
-          <c:x val="0.17817990354085966"/>
-          <c:y val="2.6015831338512048E-2"/>
+          <c:x val="0.21707454704876333"/>
+          <c:y val="1.6666666666666666E-2"/>
         </c:manualLayout>
       </c:layout>
       <c:overlay val="0"/>
@@ -230,9 +235,9 @@
           <c:layoutTarget val="inner"/>
           <c:xMode val="edge"/>
           <c:yMode val="edge"/>
-          <c:x val="7.689814189855039E-2"/>
+          <c:x val="6.7109648780120781E-2"/>
           <c:y val="0.16237379702537186"/>
-          <c:w val="0.89328188101694039"/>
+          <c:w val="0.90307037419661018"/>
           <c:h val="0.6809625984251968"/>
         </c:manualLayout>
       </c:layout>
@@ -256,7 +261,7 @@
           <c:spPr>
             <a:ln w="28575" cap="rnd">
               <a:solidFill>
-                <a:srgbClr val="C7474E"/>
+                <a:srgbClr val="4369BD"/>
               </a:solidFill>
               <a:round/>
             </a:ln>
@@ -1193,7 +1198,7 @@
           <c:spPr>
             <a:ln w="28575" cap="rnd">
               <a:solidFill>
-                <a:srgbClr val="4E8B63"/>
+                <a:srgbClr val="B5CF72"/>
               </a:solidFill>
               <a:round/>
             </a:ln>
@@ -2139,7 +2144,7 @@
           <c:spPr>
             <a:ln w="28575" cap="rnd">
               <a:solidFill>
-                <a:srgbClr val="D6AA26"/>
+                <a:srgbClr val="F79029"/>
               </a:solidFill>
               <a:bevel/>
             </a:ln>
@@ -3094,7 +3099,7 @@
               <a:lstStyle/>
               <a:p>
                 <a:pPr>
-                  <a:defRPr sz="1800" b="0" i="0" u="none" strike="noStrike" kern="1200" baseline="0">
+                  <a:defRPr sz="1600" b="0" i="0" u="none" strike="noStrike" kern="1200" baseline="0">
                     <a:solidFill>
                       <a:schemeClr val="tx1">
                         <a:lumMod val="65000"/>
@@ -3107,20 +3112,13 @@
                   </a:defRPr>
                 </a:pPr>
                 <a:r>
-                  <a:rPr lang="en-US" sz="1800" dirty="0"/>
+                  <a:rPr lang="en-US" sz="1600"/>
                   <a:t>Genomic Position</a:t>
                 </a:r>
               </a:p>
             </c:rich>
           </c:tx>
-          <c:layout>
-            <c:manualLayout>
-              <c:xMode val="edge"/>
-              <c:yMode val="edge"/>
-              <c:x val="0.40079581011633258"/>
-              <c:y val="0.92090330390991104"/>
-            </c:manualLayout>
-          </c:layout>
+          <c:layout/>
           <c:overlay val="0"/>
           <c:spPr>
             <a:noFill/>
@@ -3134,7 +3132,7 @@
             <a:lstStyle/>
             <a:p>
               <a:pPr>
-                <a:defRPr sz="1800" b="0" i="0" u="none" strike="noStrike" kern="1200" baseline="0">
+                <a:defRPr sz="1600" b="0" i="0" u="none" strike="noStrike" kern="1200" baseline="0">
                   <a:solidFill>
                     <a:schemeClr val="tx1">
                       <a:lumMod val="65000"/>
@@ -3171,7 +3169,7 @@
           <a:lstStyle/>
           <a:p>
             <a:pPr>
-              <a:defRPr sz="1600" b="0" i="0" u="none" strike="noStrike" kern="1200" baseline="0">
+              <a:defRPr sz="1200" b="0" i="0" u="none" strike="noStrike" kern="1200" baseline="0">
                 <a:solidFill>
                   <a:schemeClr val="tx1">
                     <a:lumMod val="65000"/>
@@ -3225,7 +3223,7 @@
               <a:lstStyle/>
               <a:p>
                 <a:pPr>
-                  <a:defRPr sz="1800" b="0" i="0" u="none" strike="noStrike" kern="1200" baseline="0">
+                  <a:defRPr sz="1600" b="0" i="0" u="none" strike="noStrike" kern="1200" baseline="0">
                     <a:solidFill>
                       <a:schemeClr val="tx1">
                         <a:lumMod val="65000"/>
@@ -3238,7 +3236,7 @@
                   </a:defRPr>
                 </a:pPr>
                 <a:r>
-                  <a:rPr lang="en-US" sz="1800" dirty="0"/>
+                  <a:rPr lang="en-US" sz="1600"/>
                   <a:t>TDI Z-Score</a:t>
                 </a:r>
               </a:p>
@@ -3258,7 +3256,7 @@
             <a:lstStyle/>
             <a:p>
               <a:pPr>
-                <a:defRPr sz="1800" b="0" i="0" u="none" strike="noStrike" kern="1200" baseline="0">
+                <a:defRPr sz="1600" b="0" i="0" u="none" strike="noStrike" kern="1200" baseline="0">
                   <a:solidFill>
                     <a:schemeClr val="tx1">
                       <a:lumMod val="65000"/>
@@ -3290,7 +3288,7 @@
           <a:lstStyle/>
           <a:p>
             <a:pPr>
-              <a:defRPr sz="1600" b="0" i="0" u="none" strike="noStrike" kern="1200" baseline="0">
+              <a:defRPr sz="1400" b="0" i="0" u="none" strike="noStrike" kern="1200" baseline="0">
                 <a:solidFill>
                   <a:schemeClr val="tx1">
                     <a:lumMod val="65000"/>
@@ -3342,7 +3340,7 @@
         <a:lstStyle/>
         <a:p>
           <a:pPr>
-            <a:defRPr sz="1600" b="0" i="0" u="none" strike="noStrike" kern="1200" baseline="0">
+            <a:defRPr sz="1400" b="0" i="0" u="none" strike="noStrike" kern="1200" baseline="0">
               <a:solidFill>
                 <a:schemeClr val="tx1">
                   <a:lumMod val="65000"/>
@@ -4318,12 +4316,7 @@
             <p:ph type="sldImg"/>
           </p:nvPr>
         </p:nvSpPr>
-        <p:spPr>
-          <a:xfrm>
-            <a:off x="1109663" y="685800"/>
-            <a:ext cx="4638675" cy="3429000"/>
-          </a:xfrm>
-        </p:spPr>
+        <p:spPr/>
       </p:sp>
       <p:sp>
         <p:nvSpPr>
@@ -4409,7 +4402,7 @@
         </p:nvSpPr>
         <p:spPr>
           <a:xfrm>
-            <a:off x="3154680" y="9657933"/>
+            <a:off x="3154680" y="9657929"/>
             <a:ext cx="35753040" cy="6664113"/>
           </a:xfrm>
         </p:spPr>
@@ -4454,7 +4447,7 @@
                 </a:solidFill>
               </a:defRPr>
             </a:lvl1pPr>
-            <a:lvl2pPr marL="2089594" indent="0" algn="ctr">
+            <a:lvl2pPr marL="2089883" indent="0" algn="ctr">
               <a:buNone/>
               <a:defRPr>
                 <a:solidFill>
@@ -4464,7 +4457,7 @@
                 </a:solidFill>
               </a:defRPr>
             </a:lvl2pPr>
-            <a:lvl3pPr marL="4179186" indent="0" algn="ctr">
+            <a:lvl3pPr marL="4179766" indent="0" algn="ctr">
               <a:buNone/>
               <a:defRPr>
                 <a:solidFill>
@@ -4474,7 +4467,7 @@
                 </a:solidFill>
               </a:defRPr>
             </a:lvl3pPr>
-            <a:lvl4pPr marL="6268781" indent="0" algn="ctr">
+            <a:lvl4pPr marL="6269650" indent="0" algn="ctr">
               <a:buNone/>
               <a:defRPr>
                 <a:solidFill>
@@ -4484,7 +4477,7 @@
                 </a:solidFill>
               </a:defRPr>
             </a:lvl4pPr>
-            <a:lvl5pPr marL="8358375" indent="0" algn="ctr">
+            <a:lvl5pPr marL="8359533" indent="0" algn="ctr">
               <a:buNone/>
               <a:defRPr>
                 <a:solidFill>
@@ -4494,7 +4487,7 @@
                 </a:solidFill>
               </a:defRPr>
             </a:lvl5pPr>
-            <a:lvl6pPr marL="10447969" indent="0" algn="ctr">
+            <a:lvl6pPr marL="10449417" indent="0" algn="ctr">
               <a:buNone/>
               <a:defRPr>
                 <a:solidFill>
@@ -4504,7 +4497,7 @@
                 </a:solidFill>
               </a:defRPr>
             </a:lvl6pPr>
-            <a:lvl7pPr marL="12537562" indent="0" algn="ctr">
+            <a:lvl7pPr marL="12539300" indent="0" algn="ctr">
               <a:buNone/>
               <a:defRPr>
                 <a:solidFill>
@@ -4514,7 +4507,7 @@
                 </a:solidFill>
               </a:defRPr>
             </a:lvl7pPr>
-            <a:lvl8pPr marL="14627157" indent="0" algn="ctr">
+            <a:lvl8pPr marL="14629184" indent="0" algn="ctr">
               <a:buNone/>
               <a:defRPr>
                 <a:solidFill>
@@ -4524,7 +4517,7 @@
                 </a:solidFill>
               </a:defRPr>
             </a:lvl8pPr>
-            <a:lvl9pPr marL="16716751" indent="0" algn="ctr">
+            <a:lvl9pPr marL="16719067" indent="0" algn="ctr">
               <a:buNone/>
               <a:defRPr>
                 <a:solidFill>
@@ -4815,7 +4808,7 @@
         </p:nvSpPr>
         <p:spPr>
           <a:xfrm>
-            <a:off x="170776273" y="5973233"/>
+            <a:off x="170776265" y="5973233"/>
             <a:ext cx="52994245" cy="127330625"/>
           </a:xfrm>
         </p:spPr>
@@ -5167,7 +5160,7 @@
           <a:bodyPr anchor="t"/>
           <a:lstStyle>
             <a:lvl1pPr algn="l">
-              <a:defRPr sz="18298" b="1" cap="all"/>
+              <a:defRPr sz="18300" b="1" cap="all"/>
             </a:lvl1pPr>
           </a:lstStyle>
           <a:p>
@@ -5200,7 +5193,7 @@
           <a:lstStyle>
             <a:lvl1pPr marL="0" indent="0">
               <a:buNone/>
-              <a:defRPr sz="9098">
+              <a:defRPr sz="9100">
                 <a:solidFill>
                   <a:schemeClr val="tx1">
                     <a:tint val="75000"/>
@@ -5208,9 +5201,9 @@
                 </a:solidFill>
               </a:defRPr>
             </a:lvl1pPr>
-            <a:lvl2pPr marL="2089594" indent="0">
+            <a:lvl2pPr marL="2089883" indent="0">
               <a:buNone/>
-              <a:defRPr sz="8299">
+              <a:defRPr sz="8300">
                 <a:solidFill>
                   <a:schemeClr val="tx1">
                     <a:tint val="75000"/>
@@ -5218,9 +5211,9 @@
                 </a:solidFill>
               </a:defRPr>
             </a:lvl2pPr>
-            <a:lvl3pPr marL="4179186" indent="0">
+            <a:lvl3pPr marL="4179766" indent="0">
               <a:buNone/>
-              <a:defRPr sz="7298">
+              <a:defRPr sz="7300">
                 <a:solidFill>
                   <a:schemeClr val="tx1">
                     <a:tint val="75000"/>
@@ -5228,9 +5221,9 @@
                 </a:solidFill>
               </a:defRPr>
             </a:lvl3pPr>
-            <a:lvl4pPr marL="6268781" indent="0">
+            <a:lvl4pPr marL="6269650" indent="0">
               <a:buNone/>
-              <a:defRPr sz="6398">
+              <a:defRPr sz="6400">
                 <a:solidFill>
                   <a:schemeClr val="tx1">
                     <a:tint val="75000"/>
@@ -5238,9 +5231,9 @@
                 </a:solidFill>
               </a:defRPr>
             </a:lvl4pPr>
-            <a:lvl5pPr marL="8358375" indent="0">
+            <a:lvl5pPr marL="8359533" indent="0">
               <a:buNone/>
-              <a:defRPr sz="6398">
+              <a:defRPr sz="6400">
                 <a:solidFill>
                   <a:schemeClr val="tx1">
                     <a:tint val="75000"/>
@@ -5248,9 +5241,9 @@
                 </a:solidFill>
               </a:defRPr>
             </a:lvl5pPr>
-            <a:lvl6pPr marL="10447969" indent="0">
+            <a:lvl6pPr marL="10449417" indent="0">
               <a:buNone/>
-              <a:defRPr sz="6398">
+              <a:defRPr sz="6400">
                 <a:solidFill>
                   <a:schemeClr val="tx1">
                     <a:tint val="75000"/>
@@ -5258,9 +5251,9 @@
                 </a:solidFill>
               </a:defRPr>
             </a:lvl6pPr>
-            <a:lvl7pPr marL="12537562" indent="0">
+            <a:lvl7pPr marL="12539300" indent="0">
               <a:buNone/>
-              <a:defRPr sz="6398">
+              <a:defRPr sz="6400">
                 <a:solidFill>
                   <a:schemeClr val="tx1">
                     <a:tint val="75000"/>
@@ -5268,9 +5261,9 @@
                 </a:solidFill>
               </a:defRPr>
             </a:lvl7pPr>
-            <a:lvl8pPr marL="14627157" indent="0">
+            <a:lvl8pPr marL="14629184" indent="0">
               <a:buNone/>
-              <a:defRPr sz="6398">
+              <a:defRPr sz="6400">
                 <a:solidFill>
                   <a:schemeClr val="tx1">
                     <a:tint val="75000"/>
@@ -5278,9 +5271,9 @@
                 </a:solidFill>
               </a:defRPr>
             </a:lvl8pPr>
-            <a:lvl9pPr marL="16716751" indent="0">
+            <a:lvl9pPr marL="16719067" indent="0">
               <a:buNone/>
-              <a:defRPr sz="6398">
+              <a:defRPr sz="6400">
                 <a:solidFill>
                   <a:schemeClr val="tx1">
                     <a:tint val="75000"/>
@@ -5425,7 +5418,7 @@
         </p:nvSpPr>
         <p:spPr>
           <a:xfrm>
-            <a:off x="11778943" y="34817473"/>
+            <a:off x="11778935" y="34817473"/>
             <a:ext cx="105645265" cy="98486385"/>
           </a:xfrm>
         </p:spPr>
@@ -5433,31 +5426,31 @@
           <a:bodyPr/>
           <a:lstStyle>
             <a:lvl1pPr>
-              <a:defRPr sz="12798"/>
+              <a:defRPr sz="12800"/>
             </a:lvl1pPr>
             <a:lvl2pPr>
-              <a:defRPr sz="10998"/>
+              <a:defRPr sz="11000"/>
             </a:lvl2pPr>
             <a:lvl3pPr>
-              <a:defRPr sz="9098"/>
+              <a:defRPr sz="9100"/>
             </a:lvl3pPr>
             <a:lvl4pPr>
-              <a:defRPr sz="8299"/>
+              <a:defRPr sz="8300"/>
             </a:lvl4pPr>
             <a:lvl5pPr>
-              <a:defRPr sz="8299"/>
+              <a:defRPr sz="8300"/>
             </a:lvl5pPr>
             <a:lvl6pPr>
-              <a:defRPr sz="8299"/>
+              <a:defRPr sz="8300"/>
             </a:lvl6pPr>
             <a:lvl7pPr>
-              <a:defRPr sz="8299"/>
+              <a:defRPr sz="8300"/>
             </a:lvl7pPr>
             <a:lvl8pPr>
-              <a:defRPr sz="8299"/>
+              <a:defRPr sz="8300"/>
             </a:lvl8pPr>
             <a:lvl9pPr>
-              <a:defRPr sz="8299"/>
+              <a:defRPr sz="8300"/>
             </a:lvl9pPr>
           </a:lstStyle>
           <a:p>
@@ -5518,31 +5511,31 @@
           <a:bodyPr/>
           <a:lstStyle>
             <a:lvl1pPr>
-              <a:defRPr sz="12798"/>
+              <a:defRPr sz="12800"/>
             </a:lvl1pPr>
             <a:lvl2pPr>
-              <a:defRPr sz="10998"/>
+              <a:defRPr sz="11000"/>
             </a:lvl2pPr>
             <a:lvl3pPr>
-              <a:defRPr sz="9098"/>
+              <a:defRPr sz="9100"/>
             </a:lvl3pPr>
             <a:lvl4pPr>
-              <a:defRPr sz="8299"/>
+              <a:defRPr sz="8300"/>
             </a:lvl4pPr>
             <a:lvl5pPr>
-              <a:defRPr sz="8299"/>
+              <a:defRPr sz="8300"/>
             </a:lvl5pPr>
             <a:lvl6pPr>
-              <a:defRPr sz="8299"/>
+              <a:defRPr sz="8300"/>
             </a:lvl6pPr>
             <a:lvl7pPr>
-              <a:defRPr sz="8299"/>
+              <a:defRPr sz="8300"/>
             </a:lvl7pPr>
             <a:lvl8pPr>
-              <a:defRPr sz="8299"/>
+              <a:defRPr sz="8300"/>
             </a:lvl8pPr>
             <a:lvl9pPr>
-              <a:defRPr sz="8299"/>
+              <a:defRPr sz="8300"/>
             </a:lvl9pPr>
           </a:lstStyle>
           <a:p>
@@ -5719,7 +5712,7 @@
         </p:nvSpPr>
         <p:spPr>
           <a:xfrm>
-            <a:off x="2103122" y="6959178"/>
+            <a:off x="2103120" y="6959178"/>
             <a:ext cx="18584865" cy="2900255"/>
           </a:xfrm>
         </p:spPr>
@@ -5728,39 +5721,39 @@
           <a:lstStyle>
             <a:lvl1pPr marL="0" indent="0">
               <a:buNone/>
-              <a:defRPr sz="10998" b="1"/>
+              <a:defRPr sz="11000" b="1"/>
             </a:lvl1pPr>
-            <a:lvl2pPr marL="2089594" indent="0">
+            <a:lvl2pPr marL="2089883" indent="0">
               <a:buNone/>
-              <a:defRPr sz="9098" b="1"/>
+              <a:defRPr sz="9100" b="1"/>
             </a:lvl2pPr>
-            <a:lvl3pPr marL="4179186" indent="0">
+            <a:lvl3pPr marL="4179766" indent="0">
               <a:buNone/>
-              <a:defRPr sz="8299" b="1"/>
+              <a:defRPr sz="8300" b="1"/>
             </a:lvl3pPr>
-            <a:lvl4pPr marL="6268781" indent="0">
+            <a:lvl4pPr marL="6269650" indent="0">
               <a:buNone/>
-              <a:defRPr sz="7298" b="1"/>
+              <a:defRPr sz="7300" b="1"/>
             </a:lvl4pPr>
-            <a:lvl5pPr marL="8358375" indent="0">
+            <a:lvl5pPr marL="8359533" indent="0">
               <a:buNone/>
-              <a:defRPr sz="7298" b="1"/>
+              <a:defRPr sz="7300" b="1"/>
             </a:lvl5pPr>
-            <a:lvl6pPr marL="10447969" indent="0">
+            <a:lvl6pPr marL="10449417" indent="0">
               <a:buNone/>
-              <a:defRPr sz="7298" b="1"/>
+              <a:defRPr sz="7300" b="1"/>
             </a:lvl6pPr>
-            <a:lvl7pPr marL="12537562" indent="0">
+            <a:lvl7pPr marL="12539300" indent="0">
               <a:buNone/>
-              <a:defRPr sz="7298" b="1"/>
+              <a:defRPr sz="7300" b="1"/>
             </a:lvl7pPr>
-            <a:lvl8pPr marL="14627157" indent="0">
+            <a:lvl8pPr marL="14629184" indent="0">
               <a:buNone/>
-              <a:defRPr sz="7298" b="1"/>
+              <a:defRPr sz="7300" b="1"/>
             </a:lvl8pPr>
-            <a:lvl9pPr marL="16716751" indent="0">
+            <a:lvl9pPr marL="16719067" indent="0">
               <a:buNone/>
-              <a:defRPr sz="7298" b="1"/>
+              <a:defRPr sz="7300" b="1"/>
             </a:lvl9pPr>
           </a:lstStyle>
           <a:p>
@@ -5784,7 +5777,7 @@
         </p:nvSpPr>
         <p:spPr>
           <a:xfrm>
-            <a:off x="2103122" y="9859433"/>
+            <a:off x="2103120" y="9859433"/>
             <a:ext cx="18584865" cy="17912505"/>
           </a:xfrm>
         </p:spPr>
@@ -5792,31 +5785,31 @@
           <a:bodyPr/>
           <a:lstStyle>
             <a:lvl1pPr>
-              <a:defRPr sz="10998"/>
+              <a:defRPr sz="11000"/>
             </a:lvl1pPr>
             <a:lvl2pPr>
-              <a:defRPr sz="9098"/>
+              <a:defRPr sz="9100"/>
             </a:lvl2pPr>
             <a:lvl3pPr>
-              <a:defRPr sz="8299"/>
+              <a:defRPr sz="8300"/>
             </a:lvl3pPr>
             <a:lvl4pPr>
-              <a:defRPr sz="7298"/>
+              <a:defRPr sz="7300"/>
             </a:lvl4pPr>
             <a:lvl5pPr>
-              <a:defRPr sz="7298"/>
+              <a:defRPr sz="7300"/>
             </a:lvl5pPr>
             <a:lvl6pPr>
-              <a:defRPr sz="7298"/>
+              <a:defRPr sz="7300"/>
             </a:lvl6pPr>
             <a:lvl7pPr>
-              <a:defRPr sz="7298"/>
+              <a:defRPr sz="7300"/>
             </a:lvl7pPr>
             <a:lvl8pPr>
-              <a:defRPr sz="7298"/>
+              <a:defRPr sz="7300"/>
             </a:lvl8pPr>
             <a:lvl9pPr>
-              <a:defRPr sz="7298"/>
+              <a:defRPr sz="7300"/>
             </a:lvl9pPr>
           </a:lstStyle>
           <a:p>
@@ -5869,7 +5862,7 @@
         </p:nvSpPr>
         <p:spPr>
           <a:xfrm>
-            <a:off x="21367124" y="6959178"/>
+            <a:off x="21367117" y="6959178"/>
             <a:ext cx="18592165" cy="2900255"/>
           </a:xfrm>
         </p:spPr>
@@ -5878,39 +5871,39 @@
           <a:lstStyle>
             <a:lvl1pPr marL="0" indent="0">
               <a:buNone/>
-              <a:defRPr sz="10998" b="1"/>
+              <a:defRPr sz="11000" b="1"/>
             </a:lvl1pPr>
-            <a:lvl2pPr marL="2089594" indent="0">
+            <a:lvl2pPr marL="2089883" indent="0">
               <a:buNone/>
-              <a:defRPr sz="9098" b="1"/>
+              <a:defRPr sz="9100" b="1"/>
             </a:lvl2pPr>
-            <a:lvl3pPr marL="4179186" indent="0">
+            <a:lvl3pPr marL="4179766" indent="0">
               <a:buNone/>
-              <a:defRPr sz="8299" b="1"/>
+              <a:defRPr sz="8300" b="1"/>
             </a:lvl3pPr>
-            <a:lvl4pPr marL="6268781" indent="0">
+            <a:lvl4pPr marL="6269650" indent="0">
               <a:buNone/>
-              <a:defRPr sz="7298" b="1"/>
+              <a:defRPr sz="7300" b="1"/>
             </a:lvl4pPr>
-            <a:lvl5pPr marL="8358375" indent="0">
+            <a:lvl5pPr marL="8359533" indent="0">
               <a:buNone/>
-              <a:defRPr sz="7298" b="1"/>
+              <a:defRPr sz="7300" b="1"/>
             </a:lvl5pPr>
-            <a:lvl6pPr marL="10447969" indent="0">
+            <a:lvl6pPr marL="10449417" indent="0">
               <a:buNone/>
-              <a:defRPr sz="7298" b="1"/>
+              <a:defRPr sz="7300" b="1"/>
             </a:lvl6pPr>
-            <a:lvl7pPr marL="12537562" indent="0">
+            <a:lvl7pPr marL="12539300" indent="0">
               <a:buNone/>
-              <a:defRPr sz="7298" b="1"/>
+              <a:defRPr sz="7300" b="1"/>
             </a:lvl7pPr>
-            <a:lvl8pPr marL="14627157" indent="0">
+            <a:lvl8pPr marL="14629184" indent="0">
               <a:buNone/>
-              <a:defRPr sz="7298" b="1"/>
+              <a:defRPr sz="7300" b="1"/>
             </a:lvl8pPr>
-            <a:lvl9pPr marL="16716751" indent="0">
+            <a:lvl9pPr marL="16719067" indent="0">
               <a:buNone/>
-              <a:defRPr sz="7298" b="1"/>
+              <a:defRPr sz="7300" b="1"/>
             </a:lvl9pPr>
           </a:lstStyle>
           <a:p>
@@ -5934,7 +5927,7 @@
         </p:nvSpPr>
         <p:spPr>
           <a:xfrm>
-            <a:off x="21367124" y="9859433"/>
+            <a:off x="21367117" y="9859433"/>
             <a:ext cx="18592165" cy="17912505"/>
           </a:xfrm>
         </p:spPr>
@@ -5942,31 +5935,31 @@
           <a:bodyPr/>
           <a:lstStyle>
             <a:lvl1pPr>
-              <a:defRPr sz="10998"/>
+              <a:defRPr sz="11000"/>
             </a:lvl1pPr>
             <a:lvl2pPr>
-              <a:defRPr sz="9098"/>
+              <a:defRPr sz="9100"/>
             </a:lvl2pPr>
             <a:lvl3pPr>
-              <a:defRPr sz="8299"/>
+              <a:defRPr sz="8300"/>
             </a:lvl3pPr>
             <a:lvl4pPr>
-              <a:defRPr sz="7298"/>
+              <a:defRPr sz="7300"/>
             </a:lvl4pPr>
             <a:lvl5pPr>
-              <a:defRPr sz="7298"/>
+              <a:defRPr sz="7300"/>
             </a:lvl5pPr>
             <a:lvl6pPr>
-              <a:defRPr sz="7298"/>
+              <a:defRPr sz="7300"/>
             </a:lvl6pPr>
             <a:lvl7pPr>
-              <a:defRPr sz="7298"/>
+              <a:defRPr sz="7300"/>
             </a:lvl7pPr>
             <a:lvl8pPr>
-              <a:defRPr sz="7298"/>
+              <a:defRPr sz="7300"/>
             </a:lvl8pPr>
             <a:lvl9pPr>
-              <a:defRPr sz="7298"/>
+              <a:defRPr sz="7300"/>
             </a:lvl9pPr>
           </a:lstStyle>
           <a:p>
@@ -6326,7 +6319,7 @@
           <a:bodyPr anchor="b"/>
           <a:lstStyle>
             <a:lvl1pPr algn="l">
-              <a:defRPr sz="9098" b="1"/>
+              <a:defRPr sz="9100" b="1"/>
             </a:lvl1pPr>
           </a:lstStyle>
           <a:p>
@@ -6358,31 +6351,31 @@
           <a:bodyPr/>
           <a:lstStyle>
             <a:lvl1pPr>
-              <a:defRPr sz="14598"/>
+              <a:defRPr sz="14600"/>
             </a:lvl1pPr>
             <a:lvl2pPr>
-              <a:defRPr sz="12798"/>
+              <a:defRPr sz="12800"/>
             </a:lvl2pPr>
             <a:lvl3pPr>
-              <a:defRPr sz="10998"/>
+              <a:defRPr sz="11000"/>
             </a:lvl3pPr>
             <a:lvl4pPr>
-              <a:defRPr sz="9098"/>
+              <a:defRPr sz="9100"/>
             </a:lvl4pPr>
             <a:lvl5pPr>
-              <a:defRPr sz="9098"/>
+              <a:defRPr sz="9100"/>
             </a:lvl5pPr>
             <a:lvl6pPr>
-              <a:defRPr sz="9098"/>
+              <a:defRPr sz="9100"/>
             </a:lvl6pPr>
             <a:lvl7pPr>
-              <a:defRPr sz="9098"/>
+              <a:defRPr sz="9100"/>
             </a:lvl7pPr>
             <a:lvl8pPr>
-              <a:defRPr sz="9098"/>
+              <a:defRPr sz="9100"/>
             </a:lvl8pPr>
             <a:lvl9pPr>
-              <a:defRPr sz="9098"/>
+              <a:defRPr sz="9100"/>
             </a:lvl9pPr>
           </a:lstStyle>
           <a:p>
@@ -6444,37 +6437,37 @@
           <a:lstStyle>
             <a:lvl1pPr marL="0" indent="0">
               <a:buNone/>
-              <a:defRPr sz="6398"/>
+              <a:defRPr sz="6400"/>
             </a:lvl1pPr>
-            <a:lvl2pPr marL="2089594" indent="0">
+            <a:lvl2pPr marL="2089883" indent="0">
               <a:buNone/>
-              <a:defRPr sz="5498"/>
+              <a:defRPr sz="5500"/>
             </a:lvl2pPr>
-            <a:lvl3pPr marL="4179186" indent="0">
+            <a:lvl3pPr marL="4179766" indent="0">
               <a:buNone/>
-              <a:defRPr sz="4598"/>
+              <a:defRPr sz="4600"/>
             </a:lvl3pPr>
-            <a:lvl4pPr marL="6268781" indent="0">
+            <a:lvl4pPr marL="6269650" indent="0">
               <a:buNone/>
               <a:defRPr sz="4100"/>
             </a:lvl4pPr>
-            <a:lvl5pPr marL="8358375" indent="0">
+            <a:lvl5pPr marL="8359533" indent="0">
               <a:buNone/>
               <a:defRPr sz="4100"/>
             </a:lvl5pPr>
-            <a:lvl6pPr marL="10447969" indent="0">
+            <a:lvl6pPr marL="10449417" indent="0">
               <a:buNone/>
               <a:defRPr sz="4100"/>
             </a:lvl6pPr>
-            <a:lvl7pPr marL="12537562" indent="0">
+            <a:lvl7pPr marL="12539300" indent="0">
               <a:buNone/>
               <a:defRPr sz="4100"/>
             </a:lvl7pPr>
-            <a:lvl8pPr marL="14627157" indent="0">
+            <a:lvl8pPr marL="14629184" indent="0">
               <a:buNone/>
               <a:defRPr sz="4100"/>
             </a:lvl8pPr>
-            <a:lvl9pPr marL="16716751" indent="0">
+            <a:lvl9pPr marL="16719067" indent="0">
               <a:buNone/>
               <a:defRPr sz="4100"/>
             </a:lvl9pPr>
@@ -6600,7 +6593,7 @@
           <a:bodyPr anchor="b"/>
           <a:lstStyle>
             <a:lvl1pPr algn="l">
-              <a:defRPr sz="9098" b="1"/>
+              <a:defRPr sz="9100" b="1"/>
             </a:lvl1pPr>
           </a:lstStyle>
           <a:p>
@@ -6633,39 +6626,39 @@
           <a:lstStyle>
             <a:lvl1pPr marL="0" indent="0">
               <a:buNone/>
-              <a:defRPr sz="14598"/>
+              <a:defRPr sz="14600"/>
             </a:lvl1pPr>
-            <a:lvl2pPr marL="2089594" indent="0">
+            <a:lvl2pPr marL="2089883" indent="0">
               <a:buNone/>
-              <a:defRPr sz="12798"/>
+              <a:defRPr sz="12800"/>
             </a:lvl2pPr>
-            <a:lvl3pPr marL="4179186" indent="0">
+            <a:lvl3pPr marL="4179766" indent="0">
               <a:buNone/>
-              <a:defRPr sz="10998"/>
+              <a:defRPr sz="11000"/>
             </a:lvl3pPr>
-            <a:lvl4pPr marL="6268781" indent="0">
+            <a:lvl4pPr marL="6269650" indent="0">
               <a:buNone/>
-              <a:defRPr sz="9098"/>
+              <a:defRPr sz="9100"/>
             </a:lvl4pPr>
-            <a:lvl5pPr marL="8358375" indent="0">
+            <a:lvl5pPr marL="8359533" indent="0">
               <a:buNone/>
-              <a:defRPr sz="9098"/>
+              <a:defRPr sz="9100"/>
             </a:lvl5pPr>
-            <a:lvl6pPr marL="10447969" indent="0">
+            <a:lvl6pPr marL="10449417" indent="0">
               <a:buNone/>
-              <a:defRPr sz="9098"/>
+              <a:defRPr sz="9100"/>
             </a:lvl6pPr>
-            <a:lvl7pPr marL="12537562" indent="0">
+            <a:lvl7pPr marL="12539300" indent="0">
               <a:buNone/>
-              <a:defRPr sz="9098"/>
+              <a:defRPr sz="9100"/>
             </a:lvl7pPr>
-            <a:lvl8pPr marL="14627157" indent="0">
+            <a:lvl8pPr marL="14629184" indent="0">
               <a:buNone/>
-              <a:defRPr sz="9098"/>
+              <a:defRPr sz="9100"/>
             </a:lvl8pPr>
-            <a:lvl9pPr marL="16716751" indent="0">
+            <a:lvl9pPr marL="16719067" indent="0">
               <a:buNone/>
-              <a:defRPr sz="9098"/>
+              <a:defRPr sz="9100"/>
             </a:lvl9pPr>
           </a:lstStyle>
           <a:p>
@@ -6694,37 +6687,37 @@
           <a:lstStyle>
             <a:lvl1pPr marL="0" indent="0">
               <a:buNone/>
-              <a:defRPr sz="6398"/>
+              <a:defRPr sz="6400"/>
             </a:lvl1pPr>
-            <a:lvl2pPr marL="2089594" indent="0">
+            <a:lvl2pPr marL="2089883" indent="0">
               <a:buNone/>
-              <a:defRPr sz="5498"/>
+              <a:defRPr sz="5500"/>
             </a:lvl2pPr>
-            <a:lvl3pPr marL="4179186" indent="0">
+            <a:lvl3pPr marL="4179766" indent="0">
               <a:buNone/>
-              <a:defRPr sz="4598"/>
+              <a:defRPr sz="4600"/>
             </a:lvl3pPr>
-            <a:lvl4pPr marL="6268781" indent="0">
+            <a:lvl4pPr marL="6269650" indent="0">
               <a:buNone/>
               <a:defRPr sz="4100"/>
             </a:lvl4pPr>
-            <a:lvl5pPr marL="8358375" indent="0">
+            <a:lvl5pPr marL="8359533" indent="0">
               <a:buNone/>
               <a:defRPr sz="4100"/>
             </a:lvl5pPr>
-            <a:lvl6pPr marL="10447969" indent="0">
+            <a:lvl6pPr marL="10449417" indent="0">
               <a:buNone/>
               <a:defRPr sz="4100"/>
             </a:lvl6pPr>
-            <a:lvl7pPr marL="12537562" indent="0">
+            <a:lvl7pPr marL="12539300" indent="0">
               <a:buNone/>
               <a:defRPr sz="4100"/>
             </a:lvl7pPr>
-            <a:lvl8pPr marL="14627157" indent="0">
+            <a:lvl8pPr marL="14629184" indent="0">
               <a:buNone/>
               <a:defRPr sz="4100"/>
             </a:lvl8pPr>
-            <a:lvl9pPr marL="16716751" indent="0">
+            <a:lvl9pPr marL="16719067" indent="0">
               <a:buNone/>
               <a:defRPr sz="4100"/>
             </a:lvl9pPr>
@@ -6880,7 +6873,7 @@
         </p:nvSpPr>
         <p:spPr>
           <a:xfrm>
-            <a:off x="2103120" y="7254245"/>
+            <a:off x="2103120" y="7254243"/>
             <a:ext cx="37856160" cy="20517699"/>
           </a:xfrm>
           <a:prstGeom prst="rect">
@@ -6953,7 +6946,7 @@
           <a:bodyPr vert="horz" lIns="417976" tIns="208989" rIns="417976" bIns="208989" rtlCol="0" anchor="ctr"/>
           <a:lstStyle>
             <a:lvl1pPr algn="l">
-              <a:defRPr sz="5498">
+              <a:defRPr sz="5500">
                 <a:solidFill>
                   <a:schemeClr val="tx1">
                     <a:tint val="75000"/>
@@ -6995,7 +6988,7 @@
           <a:bodyPr vert="horz" lIns="417976" tIns="208989" rIns="417976" bIns="208989" rtlCol="0" anchor="ctr"/>
           <a:lstStyle>
             <a:lvl1pPr algn="ctr">
-              <a:defRPr sz="5498">
+              <a:defRPr sz="5500">
                 <a:solidFill>
                   <a:schemeClr val="tx1">
                     <a:tint val="75000"/>
@@ -7032,7 +7025,7 @@
           <a:bodyPr vert="horz" lIns="417976" tIns="208989" rIns="417976" bIns="208989" rtlCol="0" anchor="ctr"/>
           <a:lstStyle>
             <a:lvl1pPr algn="r">
-              <a:defRPr sz="5498">
+              <a:defRPr sz="5500">
                 <a:solidFill>
                   <a:schemeClr val="tx1">
                     <a:tint val="75000"/>
@@ -7076,12 +7069,12 @@
   </p:timing>
   <p:txStyles>
     <p:titleStyle>
-      <a:lvl1pPr algn="ctr" defTabSz="2089594" rtl="0" eaLnBrk="1" latinLnBrk="0" hangingPunct="1">
+      <a:lvl1pPr algn="ctr" defTabSz="2089883" rtl="0" eaLnBrk="1" latinLnBrk="0" hangingPunct="1">
         <a:spcBef>
           <a:spcPct val="0"/>
         </a:spcBef>
         <a:buNone/>
-        <a:defRPr sz="20097" kern="1200">
+        <a:defRPr sz="20100" kern="1200">
           <a:solidFill>
             <a:schemeClr val="tx1"/>
           </a:solidFill>
@@ -7092,13 +7085,13 @@
       </a:lvl1pPr>
     </p:titleStyle>
     <p:bodyStyle>
-      <a:lvl1pPr marL="1567197" indent="-1567197" algn="l" defTabSz="2089594" rtl="0" eaLnBrk="1" latinLnBrk="0" hangingPunct="1">
+      <a:lvl1pPr marL="1567413" indent="-1567413" algn="l" defTabSz="2089883" rtl="0" eaLnBrk="1" latinLnBrk="0" hangingPunct="1">
         <a:spcBef>
           <a:spcPct val="20000"/>
         </a:spcBef>
         <a:buFont typeface="Arial"/>
         <a:buChar char="•"/>
-        <a:defRPr sz="14598" kern="1200">
+        <a:defRPr sz="14600" kern="1200">
           <a:solidFill>
             <a:schemeClr val="tx1"/>
           </a:solidFill>
@@ -7107,13 +7100,13 @@
           <a:cs typeface="+mn-cs"/>
         </a:defRPr>
       </a:lvl1pPr>
-      <a:lvl2pPr marL="3395589" indent="-1305996" algn="l" defTabSz="2089594" rtl="0" eaLnBrk="1" latinLnBrk="0" hangingPunct="1">
+      <a:lvl2pPr marL="3396060" indent="-1306177" algn="l" defTabSz="2089883" rtl="0" eaLnBrk="1" latinLnBrk="0" hangingPunct="1">
         <a:spcBef>
           <a:spcPct val="20000"/>
         </a:spcBef>
         <a:buFont typeface="Arial"/>
         <a:buChar char="–"/>
-        <a:defRPr sz="12798" kern="1200">
+        <a:defRPr sz="12800" kern="1200">
           <a:solidFill>
             <a:schemeClr val="tx1"/>
           </a:solidFill>
@@ -7122,13 +7115,13 @@
           <a:cs typeface="+mn-cs"/>
         </a:defRPr>
       </a:lvl2pPr>
-      <a:lvl3pPr marL="5223984" indent="-1044797" algn="l" defTabSz="2089594" rtl="0" eaLnBrk="1" latinLnBrk="0" hangingPunct="1">
+      <a:lvl3pPr marL="5224708" indent="-1044942" algn="l" defTabSz="2089883" rtl="0" eaLnBrk="1" latinLnBrk="0" hangingPunct="1">
         <a:spcBef>
           <a:spcPct val="20000"/>
         </a:spcBef>
         <a:buFont typeface="Arial"/>
         <a:buChar char="•"/>
-        <a:defRPr sz="10998" kern="1200">
+        <a:defRPr sz="11000" kern="1200">
           <a:solidFill>
             <a:schemeClr val="tx1"/>
           </a:solidFill>
@@ -7137,13 +7130,13 @@
           <a:cs typeface="+mn-cs"/>
         </a:defRPr>
       </a:lvl3pPr>
-      <a:lvl4pPr marL="7313577" indent="-1044797" algn="l" defTabSz="2089594" rtl="0" eaLnBrk="1" latinLnBrk="0" hangingPunct="1">
+      <a:lvl4pPr marL="7314591" indent="-1044942" algn="l" defTabSz="2089883" rtl="0" eaLnBrk="1" latinLnBrk="0" hangingPunct="1">
         <a:spcBef>
           <a:spcPct val="20000"/>
         </a:spcBef>
         <a:buFont typeface="Arial"/>
         <a:buChar char="–"/>
-        <a:defRPr sz="9098" kern="1200">
+        <a:defRPr sz="9100" kern="1200">
           <a:solidFill>
             <a:schemeClr val="tx1"/>
           </a:solidFill>
@@ -7152,13 +7145,13 @@
           <a:cs typeface="+mn-cs"/>
         </a:defRPr>
       </a:lvl4pPr>
-      <a:lvl5pPr marL="9403171" indent="-1044797" algn="l" defTabSz="2089594" rtl="0" eaLnBrk="1" latinLnBrk="0" hangingPunct="1">
+      <a:lvl5pPr marL="9404475" indent="-1044942" algn="l" defTabSz="2089883" rtl="0" eaLnBrk="1" latinLnBrk="0" hangingPunct="1">
         <a:spcBef>
           <a:spcPct val="20000"/>
         </a:spcBef>
         <a:buFont typeface="Arial"/>
         <a:buChar char="»"/>
-        <a:defRPr sz="9098" kern="1200">
+        <a:defRPr sz="9100" kern="1200">
           <a:solidFill>
             <a:schemeClr val="tx1"/>
           </a:solidFill>
@@ -7167,13 +7160,13 @@
           <a:cs typeface="+mn-cs"/>
         </a:defRPr>
       </a:lvl5pPr>
-      <a:lvl6pPr marL="11492766" indent="-1044797" algn="l" defTabSz="2089594" rtl="0" eaLnBrk="1" latinLnBrk="0" hangingPunct="1">
+      <a:lvl6pPr marL="11494359" indent="-1044942" algn="l" defTabSz="2089883" rtl="0" eaLnBrk="1" latinLnBrk="0" hangingPunct="1">
         <a:spcBef>
           <a:spcPct val="20000"/>
         </a:spcBef>
         <a:buFont typeface="Arial"/>
         <a:buChar char="•"/>
-        <a:defRPr sz="9098" kern="1200">
+        <a:defRPr sz="9100" kern="1200">
           <a:solidFill>
             <a:schemeClr val="tx1"/>
           </a:solidFill>
@@ -7182,13 +7175,13 @@
           <a:cs typeface="+mn-cs"/>
         </a:defRPr>
       </a:lvl6pPr>
-      <a:lvl7pPr marL="13582359" indent="-1044797" algn="l" defTabSz="2089594" rtl="0" eaLnBrk="1" latinLnBrk="0" hangingPunct="1">
+      <a:lvl7pPr marL="13584242" indent="-1044942" algn="l" defTabSz="2089883" rtl="0" eaLnBrk="1" latinLnBrk="0" hangingPunct="1">
         <a:spcBef>
           <a:spcPct val="20000"/>
         </a:spcBef>
         <a:buFont typeface="Arial"/>
         <a:buChar char="•"/>
-        <a:defRPr sz="9098" kern="1200">
+        <a:defRPr sz="9100" kern="1200">
           <a:solidFill>
             <a:schemeClr val="tx1"/>
           </a:solidFill>
@@ -7197,13 +7190,13 @@
           <a:cs typeface="+mn-cs"/>
         </a:defRPr>
       </a:lvl7pPr>
-      <a:lvl8pPr marL="15671954" indent="-1044797" algn="l" defTabSz="2089594" rtl="0" eaLnBrk="1" latinLnBrk="0" hangingPunct="1">
+      <a:lvl8pPr marL="15674125" indent="-1044942" algn="l" defTabSz="2089883" rtl="0" eaLnBrk="1" latinLnBrk="0" hangingPunct="1">
         <a:spcBef>
           <a:spcPct val="20000"/>
         </a:spcBef>
         <a:buFont typeface="Arial"/>
         <a:buChar char="•"/>
-        <a:defRPr sz="9098" kern="1200">
+        <a:defRPr sz="9100" kern="1200">
           <a:solidFill>
             <a:schemeClr val="tx1"/>
           </a:solidFill>
@@ -7212,13 +7205,13 @@
           <a:cs typeface="+mn-cs"/>
         </a:defRPr>
       </a:lvl8pPr>
-      <a:lvl9pPr marL="17761548" indent="-1044797" algn="l" defTabSz="2089594" rtl="0" eaLnBrk="1" latinLnBrk="0" hangingPunct="1">
+      <a:lvl9pPr marL="17764008" indent="-1044942" algn="l" defTabSz="2089883" rtl="0" eaLnBrk="1" latinLnBrk="0" hangingPunct="1">
         <a:spcBef>
           <a:spcPct val="20000"/>
         </a:spcBef>
         <a:buFont typeface="Arial"/>
         <a:buChar char="•"/>
-        <a:defRPr sz="9098" kern="1200">
+        <a:defRPr sz="9100" kern="1200">
           <a:solidFill>
             <a:schemeClr val="tx1"/>
           </a:solidFill>
@@ -7232,8 +7225,8 @@
       <a:defPPr>
         <a:defRPr lang="en-US"/>
       </a:defPPr>
-      <a:lvl1pPr marL="0" algn="l" defTabSz="2089594" rtl="0" eaLnBrk="1" latinLnBrk="0" hangingPunct="1">
-        <a:defRPr sz="8299" kern="1200">
+      <a:lvl1pPr marL="0" algn="l" defTabSz="2089883" rtl="0" eaLnBrk="1" latinLnBrk="0" hangingPunct="1">
+        <a:defRPr sz="8300" kern="1200">
           <a:solidFill>
             <a:schemeClr val="tx1"/>
           </a:solidFill>
@@ -7242,8 +7235,8 @@
           <a:cs typeface="+mn-cs"/>
         </a:defRPr>
       </a:lvl1pPr>
-      <a:lvl2pPr marL="2089594" algn="l" defTabSz="2089594" rtl="0" eaLnBrk="1" latinLnBrk="0" hangingPunct="1">
-        <a:defRPr sz="8299" kern="1200">
+      <a:lvl2pPr marL="2089883" algn="l" defTabSz="2089883" rtl="0" eaLnBrk="1" latinLnBrk="0" hangingPunct="1">
+        <a:defRPr sz="8300" kern="1200">
           <a:solidFill>
             <a:schemeClr val="tx1"/>
           </a:solidFill>
@@ -7252,8 +7245,8 @@
           <a:cs typeface="+mn-cs"/>
         </a:defRPr>
       </a:lvl2pPr>
-      <a:lvl3pPr marL="4179186" algn="l" defTabSz="2089594" rtl="0" eaLnBrk="1" latinLnBrk="0" hangingPunct="1">
-        <a:defRPr sz="8299" kern="1200">
+      <a:lvl3pPr marL="4179766" algn="l" defTabSz="2089883" rtl="0" eaLnBrk="1" latinLnBrk="0" hangingPunct="1">
+        <a:defRPr sz="8300" kern="1200">
           <a:solidFill>
             <a:schemeClr val="tx1"/>
           </a:solidFill>
@@ -7262,8 +7255,8 @@
           <a:cs typeface="+mn-cs"/>
         </a:defRPr>
       </a:lvl3pPr>
-      <a:lvl4pPr marL="6268781" algn="l" defTabSz="2089594" rtl="0" eaLnBrk="1" latinLnBrk="0" hangingPunct="1">
-        <a:defRPr sz="8299" kern="1200">
+      <a:lvl4pPr marL="6269650" algn="l" defTabSz="2089883" rtl="0" eaLnBrk="1" latinLnBrk="0" hangingPunct="1">
+        <a:defRPr sz="8300" kern="1200">
           <a:solidFill>
             <a:schemeClr val="tx1"/>
           </a:solidFill>
@@ -7272,8 +7265,8 @@
           <a:cs typeface="+mn-cs"/>
         </a:defRPr>
       </a:lvl4pPr>
-      <a:lvl5pPr marL="8358375" algn="l" defTabSz="2089594" rtl="0" eaLnBrk="1" latinLnBrk="0" hangingPunct="1">
-        <a:defRPr sz="8299" kern="1200">
+      <a:lvl5pPr marL="8359533" algn="l" defTabSz="2089883" rtl="0" eaLnBrk="1" latinLnBrk="0" hangingPunct="1">
+        <a:defRPr sz="8300" kern="1200">
           <a:solidFill>
             <a:schemeClr val="tx1"/>
           </a:solidFill>
@@ -7282,8 +7275,8 @@
           <a:cs typeface="+mn-cs"/>
         </a:defRPr>
       </a:lvl5pPr>
-      <a:lvl6pPr marL="10447969" algn="l" defTabSz="2089594" rtl="0" eaLnBrk="1" latinLnBrk="0" hangingPunct="1">
-        <a:defRPr sz="8299" kern="1200">
+      <a:lvl6pPr marL="10449417" algn="l" defTabSz="2089883" rtl="0" eaLnBrk="1" latinLnBrk="0" hangingPunct="1">
+        <a:defRPr sz="8300" kern="1200">
           <a:solidFill>
             <a:schemeClr val="tx1"/>
           </a:solidFill>
@@ -7292,8 +7285,8 @@
           <a:cs typeface="+mn-cs"/>
         </a:defRPr>
       </a:lvl6pPr>
-      <a:lvl7pPr marL="12537562" algn="l" defTabSz="2089594" rtl="0" eaLnBrk="1" latinLnBrk="0" hangingPunct="1">
-        <a:defRPr sz="8299" kern="1200">
+      <a:lvl7pPr marL="12539300" algn="l" defTabSz="2089883" rtl="0" eaLnBrk="1" latinLnBrk="0" hangingPunct="1">
+        <a:defRPr sz="8300" kern="1200">
           <a:solidFill>
             <a:schemeClr val="tx1"/>
           </a:solidFill>
@@ -7302,8 +7295,8 @@
           <a:cs typeface="+mn-cs"/>
         </a:defRPr>
       </a:lvl7pPr>
-      <a:lvl8pPr marL="14627157" algn="l" defTabSz="2089594" rtl="0" eaLnBrk="1" latinLnBrk="0" hangingPunct="1">
-        <a:defRPr sz="8299" kern="1200">
+      <a:lvl8pPr marL="14629184" algn="l" defTabSz="2089883" rtl="0" eaLnBrk="1" latinLnBrk="0" hangingPunct="1">
+        <a:defRPr sz="8300" kern="1200">
           <a:solidFill>
             <a:schemeClr val="tx1"/>
           </a:solidFill>
@@ -7312,8 +7305,8 @@
           <a:cs typeface="+mn-cs"/>
         </a:defRPr>
       </a:lvl8pPr>
-      <a:lvl9pPr marL="16716751" algn="l" defTabSz="2089594" rtl="0" eaLnBrk="1" latinLnBrk="0" hangingPunct="1">
-        <a:defRPr sz="8299" kern="1200">
+      <a:lvl9pPr marL="16719067" algn="l" defTabSz="2089883" rtl="0" eaLnBrk="1" latinLnBrk="0" hangingPunct="1">
+        <a:defRPr sz="8300" kern="1200">
           <a:solidFill>
             <a:schemeClr val="tx1"/>
           </a:solidFill>
@@ -7352,8 +7345,8 @@
         </p:nvSpPr>
         <p:spPr>
           <a:xfrm>
-            <a:off x="32050413" y="18336593"/>
-            <a:ext cx="9265532" cy="3865936"/>
+            <a:off x="32248062" y="22000111"/>
+            <a:ext cx="9265532" cy="2542497"/>
           </a:xfrm>
           <a:prstGeom prst="rect">
             <a:avLst/>
@@ -7370,38 +7363,71 @@
           <a:lstStyle/>
           <a:p>
             <a:r>
-              <a:rPr lang="en-US" sz="3200" dirty="0">
+              <a:rPr lang="en-US" sz="3200" dirty="0" smtClean="0">
                 <a:latin typeface="Avenir 65" pitchFamily="50" charset="0"/>
               </a:rPr>
-              <a:t>Horizontal gene transfer</a:t>
-            </a:r>
-          </a:p>
-          <a:p>
-            <a:r>
-              <a:rPr lang="en-US" sz="2200" dirty="0">
+              <a:t>Developing a Naïve Bayes classifier to quantify gene exchange</a:t>
+            </a:r>
+          </a:p>
+          <a:p>
+            <a:endParaRPr lang="en-US" sz="3200" dirty="0">
+              <a:latin typeface="Avenir 65" pitchFamily="50" charset="0"/>
+            </a:endParaRPr>
+          </a:p>
+          <a:p>
+            <a:r>
+              <a:rPr lang="en-US" sz="3200" dirty="0" smtClean="0">
                 <a:latin typeface="Avenir 65" pitchFamily="50" charset="0"/>
               </a:rPr>
-              <a:t>A naïve Bayesian classifier can use oligonucleotide counts to calculate the probability of a subsequence originating in a given genome. This can be used to find the most likely genome of origin for a possible HGT event. We plan to implement a naïve Bayesian classifier and further investigate leads uncovered with TDI.</a:t>
-            </a:r>
-          </a:p>
-          <a:p>
-            <a:r>
-              <a:rPr lang="en-US" sz="3200" dirty="0">
-                <a:latin typeface="Avenir 65" pitchFamily="50" charset="0"/>
-              </a:rPr>
-              <a:t>Host-parasite coevolution</a:t>
-            </a:r>
-          </a:p>
-          <a:p>
-            <a:r>
-              <a:rPr lang="en-US" sz="2200" dirty="0" smtClean="0">
-                <a:latin typeface="Avenir 65" pitchFamily="50" charset="0"/>
-              </a:rPr>
-              <a:t>Hosts and parasites have similar oligonucleotide usage profiles. We will use data available on phage host preference to investigate this point further. </a:t>
-            </a:r>
-            <a:endParaRPr lang="en-US" sz="2200" dirty="0">
+              <a:t>Investigating oligonucleotide usage similarities and differences between hosts and phage</a:t>
+            </a:r>
+            <a:endParaRPr lang="en-US" sz="1600" b="1" dirty="0">
               <a:latin typeface="Avenir 65" pitchFamily="50" charset="0"/>
             </a:endParaRPr>
+          </a:p>
+        </p:txBody>
+      </p:sp>
+      <p:sp>
+        <p:nvSpPr>
+          <p:cNvPr id="13" name="Rectangle 12"/>
+          <p:cNvSpPr/>
+          <p:nvPr/>
+        </p:nvSpPr>
+        <p:spPr>
+          <a:xfrm>
+            <a:off x="0" y="0"/>
+            <a:ext cx="42062400" cy="4506396"/>
+          </a:xfrm>
+          <a:prstGeom prst="rect">
+            <a:avLst/>
+          </a:prstGeom>
+          <a:solidFill>
+            <a:srgbClr val="4369BD"/>
+          </a:solidFill>
+          <a:ln>
+            <a:noFill/>
+          </a:ln>
+        </p:spPr>
+        <p:style>
+          <a:lnRef idx="1">
+            <a:schemeClr val="accent1"/>
+          </a:lnRef>
+          <a:fillRef idx="3">
+            <a:schemeClr val="accent1"/>
+          </a:fillRef>
+          <a:effectRef idx="2">
+            <a:schemeClr val="accent1"/>
+          </a:effectRef>
+          <a:fontRef idx="minor">
+            <a:schemeClr val="lt1"/>
+          </a:fontRef>
+        </p:style>
+        <p:txBody>
+          <a:bodyPr lIns="79507" tIns="39754" rIns="79507" bIns="39754" rtlCol="0" anchor="ctr"/>
+          <a:lstStyle/>
+          <a:p>
+            <a:pPr algn="ctr"/>
+            <a:endParaRPr lang="en-US" dirty="0"/>
           </a:p>
         </p:txBody>
       </p:sp>
@@ -7417,10 +7443,12 @@
         </p:nvSpPr>
         <p:spPr>
           <a:xfrm>
-            <a:off x="1158515" y="658756"/>
-            <a:ext cx="39644396" cy="3939325"/>
+            <a:off x="1158515" y="218766"/>
+            <a:ext cx="39644396" cy="3964147"/>
           </a:xfrm>
-          <a:noFill/>
+          <a:solidFill>
+            <a:srgbClr val="91A7D8"/>
+          </a:solidFill>
           <a:ln>
             <a:noFill/>
           </a:ln>
@@ -7438,75 +7466,196 @@
               <a:defRPr/>
             </a:pPr>
             <a:r>
-              <a:rPr lang="en-US" sz="8898" b="1" cap="all" dirty="0">
-                <a:latin typeface="AvenirNext LT Pro Regular" panose="020B0504020202020204" pitchFamily="34" charset="0"/>
+              <a:rPr lang="en-US" sz="8000" dirty="0">
+                <a:solidFill>
+                  <a:schemeClr val="bg1"/>
+                </a:solidFill>
+                <a:latin typeface="Avenir 65" pitchFamily="50" charset="0"/>
               </a:rPr>
-              <a:t>Tetranucleotide usage in mycobacteriophage genomes</a:t>
-            </a:r>
-            <a:r>
-              <a:rPr lang="en-US" sz="7998" b="1" cap="all" dirty="0">
-                <a:latin typeface="AvenirNext LT Pro Regular" panose="020B0504020202020204" pitchFamily="34" charset="0"/>
-              </a:rPr>
-              <a:t/>
+              <a:t>Tetranucleotide usage in mycobacteriophage genomes:</a:t>
             </a:r>
             <a:br>
-              <a:rPr lang="en-US" sz="7998" b="1" cap="all" dirty="0">
-                <a:latin typeface="AvenirNext LT Pro Regular" panose="020B0504020202020204" pitchFamily="34" charset="0"/>
+              <a:rPr lang="en-US" sz="8000" dirty="0">
+                <a:solidFill>
+                  <a:schemeClr val="bg1"/>
+                </a:solidFill>
+                <a:latin typeface="Avenir 65" pitchFamily="50" charset="0"/>
               </a:rPr>
             </a:br>
             <a:r>
-              <a:rPr lang="en-US" sz="6150" cap="all" dirty="0">
+              <a:rPr lang="en-US" sz="8000" dirty="0">
+                <a:solidFill>
+                  <a:schemeClr val="bg1"/>
+                </a:solidFill>
                 <a:latin typeface="Avenir 65" pitchFamily="50" charset="0"/>
               </a:rPr>
-              <a:t>alignment-free methods to cluster phage and infer evolutionary relationships</a:t>
-            </a:r>
-            <a:r>
-              <a:rPr lang="en-US" sz="6150" cap="all" dirty="0">
+              <a:t>alignment-free methods to cluster phage and infer evolutionary </a:t>
+            </a:r>
+            <a:r>
+              <a:rPr lang="en-US" sz="8000" dirty="0" smtClean="0">
+                <a:solidFill>
+                  <a:schemeClr val="bg1"/>
+                </a:solidFill>
+                <a:latin typeface="Avenir 65" pitchFamily="50" charset="0"/>
+              </a:rPr>
+              <a:t>relationships</a:t>
+            </a:r>
+            <a:r>
+              <a:rPr lang="en-US" sz="8300" dirty="0" smtClean="0">
+                <a:solidFill>
+                  <a:schemeClr val="bg1"/>
+                </a:solidFill>
+                <a:latin typeface="Avenir 65" pitchFamily="50" charset="0"/>
+              </a:rPr>
+              <a:t> </a:t>
+            </a:r>
+            <a:r>
+              <a:rPr lang="en-US" sz="3900" dirty="0">
+                <a:solidFill>
+                  <a:schemeClr val="bg1"/>
+                </a:solidFill>
                 <a:latin typeface="Avenir 65" pitchFamily="50" charset="0"/>
               </a:rPr>
               <a:t/>
             </a:r>
             <a:br>
-              <a:rPr lang="en-US" sz="6150" cap="all" dirty="0">
+              <a:rPr lang="en-US" sz="3900" dirty="0">
+                <a:solidFill>
+                  <a:schemeClr val="bg1"/>
+                </a:solidFill>
                 <a:latin typeface="Avenir 65" pitchFamily="50" charset="0"/>
               </a:rPr>
             </a:br>
             <a:r>
-              <a:rPr lang="en-US" sz="3600" cap="all" dirty="0" smtClean="0">
-                <a:latin typeface="Avenir 65" pitchFamily="50" charset="0"/>
-              </a:rPr>
-              <a:t> </a:t>
-            </a:r>
-            <a:r>
-              <a:rPr lang="en-US" sz="3899" dirty="0">
+              <a:rPr lang="en-US" sz="3900" dirty="0" smtClean="0">
+                <a:solidFill>
+                  <a:schemeClr val="bg1"/>
+                </a:solidFill>
                 <a:latin typeface="Avenir 65" pitchFamily="50" charset="0"/>
               </a:rPr>
               <a:t/>
             </a:r>
             <a:br>
-              <a:rPr lang="en-US" sz="3899" dirty="0">
+              <a:rPr lang="en-US" sz="3900" dirty="0" smtClean="0">
+                <a:solidFill>
+                  <a:schemeClr val="bg1"/>
+                </a:solidFill>
                 <a:latin typeface="Avenir 65" pitchFamily="50" charset="0"/>
               </a:rPr>
             </a:br>
             <a:r>
-              <a:rPr lang="en-US" sz="4000" dirty="0">
+              <a:rPr lang="en-US" sz="4800" dirty="0" smtClean="0">
                 <a:solidFill>
-                  <a:schemeClr val="tx1">
-                    <a:lumMod val="50000"/>
-                    <a:lumOff val="50000"/>
-                  </a:schemeClr>
+                  <a:schemeClr val="bg1"/>
                 </a:solidFill>
                 <a:latin typeface="Avenir 35 Light" pitchFamily="50" charset="0"/>
                 <a:cs typeface="Arial" charset="0"/>
               </a:rPr>
-              <a:t>Chen Ye, Benjamin Siranosian, Emma Herold, Minjae Kwon, Sudheesha Perera, Edward Williams, Sarah Taylor, Christopher de Graffenried</a:t>
-            </a:r>
-            <a:endParaRPr lang="en-US" sz="4399" dirty="0">
+              <a:t>Chen </a:t>
+            </a:r>
+            <a:r>
+              <a:rPr lang="en-US" sz="4800" dirty="0">
+                <a:solidFill>
+                  <a:schemeClr val="bg1"/>
+                </a:solidFill>
+                <a:latin typeface="Avenir 35 Light" pitchFamily="50" charset="0"/>
+                <a:cs typeface="Arial" charset="0"/>
+              </a:rPr>
+              <a:t>Ye, Benjamin Siranosian, Emma </a:t>
+            </a:r>
+            <a:r>
+              <a:rPr lang="en-US" sz="4800" dirty="0" err="1">
+                <a:solidFill>
+                  <a:schemeClr val="bg1"/>
+                </a:solidFill>
+                <a:latin typeface="Avenir 35 Light" pitchFamily="50" charset="0"/>
+                <a:cs typeface="Arial" charset="0"/>
+              </a:rPr>
+              <a:t>Herold</a:t>
+            </a:r>
+            <a:r>
+              <a:rPr lang="en-US" sz="4800" dirty="0">
+                <a:solidFill>
+                  <a:schemeClr val="bg1"/>
+                </a:solidFill>
+                <a:latin typeface="Avenir 35 Light" pitchFamily="50" charset="0"/>
+                <a:cs typeface="Arial" charset="0"/>
+              </a:rPr>
+              <a:t>, </a:t>
+            </a:r>
+            <a:r>
+              <a:rPr lang="en-US" sz="4800" dirty="0" err="1">
+                <a:solidFill>
+                  <a:schemeClr val="bg1"/>
+                </a:solidFill>
+                <a:latin typeface="Avenir 35 Light" pitchFamily="50" charset="0"/>
+                <a:cs typeface="Arial" charset="0"/>
+              </a:rPr>
+              <a:t>Minjae</a:t>
+            </a:r>
+            <a:r>
+              <a:rPr lang="en-US" sz="4800" dirty="0">
+                <a:solidFill>
+                  <a:schemeClr val="bg1"/>
+                </a:solidFill>
+                <a:latin typeface="Avenir 35 Light" pitchFamily="50" charset="0"/>
+                <a:cs typeface="Arial" charset="0"/>
+              </a:rPr>
+              <a:t> Kwon, </a:t>
+            </a:r>
+            <a:r>
+              <a:rPr lang="en-US" sz="4800" dirty="0" err="1">
+                <a:solidFill>
+                  <a:schemeClr val="bg1"/>
+                </a:solidFill>
+                <a:latin typeface="Avenir 35 Light" pitchFamily="50" charset="0"/>
+                <a:cs typeface="Arial" charset="0"/>
+              </a:rPr>
+              <a:t>Sudheesha</a:t>
+            </a:r>
+            <a:r>
+              <a:rPr lang="en-US" sz="4800" dirty="0">
+                <a:solidFill>
+                  <a:schemeClr val="bg1"/>
+                </a:solidFill>
+                <a:latin typeface="Avenir 35 Light" pitchFamily="50" charset="0"/>
+                <a:cs typeface="Arial" charset="0"/>
+              </a:rPr>
+              <a:t> </a:t>
+            </a:r>
+            <a:r>
+              <a:rPr lang="en-US" sz="4800" dirty="0" err="1">
+                <a:solidFill>
+                  <a:schemeClr val="bg1"/>
+                </a:solidFill>
+                <a:latin typeface="Avenir 35 Light" pitchFamily="50" charset="0"/>
+                <a:cs typeface="Arial" charset="0"/>
+              </a:rPr>
+              <a:t>Perera</a:t>
+            </a:r>
+            <a:r>
+              <a:rPr lang="en-US" sz="4800" dirty="0">
+                <a:solidFill>
+                  <a:schemeClr val="bg1"/>
+                </a:solidFill>
+                <a:latin typeface="Avenir 35 Light" pitchFamily="50" charset="0"/>
+                <a:cs typeface="Arial" charset="0"/>
+              </a:rPr>
+              <a:t>, Edward Williams, Sarah Taylor, Christopher </a:t>
+            </a:r>
+            <a:r>
+              <a:rPr lang="en-US" sz="4800" dirty="0" err="1">
+                <a:solidFill>
+                  <a:schemeClr val="bg1"/>
+                </a:solidFill>
+                <a:latin typeface="Avenir 35 Light" pitchFamily="50" charset="0"/>
+                <a:cs typeface="Arial" charset="0"/>
+              </a:rPr>
+              <a:t>deGraffenried</a:t>
+            </a:r>
+            <a:endParaRPr lang="en-US" sz="5400" dirty="0">
               <a:solidFill>
-                <a:schemeClr val="tx1">
-                  <a:lumMod val="50000"/>
-                  <a:lumOff val="50000"/>
-                </a:schemeClr>
+                <a:schemeClr val="bg1"/>
               </a:solidFill>
               <a:latin typeface="Avenir 35 Light" pitchFamily="50" charset="0"/>
             </a:endParaRPr>
@@ -7529,7 +7678,7 @@
         </p:blipFill>
         <p:spPr>
           <a:xfrm rot="10800000" flipH="1" flipV="1">
-            <a:off x="37943820" y="28135351"/>
+            <a:off x="38226455" y="28022397"/>
             <a:ext cx="1418725" cy="2400295"/>
           </a:xfrm>
           <a:prstGeom prst="rect">
@@ -7553,8 +7702,8 @@
         </p:blipFill>
         <p:spPr>
           <a:xfrm>
-            <a:off x="39936190" y="28415532"/>
-            <a:ext cx="1889255" cy="1839934"/>
+            <a:off x="39963331" y="28302579"/>
+            <a:ext cx="1889255" cy="1839933"/>
           </a:xfrm>
           <a:prstGeom prst="rect">
             <a:avLst/>
@@ -7569,7 +7718,7 @@
         </p:nvSpPr>
         <p:spPr>
           <a:xfrm>
-            <a:off x="32330531" y="28079640"/>
+            <a:off x="32357670" y="27966685"/>
             <a:ext cx="5237479" cy="2511719"/>
           </a:xfrm>
           <a:prstGeom prst="rect">
@@ -7584,23 +7733,29 @@
           <a:lstStyle/>
           <a:p>
             <a:r>
-              <a:rPr lang="en-US" sz="4000" b="1" dirty="0">
+              <a:rPr lang="en-US" sz="4000" b="1" dirty="0" smtClean="0">
                 <a:latin typeface="Avenir 65" pitchFamily="50" charset="0"/>
               </a:rPr>
               <a:t>Acknowledgements</a:t>
             </a:r>
           </a:p>
           <a:p>
-            <a:endParaRPr lang="en-US" sz="1000" b="1" dirty="0">
+            <a:endParaRPr lang="en-US" sz="1000" b="1" dirty="0" smtClean="0">
               <a:latin typeface="Avenir 65" pitchFamily="50" charset="0"/>
             </a:endParaRPr>
           </a:p>
           <a:p>
             <a:r>
-              <a:rPr lang="en-US" sz="2200" dirty="0">
+              <a:rPr lang="en-US" sz="2200" dirty="0" smtClean="0">
                 <a:latin typeface="Avenir 65" pitchFamily="50" charset="0"/>
               </a:rPr>
-              <a:t>We are grateful to Dr</a:t>
+              <a:t> We are grateful to </a:t>
+            </a:r>
+            <a:r>
+              <a:rPr lang="en-US" sz="2200" dirty="0" smtClean="0">
+                <a:latin typeface="Avenir 65" pitchFamily="50" charset="0"/>
+              </a:rPr>
+              <a:t>Dr</a:t>
             </a:r>
             <a:r>
               <a:rPr lang="en-US" sz="2200" dirty="0">
@@ -7609,10 +7764,52 @@
               <a:t>. Peter Shank, </a:t>
             </a:r>
             <a:r>
-              <a:rPr lang="en-US" sz="2200" dirty="0">
+              <a:rPr lang="en-US" sz="2200" dirty="0" smtClean="0">
                 <a:latin typeface="Avenir 65" pitchFamily="50" charset="0"/>
               </a:rPr>
-              <a:t>Dr. Sorin Istrail, Dr. Zhijin Wu, HHMI’s </a:t>
+              <a:t>Dr. </a:t>
+            </a:r>
+            <a:r>
+              <a:rPr lang="en-US" sz="2200" dirty="0" err="1" smtClean="0">
+                <a:latin typeface="Avenir 65" pitchFamily="50" charset="0"/>
+              </a:rPr>
+              <a:t>Sorin</a:t>
+            </a:r>
+            <a:r>
+              <a:rPr lang="en-US" sz="2200" dirty="0" smtClean="0">
+                <a:latin typeface="Avenir 65" pitchFamily="50" charset="0"/>
+              </a:rPr>
+              <a:t> </a:t>
+            </a:r>
+            <a:r>
+              <a:rPr lang="en-US" sz="2200" dirty="0" err="1" smtClean="0">
+                <a:latin typeface="Avenir 65" pitchFamily="50" charset="0"/>
+              </a:rPr>
+              <a:t>Istrail</a:t>
+            </a:r>
+            <a:r>
+              <a:rPr lang="en-US" sz="2200" dirty="0" smtClean="0">
+                <a:latin typeface="Avenir 65" pitchFamily="50" charset="0"/>
+              </a:rPr>
+              <a:t>, Dr. </a:t>
+            </a:r>
+            <a:r>
+              <a:rPr lang="en-US" sz="2200" dirty="0" err="1" smtClean="0">
+                <a:latin typeface="Avenir 65" pitchFamily="50" charset="0"/>
+              </a:rPr>
+              <a:t>Zhijin</a:t>
+            </a:r>
+            <a:r>
+              <a:rPr lang="en-US" sz="2200" dirty="0" smtClean="0">
+                <a:latin typeface="Avenir 65" pitchFamily="50" charset="0"/>
+              </a:rPr>
+              <a:t> Wu, </a:t>
+            </a:r>
+            <a:r>
+              <a:rPr lang="en-US" sz="2200" dirty="0" smtClean="0">
+                <a:latin typeface="Avenir 65" pitchFamily="50" charset="0"/>
+              </a:rPr>
+              <a:t>HHMI’s </a:t>
             </a:r>
             <a:r>
               <a:rPr lang="en-US" sz="2200" dirty="0">
@@ -7621,7 +7818,7 @@
               <a:t>SEA program and the University of Pittsburgh</a:t>
             </a:r>
             <a:r>
-              <a:rPr lang="en-US" sz="2200" dirty="0">
+              <a:rPr lang="en-US" sz="2200" dirty="0" smtClean="0">
                 <a:latin typeface="Avenir 65" pitchFamily="50" charset="0"/>
               </a:rPr>
               <a:t>.</a:t>
@@ -7642,8 +7839,8 @@
         </p:nvSpPr>
         <p:spPr>
           <a:xfrm>
-            <a:off x="373554" y="13743164"/>
-            <a:ext cx="9986756" cy="1249835"/>
+            <a:off x="548188" y="18674971"/>
+            <a:ext cx="9155922" cy="8698028"/>
           </a:xfrm>
           <a:prstGeom prst="rect">
             <a:avLst/>
@@ -7659,24 +7856,126 @@
           </a:bodyPr>
           <a:lstStyle/>
           <a:p>
-            <a:pPr marL="742847" indent="-742847">
+            <a:pPr marL="742950" indent="-742950">
               <a:buFont typeface="+mj-lt"/>
               <a:buAutoNum type="alphaLcParenR"/>
             </a:pPr>
             <a:r>
-              <a:rPr lang="en-US" sz="3200" b="1" dirty="0">
+              <a:rPr lang="en-US" sz="4000" b="1" dirty="0" smtClean="0">
                 <a:latin typeface="Avenir 65" pitchFamily="50" charset="0"/>
               </a:rPr>
               <a:t>Kmer counting </a:t>
             </a:r>
           </a:p>
           <a:p>
-            <a:r>
-              <a:rPr lang="en-US" sz="2200" dirty="0">
+            <a:pPr marL="742950" indent="-742950">
+              <a:buAutoNum type="alphaLcParenR"/>
+            </a:pPr>
+            <a:endParaRPr lang="en-US" sz="4000" b="1" dirty="0">
+              <a:latin typeface="Avenir 65" pitchFamily="50" charset="0"/>
+            </a:endParaRPr>
+          </a:p>
+          <a:p>
+            <a:pPr marL="742950" indent="-742950">
+              <a:buAutoNum type="alphaLcParenR"/>
+            </a:pPr>
+            <a:endParaRPr lang="en-US" sz="4000" b="1" dirty="0" smtClean="0">
+              <a:latin typeface="Avenir 65" pitchFamily="50" charset="0"/>
+            </a:endParaRPr>
+          </a:p>
+          <a:p>
+            <a:pPr marL="742950" indent="-742950">
+              <a:buAutoNum type="alphaLcParenR"/>
+            </a:pPr>
+            <a:endParaRPr lang="en-US" sz="4000" b="1" dirty="0">
+              <a:latin typeface="Avenir 65" pitchFamily="50" charset="0"/>
+            </a:endParaRPr>
+          </a:p>
+          <a:p>
+            <a:pPr marL="742950" indent="-742950">
+              <a:buAutoNum type="alphaLcParenR"/>
+            </a:pPr>
+            <a:endParaRPr lang="en-US" sz="4000" b="1" dirty="0" smtClean="0">
+              <a:latin typeface="Avenir 65" pitchFamily="50" charset="0"/>
+            </a:endParaRPr>
+          </a:p>
+          <a:p>
+            <a:pPr marL="742950" indent="-742950">
+              <a:buAutoNum type="alphaLcParenR"/>
+            </a:pPr>
+            <a:r>
+              <a:rPr lang="en-US" sz="4000" b="1" dirty="0" smtClean="0">
                 <a:latin typeface="Avenir 65" pitchFamily="50" charset="0"/>
               </a:rPr>
-              <a:t>We first counted the number of each tetranucleotide in all phage genomes using a sliding window of size 4</a:t>
-            </a:r>
+              <a:t>Tetranucleotide usage deviation</a:t>
+            </a:r>
+          </a:p>
+          <a:p>
+            <a:pPr marL="742950" indent="-742950">
+              <a:buAutoNum type="alphaLcParenR"/>
+            </a:pPr>
+            <a:endParaRPr lang="en-US" sz="4000" b="1" dirty="0">
+              <a:latin typeface="Avenir 65" pitchFamily="50" charset="0"/>
+            </a:endParaRPr>
+          </a:p>
+          <a:p>
+            <a:pPr marL="742950" indent="-742950">
+              <a:buAutoNum type="alphaLcParenR"/>
+            </a:pPr>
+            <a:endParaRPr lang="en-US" sz="4000" b="1" dirty="0" smtClean="0">
+              <a:latin typeface="Avenir 65" pitchFamily="50" charset="0"/>
+            </a:endParaRPr>
+          </a:p>
+          <a:p>
+            <a:pPr marL="742950" indent="-742950">
+              <a:buAutoNum type="alphaLcParenR"/>
+            </a:pPr>
+            <a:endParaRPr lang="en-US" sz="4000" b="1" dirty="0">
+              <a:latin typeface="Avenir 65" pitchFamily="50" charset="0"/>
+            </a:endParaRPr>
+          </a:p>
+          <a:p>
+            <a:pPr marL="742950" indent="-742950">
+              <a:buAutoNum type="alphaLcParenR"/>
+            </a:pPr>
+            <a:r>
+              <a:rPr lang="en-US" sz="4000" b="1" dirty="0" smtClean="0">
+                <a:latin typeface="Avenir 65" pitchFamily="50" charset="0"/>
+              </a:rPr>
+              <a:t>Tetranucleotide Difference Index </a:t>
+            </a:r>
+          </a:p>
+          <a:p>
+            <a:pPr marL="742950" indent="-742950">
+              <a:buAutoNum type="alphaLcParenR"/>
+            </a:pPr>
+            <a:endParaRPr lang="en-US" sz="4000" b="1" dirty="0">
+              <a:latin typeface="Avenir 65" pitchFamily="50" charset="0"/>
+            </a:endParaRPr>
+          </a:p>
+          <a:p>
+            <a:pPr marL="742950" indent="-742950">
+              <a:buAutoNum type="alphaLcParenR"/>
+            </a:pPr>
+            <a:endParaRPr lang="en-US" sz="4000" b="1" dirty="0" smtClean="0">
+              <a:latin typeface="Avenir 65" pitchFamily="50" charset="0"/>
+            </a:endParaRPr>
+          </a:p>
+          <a:p>
+            <a:pPr marL="742950" indent="-742950">
+              <a:buAutoNum type="alphaLcParenR"/>
+            </a:pPr>
+            <a:endParaRPr lang="en-US" sz="4000" b="1" dirty="0">
+              <a:latin typeface="Avenir 65" pitchFamily="50" charset="0"/>
+            </a:endParaRPr>
+          </a:p>
+          <a:p>
+            <a:pPr marL="742950" indent="-742950">
+              <a:buAutoNum type="alphaLcParenR"/>
+            </a:pPr>
+            <a:endParaRPr lang="en-US" sz="4000" dirty="0" smtClean="0">
+              <a:latin typeface="Avenir 65" pitchFamily="50" charset="0"/>
+            </a:endParaRPr>
           </a:p>
         </p:txBody>
       </p:sp>
@@ -7689,14 +7988,14 @@
           <p:nvPr>
             <p:extLst>
               <p:ext uri="{D42A27DB-BD31-4B8C-83A1-F6EECF244321}">
-                <p14:modId xmlns:p14="http://schemas.microsoft.com/office/powerpoint/2010/main" val="922711264"/>
+                <p14:modId xmlns:p14="http://schemas.microsoft.com/office/powerpoint/2010/main" val="3465814567"/>
               </p:ext>
             </p:extLst>
           </p:nvPr>
         </p:nvGraphicFramePr>
         <p:xfrm>
-          <a:off x="10669977" y="20243846"/>
-          <a:ext cx="9082066" cy="5433653"/>
+          <a:off x="10992046" y="18768314"/>
+          <a:ext cx="8489605" cy="5433653"/>
         </p:xfrm>
         <a:graphic>
           <a:graphicData uri="http://schemas.openxmlformats.org/drawingml/2006/chart">
@@ -7706,14 +8005,162 @@
       </p:graphicFrame>
       <p:sp>
         <p:nvSpPr>
+          <p:cNvPr id="53" name="TextBox 52"/>
+          <p:cNvSpPr txBox="1"/>
+          <p:nvPr/>
+        </p:nvSpPr>
+        <p:spPr>
+          <a:xfrm>
+            <a:off x="661822" y="6572232"/>
+            <a:ext cx="914400" cy="914400"/>
+          </a:xfrm>
+          <a:prstGeom prst="rect">
+            <a:avLst/>
+          </a:prstGeom>
+          <a:noFill/>
+          <a:ln w="44450" cap="rnd">
+            <a:solidFill>
+              <a:srgbClr val="F79029"/>
+            </a:solidFill>
+          </a:ln>
+        </p:spPr>
+        <p:txBody>
+          <a:bodyPr wrap="square" lIns="0" tIns="0" rIns="0" bIns="0" rtlCol="0" anchor="ctr" anchorCtr="0">
+            <a:noAutofit/>
+          </a:bodyPr>
+          <a:lstStyle/>
+          <a:p>
+            <a:pPr algn="ctr"/>
+            <a:r>
+              <a:rPr lang="en-US" sz="4400" b="1" dirty="0">
+                <a:latin typeface="Avenir 65" pitchFamily="50" charset="0"/>
+              </a:rPr>
+              <a:t>1</a:t>
+            </a:r>
+            <a:endParaRPr lang="en-US" sz="4400" b="1" dirty="0" smtClean="0">
+              <a:latin typeface="Avenir 65" pitchFamily="50" charset="0"/>
+            </a:endParaRPr>
+          </a:p>
+        </p:txBody>
+      </p:sp>
+      <p:sp>
+        <p:nvSpPr>
+          <p:cNvPr id="20" name="TextBox 19"/>
+          <p:cNvSpPr txBox="1"/>
+          <p:nvPr/>
+        </p:nvSpPr>
+        <p:spPr>
+          <a:xfrm>
+            <a:off x="0" y="4455576"/>
+            <a:ext cx="42062400" cy="1386796"/>
+          </a:xfrm>
+          <a:prstGeom prst="rect">
+            <a:avLst/>
+          </a:prstGeom>
+          <a:solidFill>
+            <a:srgbClr val="F79029"/>
+          </a:solidFill>
+        </p:spPr>
+        <p:txBody>
+          <a:bodyPr wrap="square" rtlCol="0">
+            <a:spAutoFit/>
+          </a:bodyPr>
+          <a:lstStyle/>
+          <a:p>
+            <a:pPr algn="ctr"/>
+            <a:r>
+              <a:rPr lang="en-US" spc="270" dirty="0" smtClean="0">
+                <a:solidFill>
+                  <a:schemeClr val="bg1"/>
+                </a:solidFill>
+                <a:latin typeface="Avenir 35 Light" pitchFamily="50" charset="0"/>
+              </a:rPr>
+              <a:t>BROWN UNIVERSITY PHAGE HUNTERS</a:t>
+            </a:r>
+            <a:endParaRPr lang="en-US" spc="270" dirty="0">
+              <a:solidFill>
+                <a:schemeClr val="bg1"/>
+              </a:solidFill>
+              <a:latin typeface="Avenir 35 Light" pitchFamily="50" charset="0"/>
+            </a:endParaRPr>
+          </a:p>
+        </p:txBody>
+      </p:sp>
+      <p:pic>
+        <p:nvPicPr>
+          <p:cNvPr id="21" name="Picture 20"/>
+          <p:cNvPicPr>
+            <a:picLocks noChangeAspect="1"/>
+          </p:cNvPicPr>
+          <p:nvPr/>
+        </p:nvPicPr>
+        <p:blipFill>
+          <a:blip r:embed="rId6"/>
+          <a:stretch>
+            <a:fillRect/>
+          </a:stretch>
+        </p:blipFill>
+        <p:spPr>
+          <a:xfrm>
+            <a:off x="2742380" y="8219250"/>
+            <a:ext cx="3409950" cy="3352800"/>
+          </a:xfrm>
+          <a:prstGeom prst="rect">
+            <a:avLst/>
+          </a:prstGeom>
+        </p:spPr>
+      </p:pic>
+      <p:pic>
+        <p:nvPicPr>
+          <p:cNvPr id="22" name="Picture 4" descr="http://phdposters.com/galfs/o203_p1_poster.jpg"/>
+          <p:cNvPicPr>
+            <a:picLocks noChangeAspect="1" noChangeArrowheads="1"/>
+          </p:cNvPicPr>
+          <p:nvPr/>
+        </p:nvPicPr>
+        <p:blipFill>
+          <a:blip r:embed="rId7">
+            <a:extLst>
+              <a:ext uri="{28A0092B-C50C-407E-A947-70E740481C1C}">
+                <a14:useLocalDpi xmlns:a14="http://schemas.microsoft.com/office/drawing/2010/main" val="0"/>
+              </a:ext>
+            </a:extLst>
+          </a:blip>
+          <a:srcRect/>
+          <a:stretch>
+            <a:fillRect/>
+          </a:stretch>
+        </p:blipFill>
+        <p:spPr bwMode="auto">
+          <a:xfrm>
+            <a:off x="-30068594" y="9819239"/>
+            <a:ext cx="28701137" cy="19806708"/>
+          </a:xfrm>
+          <a:prstGeom prst="rect">
+            <a:avLst/>
+          </a:prstGeom>
+          <a:noFill/>
+          <a:extLst>
+            <a:ext uri="{909E8E84-426E-40DD-AFC4-6F175D3DCCD1}">
+              <a14:hiddenFill xmlns:a14="http://schemas.microsoft.com/office/drawing/2010/main">
+                <a:solidFill>
+                  <a:srgbClr val="FFFFFF"/>
+                </a:solidFill>
+              </a14:hiddenFill>
+            </a:ext>
+          </a:extLst>
+        </p:spPr>
+      </p:pic>
+      <p:sp>
+        <p:nvSpPr>
           <p:cNvPr id="55" name="TextBox 54"/>
           <p:cNvSpPr txBox="1"/>
           <p:nvPr/>
         </p:nvSpPr>
         <p:spPr>
           <a:xfrm>
-            <a:off x="591912" y="4297524"/>
-            <a:ext cx="9566610" cy="818628"/>
+            <a:off x="1823689" y="6687311"/>
+            <a:ext cx="6185279" cy="757393"/>
           </a:xfrm>
           <a:prstGeom prst="rect">
             <a:avLst/>
@@ -7730,11 +8177,89 @@
           <a:lstStyle/>
           <a:p>
             <a:r>
-              <a:rPr lang="en-US" sz="4798" dirty="0">
+              <a:rPr lang="en-US" sz="4400" dirty="0" smtClean="0">
                 <a:latin typeface="Avenir 65" pitchFamily="50" charset="0"/>
               </a:rPr>
-              <a:t>Introduction</a:t>
-            </a:r>
+              <a:t>Alignment-free analysis</a:t>
+            </a:r>
+            <a:endParaRPr lang="en-US" sz="4400" dirty="0" smtClean="0">
+              <a:latin typeface="Avenir 65" pitchFamily="50" charset="0"/>
+            </a:endParaRPr>
+          </a:p>
+        </p:txBody>
+      </p:sp>
+      <p:cxnSp>
+        <p:nvCxnSpPr>
+          <p:cNvPr id="24" name="Straight Connector 23"/>
+          <p:cNvCxnSpPr/>
+          <p:nvPr/>
+        </p:nvCxnSpPr>
+        <p:spPr>
+          <a:xfrm>
+            <a:off x="1576222" y="7484310"/>
+            <a:ext cx="6375431" cy="0"/>
+          </a:xfrm>
+          <a:prstGeom prst="line">
+            <a:avLst/>
+          </a:prstGeom>
+          <a:ln w="44450">
+            <a:solidFill>
+              <a:srgbClr val="F79029"/>
+            </a:solidFill>
+          </a:ln>
+        </p:spPr>
+        <p:style>
+          <a:lnRef idx="1">
+            <a:schemeClr val="dk1"/>
+          </a:lnRef>
+          <a:fillRef idx="0">
+            <a:schemeClr val="dk1"/>
+          </a:fillRef>
+          <a:effectRef idx="0">
+            <a:schemeClr val="dk1"/>
+          </a:effectRef>
+          <a:fontRef idx="minor">
+            <a:schemeClr val="tx1"/>
+          </a:fontRef>
+        </p:style>
+      </p:cxnSp>
+      <p:sp>
+        <p:nvSpPr>
+          <p:cNvPr id="58" name="TextBox 57"/>
+          <p:cNvSpPr txBox="1"/>
+          <p:nvPr/>
+        </p:nvSpPr>
+        <p:spPr>
+          <a:xfrm>
+            <a:off x="661822" y="16845564"/>
+            <a:ext cx="914400" cy="914400"/>
+          </a:xfrm>
+          <a:prstGeom prst="rect">
+            <a:avLst/>
+          </a:prstGeom>
+          <a:noFill/>
+          <a:ln w="44450" cap="rnd">
+            <a:solidFill>
+              <a:srgbClr val="F79029"/>
+            </a:solidFill>
+          </a:ln>
+        </p:spPr>
+        <p:txBody>
+          <a:bodyPr wrap="square" lIns="0" tIns="0" rIns="0" bIns="0" rtlCol="0" anchor="ctr" anchorCtr="0">
+            <a:noAutofit/>
+          </a:bodyPr>
+          <a:lstStyle/>
+          <a:p>
+            <a:pPr algn="ctr"/>
+            <a:r>
+              <a:rPr lang="en-US" sz="4400" b="1" dirty="0" smtClean="0">
+                <a:latin typeface="Avenir 65" pitchFamily="50" charset="0"/>
+              </a:rPr>
+              <a:t>2</a:t>
+            </a:r>
+            <a:endParaRPr lang="en-US" sz="4400" b="1" dirty="0" smtClean="0">
+              <a:latin typeface="Avenir 65" pitchFamily="50" charset="0"/>
+            </a:endParaRPr>
           </a:p>
         </p:txBody>
       </p:sp>
@@ -7746,8 +8271,8 @@
         </p:nvSpPr>
         <p:spPr>
           <a:xfrm>
-            <a:off x="425067" y="12694322"/>
-            <a:ext cx="2538192" cy="757265"/>
+            <a:off x="1823690" y="16960643"/>
+            <a:ext cx="2538192" cy="757393"/>
           </a:xfrm>
           <a:prstGeom prst="rect">
             <a:avLst/>
@@ -7764,14 +8289,52 @@
           <a:lstStyle/>
           <a:p>
             <a:r>
-              <a:rPr lang="en-US" sz="4399" dirty="0">
+              <a:rPr lang="en-US" sz="4400" dirty="0" smtClean="0">
                 <a:latin typeface="Avenir 65" pitchFamily="50" charset="0"/>
               </a:rPr>
               <a:t>Methods</a:t>
             </a:r>
+            <a:endParaRPr lang="en-US" sz="4400" dirty="0" smtClean="0">
+              <a:latin typeface="Avenir 65" pitchFamily="50" charset="0"/>
+            </a:endParaRPr>
           </a:p>
         </p:txBody>
       </p:sp>
+      <p:cxnSp>
+        <p:nvCxnSpPr>
+          <p:cNvPr id="61" name="Straight Connector 60"/>
+          <p:cNvCxnSpPr/>
+          <p:nvPr/>
+        </p:nvCxnSpPr>
+        <p:spPr>
+          <a:xfrm flipV="1">
+            <a:off x="1576222" y="17718036"/>
+            <a:ext cx="2785660" cy="39606"/>
+          </a:xfrm>
+          <a:prstGeom prst="line">
+            <a:avLst/>
+          </a:prstGeom>
+          <a:ln w="44450">
+            <a:solidFill>
+              <a:srgbClr val="F79029"/>
+            </a:solidFill>
+          </a:ln>
+        </p:spPr>
+        <p:style>
+          <a:lnRef idx="1">
+            <a:schemeClr val="dk1"/>
+          </a:lnRef>
+          <a:fillRef idx="0">
+            <a:schemeClr val="dk1"/>
+          </a:fillRef>
+          <a:effectRef idx="0">
+            <a:schemeClr val="dk1"/>
+          </a:effectRef>
+          <a:fontRef idx="minor">
+            <a:schemeClr val="tx1"/>
+          </a:fontRef>
+        </p:style>
+      </p:cxnSp>
       <p:cxnSp>
         <p:nvCxnSpPr>
           <p:cNvPr id="69" name="Straight Connector 68"/>
@@ -7780,8 +8343,8 @@
         </p:nvCxnSpPr>
         <p:spPr>
           <a:xfrm flipH="1">
-            <a:off x="10515600" y="5077968"/>
-            <a:ext cx="52126" cy="25064549"/>
+            <a:off x="10190923" y="6687311"/>
+            <a:ext cx="48289" cy="23220134"/>
           </a:xfrm>
           <a:prstGeom prst="line">
             <a:avLst/>
@@ -7814,9 +8377,9 @@
           <p:nvPr/>
         </p:nvCxnSpPr>
         <p:spPr>
-          <a:xfrm>
-            <a:off x="31546800" y="13866302"/>
-            <a:ext cx="11654" cy="16041148"/>
+          <a:xfrm flipH="1">
+            <a:off x="31832007" y="6687311"/>
+            <a:ext cx="48289" cy="23220134"/>
           </a:xfrm>
           <a:prstGeom prst="line">
             <a:avLst/>
@@ -7844,14 +8407,54 @@
       </p:cxnSp>
       <p:sp>
         <p:nvSpPr>
+          <p:cNvPr id="73" name="TextBox 72"/>
+          <p:cNvSpPr txBox="1"/>
+          <p:nvPr/>
+        </p:nvSpPr>
+        <p:spPr>
+          <a:xfrm>
+            <a:off x="10961401" y="6689541"/>
+            <a:ext cx="914400" cy="914400"/>
+          </a:xfrm>
+          <a:prstGeom prst="rect">
+            <a:avLst/>
+          </a:prstGeom>
+          <a:noFill/>
+          <a:ln w="44450" cap="rnd">
+            <a:solidFill>
+              <a:srgbClr val="F79029"/>
+            </a:solidFill>
+          </a:ln>
+        </p:spPr>
+        <p:txBody>
+          <a:bodyPr wrap="square" lIns="0" tIns="0" rIns="0" bIns="0" rtlCol="0" anchor="ctr" anchorCtr="0">
+            <a:noAutofit/>
+          </a:bodyPr>
+          <a:lstStyle/>
+          <a:p>
+            <a:pPr algn="ctr"/>
+            <a:r>
+              <a:rPr lang="en-US" sz="4400" b="1" dirty="0" smtClean="0">
+                <a:latin typeface="Avenir 65" pitchFamily="50" charset="0"/>
+              </a:rPr>
+              <a:t>3</a:t>
+            </a:r>
+            <a:endParaRPr lang="en-US" sz="4400" b="1" dirty="0" smtClean="0">
+              <a:latin typeface="Avenir 65" pitchFamily="50" charset="0"/>
+            </a:endParaRPr>
+          </a:p>
+        </p:txBody>
+      </p:sp>
+      <p:sp>
+        <p:nvSpPr>
           <p:cNvPr id="74" name="TextBox 73"/>
           <p:cNvSpPr txBox="1"/>
           <p:nvPr/>
         </p:nvSpPr>
         <p:spPr>
           <a:xfrm>
-            <a:off x="10709368" y="4759734"/>
-            <a:ext cx="12463496" cy="818628"/>
+            <a:off x="12123269" y="6804620"/>
+            <a:ext cx="5213563" cy="757393"/>
           </a:xfrm>
           <a:prstGeom prst="rect">
             <a:avLst/>
@@ -7868,24 +8471,177 @@
           <a:lstStyle/>
           <a:p>
             <a:r>
-              <a:rPr lang="en-US" sz="4798" dirty="0">
+              <a:rPr lang="en-US" sz="4400" dirty="0" smtClean="0">
                 <a:latin typeface="Avenir 65" pitchFamily="50" charset="0"/>
               </a:rPr>
-              <a:t>Phylogenetic trees and cluster B3</a:t>
-            </a:r>
+              <a:t>Phylogenetic trees</a:t>
+            </a:r>
+            <a:endParaRPr lang="en-US" sz="4400" dirty="0" smtClean="0">
+              <a:latin typeface="Avenir 65" pitchFamily="50" charset="0"/>
+            </a:endParaRPr>
           </a:p>
         </p:txBody>
       </p:sp>
+      <p:cxnSp>
+        <p:nvCxnSpPr>
+          <p:cNvPr id="75" name="Straight Connector 74"/>
+          <p:cNvCxnSpPr/>
+          <p:nvPr/>
+        </p:nvCxnSpPr>
+        <p:spPr>
+          <a:xfrm>
+            <a:off x="11875801" y="7601619"/>
+            <a:ext cx="4630956" cy="2322"/>
+          </a:xfrm>
+          <a:prstGeom prst="line">
+            <a:avLst/>
+          </a:prstGeom>
+          <a:ln w="44450">
+            <a:solidFill>
+              <a:srgbClr val="F79029"/>
+            </a:solidFill>
+          </a:ln>
+        </p:spPr>
+        <p:style>
+          <a:lnRef idx="1">
+            <a:schemeClr val="dk1"/>
+          </a:lnRef>
+          <a:fillRef idx="0">
+            <a:schemeClr val="dk1"/>
+          </a:fillRef>
+          <a:effectRef idx="0">
+            <a:schemeClr val="dk1"/>
+          </a:effectRef>
+          <a:fontRef idx="minor">
+            <a:schemeClr val="tx1"/>
+          </a:fontRef>
+        </p:style>
+      </p:cxnSp>
       <p:sp>
         <p:nvSpPr>
-          <p:cNvPr id="84" name="TextBox 83"/>
+          <p:cNvPr id="77" name="TextBox 76"/>
           <p:cNvSpPr txBox="1"/>
           <p:nvPr/>
         </p:nvSpPr>
         <p:spPr>
           <a:xfrm>
-            <a:off x="12324504" y="19550559"/>
-            <a:ext cx="6076241" cy="757265"/>
+            <a:off x="10970198" y="16805958"/>
+            <a:ext cx="914400" cy="914400"/>
+          </a:xfrm>
+          <a:prstGeom prst="rect">
+            <a:avLst/>
+          </a:prstGeom>
+          <a:noFill/>
+          <a:ln w="44450" cap="rnd">
+            <a:solidFill>
+              <a:srgbClr val="F79029"/>
+            </a:solidFill>
+          </a:ln>
+        </p:spPr>
+        <p:txBody>
+          <a:bodyPr wrap="square" lIns="0" tIns="0" rIns="0" bIns="0" rtlCol="0" anchor="ctr" anchorCtr="0">
+            <a:noAutofit/>
+          </a:bodyPr>
+          <a:lstStyle/>
+          <a:p>
+            <a:pPr algn="ctr"/>
+            <a:r>
+              <a:rPr lang="en-US" sz="4400" b="1" dirty="0">
+                <a:latin typeface="Avenir 65" pitchFamily="50" charset="0"/>
+              </a:rPr>
+              <a:t>5</a:t>
+            </a:r>
+            <a:endParaRPr lang="en-US" sz="4400" b="1" dirty="0" smtClean="0">
+              <a:latin typeface="Avenir 65" pitchFamily="50" charset="0"/>
+            </a:endParaRPr>
+          </a:p>
+        </p:txBody>
+      </p:sp>
+      <p:cxnSp>
+        <p:nvCxnSpPr>
+          <p:cNvPr id="78" name="Straight Connector 77"/>
+          <p:cNvCxnSpPr/>
+          <p:nvPr/>
+        </p:nvCxnSpPr>
+        <p:spPr>
+          <a:xfrm>
+            <a:off x="11884598" y="17718036"/>
+            <a:ext cx="6314912" cy="41928"/>
+          </a:xfrm>
+          <a:prstGeom prst="line">
+            <a:avLst/>
+          </a:prstGeom>
+          <a:ln w="44450">
+            <a:solidFill>
+              <a:srgbClr val="F79029"/>
+            </a:solidFill>
+          </a:ln>
+        </p:spPr>
+        <p:style>
+          <a:lnRef idx="1">
+            <a:schemeClr val="dk1"/>
+          </a:lnRef>
+          <a:fillRef idx="0">
+            <a:schemeClr val="dk1"/>
+          </a:fillRef>
+          <a:effectRef idx="0">
+            <a:schemeClr val="dk1"/>
+          </a:effectRef>
+          <a:fontRef idx="minor">
+            <a:schemeClr val="tx1"/>
+          </a:fontRef>
+        </p:style>
+      </p:cxnSp>
+      <p:sp>
+        <p:nvSpPr>
+          <p:cNvPr id="81" name="TextBox 80"/>
+          <p:cNvSpPr txBox="1"/>
+          <p:nvPr/>
+        </p:nvSpPr>
+        <p:spPr>
+          <a:xfrm>
+            <a:off x="10961401" y="13008463"/>
+            <a:ext cx="914400" cy="914400"/>
+          </a:xfrm>
+          <a:prstGeom prst="rect">
+            <a:avLst/>
+          </a:prstGeom>
+          <a:noFill/>
+          <a:ln w="44450" cap="rnd">
+            <a:solidFill>
+              <a:srgbClr val="F79029"/>
+            </a:solidFill>
+          </a:ln>
+        </p:spPr>
+        <p:txBody>
+          <a:bodyPr wrap="square" lIns="0" tIns="0" rIns="0" bIns="0" rtlCol="0" anchor="ctr" anchorCtr="0">
+            <a:noAutofit/>
+          </a:bodyPr>
+          <a:lstStyle/>
+          <a:p>
+            <a:pPr algn="ctr"/>
+            <a:r>
+              <a:rPr lang="en-US" sz="4400" b="1" dirty="0">
+                <a:latin typeface="Avenir 65" pitchFamily="50" charset="0"/>
+              </a:rPr>
+              <a:t>4</a:t>
+            </a:r>
+            <a:endParaRPr lang="en-US" sz="4400" b="1" dirty="0" smtClean="0">
+              <a:latin typeface="Avenir 65" pitchFamily="50" charset="0"/>
+            </a:endParaRPr>
+          </a:p>
+        </p:txBody>
+      </p:sp>
+      <p:sp>
+        <p:nvSpPr>
+          <p:cNvPr id="82" name="TextBox 81"/>
+          <p:cNvSpPr txBox="1"/>
+          <p:nvPr/>
+        </p:nvSpPr>
+        <p:spPr>
+          <a:xfrm>
+            <a:off x="12123269" y="13123542"/>
+            <a:ext cx="5213563" cy="757393"/>
           </a:xfrm>
           <a:prstGeom prst="rect">
             <a:avLst/>
@@ -7902,7 +8658,76 @@
           <a:lstStyle/>
           <a:p>
             <a:r>
-              <a:rPr lang="en-US" sz="4399" dirty="0">
+              <a:rPr lang="en-US" sz="4400" dirty="0" smtClean="0">
+                <a:latin typeface="Avenir 65" pitchFamily="50" charset="0"/>
+              </a:rPr>
+              <a:t>Exceptional 4-mers</a:t>
+            </a:r>
+          </a:p>
+        </p:txBody>
+      </p:sp>
+      <p:cxnSp>
+        <p:nvCxnSpPr>
+          <p:cNvPr id="83" name="Straight Connector 82"/>
+          <p:cNvCxnSpPr/>
+          <p:nvPr/>
+        </p:nvCxnSpPr>
+        <p:spPr>
+          <a:xfrm>
+            <a:off x="11875801" y="13920541"/>
+            <a:ext cx="4630956" cy="2322"/>
+          </a:xfrm>
+          <a:prstGeom prst="line">
+            <a:avLst/>
+          </a:prstGeom>
+          <a:ln w="44450">
+            <a:solidFill>
+              <a:srgbClr val="F79029"/>
+            </a:solidFill>
+          </a:ln>
+        </p:spPr>
+        <p:style>
+          <a:lnRef idx="1">
+            <a:schemeClr val="dk1"/>
+          </a:lnRef>
+          <a:fillRef idx="0">
+            <a:schemeClr val="dk1"/>
+          </a:fillRef>
+          <a:effectRef idx="0">
+            <a:schemeClr val="dk1"/>
+          </a:effectRef>
+          <a:fontRef idx="minor">
+            <a:schemeClr val="tx1"/>
+          </a:fontRef>
+        </p:style>
+      </p:cxnSp>
+      <p:sp>
+        <p:nvSpPr>
+          <p:cNvPr id="84" name="TextBox 83"/>
+          <p:cNvSpPr txBox="1"/>
+          <p:nvPr/>
+        </p:nvSpPr>
+        <p:spPr>
+          <a:xfrm>
+            <a:off x="12123269" y="16860421"/>
+            <a:ext cx="6076241" cy="757393"/>
+          </a:xfrm>
+          <a:prstGeom prst="rect">
+            <a:avLst/>
+          </a:prstGeom>
+          <a:noFill/>
+          <a:ln>
+            <a:noFill/>
+          </a:ln>
+        </p:spPr>
+        <p:txBody>
+          <a:bodyPr wrap="square" lIns="79507" tIns="39754" rIns="79507" bIns="39754" rtlCol="0">
+            <a:spAutoFit/>
+          </a:bodyPr>
+          <a:lstStyle/>
+          <a:p>
+            <a:r>
+              <a:rPr lang="en-US" sz="4400" dirty="0" smtClean="0">
                 <a:latin typeface="Avenir 65" pitchFamily="50" charset="0"/>
               </a:rPr>
               <a:t>Genomic self-similarity</a:t>
@@ -7918,8 +8743,8 @@
         </p:nvSpPr>
         <p:spPr>
           <a:xfrm>
-            <a:off x="18477893" y="21842679"/>
-            <a:ext cx="929429" cy="2369926"/>
+            <a:off x="18360774" y="19838620"/>
+            <a:ext cx="1021587" cy="2750292"/>
           </a:xfrm>
           <a:prstGeom prst="roundRect">
             <a:avLst/>
@@ -7941,16 +8766,11 @@
           </a:fontRef>
         </p:style>
         <p:txBody>
-          <a:bodyPr rot="0" spcFirstLastPara="0" vertOverflow="overflow" horzOverflow="overflow" vert="horz" wrap="square" lIns="91440" tIns="45720" rIns="91440" bIns="45720" numCol="1" spcCol="0" rtlCol="0" fromWordArt="0" anchor="ctr" anchorCtr="0" forceAA="0" compatLnSpc="1">
-            <a:prstTxWarp prst="textNoShape">
-              <a:avLst/>
-            </a:prstTxWarp>
-            <a:noAutofit/>
-          </a:bodyPr>
+          <a:bodyPr rtlCol="0" anchor="ctr"/>
           <a:lstStyle/>
           <a:p>
             <a:pPr algn="ctr"/>
-            <a:endParaRPr lang="en-US" sz="8299" dirty="0"/>
+            <a:endParaRPr lang="en-US"/>
           </a:p>
         </p:txBody>
       </p:sp>
@@ -7962,15 +8782,14 @@
         </p:nvCxnSpPr>
         <p:spPr>
           <a:xfrm flipV="1">
-            <a:off x="18528043" y="21244548"/>
-            <a:ext cx="2467006" cy="565732"/>
+            <a:off x="20290836" y="19320387"/>
+            <a:ext cx="740364" cy="2053713"/>
           </a:xfrm>
           <a:prstGeom prst="straightConnector1">
             <a:avLst/>
           </a:prstGeom>
           <a:ln>
-            <a:prstDash val="dash"/>
-            <a:tailEnd type="none"/>
+            <a:tailEnd type="triangle"/>
           </a:ln>
         </p:spPr>
         <p:style>
@@ -7996,30 +8815,17 @@
         </p:nvSpPr>
         <p:spPr>
           <a:xfrm>
-            <a:off x="21132972" y="19957300"/>
-            <a:ext cx="2627086" cy="1372561"/>
+            <a:off x="20511101" y="17617814"/>
+            <a:ext cx="2627086" cy="1372946"/>
           </a:xfrm>
           <a:prstGeom prst="rect">
             <a:avLst/>
           </a:prstGeom>
-          <a:ln cap="rnd">
+          <a:noFill/>
+          <a:ln>
             <a:noFill/>
           </a:ln>
         </p:spPr>
-        <p:style>
-          <a:lnRef idx="2">
-            <a:schemeClr val="dk1"/>
-          </a:lnRef>
-          <a:fillRef idx="1">
-            <a:schemeClr val="lt1"/>
-          </a:fillRef>
-          <a:effectRef idx="0">
-            <a:schemeClr val="dk1"/>
-          </a:effectRef>
-          <a:fontRef idx="minor">
-            <a:schemeClr val="dk1"/>
-          </a:fontRef>
-        </p:style>
         <p:txBody>
           <a:bodyPr wrap="square" lIns="79507" tIns="39754" rIns="79507" bIns="39754" rtlCol="0">
             <a:spAutoFit/>
@@ -8028,7 +8834,7 @@
           <a:p>
             <a:pPr algn="ctr"/>
             <a:r>
-              <a:rPr lang="en-US" sz="2799" dirty="0">
+              <a:rPr lang="en-US" sz="2800" dirty="0" smtClean="0">
                 <a:latin typeface="Avenir 65" pitchFamily="50" charset="0"/>
               </a:rPr>
               <a:t>Evidence of horizontal gene transfer?</a:t>
@@ -8046,7 +8852,7 @@
         </p:nvSpPr>
         <p:spPr bwMode="auto">
           <a:xfrm>
-            <a:off x="155576" y="-144460"/>
+            <a:off x="155575" y="-144463"/>
             <a:ext cx="304800" cy="304801"/>
           </a:xfrm>
           <a:prstGeom prst="rect">
@@ -8071,157 +8877,129 @@
           </a:bodyPr>
           <a:lstStyle/>
           <a:p>
-            <a:endParaRPr lang="en-US" sz="8299" dirty="0"/>
+            <a:endParaRPr lang="en-US"/>
           </a:p>
         </p:txBody>
       </p:sp>
-      <p:grpSp>
-        <p:nvGrpSpPr>
-          <p:cNvPr id="137" name="Group 136"/>
-          <p:cNvGrpSpPr/>
+      <p:sp>
+        <p:nvSpPr>
+          <p:cNvPr id="91" name="TextBox 90"/>
+          <p:cNvSpPr txBox="1"/>
           <p:nvPr/>
-        </p:nvGrpSpPr>
-        <p:grpSpPr>
+        </p:nvSpPr>
+        <p:spPr>
           <a:xfrm>
-            <a:off x="20853267" y="22517064"/>
-            <a:ext cx="3559837" cy="2032993"/>
-            <a:chOff x="22641245" y="23209940"/>
-            <a:chExt cx="3559837" cy="2032993"/>
+            <a:off x="22023946" y="21788225"/>
+            <a:ext cx="3017344" cy="911281"/>
           </a:xfrm>
-        </p:grpSpPr>
-        <p:sp>
-          <p:nvSpPr>
-            <p:cNvPr id="91" name="TextBox 90"/>
-            <p:cNvSpPr txBox="1"/>
-            <p:nvPr/>
-          </p:nvSpPr>
-          <p:spPr>
-            <a:xfrm>
-              <a:off x="23010536" y="24424305"/>
-              <a:ext cx="2821255" cy="818628"/>
-            </a:xfrm>
-            <a:prstGeom prst="rect">
-              <a:avLst/>
-            </a:prstGeom>
+          <a:prstGeom prst="rect">
+            <a:avLst/>
+          </a:prstGeom>
+          <a:noFill/>
+          <a:ln>
             <a:noFill/>
-            <a:ln>
-              <a:noFill/>
-            </a:ln>
-            <a:effectLst>
-              <a:outerShdw blurRad="50800" dist="12700" dir="5400000" algn="t" rotWithShape="0">
-                <a:prstClr val="black">
-                  <a:alpha val="40000"/>
-                </a:prstClr>
-              </a:outerShdw>
-            </a:effectLst>
-          </p:spPr>
-          <p:txBody>
-            <a:bodyPr wrap="square" lIns="79507" tIns="39754" rIns="79507" bIns="39754" rtlCol="0">
-              <a:spAutoFit/>
-            </a:bodyPr>
-            <a:lstStyle/>
-            <a:p>
-              <a:pPr algn="ctr"/>
-              <a:r>
-                <a:rPr lang="en-US" sz="4798" b="1" dirty="0">
-                  <a:solidFill>
-                    <a:srgbClr val="2F9ED1"/>
-                  </a:solidFill>
-                  <a:latin typeface="Times New Roman" panose="02020603050405020304" pitchFamily="18" charset="0"/>
-                  <a:cs typeface="Times New Roman" panose="02020603050405020304" pitchFamily="18" charset="0"/>
-                </a:rPr>
-                <a:t>BLAST</a:t>
-              </a:r>
-              <a:endParaRPr lang="en-US" sz="5400" b="1" dirty="0">
+          </a:ln>
+          <a:effectLst>
+            <a:outerShdw blurRad="50800" dist="12700" dir="5400000" algn="t" rotWithShape="0">
+              <a:prstClr val="black">
+                <a:alpha val="40000"/>
+              </a:prstClr>
+            </a:outerShdw>
+          </a:effectLst>
+        </p:spPr>
+        <p:txBody>
+          <a:bodyPr wrap="square" lIns="79507" tIns="39754" rIns="79507" bIns="39754" rtlCol="0">
+            <a:spAutoFit/>
+          </a:bodyPr>
+          <a:lstStyle/>
+          <a:p>
+            <a:pPr algn="ctr"/>
+            <a:r>
+              <a:rPr lang="en-US" sz="5400" b="1" dirty="0" smtClean="0">
                 <a:solidFill>
                   <a:srgbClr val="2F9ED1"/>
                 </a:solidFill>
                 <a:latin typeface="Times New Roman" panose="02020603050405020304" pitchFamily="18" charset="0"/>
                 <a:cs typeface="Times New Roman" panose="02020603050405020304" pitchFamily="18" charset="0"/>
-              </a:endParaRPr>
-            </a:p>
-          </p:txBody>
-        </p:sp>
-        <p:sp>
-          <p:nvSpPr>
-            <p:cNvPr id="92" name="TextBox 91"/>
-            <p:cNvSpPr txBox="1"/>
-            <p:nvPr/>
-          </p:nvSpPr>
-          <p:spPr>
-            <a:xfrm>
-              <a:off x="22641245" y="23209940"/>
-              <a:ext cx="3559837" cy="572727"/>
-            </a:xfrm>
-            <a:prstGeom prst="rect">
-              <a:avLst/>
-            </a:prstGeom>
+              </a:rPr>
+              <a:t>BLAST</a:t>
+            </a:r>
+          </a:p>
+        </p:txBody>
+      </p:sp>
+      <p:sp>
+        <p:nvSpPr>
+          <p:cNvPr id="92" name="TextBox 91"/>
+          <p:cNvSpPr txBox="1"/>
+          <p:nvPr/>
+        </p:nvSpPr>
+        <p:spPr>
+          <a:xfrm>
+            <a:off x="21481453" y="20573860"/>
+            <a:ext cx="3906460" cy="634282"/>
+          </a:xfrm>
+          <a:prstGeom prst="rect">
+            <a:avLst/>
+          </a:prstGeom>
+          <a:noFill/>
+          <a:ln>
             <a:noFill/>
-            <a:ln>
-              <a:noFill/>
-            </a:ln>
-          </p:spPr>
-          <p:txBody>
-            <a:bodyPr wrap="square" lIns="79507" tIns="39754" rIns="79507" bIns="39754" rtlCol="0">
-              <a:spAutoFit/>
-            </a:bodyPr>
-            <a:lstStyle/>
-            <a:p>
-              <a:pPr algn="ctr"/>
-              <a:r>
-                <a:rPr lang="en-US" sz="3200" dirty="0">
-                  <a:latin typeface="Avenir 65" pitchFamily="50" charset="0"/>
-                </a:rPr>
-                <a:t>Investigate with </a:t>
-              </a:r>
-            </a:p>
-          </p:txBody>
-        </p:sp>
-        <p:sp>
-          <p:nvSpPr>
-            <p:cNvPr id="94" name="TextBox 93"/>
-            <p:cNvSpPr txBox="1"/>
-            <p:nvPr/>
-          </p:nvSpPr>
-          <p:spPr>
-            <a:xfrm>
-              <a:off x="22837224" y="23804080"/>
-              <a:ext cx="3167878" cy="572727"/>
-            </a:xfrm>
-            <a:prstGeom prst="rect">
-              <a:avLst/>
-            </a:prstGeom>
+          </a:ln>
+        </p:spPr>
+        <p:txBody>
+          <a:bodyPr wrap="square" lIns="79507" tIns="39754" rIns="79507" bIns="39754" rtlCol="0">
+            <a:spAutoFit/>
+          </a:bodyPr>
+          <a:lstStyle/>
+          <a:p>
+            <a:pPr algn="ctr"/>
+            <a:r>
+              <a:rPr lang="en-US" sz="3600" dirty="0" smtClean="0">
+                <a:latin typeface="Avenir 65" pitchFamily="50" charset="0"/>
+              </a:rPr>
+              <a:t>Investigate with </a:t>
+            </a:r>
+          </a:p>
+        </p:txBody>
+      </p:sp>
+      <p:sp>
+        <p:nvSpPr>
+          <p:cNvPr id="94" name="TextBox 93"/>
+          <p:cNvSpPr txBox="1"/>
+          <p:nvPr/>
+        </p:nvSpPr>
+        <p:spPr>
+          <a:xfrm>
+            <a:off x="21579388" y="21168000"/>
+            <a:ext cx="3906460" cy="634282"/>
+          </a:xfrm>
+          <a:prstGeom prst="rect">
+            <a:avLst/>
+          </a:prstGeom>
+          <a:noFill/>
+          <a:ln>
             <a:noFill/>
-            <a:ln>
-              <a:noFill/>
-            </a:ln>
-          </p:spPr>
-          <p:txBody>
-            <a:bodyPr wrap="square" lIns="79507" tIns="39754" rIns="79507" bIns="39754" rtlCol="0">
-              <a:spAutoFit/>
-            </a:bodyPr>
-            <a:lstStyle/>
-            <a:p>
-              <a:pPr algn="ctr"/>
-              <a:r>
-                <a:rPr lang="en-US" sz="3200" dirty="0">
-                  <a:solidFill>
-                    <a:srgbClr val="6A4A3C"/>
-                  </a:solidFill>
-                  <a:latin typeface="Hero" panose="02000506000000020004" pitchFamily="50" charset="0"/>
-                </a:rPr>
-                <a:t>Phamerator</a:t>
-              </a:r>
-              <a:endParaRPr lang="en-US" sz="3600" dirty="0">
+          </a:ln>
+        </p:spPr>
+        <p:txBody>
+          <a:bodyPr wrap="square" lIns="79507" tIns="39754" rIns="79507" bIns="39754" rtlCol="0">
+            <a:spAutoFit/>
+          </a:bodyPr>
+          <a:lstStyle/>
+          <a:p>
+            <a:pPr algn="ctr"/>
+            <a:r>
+              <a:rPr lang="en-US" sz="3600" dirty="0" smtClean="0">
                 <a:solidFill>
                   <a:srgbClr val="6A4A3C"/>
                 </a:solidFill>
                 <a:latin typeface="Hero" panose="02000506000000020004" pitchFamily="50" charset="0"/>
-              </a:endParaRPr>
-            </a:p>
-          </p:txBody>
-        </p:sp>
-      </p:grpSp>
+              </a:rPr>
+              <a:t>Phamerator</a:t>
+            </a:r>
+          </a:p>
+        </p:txBody>
+      </p:sp>
       <p:cxnSp>
         <p:nvCxnSpPr>
           <p:cNvPr id="97" name="Straight Arrow Connector 96"/>
@@ -8230,8 +9008,8 @@
         </p:nvCxnSpPr>
         <p:spPr>
           <a:xfrm>
-            <a:off x="22665104" y="21527419"/>
-            <a:ext cx="1" cy="788921"/>
+            <a:off x="22502893" y="19394858"/>
+            <a:ext cx="347386" cy="854550"/>
           </a:xfrm>
           <a:prstGeom prst="straightConnector1">
             <a:avLst/>
@@ -8255,6 +9033,56 @@
           </a:fontRef>
         </p:style>
       </p:cxnSp>
+      <p:sp>
+        <p:nvSpPr>
+          <p:cNvPr id="100" name="TextBox 99"/>
+          <p:cNvSpPr txBox="1"/>
+          <p:nvPr/>
+        </p:nvSpPr>
+        <p:spPr>
+          <a:xfrm>
+            <a:off x="11558237" y="26060844"/>
+            <a:ext cx="5471692" cy="3096495"/>
+          </a:xfrm>
+          <a:prstGeom prst="rect">
+            <a:avLst/>
+          </a:prstGeom>
+          <a:noFill/>
+          <a:ln>
+            <a:noFill/>
+          </a:ln>
+        </p:spPr>
+        <p:txBody>
+          <a:bodyPr wrap="square" lIns="79507" tIns="39754" rIns="79507" bIns="39754" rtlCol="0">
+            <a:spAutoFit/>
+          </a:bodyPr>
+          <a:lstStyle/>
+          <a:p>
+            <a:pPr algn="ctr"/>
+            <a:r>
+              <a:rPr lang="en-US" sz="2800" dirty="0" smtClean="0">
+                <a:latin typeface="Avenir 65" pitchFamily="50" charset="0"/>
+              </a:rPr>
+              <a:t>Cluster L genomes are very repetitive at the end. </a:t>
+            </a:r>
+          </a:p>
+          <a:p>
+            <a:pPr algn="ctr"/>
+            <a:endParaRPr lang="en-US" sz="2800" dirty="0">
+              <a:latin typeface="Avenir 65" pitchFamily="50" charset="0"/>
+            </a:endParaRPr>
+          </a:p>
+          <a:p>
+            <a:pPr algn="ctr"/>
+            <a:r>
+              <a:rPr lang="en-US" sz="2800" dirty="0" smtClean="0">
+                <a:latin typeface="Avenir 65" pitchFamily="50" charset="0"/>
+              </a:rPr>
+              <a:t>Repetitive regions have increased counts of specific 4-mers, contributing to the spike in TDI. </a:t>
+            </a:r>
+          </a:p>
+        </p:txBody>
+      </p:sp>
       <p:cxnSp>
         <p:nvCxnSpPr>
           <p:cNvPr id="101" name="Straight Arrow Connector 100"/>
@@ -8263,8 +9091,8 @@
         </p:nvCxnSpPr>
         <p:spPr>
           <a:xfrm flipV="1">
-            <a:off x="24136810" y="20810018"/>
-            <a:ext cx="1346906" cy="1476931"/>
+            <a:off x="25148572" y="19861178"/>
+            <a:ext cx="415890" cy="593251"/>
           </a:xfrm>
           <a:prstGeom prst="straightConnector1">
             <a:avLst/>
@@ -8296,8 +9124,8 @@
         </p:nvSpPr>
         <p:spPr>
           <a:xfrm>
-            <a:off x="25146246" y="20206245"/>
-            <a:ext cx="3178775" cy="511043"/>
+            <a:off x="26750129" y="18505414"/>
+            <a:ext cx="3178775" cy="511172"/>
           </a:xfrm>
           <a:prstGeom prst="rect">
             <a:avLst/>
@@ -8315,7 +9143,7 @@
           <a:p>
             <a:pPr algn="ctr"/>
             <a:r>
-              <a:rPr lang="en-US" sz="2799" dirty="0">
+              <a:rPr lang="en-US" sz="2800" dirty="0" smtClean="0">
                 <a:latin typeface="Avenir 65" pitchFamily="50" charset="0"/>
               </a:rPr>
               <a:t>Some homology</a:t>
@@ -8331,8 +9159,8 @@
         </p:nvSpPr>
         <p:spPr>
           <a:xfrm>
-            <a:off x="25295135" y="21321854"/>
-            <a:ext cx="5717644" cy="2357703"/>
+            <a:off x="25943418" y="19272948"/>
+            <a:ext cx="5717644" cy="2727163"/>
           </a:xfrm>
           <a:prstGeom prst="rect">
             <a:avLst/>
@@ -8349,84 +9177,150 @@
           <a:lstStyle/>
           <a:p>
             <a:r>
-              <a:rPr lang="en-US" sz="2799" dirty="0">
+              <a:rPr lang="en-US" sz="2800" dirty="0" smtClean="0">
                 <a:latin typeface="Avenir 65" pitchFamily="50" charset="0"/>
               </a:rPr>
-              <a:t>JoeDirt gp 130</a:t>
-            </a:r>
-          </a:p>
-          <a:p>
-            <a:pPr marL="457136" indent="-457136">
+              <a:t>JoeDirt </a:t>
+            </a:r>
+            <a:r>
+              <a:rPr lang="en-US" sz="2800" dirty="0" err="1" smtClean="0">
+                <a:latin typeface="Avenir 65" pitchFamily="50" charset="0"/>
+              </a:rPr>
+              <a:t>gp</a:t>
+            </a:r>
+            <a:r>
+              <a:rPr lang="en-US" sz="2800" dirty="0" smtClean="0">
+                <a:latin typeface="Avenir 65" pitchFamily="50" charset="0"/>
+              </a:rPr>
+              <a:t> 130</a:t>
+            </a:r>
+          </a:p>
+          <a:p>
+            <a:pPr marL="457200" indent="-457200">
               <a:buFont typeface="Arial" panose="020B0604020202020204" pitchFamily="34" charset="0"/>
               <a:buChar char="•"/>
             </a:pPr>
             <a:r>
-              <a:rPr lang="en-US" sz="2400" i="1" dirty="0">
-                <a:latin typeface="Avenir 65" pitchFamily="50" charset="0"/>
-              </a:rPr>
-              <a:t>Mycobacterium abscessus </a:t>
-            </a:r>
-            <a:r>
               <a:rPr lang="en-US" sz="2400" dirty="0">
                 <a:latin typeface="Avenir 65" pitchFamily="50" charset="0"/>
               </a:rPr>
-              <a:t>E = 2e-48</a:t>
-            </a:r>
-          </a:p>
-          <a:p>
-            <a:pPr marL="457136" indent="-457136">
+              <a:t>Mycobacterium </a:t>
+            </a:r>
+            <a:r>
+              <a:rPr lang="en-US" sz="2400" dirty="0" err="1" smtClean="0">
+                <a:latin typeface="Avenir 65" pitchFamily="50" charset="0"/>
+              </a:rPr>
+              <a:t>abscessus</a:t>
+            </a:r>
+            <a:r>
+              <a:rPr lang="en-US" sz="2400" dirty="0" smtClean="0">
+                <a:latin typeface="Avenir 65" pitchFamily="50" charset="0"/>
+              </a:rPr>
+              <a:t> E </a:t>
+            </a:r>
+            <a:r>
+              <a:rPr lang="en-US" sz="2400" dirty="0">
+                <a:latin typeface="Avenir 65" pitchFamily="50" charset="0"/>
+              </a:rPr>
+              <a:t>= </a:t>
+            </a:r>
+            <a:r>
+              <a:rPr lang="en-US" sz="2400" dirty="0" smtClean="0">
+                <a:latin typeface="Avenir 65" pitchFamily="50" charset="0"/>
+              </a:rPr>
+              <a:t>2e-48</a:t>
+            </a:r>
+          </a:p>
+          <a:p>
+            <a:pPr marL="457200" indent="-457200">
               <a:buFont typeface="Arial" panose="020B0604020202020204" pitchFamily="34" charset="0"/>
               <a:buChar char="•"/>
             </a:pPr>
             <a:r>
-              <a:rPr lang="en-US" sz="2400" i="1" dirty="0">
+              <a:rPr lang="en-US" sz="2400" dirty="0" err="1" smtClean="0">
                 <a:latin typeface="Avenir 65" pitchFamily="50" charset="0"/>
               </a:rPr>
-              <a:t>Flavobacterium psychrophilum </a:t>
+              <a:t>Flavobacterium</a:t>
+            </a:r>
+            <a:r>
+              <a:rPr lang="en-US" sz="2400" dirty="0" smtClean="0">
+                <a:latin typeface="Avenir 65" pitchFamily="50" charset="0"/>
+              </a:rPr>
+              <a:t> </a:t>
+            </a:r>
+            <a:r>
+              <a:rPr lang="en-US" sz="2400" dirty="0" err="1">
+                <a:latin typeface="Avenir 65" pitchFamily="50" charset="0"/>
+              </a:rPr>
+              <a:t>psychrophilum</a:t>
             </a:r>
             <a:r>
               <a:rPr lang="en-US" sz="2400" dirty="0">
                 <a:latin typeface="Avenir 65" pitchFamily="50" charset="0"/>
               </a:rPr>
+              <a:t> </a:t>
+            </a:r>
+            <a:r>
+              <a:rPr lang="en-US" sz="2400" dirty="0" smtClean="0">
+                <a:latin typeface="Avenir 65" pitchFamily="50" charset="0"/>
+              </a:rPr>
               <a:t>E=2e-28</a:t>
             </a:r>
           </a:p>
           <a:p>
-            <a:pPr marL="457136" indent="-457136">
+            <a:pPr marL="457200" indent="-457200">
               <a:buFont typeface="Arial" panose="020B0604020202020204" pitchFamily="34" charset="0"/>
               <a:buChar char="•"/>
             </a:pPr>
             <a:r>
-              <a:rPr lang="en-US" sz="2400" i="1" dirty="0" err="1">
+              <a:rPr lang="en-US" sz="2400" dirty="0" smtClean="0">
+                <a:latin typeface="Avenir 65" pitchFamily="50" charset="0"/>
+              </a:rPr>
+              <a:t>Streptomyces sp.  E = 4e-28</a:t>
+            </a:r>
+          </a:p>
+          <a:p>
+            <a:pPr marL="457200" indent="-457200">
+              <a:buFont typeface="Arial" panose="020B0604020202020204" pitchFamily="34" charset="0"/>
+              <a:buChar char="•"/>
+            </a:pPr>
+            <a:r>
+              <a:rPr lang="en-US" sz="2400" dirty="0" err="1" smtClean="0">
                 <a:latin typeface="Avenir 65" pitchFamily="50" charset="0"/>
               </a:rPr>
               <a:t>Opitutaceae</a:t>
             </a:r>
             <a:r>
-              <a:rPr lang="en-US" sz="2400" i="1" dirty="0">
+              <a:rPr lang="en-US" sz="2400" dirty="0" smtClean="0">
                 <a:latin typeface="Avenir 65" pitchFamily="50" charset="0"/>
               </a:rPr>
-              <a:t> bacterium </a:t>
+              <a:t> </a:t>
             </a:r>
             <a:r>
               <a:rPr lang="en-US" sz="2400" dirty="0">
                 <a:latin typeface="Avenir 65" pitchFamily="50" charset="0"/>
               </a:rPr>
-              <a:t>TAV1 ATPase</a:t>
-            </a:r>
-            <a:r>
-              <a:rPr lang="en-US" sz="2400" b="1" dirty="0">
+              <a:t>bacterium </a:t>
+            </a:r>
+            <a:r>
+              <a:rPr lang="en-US" sz="2400" dirty="0" smtClean="0">
                 <a:latin typeface="Avenir 65" pitchFamily="50" charset="0"/>
               </a:rPr>
-              <a:t> </a:t>
-            </a:r>
-            <a:r>
-              <a:rPr lang="en-US" sz="2400" dirty="0">
+              <a:t>TAV1 </a:t>
+            </a:r>
+            <a:r>
+              <a:rPr lang="en-US" sz="2400" b="1" dirty="0" smtClean="0">
+                <a:latin typeface="Avenir 65" pitchFamily="50" charset="0"/>
+              </a:rPr>
+              <a:t>ATPase </a:t>
+            </a:r>
+            <a:r>
+              <a:rPr lang="en-US" sz="2400" dirty="0" smtClean="0">
                 <a:latin typeface="Avenir 65" pitchFamily="50" charset="0"/>
               </a:rPr>
               <a:t>E = 1e-23</a:t>
             </a:r>
-            <a:endParaRPr lang="en-US" sz="2400" b="1" dirty="0">
+            <a:endParaRPr lang="en-US" sz="2400" b="1" dirty="0" smtClean="0">
               <a:latin typeface="Avenir 65" pitchFamily="50" charset="0"/>
             </a:endParaRPr>
           </a:p>
@@ -8440,7 +9334,7 @@
         </p:nvCxnSpPr>
         <p:spPr>
           <a:xfrm flipH="1">
-            <a:off x="31977427" y="27665607"/>
+            <a:off x="31977426" y="27665607"/>
             <a:ext cx="9944606" cy="0"/>
           </a:xfrm>
           <a:prstGeom prst="line">
@@ -8475,7 +9369,7 @@
         </p:nvCxnSpPr>
         <p:spPr>
           <a:xfrm flipH="1">
-            <a:off x="31880839" y="24189436"/>
+            <a:off x="-101337" y="27665607"/>
             <a:ext cx="9944606" cy="0"/>
           </a:xfrm>
           <a:prstGeom prst="line">
@@ -8510,8 +9404,8 @@
         </p:nvSpPr>
         <p:spPr>
           <a:xfrm>
-            <a:off x="31965059" y="24550057"/>
-            <a:ext cx="9535294" cy="3034939"/>
+            <a:off x="307975" y="27891767"/>
+            <a:ext cx="9535294" cy="1188280"/>
           </a:xfrm>
           <a:prstGeom prst="rect">
             <a:avLst/>
@@ -8525,322 +9419,43 @@
           <a:lstStyle/>
           <a:p>
             <a:r>
-              <a:rPr lang="en-US" sz="3200" b="1" dirty="0">
+              <a:rPr lang="en-US" sz="4000" b="1" dirty="0" smtClean="0">
                 <a:latin typeface="Avenir 65" pitchFamily="50" charset="0"/>
               </a:rPr>
               <a:t>Literature Cited</a:t>
             </a:r>
-            <a:endParaRPr lang="en-US" sz="1600" dirty="0"/>
-          </a:p>
-          <a:p>
-            <a:r>
-              <a:rPr lang="en-US" sz="1600" dirty="0" err="1"/>
-              <a:t>Betley</a:t>
-            </a:r>
-            <a:r>
-              <a:rPr lang="en-US" sz="1600" dirty="0"/>
-              <a:t>, J. N., Frith, M. C., Graber, J. H., </a:t>
-            </a:r>
-            <a:r>
-              <a:rPr lang="en-US" sz="1600" dirty="0" err="1"/>
-              <a:t>Choo</a:t>
-            </a:r>
-            <a:r>
-              <a:rPr lang="en-US" sz="1600" dirty="0"/>
-              <a:t>, S. &amp; Deshler, J. O. A ubiquitous and conserved signal for RNA localization in chordates. </a:t>
-            </a:r>
-            <a:r>
-              <a:rPr lang="en-US" sz="1600" i="1" dirty="0" err="1"/>
-              <a:t>Curr</a:t>
-            </a:r>
-            <a:r>
-              <a:rPr lang="en-US" sz="1600" i="1" dirty="0"/>
-              <a:t>. Biol.</a:t>
-            </a:r>
-            <a:r>
-              <a:rPr lang="en-US" sz="1600" dirty="0"/>
-              <a:t> </a:t>
-            </a:r>
-            <a:r>
-              <a:rPr lang="en-US" sz="1600" b="1" dirty="0"/>
-              <a:t>12,</a:t>
-            </a:r>
-            <a:r>
-              <a:rPr lang="en-US" sz="1600" dirty="0"/>
-              <a:t> 1756–1761 (2002).</a:t>
-            </a:r>
-          </a:p>
-          <a:p>
-            <a:r>
-              <a:rPr lang="en-US" sz="1600" dirty="0"/>
-              <a:t>Hall, M. </a:t>
-            </a:r>
-            <a:r>
-              <a:rPr lang="en-US" sz="1600" i="1" dirty="0"/>
-              <a:t>et al.</a:t>
-            </a:r>
-            <a:r>
-              <a:rPr lang="en-US" sz="1600" dirty="0"/>
-              <a:t> The WEKA Data Mining Software: An Update. </a:t>
-            </a:r>
-            <a:r>
-              <a:rPr lang="en-US" sz="1600" i="1" dirty="0"/>
-              <a:t>SIGKDD Explor. f.</a:t>
-            </a:r>
-            <a:r>
-              <a:rPr lang="en-US" sz="1600" dirty="0"/>
-              <a:t> </a:t>
-            </a:r>
-            <a:r>
-              <a:rPr lang="en-US" sz="1600" b="1" dirty="0"/>
-              <a:t>11,</a:t>
-            </a:r>
-            <a:r>
-              <a:rPr lang="en-US" sz="1600" dirty="0"/>
-              <a:t> 10–18 (2009).</a:t>
-            </a:r>
-          </a:p>
-          <a:p>
-            <a:r>
-              <a:rPr lang="en-US" sz="1600" dirty="0" err="1"/>
-              <a:t>Hatfull</a:t>
-            </a:r>
-            <a:r>
-              <a:rPr lang="en-US" sz="1600" dirty="0"/>
-              <a:t>, G. F. </a:t>
-            </a:r>
-            <a:r>
-              <a:rPr lang="en-US" sz="1600" i="1" dirty="0"/>
-              <a:t>et al.</a:t>
-            </a:r>
-            <a:r>
-              <a:rPr lang="en-US" sz="1600" dirty="0"/>
-              <a:t> Comparative Genomic Analysis of 60 Mycobacteriophage Genomes: Genome Clustering, Gene Acquisition, and Gene Size. </a:t>
-            </a:r>
-            <a:r>
-              <a:rPr lang="en-US" sz="1600" i="1" dirty="0"/>
-              <a:t>Journal of Molecular Biology</a:t>
-            </a:r>
-            <a:r>
-              <a:rPr lang="en-US" sz="1600" dirty="0"/>
-              <a:t> </a:t>
-            </a:r>
-            <a:r>
-              <a:rPr lang="en-US" sz="1600" b="1" dirty="0"/>
-              <a:t>397,</a:t>
-            </a:r>
-            <a:r>
-              <a:rPr lang="en-US" sz="1600" dirty="0"/>
-              <a:t> 119–143 (2010).</a:t>
-            </a:r>
-          </a:p>
-          <a:p>
-            <a:r>
-              <a:rPr lang="en-US" sz="1600" dirty="0"/>
-              <a:t>Sandberg, R. </a:t>
-            </a:r>
-            <a:r>
-              <a:rPr lang="en-US" sz="1600" i="1" dirty="0"/>
-              <a:t>et al.</a:t>
-            </a:r>
-            <a:r>
-              <a:rPr lang="en-US" sz="1600" dirty="0"/>
-              <a:t> Capturing Whole-Genome Characteristics in Short Sequences Using a </a:t>
-            </a:r>
-            <a:r>
-              <a:rPr lang="en-US" sz="1600" dirty="0" err="1"/>
-              <a:t>Na?ve</a:t>
-            </a:r>
-            <a:r>
-              <a:rPr lang="en-US" sz="1600" dirty="0"/>
-              <a:t> Bayesian Classifier. </a:t>
-            </a:r>
-            <a:r>
-              <a:rPr lang="en-US" sz="1600" i="1" dirty="0"/>
-              <a:t>Genome Res</a:t>
-            </a:r>
-            <a:r>
-              <a:rPr lang="en-US" sz="1600" dirty="0"/>
-              <a:t> </a:t>
-            </a:r>
-            <a:r>
-              <a:rPr lang="en-US" sz="1600" b="1" dirty="0"/>
-              <a:t>11,</a:t>
-            </a:r>
-            <a:r>
-              <a:rPr lang="en-US" sz="1600" dirty="0"/>
-              <a:t> 1404–1409 (2001).</a:t>
-            </a:r>
-          </a:p>
-          <a:p>
-            <a:r>
-              <a:rPr lang="en-US" sz="1600" dirty="0"/>
-              <a:t>Pride, D. T., </a:t>
-            </a:r>
-            <a:r>
-              <a:rPr lang="en-US" sz="1600" dirty="0" err="1"/>
-              <a:t>Wassenaar</a:t>
-            </a:r>
-            <a:r>
-              <a:rPr lang="en-US" sz="1600" dirty="0"/>
-              <a:t>, T. M., </a:t>
-            </a:r>
-            <a:r>
-              <a:rPr lang="en-US" sz="1600" dirty="0" err="1"/>
-              <a:t>Ghose</a:t>
-            </a:r>
-            <a:r>
-              <a:rPr lang="en-US" sz="1600" dirty="0"/>
-              <a:t>, C. &amp; </a:t>
-            </a:r>
-            <a:r>
-              <a:rPr lang="en-US" sz="1600" dirty="0" err="1"/>
-              <a:t>Blaser</a:t>
-            </a:r>
-            <a:r>
-              <a:rPr lang="en-US" sz="1600" dirty="0"/>
-              <a:t>, M. J. Evidence of host-virus co-evolution in tetranucleotide usage patterns of bacteriophages and eukaryotic viruses. </a:t>
-            </a:r>
-            <a:r>
-              <a:rPr lang="en-US" sz="1600" i="1" dirty="0"/>
-              <a:t>BMC Genomics</a:t>
-            </a:r>
-            <a:r>
-              <a:rPr lang="en-US" sz="1600" dirty="0"/>
-              <a:t> </a:t>
-            </a:r>
-            <a:r>
-              <a:rPr lang="en-US" sz="1600" b="1" dirty="0"/>
-              <a:t>7,</a:t>
-            </a:r>
-            <a:r>
-              <a:rPr lang="en-US" sz="1600" dirty="0"/>
-              <a:t> 8 (2006).</a:t>
-            </a:r>
-          </a:p>
-          <a:p>
-            <a:endParaRPr lang="en-US" sz="1600" b="1" dirty="0">
+            <a:endParaRPr lang="en-US" sz="4000" b="1" dirty="0" smtClean="0">
               <a:latin typeface="Avenir 65" pitchFamily="50" charset="0"/>
             </a:endParaRPr>
           </a:p>
+          <a:p>
+            <a:endParaRPr lang="en-US" sz="1000" b="1" dirty="0" smtClean="0">
+              <a:latin typeface="Avenir 65" pitchFamily="50" charset="0"/>
+            </a:endParaRPr>
+          </a:p>
+          <a:p>
+            <a:r>
+              <a:rPr lang="en-US" sz="2200" dirty="0" smtClean="0">
+                <a:latin typeface="Avenir 65" pitchFamily="50" charset="0"/>
+              </a:rPr>
+              <a:t> </a:t>
+            </a:r>
+            <a:endParaRPr lang="en-US" sz="2000" dirty="0">
+              <a:latin typeface="Avenir 65" pitchFamily="50" charset="0"/>
+            </a:endParaRPr>
+          </a:p>
         </p:txBody>
       </p:sp>
-      <p:grpSp>
-        <p:nvGrpSpPr>
-          <p:cNvPr id="143" name="Group 142"/>
-          <p:cNvGrpSpPr/>
-          <p:nvPr/>
-        </p:nvGrpSpPr>
-        <p:grpSpPr>
-          <a:xfrm>
-            <a:off x="11964802" y="26519998"/>
-            <a:ext cx="5566655" cy="3564380"/>
-            <a:chOff x="11660660" y="26293973"/>
-            <a:chExt cx="5566655" cy="3564382"/>
-          </a:xfrm>
-        </p:grpSpPr>
-        <p:sp>
-          <p:nvSpPr>
-            <p:cNvPr id="100" name="TextBox 99"/>
-            <p:cNvSpPr txBox="1"/>
-            <p:nvPr/>
-          </p:nvSpPr>
-          <p:spPr>
-            <a:xfrm>
-              <a:off x="11660660" y="27193516"/>
-              <a:ext cx="5566655" cy="2664839"/>
-            </a:xfrm>
-            <a:prstGeom prst="rect">
-              <a:avLst/>
-            </a:prstGeom>
-            <a:noFill/>
-            <a:ln>
-              <a:noFill/>
-            </a:ln>
-          </p:spPr>
-          <p:txBody>
-            <a:bodyPr wrap="square" lIns="79507" tIns="39754" rIns="79507" bIns="39754" rtlCol="0">
-              <a:spAutoFit/>
-            </a:bodyPr>
-            <a:lstStyle/>
-            <a:p>
-              <a:pPr marL="457136" indent="-457136">
-                <a:buFont typeface="Arial" panose="020B0604020202020204" pitchFamily="34" charset="0"/>
-                <a:buChar char="•"/>
-              </a:pPr>
-              <a:r>
-                <a:rPr lang="en-US" sz="2799" dirty="0">
-                  <a:latin typeface="Avenir 65" pitchFamily="50" charset="0"/>
-                </a:rPr>
-                <a:t>Cluster L genomes are very repetitive at the end. </a:t>
-              </a:r>
-            </a:p>
-            <a:p>
-              <a:pPr marL="457136" indent="-457136">
-                <a:buFont typeface="Arial" panose="020B0604020202020204" pitchFamily="34" charset="0"/>
-                <a:buChar char="•"/>
-              </a:pPr>
-              <a:r>
-                <a:rPr lang="en-US" sz="2799" dirty="0">
-                  <a:latin typeface="Avenir 65" pitchFamily="50" charset="0"/>
-                </a:rPr>
-                <a:t>Repetitive regions have increased counts of specific 4-mers, contributing to the spike in TDI. </a:t>
-              </a:r>
-            </a:p>
-          </p:txBody>
-        </p:sp>
-        <p:sp>
-          <p:nvSpPr>
-            <p:cNvPr id="113" name="TextBox 112"/>
-            <p:cNvSpPr txBox="1"/>
-            <p:nvPr/>
-          </p:nvSpPr>
-          <p:spPr>
-            <a:xfrm>
-              <a:off x="11708141" y="26293973"/>
-              <a:ext cx="5471692" cy="757265"/>
-            </a:xfrm>
-            <a:prstGeom prst="rect">
-              <a:avLst/>
-            </a:prstGeom>
-            <a:noFill/>
-            <a:ln>
-              <a:noFill/>
-            </a:ln>
-          </p:spPr>
-          <p:txBody>
-            <a:bodyPr wrap="square" lIns="79507" tIns="39754" rIns="79507" bIns="39754" rtlCol="0">
-              <a:spAutoFit/>
-            </a:bodyPr>
-            <a:lstStyle/>
-            <a:p>
-              <a:pPr algn="ctr"/>
-              <a:r>
-                <a:rPr lang="en-US" sz="4399" dirty="0">
-                  <a:ln w="3175">
-                    <a:noFill/>
-                  </a:ln>
-                  <a:solidFill>
-                    <a:srgbClr val="F79029"/>
-                  </a:solidFill>
-                  <a:latin typeface="Avenir 65" pitchFamily="50" charset="0"/>
-                </a:rPr>
-                <a:t>More likely:</a:t>
-              </a:r>
-            </a:p>
-          </p:txBody>
-        </p:sp>
-      </p:grpSp>
       <p:sp>
         <p:nvSpPr>
-          <p:cNvPr id="123" name="TextBox 122"/>
+          <p:cNvPr id="113" name="TextBox 112"/>
           <p:cNvSpPr txBox="1"/>
           <p:nvPr/>
         </p:nvSpPr>
         <p:spPr>
           <a:xfrm>
-            <a:off x="32035008" y="17528521"/>
-            <a:ext cx="6076241" cy="757265"/>
+            <a:off x="11483625" y="25161301"/>
+            <a:ext cx="5471692" cy="757393"/>
           </a:xfrm>
           <a:prstGeom prst="rect">
             <a:avLst/>
@@ -8856,25 +9471,32 @@
           </a:bodyPr>
           <a:lstStyle/>
           <a:p>
-            <a:r>
-              <a:rPr lang="en-US" sz="4399" dirty="0">
+            <a:pPr algn="ctr"/>
+            <a:r>
+              <a:rPr lang="en-US" sz="4400" dirty="0">
+                <a:ln w="3175">
+                  <a:noFill/>
+                </a:ln>
+                <a:solidFill>
+                  <a:srgbClr val="F79029"/>
+                </a:solidFill>
                 <a:latin typeface="Avenir 65" pitchFamily="50" charset="0"/>
               </a:rPr>
-              <a:t>Future directions</a:t>
+              <a:t>More likely:</a:t>
             </a:r>
           </a:p>
         </p:txBody>
       </p:sp>
       <p:sp>
         <p:nvSpPr>
-          <p:cNvPr id="126" name="TextBox 125"/>
+          <p:cNvPr id="117" name="TextBox 116"/>
           <p:cNvSpPr txBox="1"/>
           <p:nvPr/>
         </p:nvSpPr>
         <p:spPr>
           <a:xfrm>
-            <a:off x="32177417" y="13830075"/>
-            <a:ext cx="6076241" cy="757265"/>
+            <a:off x="18150109" y="25017088"/>
+            <a:ext cx="6047771" cy="572727"/>
           </a:xfrm>
           <a:prstGeom prst="rect">
             <a:avLst/>
@@ -8891,2083 +9513,39 @@
           <a:lstStyle/>
           <a:p>
             <a:r>
-              <a:rPr lang="en-US" sz="4399" dirty="0">
+              <a:rPr lang="en-US" sz="3200" dirty="0" smtClean="0">
+                <a:ln w="3175">
+                  <a:noFill/>
+                </a:ln>
+                <a:solidFill>
+                  <a:srgbClr val="F79029"/>
+                </a:solidFill>
                 <a:latin typeface="Avenir 65" pitchFamily="50" charset="0"/>
               </a:rPr>
-              <a:t>Conclusions</a:t>
+              <a:t>JoeDirt (L1)  </a:t>
+            </a:r>
+            <a:r>
+              <a:rPr lang="en-US" sz="2000" dirty="0" smtClean="0">
+                <a:ln w="3175">
+                  <a:noFill/>
+                </a:ln>
+                <a:latin typeface="Avenir 65" pitchFamily="50" charset="0"/>
+              </a:rPr>
+              <a:t>cluster of repeats at 70kb</a:t>
             </a:r>
           </a:p>
         </p:txBody>
       </p:sp>
       <p:sp>
         <p:nvSpPr>
-          <p:cNvPr id="134" name="TextBox 133"/>
+          <p:cNvPr id="118" name="TextBox 117"/>
           <p:cNvSpPr txBox="1"/>
           <p:nvPr/>
         </p:nvSpPr>
         <p:spPr>
           <a:xfrm>
-            <a:off x="32050413" y="22223624"/>
-            <a:ext cx="9265532" cy="1803833"/>
-          </a:xfrm>
-          <a:prstGeom prst="rect">
-            <a:avLst/>
-          </a:prstGeom>
-          <a:noFill/>
-          <a:ln w="3175">
-            <a:noFill/>
-          </a:ln>
-        </p:spPr>
-        <p:txBody>
-          <a:bodyPr wrap="square" lIns="79507" tIns="39754" rIns="79507" bIns="39754" rtlCol="0">
-            <a:spAutoFit/>
-          </a:bodyPr>
-          <a:lstStyle/>
-          <a:p>
-            <a:r>
-              <a:rPr lang="en-US" sz="4000" dirty="0">
-                <a:solidFill>
-                  <a:srgbClr val="F79029"/>
-                </a:solidFill>
-                <a:latin typeface="Avenir 65" pitchFamily="50" charset="0"/>
-              </a:rPr>
-              <a:t>Additional information:</a:t>
-            </a:r>
-          </a:p>
-          <a:p>
-            <a:r>
-              <a:rPr lang="en-US" sz="2400" dirty="0">
-                <a:latin typeface="Avenir 65" pitchFamily="50" charset="0"/>
-              </a:rPr>
-              <a:t>Source code and processed data is available at</a:t>
-            </a:r>
-          </a:p>
-          <a:p>
-            <a:r>
-              <a:rPr lang="en-US" sz="2400" dirty="0">
-                <a:latin typeface="Avenir 65" pitchFamily="50" charset="0"/>
-              </a:rPr>
-              <a:t>Github.com/</a:t>
-            </a:r>
-            <a:r>
-              <a:rPr lang="en-US" sz="2400" dirty="0" err="1">
-                <a:latin typeface="Avenir 65" pitchFamily="50" charset="0"/>
-              </a:rPr>
-              <a:t>bsiranosian</a:t>
-            </a:r>
-            <a:r>
-              <a:rPr lang="en-US" sz="2400" dirty="0">
-                <a:latin typeface="Avenir 65" pitchFamily="50" charset="0"/>
-              </a:rPr>
-              <a:t>/tango</a:t>
-            </a:r>
-          </a:p>
-          <a:p>
-            <a:r>
-              <a:rPr lang="en-US" sz="2400" dirty="0">
-                <a:latin typeface="Avenir 65" pitchFamily="50" charset="0"/>
-              </a:rPr>
-              <a:t>Bsiranosian.com</a:t>
-            </a:r>
-          </a:p>
-        </p:txBody>
-      </p:sp>
-      <mc:AlternateContent xmlns:mc="http://schemas.openxmlformats.org/markup-compatibility/2006">
-        <mc:Choice xmlns:a14="http://schemas.microsoft.com/office/drawing/2010/main" Requires="a14">
-          <p:sp>
-            <p:nvSpPr>
-              <p:cNvPr id="135" name="TextBox 134"/>
-              <p:cNvSpPr txBox="1"/>
-              <p:nvPr/>
-            </p:nvSpPr>
-            <p:spPr>
-              <a:xfrm>
-                <a:off x="432548" y="17514926"/>
-                <a:ext cx="9784968" cy="1926944"/>
-              </a:xfrm>
-              <a:prstGeom prst="rect">
-                <a:avLst/>
-              </a:prstGeom>
-              <a:noFill/>
-              <a:ln>
-                <a:noFill/>
-              </a:ln>
-            </p:spPr>
-            <p:txBody>
-              <a:bodyPr wrap="square" lIns="79507" tIns="39754" rIns="79507" bIns="39754" rtlCol="0">
-                <a:spAutoFit/>
-              </a:bodyPr>
-              <a:lstStyle/>
-              <a:p>
-                <a:pPr marL="742847" indent="-742847">
-                  <a:buFont typeface="+mj-lt"/>
-                  <a:buAutoNum type="alphaLcParenR" startAt="2"/>
-                </a:pPr>
-                <a:r>
-                  <a:rPr lang="en-US" sz="3200" b="1" dirty="0">
-                    <a:latin typeface="Avenir 65" pitchFamily="50" charset="0"/>
-                  </a:rPr>
-                  <a:t>Tetranucleotide usage deviation (TUD)</a:t>
-                </a:r>
-              </a:p>
-              <a:p>
-                <a:r>
-                  <a:rPr lang="en-US" sz="2200" dirty="0">
-                    <a:latin typeface="Avenir 65" pitchFamily="50" charset="0"/>
-                  </a:rPr>
-                  <a:t>To remove biases in tetranucleotide counts, we divided each observed count by the number of tetranucleotides expected under a model of random nucleotide distribution. This gives the Tetranucleotide Usage Deviation (TUD) for a tetranucleotide </a:t>
-                </a:r>
-                <a14:m>
-                  <m:oMath xmlns:m="http://schemas.openxmlformats.org/officeDocument/2006/math">
-                    <m:r>
-                      <a:rPr lang="en-US" sz="2200" i="1">
-                        <a:latin typeface="Cambria Math" panose="02040503050406030204" pitchFamily="18" charset="0"/>
-                      </a:rPr>
-                      <m:t>𝑤</m:t>
-                    </m:r>
-                  </m:oMath>
-                </a14:m>
-                <a:r>
-                  <a:rPr lang="en-US" sz="2200" dirty="0">
-                    <a:latin typeface="Avenir 65" pitchFamily="50" charset="0"/>
-                  </a:rPr>
-                  <a:t>. </a:t>
-                </a:r>
-              </a:p>
-            </p:txBody>
-          </p:sp>
-        </mc:Choice>
-        <mc:Fallback>
-          <p:sp>
-            <p:nvSpPr>
-              <p:cNvPr id="135" name="TextBox 134"/>
-              <p:cNvSpPr txBox="1">
-                <a:spLocks noRot="1" noChangeAspect="1" noMove="1" noResize="1" noEditPoints="1" noAdjustHandles="1" noChangeArrowheads="1" noChangeShapeType="1" noTextEdit="1"/>
-              </p:cNvSpPr>
-              <p:nvPr/>
-            </p:nvSpPr>
-            <p:spPr>
-              <a:xfrm>
-                <a:off x="432548" y="17514926"/>
-                <a:ext cx="9784968" cy="1926944"/>
-              </a:xfrm>
-              <a:prstGeom prst="rect">
-                <a:avLst/>
-              </a:prstGeom>
-              <a:blipFill rotWithShape="0">
-                <a:blip r:embed="rId6"/>
-                <a:stretch>
-                  <a:fillRect l="-1745" t="-4747" b="-6013"/>
-                </a:stretch>
-              </a:blipFill>
-              <a:ln>
-                <a:noFill/>
-              </a:ln>
-            </p:spPr>
-            <p:txBody>
-              <a:bodyPr/>
-              <a:lstStyle/>
-              <a:p>
-                <a:r>
-                  <a:rPr lang="en-US">
-                    <a:noFill/>
-                  </a:rPr>
-                  <a:t> </a:t>
-                </a:r>
-              </a:p>
-            </p:txBody>
-          </p:sp>
-        </mc:Fallback>
-      </mc:AlternateContent>
-      <mc:AlternateContent xmlns:mc="http://schemas.openxmlformats.org/markup-compatibility/2006">
-        <mc:Choice xmlns:a14="http://schemas.microsoft.com/office/drawing/2010/main" Requires="a14">
-          <p:sp>
-            <p:nvSpPr>
-              <p:cNvPr id="136" name="TextBox 135"/>
-              <p:cNvSpPr txBox="1"/>
-              <p:nvPr/>
-            </p:nvSpPr>
-            <p:spPr>
-              <a:xfrm>
-                <a:off x="261183" y="24460105"/>
-                <a:ext cx="10005451" cy="6296858"/>
-              </a:xfrm>
-              <a:prstGeom prst="rect">
-                <a:avLst/>
-              </a:prstGeom>
-              <a:noFill/>
-              <a:ln>
-                <a:noFill/>
-              </a:ln>
-            </p:spPr>
-            <p:txBody>
-              <a:bodyPr wrap="square" lIns="79507" tIns="39754" rIns="79507" bIns="39754" rtlCol="0">
-                <a:spAutoFit/>
-              </a:bodyPr>
-              <a:lstStyle/>
-              <a:p>
-                <a:pPr marL="742847" indent="-742847">
-                  <a:buFont typeface="+mj-lt"/>
-                  <a:buAutoNum type="alphaLcParenR" startAt="4"/>
-                </a:pPr>
-                <a:r>
-                  <a:rPr lang="en-US" sz="3200" b="1" dirty="0">
-                    <a:latin typeface="Avenir 65" pitchFamily="50" charset="0"/>
-                  </a:rPr>
-                  <a:t>Tetranucleotide difference index (TDI)</a:t>
-                </a:r>
-              </a:p>
-              <a:p>
-                <a:r>
-                  <a:rPr lang="en-US" sz="2200" dirty="0">
-                    <a:latin typeface="Avenir 65" pitchFamily="50" charset="0"/>
-                  </a:rPr>
-                  <a:t>Genomes are relatively self-similar in oligonucleotide usage. A region with a drastically different TUD signal can indicate horizontal transfer of genetic material. We computed a tetranucleotide difference index (TDI) in a sliding window to look for</a:t>
-                </a:r>
-                <a:r>
-                  <a:rPr lang="en-US" sz="2200" i="1" dirty="0">
-                    <a:latin typeface="Avenir 65" pitchFamily="50" charset="0"/>
-                  </a:rPr>
-                  <a:t> </a:t>
-                </a:r>
-                <a:r>
-                  <a:rPr lang="en-US" sz="2200" dirty="0">
-                    <a:latin typeface="Avenir 65" pitchFamily="50" charset="0"/>
-                  </a:rPr>
-                  <a:t>regions of interest in phage genomes. </a:t>
-                </a:r>
-              </a:p>
-              <a:p>
-                <a:endParaRPr lang="en-US" sz="2200" b="1" dirty="0">
-                  <a:latin typeface="Avenir 65" pitchFamily="50" charset="0"/>
-                </a:endParaRPr>
-              </a:p>
-              <a:p>
-                <a:r>
-                  <a:rPr lang="en-US" sz="2200" dirty="0">
-                    <a:latin typeface="Avenir 65" pitchFamily="50" charset="0"/>
-                  </a:rPr>
-                  <a:t>Tetranucleotide differences are measured in each window </a:t>
-                </a:r>
-                <a14:m>
-                  <m:oMath xmlns:m="http://schemas.openxmlformats.org/officeDocument/2006/math">
-                    <m:r>
-                      <a:rPr lang="en-US" sz="2200" i="1">
-                        <a:latin typeface="Cambria Math" panose="02040503050406030204" pitchFamily="18" charset="0"/>
-                      </a:rPr>
-                      <m:t>𝑠</m:t>
-                    </m:r>
-                  </m:oMath>
-                </a14:m>
-                <a:r>
-                  <a:rPr lang="en-US" sz="2200" dirty="0">
-                    <a:latin typeface="Avenir 65" pitchFamily="50" charset="0"/>
-                  </a:rPr>
-                  <a:t> by the equation:</a:t>
-                </a:r>
-              </a:p>
-              <a:p>
-                <a:pPr/>
-                <a:endParaRPr lang="en-US" sz="2200" i="1" dirty="0">
-                  <a:latin typeface="Cambria Math" panose="02040503050406030204" pitchFamily="18" charset="0"/>
-                </a:endParaRPr>
-              </a:p>
-              <a:p>
-                <a:pPr/>
-                <a14:m>
-                  <m:oMathPara xmlns:m="http://schemas.openxmlformats.org/officeDocument/2006/math">
-                    <m:oMathParaPr>
-                      <m:jc m:val="center"/>
-                    </m:oMathParaPr>
-                    <m:oMath xmlns:m="http://schemas.openxmlformats.org/officeDocument/2006/math">
-                      <m:r>
-                        <a:rPr lang="en-US" sz="2200" i="1">
-                          <a:latin typeface="Cambria Math" panose="02040503050406030204" pitchFamily="18" charset="0"/>
-                        </a:rPr>
-                        <m:t>𝑇</m:t>
-                      </m:r>
-                      <m:sSub>
-                        <m:sSubPr>
-                          <m:ctrlPr>
-                            <a:rPr lang="en-US" sz="2200" i="1">
-                              <a:latin typeface="Cambria Math" panose="02040503050406030204" pitchFamily="18" charset="0"/>
-                            </a:rPr>
-                          </m:ctrlPr>
-                        </m:sSubPr>
-                        <m:e>
-                          <m:r>
-                            <a:rPr lang="en-US" sz="2200" i="1">
-                              <a:latin typeface="Cambria Math" panose="02040503050406030204" pitchFamily="18" charset="0"/>
-                            </a:rPr>
-                            <m:t>𝐷</m:t>
-                          </m:r>
-                        </m:e>
-                        <m:sub>
-                          <m:r>
-                            <a:rPr lang="en-US" sz="2200" i="1">
-                              <a:latin typeface="Cambria Math" panose="02040503050406030204" pitchFamily="18" charset="0"/>
-                            </a:rPr>
-                            <m:t>𝑠</m:t>
-                          </m:r>
-                        </m:sub>
-                      </m:sSub>
-                      <m:r>
-                        <a:rPr lang="en-US" sz="2200" i="1">
-                          <a:latin typeface="Cambria Math" panose="02040503050406030204" pitchFamily="18" charset="0"/>
-                        </a:rPr>
-                        <m:t>=</m:t>
-                      </m:r>
-                      <m:nary>
-                        <m:naryPr>
-                          <m:chr m:val="∑"/>
-                          <m:ctrlPr>
-                            <a:rPr lang="en-US" sz="2200" i="1">
-                              <a:latin typeface="Cambria Math" panose="02040503050406030204" pitchFamily="18" charset="0"/>
-                            </a:rPr>
-                          </m:ctrlPr>
-                        </m:naryPr>
-                        <m:sub>
-                          <m:r>
-                            <m:rPr>
-                              <m:brk m:alnAt="23"/>
-                            </m:rPr>
-                            <a:rPr lang="en-US" sz="2200" i="1">
-                              <a:latin typeface="Cambria Math" panose="02040503050406030204" pitchFamily="18" charset="0"/>
-                            </a:rPr>
-                            <m:t>𝑖</m:t>
-                          </m:r>
-                          <m:r>
-                            <a:rPr lang="en-US" sz="2200" i="1">
-                              <a:latin typeface="Cambria Math" panose="02040503050406030204" pitchFamily="18" charset="0"/>
-                            </a:rPr>
-                            <m:t>=1</m:t>
-                          </m:r>
-                        </m:sub>
-                        <m:sup>
-                          <m:r>
-                            <a:rPr lang="en-US" sz="2200" i="1">
-                              <a:latin typeface="Cambria Math" panose="02040503050406030204" pitchFamily="18" charset="0"/>
-                            </a:rPr>
-                            <m:t>256</m:t>
-                          </m:r>
-                        </m:sup>
-                        <m:e>
-                          <m:d>
-                            <m:dPr>
-                              <m:begChr m:val="|"/>
-                              <m:endChr m:val="|"/>
-                              <m:ctrlPr>
-                                <a:rPr lang="en-US" sz="2200" i="1">
-                                  <a:latin typeface="Cambria Math" panose="02040503050406030204" pitchFamily="18" charset="0"/>
-                                </a:rPr>
-                              </m:ctrlPr>
-                            </m:dPr>
-                            <m:e>
-                              <m:r>
-                                <a:rPr lang="en-US" sz="2200" i="1">
-                                  <a:latin typeface="Cambria Math" panose="02040503050406030204" pitchFamily="18" charset="0"/>
-                                </a:rPr>
-                                <m:t>𝑇𝑈</m:t>
-                              </m:r>
-                              <m:sSub>
-                                <m:sSubPr>
-                                  <m:ctrlPr>
-                                    <a:rPr lang="en-US" sz="2200" i="1">
-                                      <a:latin typeface="Cambria Math" panose="02040503050406030204" pitchFamily="18" charset="0"/>
-                                    </a:rPr>
-                                  </m:ctrlPr>
-                                </m:sSubPr>
-                                <m:e>
-                                  <m:r>
-                                    <a:rPr lang="en-US" sz="2200" i="1">
-                                      <a:latin typeface="Cambria Math" panose="02040503050406030204" pitchFamily="18" charset="0"/>
-                                    </a:rPr>
-                                    <m:t>𝐷</m:t>
-                                  </m:r>
-                                </m:e>
-                                <m:sub>
-                                  <m:r>
-                                    <a:rPr lang="en-US" sz="2200" i="1">
-                                      <a:latin typeface="Cambria Math" panose="02040503050406030204" pitchFamily="18" charset="0"/>
-                                    </a:rPr>
-                                    <m:t>𝑠</m:t>
-                                  </m:r>
-                                </m:sub>
-                              </m:sSub>
-                              <m:d>
-                                <m:dPr>
-                                  <m:ctrlPr>
-                                    <a:rPr lang="en-US" sz="2200" i="1">
-                                      <a:latin typeface="Cambria Math" panose="02040503050406030204" pitchFamily="18" charset="0"/>
-                                    </a:rPr>
-                                  </m:ctrlPr>
-                                </m:dPr>
-                                <m:e>
-                                  <m:sSub>
-                                    <m:sSubPr>
-                                      <m:ctrlPr>
-                                        <a:rPr lang="en-US" sz="2200" i="1">
-                                          <a:latin typeface="Cambria Math" panose="02040503050406030204" pitchFamily="18" charset="0"/>
-                                        </a:rPr>
-                                      </m:ctrlPr>
-                                    </m:sSubPr>
-                                    <m:e>
-                                      <m:r>
-                                        <a:rPr lang="en-US" sz="2200" i="1">
-                                          <a:latin typeface="Cambria Math" panose="02040503050406030204" pitchFamily="18" charset="0"/>
-                                        </a:rPr>
-                                        <m:t>𝑤</m:t>
-                                      </m:r>
-                                    </m:e>
-                                    <m:sub>
-                                      <m:r>
-                                        <a:rPr lang="en-US" sz="2200" i="1">
-                                          <a:latin typeface="Cambria Math" panose="02040503050406030204" pitchFamily="18" charset="0"/>
-                                        </a:rPr>
-                                        <m:t>𝑖</m:t>
-                                      </m:r>
-                                    </m:sub>
-                                  </m:sSub>
-                                </m:e>
-                              </m:d>
-                              <m:r>
-                                <a:rPr lang="en-US" sz="2200" i="1">
-                                  <a:latin typeface="Cambria Math" panose="02040503050406030204" pitchFamily="18" charset="0"/>
-                                </a:rPr>
-                                <m:t>−</m:t>
-                              </m:r>
-                              <m:r>
-                                <a:rPr lang="en-US" sz="2200" i="1">
-                                  <a:latin typeface="Cambria Math" panose="02040503050406030204" pitchFamily="18" charset="0"/>
-                                </a:rPr>
-                                <m:t>𝑇𝑈</m:t>
-                              </m:r>
-                              <m:sSub>
-                                <m:sSubPr>
-                                  <m:ctrlPr>
-                                    <a:rPr lang="en-US" sz="2200" i="1">
-                                      <a:latin typeface="Cambria Math" panose="02040503050406030204" pitchFamily="18" charset="0"/>
-                                    </a:rPr>
-                                  </m:ctrlPr>
-                                </m:sSubPr>
-                                <m:e>
-                                  <m:r>
-                                    <a:rPr lang="en-US" sz="2200" i="1">
-                                      <a:latin typeface="Cambria Math" panose="02040503050406030204" pitchFamily="18" charset="0"/>
-                                    </a:rPr>
-                                    <m:t>𝐷</m:t>
-                                  </m:r>
-                                </m:e>
-                                <m:sub>
-                                  <m:r>
-                                    <a:rPr lang="en-US" sz="2200" i="1">
-                                      <a:latin typeface="Cambria Math" panose="02040503050406030204" pitchFamily="18" charset="0"/>
-                                    </a:rPr>
-                                    <m:t>𝐺</m:t>
-                                  </m:r>
-                                </m:sub>
-                              </m:sSub>
-                              <m:r>
-                                <a:rPr lang="en-US" sz="2200" i="1">
-                                  <a:latin typeface="Cambria Math" panose="02040503050406030204" pitchFamily="18" charset="0"/>
-                                </a:rPr>
-                                <m:t>(</m:t>
-                              </m:r>
-                              <m:sSub>
-                                <m:sSubPr>
-                                  <m:ctrlPr>
-                                    <a:rPr lang="en-US" sz="2200" i="1">
-                                      <a:latin typeface="Cambria Math" panose="02040503050406030204" pitchFamily="18" charset="0"/>
-                                    </a:rPr>
-                                  </m:ctrlPr>
-                                </m:sSubPr>
-                                <m:e>
-                                  <m:r>
-                                    <a:rPr lang="en-US" sz="2200" i="1">
-                                      <a:latin typeface="Cambria Math" panose="02040503050406030204" pitchFamily="18" charset="0"/>
-                                    </a:rPr>
-                                    <m:t>𝑤</m:t>
-                                  </m:r>
-                                </m:e>
-                                <m:sub>
-                                  <m:r>
-                                    <a:rPr lang="en-US" sz="2200" i="1">
-                                      <a:latin typeface="Cambria Math" panose="02040503050406030204" pitchFamily="18" charset="0"/>
-                                    </a:rPr>
-                                    <m:t>𝑖</m:t>
-                                  </m:r>
-                                </m:sub>
-                              </m:sSub>
-                              <m:r>
-                                <a:rPr lang="en-US" sz="2200" i="1">
-                                  <a:latin typeface="Cambria Math" panose="02040503050406030204" pitchFamily="18" charset="0"/>
-                                </a:rPr>
-                                <m:t>)</m:t>
-                              </m:r>
-                            </m:e>
-                          </m:d>
-                        </m:e>
-                      </m:nary>
-                    </m:oMath>
-                  </m:oMathPara>
-                </a14:m>
-                <a:r>
-                  <a:rPr lang="en-US" sz="2200" dirty="0">
-                    <a:latin typeface="Avenir 65" pitchFamily="50" charset="0"/>
-                  </a:rPr>
-                  <a:t/>
-                </a:r>
-                <a:br>
-                  <a:rPr lang="en-US" sz="2200" dirty="0">
-                    <a:latin typeface="Avenir 65" pitchFamily="50" charset="0"/>
-                  </a:rPr>
-                </a:br>
-                <a:endParaRPr lang="en-US" sz="2200" dirty="0">
-                  <a:latin typeface="Avenir 65" pitchFamily="50" charset="0"/>
-                </a:endParaRPr>
-              </a:p>
-              <a:p>
-                <a:pPr/>
-                <a:endParaRPr lang="en-US" sz="2200" dirty="0">
-                  <a:latin typeface="Avenir 65" pitchFamily="50" charset="0"/>
-                </a:endParaRPr>
-              </a:p>
-              <a:p>
-                <a:pPr/>
-                <a:r>
-                  <a:rPr lang="en-US" sz="2200" dirty="0">
-                    <a:latin typeface="Avenir 65" pitchFamily="50" charset="0"/>
-                  </a:rPr>
-                  <a:t>Where </a:t>
-                </a:r>
-                <a14:m>
-                  <m:oMath xmlns:m="http://schemas.openxmlformats.org/officeDocument/2006/math">
-                    <m:r>
-                      <a:rPr lang="en-US" sz="2200" i="1">
-                        <a:latin typeface="Cambria Math" panose="02040503050406030204" pitchFamily="18" charset="0"/>
-                      </a:rPr>
-                      <m:t>𝑇𝑈</m:t>
-                    </m:r>
-                    <m:sSub>
-                      <m:sSubPr>
-                        <m:ctrlPr>
-                          <a:rPr lang="en-US" sz="2200" i="1">
-                            <a:latin typeface="Cambria Math" panose="02040503050406030204" pitchFamily="18" charset="0"/>
-                          </a:rPr>
-                        </m:ctrlPr>
-                      </m:sSubPr>
-                      <m:e>
-                        <m:r>
-                          <a:rPr lang="en-US" sz="2200" i="1">
-                            <a:latin typeface="Cambria Math" panose="02040503050406030204" pitchFamily="18" charset="0"/>
-                          </a:rPr>
-                          <m:t>𝐷</m:t>
-                        </m:r>
-                      </m:e>
-                      <m:sub>
-                        <m:r>
-                          <a:rPr lang="en-US" sz="2200" i="1">
-                            <a:latin typeface="Cambria Math" panose="02040503050406030204" pitchFamily="18" charset="0"/>
-                          </a:rPr>
-                          <m:t>𝑠</m:t>
-                        </m:r>
-                      </m:sub>
-                    </m:sSub>
-                  </m:oMath>
-                </a14:m>
-                <a:r>
-                  <a:rPr lang="en-US" sz="2200" dirty="0">
-                    <a:latin typeface="Avenir 65" pitchFamily="50" charset="0"/>
-                  </a:rPr>
-                  <a:t> is the TUD value for a word </a:t>
-                </a:r>
-                <a14:m>
-                  <m:oMath xmlns:m="http://schemas.openxmlformats.org/officeDocument/2006/math">
-                    <m:sSub>
-                      <m:sSubPr>
-                        <m:ctrlPr>
-                          <a:rPr lang="en-US" sz="2200" i="1">
-                            <a:latin typeface="Cambria Math" panose="02040503050406030204" pitchFamily="18" charset="0"/>
-                          </a:rPr>
-                        </m:ctrlPr>
-                      </m:sSubPr>
-                      <m:e>
-                        <m:r>
-                          <a:rPr lang="en-US" sz="2200" i="1">
-                            <a:latin typeface="Cambria Math" panose="02040503050406030204" pitchFamily="18" charset="0"/>
-                          </a:rPr>
-                          <m:t>𝑤</m:t>
-                        </m:r>
-                      </m:e>
-                      <m:sub>
-                        <m:r>
-                          <a:rPr lang="en-US" sz="2200" i="1">
-                            <a:latin typeface="Cambria Math" panose="02040503050406030204" pitchFamily="18" charset="0"/>
-                          </a:rPr>
-                          <m:t>𝑖</m:t>
-                        </m:r>
-                      </m:sub>
-                    </m:sSub>
-                  </m:oMath>
-                </a14:m>
-                <a:r>
-                  <a:rPr lang="en-US" sz="2200" dirty="0">
-                    <a:latin typeface="Avenir 65" pitchFamily="50" charset="0"/>
-                  </a:rPr>
-                  <a:t> in the sliding window and  </a:t>
-                </a:r>
-                <a14:m>
-                  <m:oMath xmlns:m="http://schemas.openxmlformats.org/officeDocument/2006/math">
-                    <m:r>
-                      <a:rPr lang="en-US" sz="2200" i="1">
-                        <a:latin typeface="Cambria Math" panose="02040503050406030204" pitchFamily="18" charset="0"/>
-                      </a:rPr>
-                      <m:t>𝑇𝑈</m:t>
-                    </m:r>
-                    <m:sSub>
-                      <m:sSubPr>
-                        <m:ctrlPr>
-                          <a:rPr lang="en-US" sz="2200" i="1">
-                            <a:latin typeface="Cambria Math" panose="02040503050406030204" pitchFamily="18" charset="0"/>
-                          </a:rPr>
-                        </m:ctrlPr>
-                      </m:sSubPr>
-                      <m:e>
-                        <m:r>
-                          <a:rPr lang="en-US" sz="2200" i="1">
-                            <a:latin typeface="Cambria Math" panose="02040503050406030204" pitchFamily="18" charset="0"/>
-                          </a:rPr>
-                          <m:t>𝐷</m:t>
-                        </m:r>
-                      </m:e>
-                      <m:sub>
-                        <m:r>
-                          <a:rPr lang="en-US" sz="2200" i="1">
-                            <a:latin typeface="Cambria Math" panose="02040503050406030204" pitchFamily="18" charset="0"/>
-                          </a:rPr>
-                          <m:t>𝐺</m:t>
-                        </m:r>
-                      </m:sub>
-                    </m:sSub>
-                  </m:oMath>
-                </a14:m>
-                <a:r>
-                  <a:rPr lang="en-US" sz="2200" dirty="0">
-                    <a:latin typeface="Avenir 65" pitchFamily="50" charset="0"/>
-                  </a:rPr>
-                  <a:t> is the TUD value for the entire genome. We compare the Z-score of tetranucleotide differences for each window to find regions of significant difference:</a:t>
-                </a:r>
-              </a:p>
-              <a:p>
-                <a:pPr algn="ctr"/>
-                <a14:m>
-                  <m:oMathPara xmlns:m="http://schemas.openxmlformats.org/officeDocument/2006/math">
-                    <m:oMathParaPr>
-                      <m:jc m:val="center"/>
-                    </m:oMathParaPr>
-                    <m:oMath xmlns:m="http://schemas.openxmlformats.org/officeDocument/2006/math">
-                      <m:sSub>
-                        <m:sSubPr>
-                          <m:ctrlPr>
-                            <a:rPr lang="en-US" sz="2200" i="1">
-                              <a:latin typeface="Cambria Math" panose="02040503050406030204" pitchFamily="18" charset="0"/>
-                            </a:rPr>
-                          </m:ctrlPr>
-                        </m:sSubPr>
-                        <m:e>
-                          <m:r>
-                            <a:rPr lang="en-US" sz="2200" i="1">
-                              <a:latin typeface="Cambria Math" panose="02040503050406030204" pitchFamily="18" charset="0"/>
-                            </a:rPr>
-                            <m:t>𝑍</m:t>
-                          </m:r>
-                        </m:e>
-                        <m:sub>
-                          <m:r>
-                            <a:rPr lang="en-US" sz="2200" i="1">
-                              <a:latin typeface="Cambria Math" panose="02040503050406030204" pitchFamily="18" charset="0"/>
-                            </a:rPr>
-                            <m:t>𝑠</m:t>
-                          </m:r>
-                        </m:sub>
-                      </m:sSub>
-                      <m:r>
-                        <a:rPr lang="en-US" sz="2200" i="1">
-                          <a:latin typeface="Cambria Math" panose="02040503050406030204" pitchFamily="18" charset="0"/>
-                        </a:rPr>
-                        <m:t>= </m:t>
-                      </m:r>
-                      <m:f>
-                        <m:fPr>
-                          <m:ctrlPr>
-                            <a:rPr lang="en-US" sz="2200" i="1">
-                              <a:latin typeface="Cambria Math" panose="02040503050406030204" pitchFamily="18" charset="0"/>
-                            </a:rPr>
-                          </m:ctrlPr>
-                        </m:fPr>
-                        <m:num>
-                          <m:r>
-                            <a:rPr lang="en-US" sz="2200" i="1">
-                              <a:latin typeface="Cambria Math" panose="02040503050406030204" pitchFamily="18" charset="0"/>
-                            </a:rPr>
-                            <m:t>𝑇</m:t>
-                          </m:r>
-                          <m:sSub>
-                            <m:sSubPr>
-                              <m:ctrlPr>
-                                <a:rPr lang="en-US" sz="2200" i="1">
-                                  <a:latin typeface="Cambria Math" panose="02040503050406030204" pitchFamily="18" charset="0"/>
-                                </a:rPr>
-                              </m:ctrlPr>
-                            </m:sSubPr>
-                            <m:e>
-                              <m:r>
-                                <a:rPr lang="en-US" sz="2200" i="1">
-                                  <a:latin typeface="Cambria Math" panose="02040503050406030204" pitchFamily="18" charset="0"/>
-                                </a:rPr>
-                                <m:t>𝐷</m:t>
-                              </m:r>
-                            </m:e>
-                            <m:sub>
-                              <m:r>
-                                <a:rPr lang="en-US" sz="2200" i="1">
-                                  <a:latin typeface="Cambria Math" panose="02040503050406030204" pitchFamily="18" charset="0"/>
-                                </a:rPr>
-                                <m:t>𝑠</m:t>
-                              </m:r>
-                            </m:sub>
-                          </m:sSub>
-                          <m:r>
-                            <a:rPr lang="en-US" sz="2200" i="1">
-                              <a:latin typeface="Cambria Math" panose="02040503050406030204" pitchFamily="18" charset="0"/>
-                            </a:rPr>
-                            <m:t>−</m:t>
-                          </m:r>
-                          <m:r>
-                            <a:rPr lang="en-US" sz="2200" i="1">
-                              <a:latin typeface="Cambria Math" panose="02040503050406030204" pitchFamily="18" charset="0"/>
-                            </a:rPr>
-                            <m:t>𝑚𝑒𝑎𝑛</m:t>
-                          </m:r>
-                          <m:r>
-                            <a:rPr lang="en-US" sz="2200" i="1">
-                              <a:latin typeface="Cambria Math" panose="02040503050406030204" pitchFamily="18" charset="0"/>
-                            </a:rPr>
-                            <m:t>(</m:t>
-                          </m:r>
-                          <m:r>
-                            <a:rPr lang="en-US" sz="2200" i="1">
-                              <a:latin typeface="Cambria Math" panose="02040503050406030204" pitchFamily="18" charset="0"/>
-                            </a:rPr>
-                            <m:t>𝑇𝐷</m:t>
-                          </m:r>
-                          <m:r>
-                            <a:rPr lang="en-US" sz="2200" i="1">
-                              <a:latin typeface="Cambria Math" panose="02040503050406030204" pitchFamily="18" charset="0"/>
-                            </a:rPr>
-                            <m:t>)</m:t>
-                          </m:r>
-                        </m:num>
-                        <m:den>
-                          <m:r>
-                            <a:rPr lang="en-US" sz="2200" i="1">
-                              <a:latin typeface="Cambria Math" panose="02040503050406030204" pitchFamily="18" charset="0"/>
-                            </a:rPr>
-                            <m:t>𝑠𝑡𝑑𝑒𝑣</m:t>
-                          </m:r>
-                          <m:r>
-                            <a:rPr lang="en-US" sz="2200" i="1">
-                              <a:latin typeface="Cambria Math" panose="02040503050406030204" pitchFamily="18" charset="0"/>
-                            </a:rPr>
-                            <m:t>(</m:t>
-                          </m:r>
-                          <m:r>
-                            <a:rPr lang="en-US" sz="2200" i="1">
-                              <a:latin typeface="Cambria Math" panose="02040503050406030204" pitchFamily="18" charset="0"/>
-                            </a:rPr>
-                            <m:t>𝑇𝐷</m:t>
-                          </m:r>
-                          <m:r>
-                            <a:rPr lang="en-US" sz="2200" i="1">
-                              <a:latin typeface="Cambria Math" panose="02040503050406030204" pitchFamily="18" charset="0"/>
-                            </a:rPr>
-                            <m:t>)</m:t>
-                          </m:r>
-                        </m:den>
-                      </m:f>
-                    </m:oMath>
-                  </m:oMathPara>
-                </a14:m>
-                <a:endParaRPr lang="en-US" sz="2200" dirty="0">
-                  <a:latin typeface="Avenir 65" pitchFamily="50" charset="0"/>
-                </a:endParaRPr>
-              </a:p>
-            </p:txBody>
-          </p:sp>
-        </mc:Choice>
-        <mc:Fallback>
-          <p:sp>
-            <p:nvSpPr>
-              <p:cNvPr id="136" name="TextBox 135"/>
-              <p:cNvSpPr txBox="1">
-                <a:spLocks noRot="1" noChangeAspect="1" noMove="1" noResize="1" noEditPoints="1" noAdjustHandles="1" noChangeArrowheads="1" noChangeShapeType="1" noTextEdit="1"/>
-              </p:cNvSpPr>
-              <p:nvPr/>
-            </p:nvSpPr>
-            <p:spPr>
-              <a:xfrm>
-                <a:off x="261183" y="24460105"/>
-                <a:ext cx="10005451" cy="6296858"/>
-              </a:xfrm>
-              <a:prstGeom prst="rect">
-                <a:avLst/>
-              </a:prstGeom>
-              <a:blipFill rotWithShape="0">
-                <a:blip r:embed="rId7"/>
-                <a:stretch>
-                  <a:fillRect l="-1706" t="-1452"/>
-                </a:stretch>
-              </a:blipFill>
-              <a:ln>
-                <a:noFill/>
-              </a:ln>
-            </p:spPr>
-            <p:txBody>
-              <a:bodyPr/>
-              <a:lstStyle/>
-              <a:p>
-                <a:r>
-                  <a:rPr lang="en-US">
-                    <a:noFill/>
-                  </a:rPr>
-                  <a:t> </a:t>
-                </a:r>
-              </a:p>
-            </p:txBody>
-          </p:sp>
-        </mc:Fallback>
-      </mc:AlternateContent>
-      <p:grpSp>
-        <p:nvGrpSpPr>
-          <p:cNvPr id="148" name="Group 147"/>
-          <p:cNvGrpSpPr/>
-          <p:nvPr/>
-        </p:nvGrpSpPr>
-        <p:grpSpPr>
-          <a:xfrm>
-            <a:off x="1555469" y="15080000"/>
-            <a:ext cx="3407470" cy="2279729"/>
-            <a:chOff x="1496474" y="15993721"/>
-            <a:chExt cx="3407470" cy="2279730"/>
-          </a:xfrm>
-        </p:grpSpPr>
-        <p:sp>
-          <p:nvSpPr>
-            <p:cNvPr id="158" name="TextBox 157"/>
-            <p:cNvSpPr txBox="1"/>
-            <p:nvPr/>
-          </p:nvSpPr>
-          <p:spPr>
-            <a:xfrm>
-              <a:off x="1496474" y="16061498"/>
-              <a:ext cx="3168800" cy="2144177"/>
-            </a:xfrm>
-            <a:prstGeom prst="rect">
-              <a:avLst/>
-            </a:prstGeom>
-            <a:noFill/>
-          </p:spPr>
-          <p:txBody>
-            <a:bodyPr wrap="square" rtlCol="0">
-              <a:spAutoFit/>
-            </a:bodyPr>
-            <a:lstStyle/>
-            <a:p>
-              <a:pPr>
-                <a:spcAft>
-                  <a:spcPts val="400"/>
-                </a:spcAft>
-              </a:pPr>
-              <a:r>
-                <a:rPr lang="en-US" sz="2400" spc="600" dirty="0" smtClean="0">
-                  <a:ln w="19050">
-                    <a:solidFill>
-                      <a:srgbClr val="C7474E"/>
-                    </a:solidFill>
-                  </a:ln>
-                  <a:solidFill>
-                    <a:srgbClr val="C7474E"/>
-                  </a:solidFill>
-                  <a:effectLst/>
-                  <a:latin typeface="Hero" panose="02000506000000020004" pitchFamily="50" charset="0"/>
-                </a:rPr>
-                <a:t>GATG</a:t>
-              </a:r>
-              <a:r>
-                <a:rPr lang="en-US" sz="2400" spc="600" dirty="0" smtClean="0">
-                  <a:latin typeface="Hero" panose="02000506000000020004" pitchFamily="50" charset="0"/>
-                </a:rPr>
-                <a:t>ATGATCA</a:t>
-              </a:r>
-              <a:endParaRPr lang="en-US" sz="2400" spc="600" dirty="0">
-                <a:latin typeface="Hero" panose="02000506000000020004" pitchFamily="50" charset="0"/>
-              </a:endParaRPr>
-            </a:p>
-            <a:p>
-              <a:pPr>
-                <a:spcAft>
-                  <a:spcPts val="400"/>
-                </a:spcAft>
-              </a:pPr>
-              <a:r>
-                <a:rPr lang="en-US" sz="2400" spc="600" dirty="0">
-                  <a:latin typeface="Hero" panose="02000506000000020004" pitchFamily="50" charset="0"/>
-                </a:rPr>
-                <a:t>G</a:t>
-              </a:r>
-              <a:r>
-                <a:rPr lang="en-US" sz="2400" spc="600" dirty="0">
-                  <a:ln w="19050">
-                    <a:solidFill>
-                      <a:srgbClr val="D6AA26"/>
-                    </a:solidFill>
-                  </a:ln>
-                  <a:solidFill>
-                    <a:srgbClr val="D6AA26"/>
-                  </a:solidFill>
-                  <a:latin typeface="Hero" panose="02000506000000020004" pitchFamily="50" charset="0"/>
-                </a:rPr>
-                <a:t>ATGA</a:t>
-              </a:r>
-              <a:r>
-                <a:rPr lang="en-US" sz="2400" spc="600" dirty="0">
-                  <a:latin typeface="Hero" panose="02000506000000020004" pitchFamily="50" charset="0"/>
-                </a:rPr>
-                <a:t>TGATCA</a:t>
-              </a:r>
-            </a:p>
-            <a:p>
-              <a:pPr>
-                <a:spcAft>
-                  <a:spcPts val="400"/>
-                </a:spcAft>
-              </a:pPr>
-              <a:r>
-                <a:rPr lang="en-US" sz="2400" spc="600" dirty="0">
-                  <a:latin typeface="Hero" panose="02000506000000020004" pitchFamily="50" charset="0"/>
-                </a:rPr>
-                <a:t>GA</a:t>
-              </a:r>
-              <a:r>
-                <a:rPr lang="en-US" sz="2400" spc="600" dirty="0">
-                  <a:ln w="19050">
-                    <a:solidFill>
-                      <a:srgbClr val="4E8B63"/>
-                    </a:solidFill>
-                  </a:ln>
-                  <a:solidFill>
-                    <a:srgbClr val="4E8B63"/>
-                  </a:solidFill>
-                  <a:latin typeface="Hero" panose="02000506000000020004" pitchFamily="50" charset="0"/>
-                </a:rPr>
-                <a:t>TGAT</a:t>
-              </a:r>
-              <a:r>
-                <a:rPr lang="en-US" sz="2400" spc="600" dirty="0">
-                  <a:latin typeface="Hero" panose="02000506000000020004" pitchFamily="50" charset="0"/>
-                </a:rPr>
-                <a:t>GATCA</a:t>
-              </a:r>
-            </a:p>
-            <a:p>
-              <a:pPr>
-                <a:spcAft>
-                  <a:spcPts val="400"/>
-                </a:spcAft>
-              </a:pPr>
-              <a:r>
-                <a:rPr lang="en-US" sz="2400" spc="600" dirty="0">
-                  <a:latin typeface="Hero" panose="02000506000000020004" pitchFamily="50" charset="0"/>
-                </a:rPr>
-                <a:t>GAT</a:t>
-              </a:r>
-              <a:r>
-                <a:rPr lang="en-US" sz="2400" spc="600" dirty="0">
-                  <a:ln w="19050">
-                    <a:solidFill>
-                      <a:srgbClr val="C7474E"/>
-                    </a:solidFill>
-                  </a:ln>
-                  <a:solidFill>
-                    <a:srgbClr val="C7474E"/>
-                  </a:solidFill>
-                  <a:latin typeface="Hero" panose="02000506000000020004" pitchFamily="50" charset="0"/>
-                </a:rPr>
-                <a:t>GATG</a:t>
-              </a:r>
-              <a:r>
-                <a:rPr lang="en-US" sz="2400" spc="600" dirty="0">
-                  <a:latin typeface="Hero" panose="02000506000000020004" pitchFamily="50" charset="0"/>
-                </a:rPr>
-                <a:t>ATCA</a:t>
-              </a:r>
-            </a:p>
-            <a:p>
-              <a:pPr>
-                <a:spcAft>
-                  <a:spcPts val="400"/>
-                </a:spcAft>
-              </a:pPr>
-              <a:r>
-                <a:rPr lang="en-US" sz="2400" spc="600" dirty="0">
-                  <a:latin typeface="Hero" panose="02000506000000020004" pitchFamily="50" charset="0"/>
-                </a:rPr>
-                <a:t>GATG</a:t>
-              </a:r>
-              <a:r>
-                <a:rPr lang="en-US" sz="2400" spc="600" dirty="0">
-                  <a:ln w="19050">
-                    <a:solidFill>
-                      <a:srgbClr val="D6AA26"/>
-                    </a:solidFill>
-                  </a:ln>
-                  <a:solidFill>
-                    <a:srgbClr val="D6AA26"/>
-                  </a:solidFill>
-                  <a:latin typeface="Hero" panose="02000506000000020004" pitchFamily="50" charset="0"/>
-                </a:rPr>
-                <a:t>ATGA</a:t>
-              </a:r>
-              <a:r>
-                <a:rPr lang="en-US" sz="2400" spc="600" dirty="0">
-                  <a:latin typeface="Hero" panose="02000506000000020004" pitchFamily="50" charset="0"/>
-                </a:rPr>
-                <a:t>TCA</a:t>
-              </a:r>
-            </a:p>
-          </p:txBody>
-        </p:sp>
-        <p:cxnSp>
-          <p:nvCxnSpPr>
-            <p:cNvPr id="1055" name="Straight Connector 1054"/>
-            <p:cNvCxnSpPr/>
-            <p:nvPr/>
-          </p:nvCxnSpPr>
-          <p:spPr>
-            <a:xfrm>
-              <a:off x="4903944" y="15993721"/>
-              <a:ext cx="0" cy="2279730"/>
-            </a:xfrm>
-            <a:prstGeom prst="line">
-              <a:avLst/>
-            </a:prstGeom>
-            <a:ln w="19050">
-              <a:solidFill>
-                <a:schemeClr val="tx1"/>
-              </a:solidFill>
-            </a:ln>
-          </p:spPr>
-          <p:style>
-            <a:lnRef idx="1">
-              <a:schemeClr val="dk1"/>
-            </a:lnRef>
-            <a:fillRef idx="0">
-              <a:schemeClr val="dk1"/>
-            </a:fillRef>
-            <a:effectRef idx="0">
-              <a:schemeClr val="dk1"/>
-            </a:effectRef>
-            <a:fontRef idx="minor">
-              <a:schemeClr val="tx1"/>
-            </a:fontRef>
-          </p:style>
-        </p:cxnSp>
-      </p:grpSp>
-      <p:sp>
-        <p:nvSpPr>
-          <p:cNvPr id="1056" name="TextBox 1055"/>
-          <p:cNvSpPr txBox="1"/>
-          <p:nvPr/>
-        </p:nvSpPr>
-        <p:spPr>
-          <a:xfrm>
-            <a:off x="438428" y="5226564"/>
-            <a:ext cx="9935530" cy="6863417"/>
-          </a:xfrm>
-          <a:prstGeom prst="rect">
-            <a:avLst/>
-          </a:prstGeom>
-          <a:noFill/>
-        </p:spPr>
-        <p:txBody>
-          <a:bodyPr wrap="square" rtlCol="0">
-            <a:spAutoFit/>
-          </a:bodyPr>
-          <a:lstStyle/>
-          <a:p>
-            <a:r>
-              <a:rPr lang="en-US" sz="2200" dirty="0">
-                <a:latin typeface="Avenir 65" pitchFamily="50" charset="0"/>
-              </a:rPr>
-              <a:t>Traditionally, phage genomes are compared using methods that require sequence alignment or gene annotation. These methods may be ineffective for populations with significant horizontal gene transfer and are relatively difficult to compute for large datasets. Mycobacteriophages also lack a common genetic element, like ribosomal RNA in bacteria, from which to compute phylogenetic relationships. Alignment-free sequence analysis methods, such as measures that compute the usage of oligonucleotides in a genome, have the potential to infer relationships between significantly diverged sequences. We examined the usage of tetranucleotides in all 663 phage genomes available in the mycobacteriophage database as an alternative to alignment and annotation based methods. </a:t>
-            </a:r>
-          </a:p>
-          <a:p>
-            <a:r>
-              <a:rPr lang="en-US" sz="2200" dirty="0">
-                <a:latin typeface="Avenir 65" pitchFamily="50" charset="0"/>
-              </a:rPr>
-              <a:t>We found tetranucleotide usage deviation (TUD), a normalized measure of tetranucleotide usage in a genome, to be comparable </a:t>
-            </a:r>
-            <a:r>
-              <a:rPr lang="en-US" sz="2200" dirty="0">
-                <a:latin typeface="Avenir 65" pitchFamily="50" charset="0"/>
-              </a:rPr>
-              <a:t>for members of the same phage subcluster and distinct between </a:t>
-            </a:r>
-            <a:r>
-              <a:rPr lang="en-US" sz="2200" dirty="0">
-                <a:latin typeface="Avenir 65" pitchFamily="50" charset="0"/>
-              </a:rPr>
-              <a:t>subclusters. We used TUD as a measure of distance between phage and were able to:</a:t>
-            </a:r>
-          </a:p>
-          <a:p>
-            <a:pPr marL="342853" indent="-342853">
-              <a:buFont typeface="Arial" panose="020B0604020202020204" pitchFamily="34" charset="0"/>
-              <a:buChar char="•"/>
-            </a:pPr>
-            <a:r>
-              <a:rPr lang="en-US" sz="2200" dirty="0">
-                <a:latin typeface="Avenir 65" pitchFamily="50" charset="0"/>
-              </a:rPr>
-              <a:t>Construct phylogenetic trees that place members of a subcluster in a monophyletic clade</a:t>
-            </a:r>
-          </a:p>
-          <a:p>
-            <a:pPr marL="342853" indent="-342853">
-              <a:buFont typeface="Arial" panose="020B0604020202020204" pitchFamily="34" charset="0"/>
-              <a:buChar char="•"/>
-            </a:pPr>
-            <a:r>
-              <a:rPr lang="en-US" sz="2200" dirty="0">
-                <a:latin typeface="Avenir 65" pitchFamily="50" charset="0"/>
-              </a:rPr>
-              <a:t>Accurately assign subclusters to phage </a:t>
-            </a:r>
-            <a:r>
-              <a:rPr lang="en-US" sz="2200" dirty="0" smtClean="0">
-                <a:latin typeface="Avenir 65" pitchFamily="50" charset="0"/>
-              </a:rPr>
-              <a:t>in a nearest neighbor classifier</a:t>
-            </a:r>
-            <a:endParaRPr lang="en-US" sz="2200" dirty="0">
-              <a:latin typeface="Avenir 65" pitchFamily="50" charset="0"/>
-            </a:endParaRPr>
-          </a:p>
-          <a:p>
-            <a:pPr marL="342853" indent="-342853">
-              <a:buFont typeface="Arial" panose="020B0604020202020204" pitchFamily="34" charset="0"/>
-              <a:buChar char="•"/>
-            </a:pPr>
-            <a:r>
-              <a:rPr lang="en-US" sz="2200" dirty="0">
-                <a:latin typeface="Avenir 65" pitchFamily="50" charset="0"/>
-              </a:rPr>
-              <a:t>Identify windows in a genome with significantly different tetranucleotide usage, possibly indicating horizontal gene transfer</a:t>
-            </a:r>
-          </a:p>
-        </p:txBody>
-      </p:sp>
-      <mc:AlternateContent xmlns:mc="http://schemas.openxmlformats.org/markup-compatibility/2006">
-        <mc:Choice xmlns:a14="http://schemas.microsoft.com/office/drawing/2010/main" Requires="a14">
-          <p:sp>
-            <p:nvSpPr>
-              <p:cNvPr id="1057" name="Rectangle 1056"/>
-              <p:cNvSpPr/>
-              <p:nvPr/>
-            </p:nvSpPr>
-            <p:spPr>
-              <a:xfrm>
-                <a:off x="3597504" y="19554948"/>
-                <a:ext cx="2935419" cy="861326"/>
-              </a:xfrm>
-              <a:prstGeom prst="rect">
-                <a:avLst/>
-              </a:prstGeom>
-            </p:spPr>
-            <p:txBody>
-              <a:bodyPr wrap="none">
-                <a:spAutoFit/>
-              </a:bodyPr>
-              <a:lstStyle/>
-              <a:p>
-                <a14:m>
-                  <m:oMathPara xmlns:m="http://schemas.openxmlformats.org/officeDocument/2006/math">
-                    <m:oMathParaPr>
-                      <m:jc m:val="centerGroup"/>
-                    </m:oMathParaPr>
-                    <m:oMath xmlns:m="http://schemas.openxmlformats.org/officeDocument/2006/math">
-                      <m:r>
-                        <a:rPr lang="en-US" sz="2400" b="1" i="1">
-                          <a:latin typeface="Cambria Math" panose="02040503050406030204" pitchFamily="18" charset="0"/>
-                        </a:rPr>
-                        <m:t>𝑻𝑼𝑫</m:t>
-                      </m:r>
-                      <m:d>
-                        <m:dPr>
-                          <m:ctrlPr>
-                            <a:rPr lang="en-US" sz="2400" b="1" i="1">
-                              <a:latin typeface="Cambria Math" panose="02040503050406030204" pitchFamily="18" charset="0"/>
-                            </a:rPr>
-                          </m:ctrlPr>
-                        </m:dPr>
-                        <m:e>
-                          <m:r>
-                            <a:rPr lang="en-US" sz="2400" b="1" i="1">
-                              <a:latin typeface="Cambria Math" panose="02040503050406030204" pitchFamily="18" charset="0"/>
-                            </a:rPr>
-                            <m:t>𝒘</m:t>
-                          </m:r>
-                        </m:e>
-                      </m:d>
-                      <m:r>
-                        <a:rPr lang="en-US" sz="2400" b="1" i="1">
-                          <a:latin typeface="Cambria Math" panose="02040503050406030204" pitchFamily="18" charset="0"/>
-                        </a:rPr>
-                        <m:t>= </m:t>
-                      </m:r>
-                      <m:f>
-                        <m:fPr>
-                          <m:ctrlPr>
-                            <a:rPr lang="en-US" sz="2400" b="1" i="1">
-                              <a:latin typeface="Cambria Math" panose="02040503050406030204" pitchFamily="18" charset="0"/>
-                            </a:rPr>
-                          </m:ctrlPr>
-                        </m:fPr>
-                        <m:num>
-                          <m:r>
-                            <a:rPr lang="en-US" sz="2400" b="1" i="1">
-                              <a:latin typeface="Cambria Math" panose="02040503050406030204" pitchFamily="18" charset="0"/>
-                            </a:rPr>
-                            <m:t>𝑶𝒃𝒔</m:t>
-                          </m:r>
-                          <m:r>
-                            <a:rPr lang="en-US" sz="2400" b="1" i="1">
-                              <a:latin typeface="Cambria Math" panose="02040503050406030204" pitchFamily="18" charset="0"/>
-                            </a:rPr>
-                            <m:t>(</m:t>
-                          </m:r>
-                          <m:r>
-                            <a:rPr lang="en-US" sz="2400" b="1" i="1">
-                              <a:latin typeface="Cambria Math" panose="02040503050406030204" pitchFamily="18" charset="0"/>
-                            </a:rPr>
-                            <m:t>𝒘</m:t>
-                          </m:r>
-                          <m:r>
-                            <a:rPr lang="en-US" sz="2400" b="1" i="1">
-                              <a:latin typeface="Cambria Math" panose="02040503050406030204" pitchFamily="18" charset="0"/>
-                            </a:rPr>
-                            <m:t>)</m:t>
-                          </m:r>
-                        </m:num>
-                        <m:den>
-                          <m:r>
-                            <a:rPr lang="en-US" sz="2400" b="1" i="1">
-                              <a:latin typeface="Cambria Math" panose="02040503050406030204" pitchFamily="18" charset="0"/>
-                            </a:rPr>
-                            <m:t>𝑬𝒙𝒑</m:t>
-                          </m:r>
-                          <m:r>
-                            <a:rPr lang="en-US" sz="2400" b="1" i="1">
-                              <a:latin typeface="Cambria Math" panose="02040503050406030204" pitchFamily="18" charset="0"/>
-                            </a:rPr>
-                            <m:t>(</m:t>
-                          </m:r>
-                          <m:r>
-                            <a:rPr lang="en-US" sz="2400" b="1" i="1">
-                              <a:latin typeface="Cambria Math" panose="02040503050406030204" pitchFamily="18" charset="0"/>
-                            </a:rPr>
-                            <m:t>𝒘</m:t>
-                          </m:r>
-                          <m:r>
-                            <a:rPr lang="en-US" sz="2400" b="1" i="1">
-                              <a:latin typeface="Cambria Math" panose="02040503050406030204" pitchFamily="18" charset="0"/>
-                            </a:rPr>
-                            <m:t>)</m:t>
-                          </m:r>
-                        </m:den>
-                      </m:f>
-                    </m:oMath>
-                  </m:oMathPara>
-                </a14:m>
-                <a:endParaRPr lang="en-US" sz="2400" dirty="0"/>
-              </a:p>
-            </p:txBody>
-          </p:sp>
-        </mc:Choice>
-        <mc:Fallback>
-          <p:sp>
-            <p:nvSpPr>
-              <p:cNvPr id="1057" name="Rectangle 1056"/>
-              <p:cNvSpPr>
-                <a:spLocks noRot="1" noChangeAspect="1" noMove="1" noResize="1" noEditPoints="1" noAdjustHandles="1" noChangeArrowheads="1" noChangeShapeType="1" noTextEdit="1"/>
-              </p:cNvSpPr>
-              <p:nvPr/>
-            </p:nvSpPr>
-            <p:spPr>
-              <a:xfrm>
-                <a:off x="3597504" y="19554948"/>
-                <a:ext cx="2935419" cy="861326"/>
-              </a:xfrm>
-              <a:prstGeom prst="rect">
-                <a:avLst/>
-              </a:prstGeom>
-              <a:blipFill rotWithShape="0">
-                <a:blip r:embed="rId8"/>
-                <a:stretch>
-                  <a:fillRect/>
-                </a:stretch>
-              </a:blipFill>
-            </p:spPr>
-            <p:txBody>
-              <a:bodyPr/>
-              <a:lstStyle/>
-              <a:p>
-                <a:r>
-                  <a:rPr lang="en-US">
-                    <a:noFill/>
-                  </a:rPr>
-                  <a:t> </a:t>
-                </a:r>
-              </a:p>
-            </p:txBody>
-          </p:sp>
-        </mc:Fallback>
-      </mc:AlternateContent>
-      <mc:AlternateContent xmlns:mc="http://schemas.openxmlformats.org/markup-compatibility/2006">
-        <mc:Choice xmlns:a14="http://schemas.microsoft.com/office/drawing/2010/main" Requires="a14">
-          <p:sp>
-            <p:nvSpPr>
-              <p:cNvPr id="1058" name="Rectangle 1057"/>
-              <p:cNvSpPr/>
-              <p:nvPr/>
-            </p:nvSpPr>
-            <p:spPr>
-              <a:xfrm>
-                <a:off x="2233829" y="20486028"/>
-                <a:ext cx="5662769" cy="461665"/>
-              </a:xfrm>
-              <a:prstGeom prst="rect">
-                <a:avLst/>
-              </a:prstGeom>
-            </p:spPr>
-            <p:txBody>
-              <a:bodyPr wrap="none">
-                <a:spAutoFit/>
-              </a:bodyPr>
-              <a:lstStyle/>
-              <a:p>
-                <a14:m>
-                  <m:oMathPara xmlns:m="http://schemas.openxmlformats.org/officeDocument/2006/math">
-                    <m:oMathParaPr>
-                      <m:jc m:val="centerGroup"/>
-                    </m:oMathParaPr>
-                    <m:oMath xmlns:m="http://schemas.openxmlformats.org/officeDocument/2006/math">
-                      <m:r>
-                        <a:rPr lang="en-US" sz="2400" b="1" i="1" dirty="0">
-                          <a:latin typeface="Cambria Math" panose="02040503050406030204" pitchFamily="18" charset="0"/>
-                        </a:rPr>
-                        <m:t>𝑬𝒙𝒑</m:t>
-                      </m:r>
-                      <m:d>
-                        <m:dPr>
-                          <m:ctrlPr>
-                            <a:rPr lang="en-US" sz="2400" b="1" i="1" dirty="0">
-                              <a:latin typeface="Cambria Math" panose="02040503050406030204" pitchFamily="18" charset="0"/>
-                            </a:rPr>
-                          </m:ctrlPr>
-                        </m:dPr>
-                        <m:e>
-                          <m:r>
-                            <a:rPr lang="en-US" sz="2400" b="1" i="1" dirty="0">
-                              <a:latin typeface="Cambria Math" panose="02040503050406030204" pitchFamily="18" charset="0"/>
-                            </a:rPr>
-                            <m:t>𝑾</m:t>
-                          </m:r>
-                        </m:e>
-                      </m:d>
-                      <m:r>
-                        <a:rPr lang="en-US" sz="2400" b="1" i="1" dirty="0">
-                          <a:latin typeface="Cambria Math" panose="02040503050406030204" pitchFamily="18" charset="0"/>
-                        </a:rPr>
-                        <m:t>= </m:t>
-                      </m:r>
-                      <m:d>
-                        <m:dPr>
-                          <m:begChr m:val="["/>
-                          <m:endChr m:val="]"/>
-                          <m:ctrlPr>
-                            <a:rPr lang="en-US" sz="2400" b="1" i="1" dirty="0">
-                              <a:latin typeface="Cambria Math" panose="02040503050406030204" pitchFamily="18" charset="0"/>
-                            </a:rPr>
-                          </m:ctrlPr>
-                        </m:dPr>
-                        <m:e>
-                          <m:d>
-                            <m:dPr>
-                              <m:ctrlPr>
-                                <a:rPr lang="en-US" sz="2400" b="1" i="1" dirty="0">
-                                  <a:latin typeface="Cambria Math" panose="02040503050406030204" pitchFamily="18" charset="0"/>
-                                </a:rPr>
-                              </m:ctrlPr>
-                            </m:dPr>
-                            <m:e>
-                              <m:sSup>
-                                <m:sSupPr>
-                                  <m:ctrlPr>
-                                    <a:rPr lang="en-US" sz="2400" b="1" i="1" dirty="0">
-                                      <a:latin typeface="Cambria Math" panose="02040503050406030204" pitchFamily="18" charset="0"/>
-                                    </a:rPr>
-                                  </m:ctrlPr>
-                                </m:sSupPr>
-                                <m:e>
-                                  <m:r>
-                                    <a:rPr lang="en-US" sz="2400" b="1" i="1" dirty="0">
-                                      <a:latin typeface="Cambria Math" panose="02040503050406030204" pitchFamily="18" charset="0"/>
-                                    </a:rPr>
-                                    <m:t>𝑨</m:t>
-                                  </m:r>
-                                </m:e>
-                                <m:sup>
-                                  <m:r>
-                                    <a:rPr lang="en-US" sz="2400" b="1" i="1" dirty="0">
-                                      <a:latin typeface="Cambria Math" panose="02040503050406030204" pitchFamily="18" charset="0"/>
-                                    </a:rPr>
-                                    <m:t>𝒂</m:t>
-                                  </m:r>
-                                </m:sup>
-                              </m:sSup>
-                              <m:r>
-                                <a:rPr lang="en-US" sz="2400" b="1" i="1" dirty="0">
-                                  <a:latin typeface="Cambria Math" panose="02040503050406030204" pitchFamily="18" charset="0"/>
-                                  <a:ea typeface="Cambria Math" panose="02040503050406030204" pitchFamily="18" charset="0"/>
-                                </a:rPr>
-                                <m:t>∗</m:t>
-                              </m:r>
-                              <m:sSup>
-                                <m:sSupPr>
-                                  <m:ctrlPr>
-                                    <a:rPr lang="en-US" sz="2400" b="1" i="1" dirty="0">
-                                      <a:latin typeface="Cambria Math" panose="02040503050406030204" pitchFamily="18" charset="0"/>
-                                    </a:rPr>
-                                  </m:ctrlPr>
-                                </m:sSupPr>
-                                <m:e>
-                                  <m:r>
-                                    <a:rPr lang="en-US" sz="2400" b="1" i="1" dirty="0">
-                                      <a:latin typeface="Cambria Math" panose="02040503050406030204" pitchFamily="18" charset="0"/>
-                                    </a:rPr>
-                                    <m:t>𝑪</m:t>
-                                  </m:r>
-                                </m:e>
-                                <m:sup>
-                                  <m:r>
-                                    <a:rPr lang="en-US" sz="2400" b="1" i="1" dirty="0">
-                                      <a:latin typeface="Cambria Math" panose="02040503050406030204" pitchFamily="18" charset="0"/>
-                                    </a:rPr>
-                                    <m:t>𝒄</m:t>
-                                  </m:r>
-                                </m:sup>
-                              </m:sSup>
-                              <m:r>
-                                <a:rPr lang="en-US" sz="2400" b="1" i="1" dirty="0">
-                                  <a:latin typeface="Cambria Math" panose="02040503050406030204" pitchFamily="18" charset="0"/>
-                                </a:rPr>
-                                <m:t>∗</m:t>
-                              </m:r>
-                              <m:sSup>
-                                <m:sSupPr>
-                                  <m:ctrlPr>
-                                    <a:rPr lang="en-US" sz="2400" b="1" i="1" dirty="0">
-                                      <a:latin typeface="Cambria Math" panose="02040503050406030204" pitchFamily="18" charset="0"/>
-                                    </a:rPr>
-                                  </m:ctrlPr>
-                                </m:sSupPr>
-                                <m:e>
-                                  <m:r>
-                                    <a:rPr lang="en-US" sz="2400" b="1" i="1" dirty="0">
-                                      <a:latin typeface="Cambria Math" panose="02040503050406030204" pitchFamily="18" charset="0"/>
-                                    </a:rPr>
-                                    <m:t>𝑮</m:t>
-                                  </m:r>
-                                </m:e>
-                                <m:sup>
-                                  <m:r>
-                                    <a:rPr lang="en-US" sz="2400" b="1" i="1" dirty="0">
-                                      <a:latin typeface="Cambria Math" panose="02040503050406030204" pitchFamily="18" charset="0"/>
-                                    </a:rPr>
-                                    <m:t>𝒈</m:t>
-                                  </m:r>
-                                </m:sup>
-                              </m:sSup>
-                              <m:r>
-                                <a:rPr lang="en-US" sz="2400" b="1" i="1" dirty="0">
-                                  <a:latin typeface="Cambria Math" panose="02040503050406030204" pitchFamily="18" charset="0"/>
-                                </a:rPr>
-                                <m:t>∗</m:t>
-                              </m:r>
-                              <m:sSup>
-                                <m:sSupPr>
-                                  <m:ctrlPr>
-                                    <a:rPr lang="en-US" sz="2400" b="1" i="1" dirty="0">
-                                      <a:latin typeface="Cambria Math" panose="02040503050406030204" pitchFamily="18" charset="0"/>
-                                    </a:rPr>
-                                  </m:ctrlPr>
-                                </m:sSupPr>
-                                <m:e>
-                                  <m:r>
-                                    <a:rPr lang="en-US" sz="2400" b="1" i="1" dirty="0">
-                                      <a:latin typeface="Cambria Math" panose="02040503050406030204" pitchFamily="18" charset="0"/>
-                                    </a:rPr>
-                                    <m:t>𝑻</m:t>
-                                  </m:r>
-                                </m:e>
-                                <m:sup>
-                                  <m:r>
-                                    <a:rPr lang="en-US" sz="2400" b="1" i="1" dirty="0">
-                                      <a:latin typeface="Cambria Math" panose="02040503050406030204" pitchFamily="18" charset="0"/>
-                                    </a:rPr>
-                                    <m:t>𝒕</m:t>
-                                  </m:r>
-                                </m:sup>
-                              </m:sSup>
-                            </m:e>
-                          </m:d>
-                          <m:r>
-                            <a:rPr lang="en-US" sz="2400" b="1" i="1" dirty="0">
-                              <a:latin typeface="Cambria Math" panose="02040503050406030204" pitchFamily="18" charset="0"/>
-                            </a:rPr>
-                            <m:t> ∗</m:t>
-                          </m:r>
-                          <m:r>
-                            <a:rPr lang="en-US" sz="2400" b="1" i="1" dirty="0">
-                              <a:latin typeface="Cambria Math" panose="02040503050406030204" pitchFamily="18" charset="0"/>
-                            </a:rPr>
-                            <m:t>𝑵</m:t>
-                          </m:r>
-                          <m:r>
-                            <a:rPr lang="en-US" sz="2400" b="1" i="1" dirty="0">
-                              <a:latin typeface="Cambria Math" panose="02040503050406030204" pitchFamily="18" charset="0"/>
-                            </a:rPr>
-                            <m:t>−</m:t>
-                          </m:r>
-                          <m:r>
-                            <a:rPr lang="en-US" sz="2400" b="1" i="1" dirty="0">
-                              <a:latin typeface="Cambria Math" panose="02040503050406030204" pitchFamily="18" charset="0"/>
-                            </a:rPr>
-                            <m:t>𝟑</m:t>
-                          </m:r>
-                        </m:e>
-                      </m:d>
-                    </m:oMath>
-                  </m:oMathPara>
-                </a14:m>
-                <a:endParaRPr lang="en-US" sz="2400" dirty="0"/>
-              </a:p>
-            </p:txBody>
-          </p:sp>
-        </mc:Choice>
-        <mc:Fallback>
-          <p:sp>
-            <p:nvSpPr>
-              <p:cNvPr id="1058" name="Rectangle 1057"/>
-              <p:cNvSpPr>
-                <a:spLocks noRot="1" noChangeAspect="1" noMove="1" noResize="1" noEditPoints="1" noAdjustHandles="1" noChangeArrowheads="1" noChangeShapeType="1" noTextEdit="1"/>
-              </p:cNvSpPr>
-              <p:nvPr/>
-            </p:nvSpPr>
-            <p:spPr>
-              <a:xfrm>
-                <a:off x="2233829" y="20486028"/>
-                <a:ext cx="5662769" cy="461665"/>
-              </a:xfrm>
-              <a:prstGeom prst="rect">
-                <a:avLst/>
-              </a:prstGeom>
-              <a:blipFill rotWithShape="0">
-                <a:blip r:embed="rId9"/>
-                <a:stretch>
-                  <a:fillRect b="-17333"/>
-                </a:stretch>
-              </a:blipFill>
-            </p:spPr>
-            <p:txBody>
-              <a:bodyPr/>
-              <a:lstStyle/>
-              <a:p>
-                <a:r>
-                  <a:rPr lang="en-US">
-                    <a:noFill/>
-                  </a:rPr>
-                  <a:t> </a:t>
-                </a:r>
-              </a:p>
-            </p:txBody>
-          </p:sp>
-        </mc:Fallback>
-      </mc:AlternateContent>
-      <mc:AlternateContent xmlns:mc="http://schemas.openxmlformats.org/markup-compatibility/2006">
-        <mc:Choice xmlns:a14="http://schemas.microsoft.com/office/drawing/2010/main" Requires="a14">
-          <p:graphicFrame>
-            <p:nvGraphicFramePr>
-              <p:cNvPr id="186" name="Table 185"/>
-              <p:cNvGraphicFramePr>
-                <a:graphicFrameLocks noGrp="1"/>
-              </p:cNvGraphicFramePr>
-              <p:nvPr>
-                <p:extLst>
-                  <p:ext uri="{D42A27DB-BD31-4B8C-83A1-F6EECF244321}">
-                    <p14:modId xmlns:p14="http://schemas.microsoft.com/office/powerpoint/2010/main" val="2481992481"/>
-                  </p:ext>
-                </p:extLst>
-              </p:nvPr>
-            </p:nvGraphicFramePr>
-            <p:xfrm>
-              <a:off x="1744912" y="21178900"/>
-              <a:ext cx="6640603" cy="1920240"/>
-            </p:xfrm>
-            <a:graphic>
-              <a:graphicData uri="http://schemas.openxmlformats.org/drawingml/2006/table">
-                <a:tbl>
-                  <a:tblPr firstRow="1" bandRow="1">
-                    <a:tableStyleId>{2D5ABB26-0587-4C30-8999-92F81FD0307C}</a:tableStyleId>
-                  </a:tblPr>
-                  <a:tblGrid>
-                    <a:gridCol w="1275868"/>
-                    <a:gridCol w="5364735"/>
-                  </a:tblGrid>
-                  <a:tr h="1785769">
-                    <a:tc>
-                      <a:txBody>
-                        <a:bodyPr/>
-                        <a:lstStyle/>
-                        <a:p>
-                          <a:pPr algn="l"/>
-                          <a:r>
-                            <a:rPr lang="en-US" sz="2200" dirty="0" smtClean="0">
-                              <a:solidFill>
-                                <a:schemeClr val="tx1"/>
-                              </a:solidFill>
-                              <a:latin typeface="Avenir 65" pitchFamily="50" charset="0"/>
-                            </a:rPr>
-                            <a:t>Where</a:t>
-                          </a:r>
-                          <a:endParaRPr lang="en-US" sz="2200" dirty="0">
-                            <a:solidFill>
-                              <a:schemeClr val="tx1"/>
-                            </a:solidFill>
-                            <a:latin typeface="Avenir 65" pitchFamily="50" charset="0"/>
-                          </a:endParaRPr>
-                        </a:p>
-                      </a:txBody>
-                      <a:tcPr anchor="ctr"/>
-                    </a:tc>
-                    <a:tc>
-                      <a:txBody>
-                        <a:bodyPr/>
-                        <a:lstStyle/>
-                        <a:p>
-                          <a:pPr marL="0" marR="0" indent="0" algn="l" defTabSz="2089883" rtl="0" eaLnBrk="1" fontAlgn="auto" latinLnBrk="0" hangingPunct="1">
-                            <a:lnSpc>
-                              <a:spcPct val="100000"/>
-                            </a:lnSpc>
-                            <a:spcBef>
-                              <a:spcPts val="0"/>
-                            </a:spcBef>
-                            <a:spcAft>
-                              <a:spcPts val="600"/>
-                            </a:spcAft>
-                            <a:buClrTx/>
-                            <a:buSzTx/>
-                            <a:buFontTx/>
-                            <a:buNone/>
-                            <a:tabLst/>
-                            <a:defRPr/>
-                          </a:pPr>
-                          <a14:m>
-                            <m:oMath xmlns:m="http://schemas.openxmlformats.org/officeDocument/2006/math">
-                              <m:r>
-                                <a:rPr lang="en-US" sz="2200" b="0" i="1" smtClean="0">
-                                  <a:latin typeface="Cambria Math" panose="02040503050406030204" pitchFamily="18" charset="0"/>
-                                </a:rPr>
-                                <m:t>𝐴</m:t>
-                              </m:r>
-                              <m:r>
-                                <a:rPr lang="en-US" sz="2200" b="0" i="1" smtClean="0">
-                                  <a:latin typeface="Cambria Math" panose="02040503050406030204" pitchFamily="18" charset="0"/>
-                                </a:rPr>
-                                <m:t>,</m:t>
-                              </m:r>
-                              <m:r>
-                                <a:rPr lang="en-US" sz="2200" b="0" i="1" smtClean="0">
-                                  <a:latin typeface="Cambria Math" panose="02040503050406030204" pitchFamily="18" charset="0"/>
-                                </a:rPr>
-                                <m:t>𝐶</m:t>
-                              </m:r>
-                              <m:r>
-                                <a:rPr lang="en-US" sz="2200" b="0" i="1" smtClean="0">
-                                  <a:latin typeface="Cambria Math" panose="02040503050406030204" pitchFamily="18" charset="0"/>
-                                </a:rPr>
-                                <m:t>,</m:t>
-                              </m:r>
-                              <m:r>
-                                <a:rPr lang="en-US" sz="2200" b="0" i="1" smtClean="0">
-                                  <a:latin typeface="Cambria Math" panose="02040503050406030204" pitchFamily="18" charset="0"/>
-                                </a:rPr>
-                                <m:t>𝐺</m:t>
-                              </m:r>
-                              <m:r>
-                                <a:rPr lang="en-US" sz="2200" b="0" i="1" smtClean="0">
-                                  <a:latin typeface="Cambria Math" panose="02040503050406030204" pitchFamily="18" charset="0"/>
-                                </a:rPr>
-                                <m:t>,</m:t>
-                              </m:r>
-                              <m:r>
-                                <a:rPr lang="en-US" sz="2200" b="0" i="1" smtClean="0">
-                                  <a:latin typeface="Cambria Math" panose="02040503050406030204" pitchFamily="18" charset="0"/>
-                                </a:rPr>
-                                <m:t>𝑇</m:t>
-                              </m:r>
-                              <m:r>
-                                <a:rPr lang="en-US" sz="2200" b="0" i="1" smtClean="0">
-                                  <a:latin typeface="Cambria Math" panose="02040503050406030204" pitchFamily="18" charset="0"/>
-                                </a:rPr>
-                                <m:t> </m:t>
-                              </m:r>
-                            </m:oMath>
-                          </a14:m>
-                          <a:r>
-                            <a:rPr lang="en-US" sz="2200" dirty="0" smtClean="0">
-                              <a:latin typeface="Avenir 65" pitchFamily="50" charset="0"/>
-                            </a:rPr>
-                            <a:t>represent </a:t>
-                          </a:r>
-                          <a:r>
-                            <a:rPr lang="en-US" sz="2200" dirty="0" smtClean="0">
-                              <a:latin typeface="Avenir 65" pitchFamily="50" charset="0"/>
-                            </a:rPr>
-                            <a:t>the mononucleotide frequency in the genome</a:t>
-                          </a:r>
-                          <a:endParaRPr lang="en-US" sz="2200" dirty="0">
-                            <a:latin typeface="Avenir 65" pitchFamily="50" charset="0"/>
-                          </a:endParaRPr>
-                        </a:p>
-                        <a:p>
-                          <a:pPr marL="0" marR="0" indent="0" algn="l" defTabSz="2089883" rtl="0" eaLnBrk="1" fontAlgn="auto" latinLnBrk="0" hangingPunct="1">
-                            <a:lnSpc>
-                              <a:spcPct val="100000"/>
-                            </a:lnSpc>
-                            <a:spcBef>
-                              <a:spcPts val="0"/>
-                            </a:spcBef>
-                            <a:spcAft>
-                              <a:spcPts val="600"/>
-                            </a:spcAft>
-                            <a:buClrTx/>
-                            <a:buSzTx/>
-                            <a:buFontTx/>
-                            <a:buNone/>
-                            <a:tabLst/>
-                            <a:defRPr/>
-                          </a:pPr>
-                          <a14:m>
-                            <m:oMath xmlns:m="http://schemas.openxmlformats.org/officeDocument/2006/math">
-                              <m:r>
-                                <a:rPr lang="en-US" sz="2200" b="0" i="1" smtClean="0">
-                                  <a:latin typeface="Cambria Math" panose="02040503050406030204" pitchFamily="18" charset="0"/>
-                                </a:rPr>
-                                <m:t>𝑎</m:t>
-                              </m:r>
-                              <m:r>
-                                <a:rPr lang="en-US" sz="2200" b="0" i="1" smtClean="0">
-                                  <a:latin typeface="Cambria Math" panose="02040503050406030204" pitchFamily="18" charset="0"/>
-                                </a:rPr>
-                                <m:t>,</m:t>
-                              </m:r>
-                              <m:r>
-                                <a:rPr lang="en-US" sz="2200" b="0" i="1" smtClean="0">
-                                  <a:latin typeface="Cambria Math" panose="02040503050406030204" pitchFamily="18" charset="0"/>
-                                </a:rPr>
-                                <m:t>𝑐</m:t>
-                              </m:r>
-                              <m:r>
-                                <a:rPr lang="en-US" sz="2200" b="0" i="1" smtClean="0">
-                                  <a:latin typeface="Cambria Math" panose="02040503050406030204" pitchFamily="18" charset="0"/>
-                                </a:rPr>
-                                <m:t>,</m:t>
-                              </m:r>
-                              <m:r>
-                                <a:rPr lang="en-US" sz="2200" b="0" i="1" smtClean="0">
-                                  <a:latin typeface="Cambria Math" panose="02040503050406030204" pitchFamily="18" charset="0"/>
-                                </a:rPr>
-                                <m:t>𝑔</m:t>
-                              </m:r>
-                              <m:r>
-                                <a:rPr lang="en-US" sz="2200" b="0" i="1" smtClean="0">
-                                  <a:latin typeface="Cambria Math" panose="02040503050406030204" pitchFamily="18" charset="0"/>
-                                </a:rPr>
-                                <m:t>,</m:t>
-                              </m:r>
-                              <m:r>
-                                <a:rPr lang="en-US" sz="2200" b="0" i="1" smtClean="0">
-                                  <a:latin typeface="Cambria Math" panose="02040503050406030204" pitchFamily="18" charset="0"/>
-                                </a:rPr>
-                                <m:t>𝑡</m:t>
-                              </m:r>
-                              <m:r>
-                                <a:rPr lang="en-US" sz="2200" b="0" i="1" smtClean="0">
-                                  <a:latin typeface="Cambria Math" panose="02040503050406030204" pitchFamily="18" charset="0"/>
-                                </a:rPr>
-                                <m:t> </m:t>
-                              </m:r>
-                            </m:oMath>
-                          </a14:m>
-                          <a:r>
-                            <a:rPr lang="en-US" sz="2200" dirty="0" smtClean="0">
-                              <a:solidFill>
-                                <a:schemeClr val="tx1"/>
-                              </a:solidFill>
-                              <a:latin typeface="Avenir 65" pitchFamily="50" charset="0"/>
-                            </a:rPr>
-                            <a:t>represent the number of each nucleotide in</a:t>
-                          </a:r>
-                          <a:r>
-                            <a:rPr lang="en-US" sz="2200" baseline="0" dirty="0" smtClean="0">
-                              <a:solidFill>
-                                <a:schemeClr val="tx1"/>
-                              </a:solidFill>
-                              <a:latin typeface="Avenir 65" pitchFamily="50" charset="0"/>
-                            </a:rPr>
-                            <a:t> the tetranucleotide </a:t>
-                          </a:r>
-                          <a14:m>
-                            <m:oMath xmlns:m="http://schemas.openxmlformats.org/officeDocument/2006/math">
-                              <m:r>
-                                <a:rPr lang="en-US" sz="2200" b="0" i="1" smtClean="0">
-                                  <a:latin typeface="Cambria Math" panose="02040503050406030204" pitchFamily="18" charset="0"/>
-                                </a:rPr>
-                                <m:t>𝑤</m:t>
-                              </m:r>
-                            </m:oMath>
-                          </a14:m>
-                          <a:endParaRPr lang="en-US" sz="2200" b="0" dirty="0" smtClean="0">
-                            <a:latin typeface="Avenir 65" pitchFamily="50" charset="0"/>
-                          </a:endParaRPr>
-                        </a:p>
-                        <a:p>
-                          <a:pPr marL="0" marR="0" indent="0" algn="l" defTabSz="2089883" rtl="0" eaLnBrk="1" fontAlgn="auto" latinLnBrk="0" hangingPunct="1">
-                            <a:lnSpc>
-                              <a:spcPct val="100000"/>
-                            </a:lnSpc>
-                            <a:spcBef>
-                              <a:spcPts val="0"/>
-                            </a:spcBef>
-                            <a:spcAft>
-                              <a:spcPts val="600"/>
-                            </a:spcAft>
-                            <a:buClrTx/>
-                            <a:buSzTx/>
-                            <a:buFontTx/>
-                            <a:buNone/>
-                            <a:tabLst/>
-                            <a:defRPr/>
-                          </a:pPr>
-                          <a14:m>
-                            <m:oMath xmlns:m="http://schemas.openxmlformats.org/officeDocument/2006/math">
-                              <m:r>
-                                <a:rPr lang="en-US" sz="2200" b="0" i="1" smtClean="0">
-                                  <a:latin typeface="Cambria Math" panose="02040503050406030204" pitchFamily="18" charset="0"/>
-                                </a:rPr>
-                                <m:t>𝑁</m:t>
-                              </m:r>
-                            </m:oMath>
-                          </a14:m>
-                          <a:r>
-                            <a:rPr lang="en-US" sz="2200" dirty="0" smtClean="0">
-                              <a:latin typeface="Avenir 65" pitchFamily="50" charset="0"/>
-                            </a:rPr>
-                            <a:t> </a:t>
-                          </a:r>
-                          <a:r>
-                            <a:rPr lang="en-US" sz="2200" dirty="0" smtClean="0">
-                              <a:latin typeface="Avenir 65" pitchFamily="50" charset="0"/>
-                            </a:rPr>
-                            <a:t>is th</a:t>
-                          </a:r>
-                          <a:r>
-                            <a:rPr lang="en-US" sz="2200" baseline="0" dirty="0" smtClean="0">
-                              <a:latin typeface="Avenir 65" pitchFamily="50" charset="0"/>
-                            </a:rPr>
-                            <a:t>e length of the genome</a:t>
-                          </a:r>
-                          <a:endParaRPr lang="en-US" sz="2200" dirty="0" smtClean="0">
-                            <a:latin typeface="Avenir 65" pitchFamily="50" charset="0"/>
-                          </a:endParaRPr>
-                        </a:p>
-                      </a:txBody>
-                      <a:tcPr/>
-                    </a:tc>
-                  </a:tr>
-                </a:tbl>
-              </a:graphicData>
-            </a:graphic>
-          </p:graphicFrame>
-        </mc:Choice>
-        <mc:Fallback>
-          <p:graphicFrame>
-            <p:nvGraphicFramePr>
-              <p:cNvPr id="186" name="Table 185"/>
-              <p:cNvGraphicFramePr>
-                <a:graphicFrameLocks noGrp="1"/>
-              </p:cNvGraphicFramePr>
-              <p:nvPr>
-                <p:extLst>
-                  <p:ext uri="{D42A27DB-BD31-4B8C-83A1-F6EECF244321}">
-                    <p14:modId xmlns:p14="http://schemas.microsoft.com/office/powerpoint/2010/main" val="2481992481"/>
-                  </p:ext>
-                </p:extLst>
-              </p:nvPr>
-            </p:nvGraphicFramePr>
-            <p:xfrm>
-              <a:off x="1744912" y="21178900"/>
-              <a:ext cx="6640603" cy="1920240"/>
-            </p:xfrm>
-            <a:graphic>
-              <a:graphicData uri="http://schemas.openxmlformats.org/drawingml/2006/table">
-                <a:tbl>
-                  <a:tblPr firstRow="1" bandRow="1">
-                    <a:tableStyleId>{2D5ABB26-0587-4C30-8999-92F81FD0307C}</a:tableStyleId>
-                  </a:tblPr>
-                  <a:tblGrid>
-                    <a:gridCol w="1275868"/>
-                    <a:gridCol w="5364735"/>
-                  </a:tblGrid>
-                  <a:tr h="1920240">
-                    <a:tc>
-                      <a:txBody>
-                        <a:bodyPr/>
-                        <a:lstStyle/>
-                        <a:p>
-                          <a:pPr algn="l"/>
-                          <a:r>
-                            <a:rPr lang="en-US" sz="2200" dirty="0" smtClean="0">
-                              <a:solidFill>
-                                <a:schemeClr val="tx1"/>
-                              </a:solidFill>
-                              <a:latin typeface="Avenir 65" pitchFamily="50" charset="0"/>
-                            </a:rPr>
-                            <a:t>Where</a:t>
-                          </a:r>
-                          <a:endParaRPr lang="en-US" sz="2200" dirty="0">
-                            <a:solidFill>
-                              <a:schemeClr val="tx1"/>
-                            </a:solidFill>
-                            <a:latin typeface="Avenir 65" pitchFamily="50" charset="0"/>
-                          </a:endParaRPr>
-                        </a:p>
-                      </a:txBody>
-                      <a:tcPr anchor="ctr"/>
-                    </a:tc>
-                    <a:tc>
-                      <a:txBody>
-                        <a:bodyPr/>
-                        <a:lstStyle/>
-                        <a:p>
-                          <a:endParaRPr lang="en-US"/>
-                        </a:p>
-                      </a:txBody>
-                      <a:tcPr>
-                        <a:blipFill rotWithShape="0">
-                          <a:blip r:embed="rId10"/>
-                          <a:stretch>
-                            <a:fillRect l="-23723" t="-2215" b="-6329"/>
-                          </a:stretch>
-                        </a:blipFill>
-                      </a:tcPr>
-                    </a:tc>
-                  </a:tr>
-                </a:tbl>
-              </a:graphicData>
-            </a:graphic>
-          </p:graphicFrame>
-        </mc:Fallback>
-      </mc:AlternateContent>
-      <p:sp>
-        <p:nvSpPr>
-          <p:cNvPr id="1061" name="Left Brace 1060"/>
-          <p:cNvSpPr/>
-          <p:nvPr/>
-        </p:nvSpPr>
-        <p:spPr>
-          <a:xfrm>
-            <a:off x="2733868" y="21207637"/>
-            <a:ext cx="235620" cy="1862766"/>
-          </a:xfrm>
-          <a:prstGeom prst="leftBrace">
-            <a:avLst>
-              <a:gd name="adj1" fmla="val 38736"/>
-              <a:gd name="adj2" fmla="val 50000"/>
-            </a:avLst>
-          </a:prstGeom>
-          <a:ln w="19050">
-            <a:solidFill>
-              <a:srgbClr val="C7474E"/>
-            </a:solidFill>
-          </a:ln>
-        </p:spPr>
-        <p:style>
-          <a:lnRef idx="1">
-            <a:schemeClr val="dk1"/>
-          </a:lnRef>
-          <a:fillRef idx="0">
-            <a:schemeClr val="dk1"/>
-          </a:fillRef>
-          <a:effectRef idx="0">
-            <a:schemeClr val="dk1"/>
-          </a:effectRef>
-          <a:fontRef idx="minor">
-            <a:schemeClr val="tx1"/>
-          </a:fontRef>
-        </p:style>
-        <p:txBody>
-          <a:bodyPr rot="0" spcFirstLastPara="0" vertOverflow="overflow" horzOverflow="overflow" vert="horz" wrap="square" lIns="91440" tIns="45720" rIns="91440" bIns="45720" numCol="1" spcCol="0" rtlCol="0" fromWordArt="0" anchor="ctr" anchorCtr="0" forceAA="0" compatLnSpc="1">
-            <a:prstTxWarp prst="textNoShape">
-              <a:avLst/>
-            </a:prstTxWarp>
-            <a:noAutofit/>
-          </a:bodyPr>
-          <a:lstStyle/>
-          <a:p>
-            <a:pPr algn="ctr"/>
-            <a:endParaRPr lang="en-US" sz="8299">
-              <a:solidFill>
-                <a:srgbClr val="B5CF72"/>
-              </a:solidFill>
-            </a:endParaRPr>
-          </a:p>
-        </p:txBody>
-      </p:sp>
-      <p:sp>
-        <p:nvSpPr>
-          <p:cNvPr id="195" name="TextBox 194"/>
-          <p:cNvSpPr txBox="1"/>
-          <p:nvPr/>
-        </p:nvSpPr>
-        <p:spPr>
-          <a:xfrm>
-            <a:off x="487252" y="23245882"/>
-            <a:ext cx="9155922" cy="757393"/>
+            <a:off x="24938376" y="24995675"/>
+            <a:ext cx="8284824" cy="1065169"/>
           </a:xfrm>
           <a:prstGeom prst="rect">
             <a:avLst/>
@@ -10983,1083 +9561,8 @@
           </a:bodyPr>
           <a:lstStyle/>
           <a:p>
-            <a:pPr algn="ctr"/>
-            <a:r>
-              <a:rPr lang="en-US" sz="2200" dirty="0">
-                <a:latin typeface="Avenir 65" pitchFamily="50" charset="0"/>
-              </a:rPr>
-              <a:t>The TUD signal for a genome is a vector of 4</a:t>
-            </a:r>
-            <a:r>
-              <a:rPr lang="en-US" sz="2200" baseline="30000" dirty="0">
-                <a:latin typeface="Avenir 65" pitchFamily="50" charset="0"/>
-              </a:rPr>
-              <a:t>4</a:t>
-            </a:r>
-            <a:r>
-              <a:rPr lang="en-US" sz="2200" dirty="0">
-                <a:latin typeface="Avenir 65" pitchFamily="50" charset="0"/>
-              </a:rPr>
-              <a:t> = 256 values – one for each possible tetranucleotide</a:t>
-            </a:r>
-          </a:p>
-        </p:txBody>
-      </p:sp>
-      <p:sp>
-        <p:nvSpPr>
-          <p:cNvPr id="200" name="TextBox 199"/>
-          <p:cNvSpPr txBox="1"/>
-          <p:nvPr/>
-        </p:nvSpPr>
-        <p:spPr>
-          <a:xfrm>
-            <a:off x="13445911" y="17987994"/>
-            <a:ext cx="6490351" cy="418839"/>
-          </a:xfrm>
-          <a:prstGeom prst="rect">
-            <a:avLst/>
-          </a:prstGeom>
-          <a:noFill/>
-          <a:ln>
-            <a:noFill/>
-          </a:ln>
-        </p:spPr>
-        <p:txBody>
-          <a:bodyPr wrap="square" lIns="79507" tIns="39754" rIns="79507" bIns="39754" rtlCol="0">
-            <a:spAutoFit/>
-          </a:bodyPr>
-          <a:lstStyle/>
-          <a:p>
-            <a:r>
-              <a:rPr lang="en-US" sz="2200" dirty="0">
-                <a:latin typeface="Avenir 65" pitchFamily="50" charset="0"/>
-              </a:rPr>
-              <a:t>Neighbor joining tree from TUD distance</a:t>
-            </a:r>
-          </a:p>
-        </p:txBody>
-      </p:sp>
-      <p:sp>
-        <p:nvSpPr>
-          <p:cNvPr id="203" name="TextBox 202"/>
-          <p:cNvSpPr txBox="1"/>
-          <p:nvPr/>
-        </p:nvSpPr>
-        <p:spPr>
-          <a:xfrm>
-            <a:off x="35997154" y="8593545"/>
-            <a:ext cx="4073233" cy="418839"/>
-          </a:xfrm>
-          <a:prstGeom prst="rect">
-            <a:avLst/>
-          </a:prstGeom>
-          <a:noFill/>
-          <a:ln>
-            <a:noFill/>
-          </a:ln>
-        </p:spPr>
-        <p:txBody>
-          <a:bodyPr wrap="square" lIns="79507" tIns="39754" rIns="79507" bIns="39754" rtlCol="0">
-            <a:spAutoFit/>
-          </a:bodyPr>
-          <a:lstStyle/>
-          <a:p>
-            <a:pPr algn="ctr"/>
-            <a:r>
-              <a:rPr lang="en-US" sz="2200" dirty="0" smtClean="0">
-                <a:latin typeface="Avenir 65" pitchFamily="50" charset="0"/>
-              </a:rPr>
-              <a:t>That’s a </a:t>
-            </a:r>
-            <a:r>
-              <a:rPr lang="en-US" sz="2200" dirty="0" err="1" smtClean="0">
-                <a:latin typeface="Avenir 65" pitchFamily="50" charset="0"/>
-              </a:rPr>
-              <a:t>BamHI</a:t>
-            </a:r>
-            <a:r>
-              <a:rPr lang="en-US" sz="2200" dirty="0" smtClean="0">
-                <a:latin typeface="Avenir 65" pitchFamily="50" charset="0"/>
-              </a:rPr>
-              <a:t> restriction site!</a:t>
-            </a:r>
-            <a:endParaRPr lang="en-US" sz="2200" dirty="0">
-              <a:latin typeface="Avenir 65" pitchFamily="50" charset="0"/>
-            </a:endParaRPr>
-          </a:p>
-        </p:txBody>
-      </p:sp>
-      <p:pic>
-        <p:nvPicPr>
-          <p:cNvPr id="1076" name="Picture 1075"/>
-          <p:cNvPicPr>
-            <a:picLocks noChangeAspect="1"/>
-          </p:cNvPicPr>
-          <p:nvPr/>
-        </p:nvPicPr>
-        <p:blipFill>
-          <a:blip r:embed="rId11">
-            <a:extLst>
-              <a:ext uri="{28A0092B-C50C-407E-A947-70E740481C1C}">
-                <a14:useLocalDpi xmlns:a14="http://schemas.microsoft.com/office/drawing/2010/main" val="0"/>
-              </a:ext>
-            </a:extLst>
-          </a:blip>
-          <a:stretch>
-            <a:fillRect/>
-          </a:stretch>
-        </p:blipFill>
-        <p:spPr>
-          <a:xfrm>
-            <a:off x="23717795" y="6628824"/>
-            <a:ext cx="4819111" cy="3863530"/>
-          </a:xfrm>
-          <a:prstGeom prst="rect">
-            <a:avLst/>
-          </a:prstGeom>
-        </p:spPr>
-      </p:pic>
-      <p:pic>
-        <p:nvPicPr>
-          <p:cNvPr id="1078" name="Picture 1077"/>
-          <p:cNvPicPr>
-            <a:picLocks noChangeAspect="1"/>
-          </p:cNvPicPr>
-          <p:nvPr/>
-        </p:nvPicPr>
-        <p:blipFill>
-          <a:blip r:embed="rId12">
-            <a:extLst>
-              <a:ext uri="{28A0092B-C50C-407E-A947-70E740481C1C}">
-                <a14:useLocalDpi xmlns:a14="http://schemas.microsoft.com/office/drawing/2010/main" val="0"/>
-              </a:ext>
-            </a:extLst>
-          </a:blip>
-          <a:stretch>
-            <a:fillRect/>
-          </a:stretch>
-        </p:blipFill>
-        <p:spPr>
-          <a:xfrm>
-            <a:off x="29442906" y="6792856"/>
-            <a:ext cx="4815925" cy="3812918"/>
-          </a:xfrm>
-          <a:prstGeom prst="rect">
-            <a:avLst/>
-          </a:prstGeom>
-        </p:spPr>
-      </p:pic>
-      <p:grpSp>
-        <p:nvGrpSpPr>
-          <p:cNvPr id="1080" name="Group 1079"/>
-          <p:cNvGrpSpPr/>
-          <p:nvPr/>
-        </p:nvGrpSpPr>
-        <p:grpSpPr>
-          <a:xfrm>
-            <a:off x="0" y="16136"/>
-            <a:ext cx="42062400" cy="459980"/>
-            <a:chOff x="0" y="5025271"/>
-            <a:chExt cx="42062400" cy="531001"/>
-          </a:xfrm>
-        </p:grpSpPr>
-        <p:sp>
-          <p:nvSpPr>
-            <p:cNvPr id="1079" name="Rectangle 1078"/>
-            <p:cNvSpPr/>
-            <p:nvPr/>
-          </p:nvSpPr>
-          <p:spPr>
-            <a:xfrm>
-              <a:off x="0" y="5025271"/>
-              <a:ext cx="2064774" cy="531001"/>
-            </a:xfrm>
-            <a:prstGeom prst="rect">
-              <a:avLst/>
-            </a:prstGeom>
-            <a:solidFill>
-              <a:srgbClr val="C7474E"/>
-            </a:solidFill>
-            <a:ln>
-              <a:noFill/>
-            </a:ln>
-            <a:effectLst/>
-          </p:spPr>
-          <p:style>
-            <a:lnRef idx="1">
-              <a:schemeClr val="accent1"/>
-            </a:lnRef>
-            <a:fillRef idx="3">
-              <a:schemeClr val="accent1"/>
-            </a:fillRef>
-            <a:effectRef idx="2">
-              <a:schemeClr val="accent1"/>
-            </a:effectRef>
-            <a:fontRef idx="minor">
-              <a:schemeClr val="lt1"/>
-            </a:fontRef>
-          </p:style>
-          <p:txBody>
-            <a:bodyPr rot="0" spcFirstLastPara="0" vertOverflow="overflow" horzOverflow="overflow" vert="horz" wrap="square" lIns="91440" tIns="45720" rIns="91440" bIns="45720" numCol="1" spcCol="0" rtlCol="0" fromWordArt="0" anchor="ctr" anchorCtr="0" forceAA="0" compatLnSpc="1">
-              <a:prstTxWarp prst="textNoShape">
-                <a:avLst/>
-              </a:prstTxWarp>
-              <a:noAutofit/>
-            </a:bodyPr>
-            <a:lstStyle/>
-            <a:p>
-              <a:pPr algn="ctr"/>
-              <a:endParaRPr lang="en-US" sz="8299" dirty="0"/>
-            </a:p>
-          </p:txBody>
-        </p:sp>
-        <p:sp>
-          <p:nvSpPr>
-            <p:cNvPr id="216" name="Rectangle 215"/>
-            <p:cNvSpPr/>
-            <p:nvPr/>
-          </p:nvSpPr>
-          <p:spPr>
-            <a:xfrm>
-              <a:off x="4127773" y="5025271"/>
-              <a:ext cx="2355222" cy="531001"/>
-            </a:xfrm>
-            <a:prstGeom prst="rect">
-              <a:avLst/>
-            </a:prstGeom>
-            <a:solidFill>
-              <a:srgbClr val="4E8B63"/>
-            </a:solidFill>
-            <a:ln>
-              <a:noFill/>
-            </a:ln>
-            <a:effectLst/>
-          </p:spPr>
-          <p:style>
-            <a:lnRef idx="1">
-              <a:schemeClr val="accent1"/>
-            </a:lnRef>
-            <a:fillRef idx="3">
-              <a:schemeClr val="accent1"/>
-            </a:fillRef>
-            <a:effectRef idx="2">
-              <a:schemeClr val="accent1"/>
-            </a:effectRef>
-            <a:fontRef idx="minor">
-              <a:schemeClr val="lt1"/>
-            </a:fontRef>
-          </p:style>
-          <p:txBody>
-            <a:bodyPr rot="0" spcFirstLastPara="0" vertOverflow="overflow" horzOverflow="overflow" vert="horz" wrap="square" lIns="91440" tIns="45720" rIns="91440" bIns="45720" numCol="1" spcCol="0" rtlCol="0" fromWordArt="0" anchor="ctr" anchorCtr="0" forceAA="0" compatLnSpc="1">
-              <a:prstTxWarp prst="textNoShape">
-                <a:avLst/>
-              </a:prstTxWarp>
-              <a:noAutofit/>
-            </a:bodyPr>
-            <a:lstStyle/>
-            <a:p>
-              <a:pPr algn="ctr"/>
-              <a:endParaRPr lang="en-US" sz="8299" dirty="0"/>
-            </a:p>
-          </p:txBody>
-        </p:sp>
-        <p:sp>
-          <p:nvSpPr>
-            <p:cNvPr id="217" name="Rectangle 216"/>
-            <p:cNvSpPr/>
-            <p:nvPr/>
-          </p:nvSpPr>
-          <p:spPr>
-            <a:xfrm>
-              <a:off x="2062999" y="5025271"/>
-              <a:ext cx="2320453" cy="531001"/>
-            </a:xfrm>
-            <a:prstGeom prst="rect">
-              <a:avLst/>
-            </a:prstGeom>
-            <a:solidFill>
-              <a:srgbClr val="D6AA26"/>
-            </a:solidFill>
-            <a:ln>
-              <a:noFill/>
-            </a:ln>
-            <a:effectLst/>
-          </p:spPr>
-          <p:style>
-            <a:lnRef idx="1">
-              <a:schemeClr val="accent1"/>
-            </a:lnRef>
-            <a:fillRef idx="3">
-              <a:schemeClr val="accent1"/>
-            </a:fillRef>
-            <a:effectRef idx="2">
-              <a:schemeClr val="accent1"/>
-            </a:effectRef>
-            <a:fontRef idx="minor">
-              <a:schemeClr val="lt1"/>
-            </a:fontRef>
-          </p:style>
-          <p:txBody>
-            <a:bodyPr rot="0" spcFirstLastPara="0" vertOverflow="overflow" horzOverflow="overflow" vert="horz" wrap="square" lIns="91440" tIns="45720" rIns="91440" bIns="45720" numCol="1" spcCol="0" rtlCol="0" fromWordArt="0" anchor="ctr" anchorCtr="0" forceAA="0" compatLnSpc="1">
-              <a:prstTxWarp prst="textNoShape">
-                <a:avLst/>
-              </a:prstTxWarp>
-              <a:noAutofit/>
-            </a:bodyPr>
-            <a:lstStyle/>
-            <a:p>
-              <a:pPr algn="ctr"/>
-              <a:endParaRPr lang="en-US" sz="8299" dirty="0"/>
-            </a:p>
-          </p:txBody>
-        </p:sp>
-        <p:sp>
-          <p:nvSpPr>
-            <p:cNvPr id="218" name="Rectangle 217"/>
-            <p:cNvSpPr/>
-            <p:nvPr/>
-          </p:nvSpPr>
-          <p:spPr>
-            <a:xfrm>
-              <a:off x="6482995" y="5025271"/>
-              <a:ext cx="6260548" cy="531001"/>
-            </a:xfrm>
-            <a:prstGeom prst="rect">
-              <a:avLst/>
-            </a:prstGeom>
-            <a:solidFill>
-              <a:srgbClr val="163845"/>
-            </a:solidFill>
-            <a:ln>
-              <a:noFill/>
-            </a:ln>
-            <a:effectLst/>
-          </p:spPr>
-          <p:style>
-            <a:lnRef idx="1">
-              <a:schemeClr val="accent1"/>
-            </a:lnRef>
-            <a:fillRef idx="3">
-              <a:schemeClr val="accent1"/>
-            </a:fillRef>
-            <a:effectRef idx="2">
-              <a:schemeClr val="accent1"/>
-            </a:effectRef>
-            <a:fontRef idx="minor">
-              <a:schemeClr val="lt1"/>
-            </a:fontRef>
-          </p:style>
-          <p:txBody>
-            <a:bodyPr rot="0" spcFirstLastPara="0" vertOverflow="overflow" horzOverflow="overflow" vert="horz" wrap="square" lIns="91440" tIns="45720" rIns="91440" bIns="45720" numCol="1" spcCol="0" rtlCol="0" fromWordArt="0" anchor="ctr" anchorCtr="0" forceAA="0" compatLnSpc="1">
-              <a:prstTxWarp prst="textNoShape">
-                <a:avLst/>
-              </a:prstTxWarp>
-              <a:noAutofit/>
-            </a:bodyPr>
-            <a:lstStyle/>
-            <a:p>
-              <a:pPr algn="ctr"/>
-              <a:endParaRPr lang="en-US" sz="8299" dirty="0"/>
-            </a:p>
-          </p:txBody>
-        </p:sp>
-        <p:sp>
-          <p:nvSpPr>
-            <p:cNvPr id="219" name="Rectangle 218"/>
-            <p:cNvSpPr/>
-            <p:nvPr/>
-          </p:nvSpPr>
-          <p:spPr>
-            <a:xfrm>
-              <a:off x="12512372" y="5025271"/>
-              <a:ext cx="2064774" cy="531001"/>
-            </a:xfrm>
-            <a:prstGeom prst="rect">
-              <a:avLst/>
-            </a:prstGeom>
-            <a:solidFill>
-              <a:srgbClr val="C7474E"/>
-            </a:solidFill>
-            <a:ln>
-              <a:noFill/>
-            </a:ln>
-            <a:effectLst/>
-          </p:spPr>
-          <p:style>
-            <a:lnRef idx="1">
-              <a:schemeClr val="accent1"/>
-            </a:lnRef>
-            <a:fillRef idx="3">
-              <a:schemeClr val="accent1"/>
-            </a:fillRef>
-            <a:effectRef idx="2">
-              <a:schemeClr val="accent1"/>
-            </a:effectRef>
-            <a:fontRef idx="minor">
-              <a:schemeClr val="lt1"/>
-            </a:fontRef>
-          </p:style>
-          <p:txBody>
-            <a:bodyPr rot="0" spcFirstLastPara="0" vertOverflow="overflow" horzOverflow="overflow" vert="horz" wrap="square" lIns="91440" tIns="45720" rIns="91440" bIns="45720" numCol="1" spcCol="0" rtlCol="0" fromWordArt="0" anchor="ctr" anchorCtr="0" forceAA="0" compatLnSpc="1">
-              <a:prstTxWarp prst="textNoShape">
-                <a:avLst/>
-              </a:prstTxWarp>
-              <a:noAutofit/>
-            </a:bodyPr>
-            <a:lstStyle/>
-            <a:p>
-              <a:pPr algn="ctr"/>
-              <a:endParaRPr lang="en-US" sz="8299" dirty="0"/>
-            </a:p>
-          </p:txBody>
-        </p:sp>
-        <p:sp>
-          <p:nvSpPr>
-            <p:cNvPr id="220" name="Rectangle 219"/>
-            <p:cNvSpPr/>
-            <p:nvPr/>
-          </p:nvSpPr>
-          <p:spPr>
-            <a:xfrm>
-              <a:off x="14575371" y="5025271"/>
-              <a:ext cx="7370229" cy="531001"/>
-            </a:xfrm>
-            <a:prstGeom prst="rect">
-              <a:avLst/>
-            </a:prstGeom>
-            <a:solidFill>
-              <a:srgbClr val="D6AA26"/>
-            </a:solidFill>
-            <a:ln>
-              <a:noFill/>
-            </a:ln>
-            <a:effectLst/>
-          </p:spPr>
-          <p:style>
-            <a:lnRef idx="1">
-              <a:schemeClr val="accent1"/>
-            </a:lnRef>
-            <a:fillRef idx="3">
-              <a:schemeClr val="accent1"/>
-            </a:fillRef>
-            <a:effectRef idx="2">
-              <a:schemeClr val="accent1"/>
-            </a:effectRef>
-            <a:fontRef idx="minor">
-              <a:schemeClr val="lt1"/>
-            </a:fontRef>
-          </p:style>
-          <p:txBody>
-            <a:bodyPr rot="0" spcFirstLastPara="0" vertOverflow="overflow" horzOverflow="overflow" vert="horz" wrap="square" lIns="91440" tIns="45720" rIns="91440" bIns="45720" numCol="1" spcCol="0" rtlCol="0" fromWordArt="0" anchor="ctr" anchorCtr="0" forceAA="0" compatLnSpc="1">
-              <a:prstTxWarp prst="textNoShape">
-                <a:avLst/>
-              </a:prstTxWarp>
-              <a:noAutofit/>
-            </a:bodyPr>
-            <a:lstStyle/>
-            <a:p>
-              <a:pPr algn="ctr"/>
-              <a:endParaRPr lang="en-US" sz="8299" dirty="0"/>
-            </a:p>
-          </p:txBody>
-        </p:sp>
-        <p:sp>
-          <p:nvSpPr>
-            <p:cNvPr id="221" name="Rectangle 220"/>
-            <p:cNvSpPr/>
-            <p:nvPr/>
-          </p:nvSpPr>
-          <p:spPr>
-            <a:xfrm>
-              <a:off x="21420303" y="5025271"/>
-              <a:ext cx="3835612" cy="531001"/>
-            </a:xfrm>
-            <a:prstGeom prst="rect">
-              <a:avLst/>
-            </a:prstGeom>
-            <a:solidFill>
-              <a:srgbClr val="163845"/>
-            </a:solidFill>
-            <a:ln>
-              <a:noFill/>
-            </a:ln>
-            <a:effectLst/>
-          </p:spPr>
-          <p:style>
-            <a:lnRef idx="1">
-              <a:schemeClr val="accent1"/>
-            </a:lnRef>
-            <a:fillRef idx="3">
-              <a:schemeClr val="accent1"/>
-            </a:fillRef>
-            <a:effectRef idx="2">
-              <a:schemeClr val="accent1"/>
-            </a:effectRef>
-            <a:fontRef idx="minor">
-              <a:schemeClr val="lt1"/>
-            </a:fontRef>
-          </p:style>
-          <p:txBody>
-            <a:bodyPr rot="0" spcFirstLastPara="0" vertOverflow="overflow" horzOverflow="overflow" vert="horz" wrap="square" lIns="91440" tIns="45720" rIns="91440" bIns="45720" numCol="1" spcCol="0" rtlCol="0" fromWordArt="0" anchor="ctr" anchorCtr="0" forceAA="0" compatLnSpc="1">
-              <a:prstTxWarp prst="textNoShape">
-                <a:avLst/>
-              </a:prstTxWarp>
-              <a:noAutofit/>
-            </a:bodyPr>
-            <a:lstStyle/>
-            <a:p>
-              <a:pPr algn="ctr"/>
-              <a:endParaRPr lang="en-US" sz="8299" dirty="0"/>
-            </a:p>
-          </p:txBody>
-        </p:sp>
-        <p:sp>
-          <p:nvSpPr>
-            <p:cNvPr id="222" name="Rectangle 221"/>
-            <p:cNvSpPr/>
-            <p:nvPr/>
-          </p:nvSpPr>
-          <p:spPr>
-            <a:xfrm>
-              <a:off x="24526580" y="5025271"/>
-              <a:ext cx="2355222" cy="531001"/>
-            </a:xfrm>
-            <a:prstGeom prst="rect">
-              <a:avLst/>
-            </a:prstGeom>
-            <a:solidFill>
-              <a:srgbClr val="4E8B63"/>
-            </a:solidFill>
-            <a:ln>
-              <a:noFill/>
-            </a:ln>
-            <a:effectLst/>
-          </p:spPr>
-          <p:style>
-            <a:lnRef idx="1">
-              <a:schemeClr val="accent1"/>
-            </a:lnRef>
-            <a:fillRef idx="3">
-              <a:schemeClr val="accent1"/>
-            </a:fillRef>
-            <a:effectRef idx="2">
-              <a:schemeClr val="accent1"/>
-            </a:effectRef>
-            <a:fontRef idx="minor">
-              <a:schemeClr val="lt1"/>
-            </a:fontRef>
-          </p:style>
-          <p:txBody>
-            <a:bodyPr rot="0" spcFirstLastPara="0" vertOverflow="overflow" horzOverflow="overflow" vert="horz" wrap="square" lIns="91440" tIns="45720" rIns="91440" bIns="45720" numCol="1" spcCol="0" rtlCol="0" fromWordArt="0" anchor="ctr" anchorCtr="0" forceAA="0" compatLnSpc="1">
-              <a:prstTxWarp prst="textNoShape">
-                <a:avLst/>
-              </a:prstTxWarp>
-              <a:noAutofit/>
-            </a:bodyPr>
-            <a:lstStyle/>
-            <a:p>
-              <a:pPr algn="ctr"/>
-              <a:endParaRPr lang="en-US" sz="8299" dirty="0"/>
-            </a:p>
-          </p:txBody>
-        </p:sp>
-        <p:sp>
-          <p:nvSpPr>
-            <p:cNvPr id="223" name="Rectangle 222"/>
-            <p:cNvSpPr/>
-            <p:nvPr/>
-          </p:nvSpPr>
-          <p:spPr>
-            <a:xfrm>
-              <a:off x="26201082" y="5025271"/>
-              <a:ext cx="7735101" cy="531001"/>
-            </a:xfrm>
-            <a:prstGeom prst="rect">
-              <a:avLst/>
-            </a:prstGeom>
-            <a:solidFill>
-              <a:srgbClr val="D6AA26"/>
-            </a:solidFill>
-            <a:ln>
-              <a:noFill/>
-            </a:ln>
-            <a:effectLst/>
-          </p:spPr>
-          <p:style>
-            <a:lnRef idx="1">
-              <a:schemeClr val="accent1"/>
-            </a:lnRef>
-            <a:fillRef idx="3">
-              <a:schemeClr val="accent1"/>
-            </a:fillRef>
-            <a:effectRef idx="2">
-              <a:schemeClr val="accent1"/>
-            </a:effectRef>
-            <a:fontRef idx="minor">
-              <a:schemeClr val="lt1"/>
-            </a:fontRef>
-          </p:style>
-          <p:txBody>
-            <a:bodyPr rot="0" spcFirstLastPara="0" vertOverflow="overflow" horzOverflow="overflow" vert="horz" wrap="square" lIns="91440" tIns="45720" rIns="91440" bIns="45720" numCol="1" spcCol="0" rtlCol="0" fromWordArt="0" anchor="ctr" anchorCtr="0" forceAA="0" compatLnSpc="1">
-              <a:prstTxWarp prst="textNoShape">
-                <a:avLst/>
-              </a:prstTxWarp>
-              <a:noAutofit/>
-            </a:bodyPr>
-            <a:lstStyle/>
-            <a:p>
-              <a:pPr algn="ctr"/>
-              <a:endParaRPr lang="en-US" sz="8299" dirty="0"/>
-            </a:p>
-          </p:txBody>
-        </p:sp>
-        <p:sp>
-          <p:nvSpPr>
-            <p:cNvPr id="226" name="Rectangle 225"/>
-            <p:cNvSpPr/>
-            <p:nvPr/>
-          </p:nvSpPr>
-          <p:spPr>
-            <a:xfrm>
-              <a:off x="32769807" y="5025271"/>
-              <a:ext cx="2355222" cy="531001"/>
-            </a:xfrm>
-            <a:prstGeom prst="rect">
-              <a:avLst/>
-            </a:prstGeom>
-            <a:solidFill>
-              <a:srgbClr val="4E8B63"/>
-            </a:solidFill>
-            <a:ln>
-              <a:noFill/>
-            </a:ln>
-            <a:effectLst/>
-          </p:spPr>
-          <p:style>
-            <a:lnRef idx="1">
-              <a:schemeClr val="accent1"/>
-            </a:lnRef>
-            <a:fillRef idx="3">
-              <a:schemeClr val="accent1"/>
-            </a:fillRef>
-            <a:effectRef idx="2">
-              <a:schemeClr val="accent1"/>
-            </a:effectRef>
-            <a:fontRef idx="minor">
-              <a:schemeClr val="lt1"/>
-            </a:fontRef>
-          </p:style>
-          <p:txBody>
-            <a:bodyPr rot="0" spcFirstLastPara="0" vertOverflow="overflow" horzOverflow="overflow" vert="horz" wrap="square" lIns="91440" tIns="45720" rIns="91440" bIns="45720" numCol="1" spcCol="0" rtlCol="0" fromWordArt="0" anchor="ctr" anchorCtr="0" forceAA="0" compatLnSpc="1">
-              <a:prstTxWarp prst="textNoShape">
-                <a:avLst/>
-              </a:prstTxWarp>
-              <a:noAutofit/>
-            </a:bodyPr>
-            <a:lstStyle/>
-            <a:p>
-              <a:pPr algn="ctr"/>
-              <a:endParaRPr lang="en-US" sz="8299" dirty="0"/>
-            </a:p>
-          </p:txBody>
-        </p:sp>
-        <p:sp>
-          <p:nvSpPr>
-            <p:cNvPr id="227" name="Rectangle 226"/>
-            <p:cNvSpPr/>
-            <p:nvPr/>
-          </p:nvSpPr>
-          <p:spPr>
-            <a:xfrm>
-              <a:off x="34820285" y="5025271"/>
-              <a:ext cx="4687885" cy="531001"/>
-            </a:xfrm>
-            <a:prstGeom prst="rect">
-              <a:avLst/>
-            </a:prstGeom>
-            <a:solidFill>
-              <a:srgbClr val="C7474E"/>
-            </a:solidFill>
-            <a:ln>
-              <a:noFill/>
-            </a:ln>
-            <a:effectLst/>
-          </p:spPr>
-          <p:style>
-            <a:lnRef idx="1">
-              <a:schemeClr val="accent1"/>
-            </a:lnRef>
-            <a:fillRef idx="3">
-              <a:schemeClr val="accent1"/>
-            </a:fillRef>
-            <a:effectRef idx="2">
-              <a:schemeClr val="accent1"/>
-            </a:effectRef>
-            <a:fontRef idx="minor">
-              <a:schemeClr val="lt1"/>
-            </a:fontRef>
-          </p:style>
-          <p:txBody>
-            <a:bodyPr rot="0" spcFirstLastPara="0" vertOverflow="overflow" horzOverflow="overflow" vert="horz" wrap="square" lIns="91440" tIns="45720" rIns="91440" bIns="45720" numCol="1" spcCol="0" rtlCol="0" fromWordArt="0" anchor="ctr" anchorCtr="0" forceAA="0" compatLnSpc="1">
-              <a:prstTxWarp prst="textNoShape">
-                <a:avLst/>
-              </a:prstTxWarp>
-              <a:noAutofit/>
-            </a:bodyPr>
-            <a:lstStyle/>
-            <a:p>
-              <a:pPr algn="ctr"/>
-              <a:endParaRPr lang="en-US" sz="8299" dirty="0"/>
-            </a:p>
-          </p:txBody>
-        </p:sp>
-        <p:sp>
-          <p:nvSpPr>
-            <p:cNvPr id="228" name="Rectangle 227"/>
-            <p:cNvSpPr/>
-            <p:nvPr/>
-          </p:nvSpPr>
-          <p:spPr>
-            <a:xfrm>
-              <a:off x="38365731" y="5025271"/>
-              <a:ext cx="3696669" cy="531001"/>
-            </a:xfrm>
-            <a:prstGeom prst="rect">
-              <a:avLst/>
-            </a:prstGeom>
-            <a:solidFill>
-              <a:srgbClr val="163845"/>
-            </a:solidFill>
-            <a:ln>
-              <a:noFill/>
-            </a:ln>
-            <a:effectLst/>
-          </p:spPr>
-          <p:style>
-            <a:lnRef idx="1">
-              <a:schemeClr val="accent1"/>
-            </a:lnRef>
-            <a:fillRef idx="3">
-              <a:schemeClr val="accent1"/>
-            </a:fillRef>
-            <a:effectRef idx="2">
-              <a:schemeClr val="accent1"/>
-            </a:effectRef>
-            <a:fontRef idx="minor">
-              <a:schemeClr val="lt1"/>
-            </a:fontRef>
-          </p:style>
-          <p:txBody>
-            <a:bodyPr rot="0" spcFirstLastPara="0" vertOverflow="overflow" horzOverflow="overflow" vert="horz" wrap="square" lIns="91440" tIns="45720" rIns="91440" bIns="45720" numCol="1" spcCol="0" rtlCol="0" fromWordArt="0" anchor="ctr" anchorCtr="0" forceAA="0" compatLnSpc="1">
-              <a:prstTxWarp prst="textNoShape">
-                <a:avLst/>
-              </a:prstTxWarp>
-              <a:noAutofit/>
-            </a:bodyPr>
-            <a:lstStyle/>
-            <a:p>
-              <a:pPr algn="ctr"/>
-              <a:endParaRPr lang="en-US" sz="8299" dirty="0"/>
-            </a:p>
-          </p:txBody>
-        </p:sp>
-      </p:grpSp>
-      <p:sp>
-        <p:nvSpPr>
-          <p:cNvPr id="232" name="TextBox 231"/>
-          <p:cNvSpPr txBox="1"/>
-          <p:nvPr/>
-        </p:nvSpPr>
-        <p:spPr>
-          <a:xfrm>
-            <a:off x="32048883" y="14587340"/>
-            <a:ext cx="9687694" cy="2800767"/>
-          </a:xfrm>
-          <a:prstGeom prst="rect">
-            <a:avLst/>
-          </a:prstGeom>
-          <a:noFill/>
-        </p:spPr>
-        <p:txBody>
-          <a:bodyPr wrap="square" rtlCol="0">
-            <a:spAutoFit/>
-          </a:bodyPr>
-          <a:lstStyle/>
-          <a:p>
-            <a:r>
-              <a:rPr lang="en-US" sz="2200" dirty="0">
-                <a:latin typeface="Avenir 65" pitchFamily="50" charset="0"/>
-              </a:rPr>
-              <a:t>Tetranucleotide usage deviation and other alignment-free methods can investigate relationships within the diverse mycobacteriophage population. TUD accurately reconstructs phylogenetic trees and can highlight regions of particular interest in a genome. These methods can be applied in a high-throughput manner, take very small amounts of computational time, and serve as an excellent first pass in the comparative analysis of a mycobacteriophage genome. With some further work we hope to see these methods applied to every new phage sequence. </a:t>
-            </a:r>
-          </a:p>
-        </p:txBody>
-      </p:sp>
-      <p:grpSp>
-        <p:nvGrpSpPr>
-          <p:cNvPr id="147" name="Group 146"/>
-          <p:cNvGrpSpPr/>
-          <p:nvPr/>
-        </p:nvGrpSpPr>
-        <p:grpSpPr>
-          <a:xfrm>
-            <a:off x="17876105" y="26149767"/>
-            <a:ext cx="6446140" cy="4711383"/>
-            <a:chOff x="17876105" y="26149760"/>
-            <a:chExt cx="6446140" cy="4711383"/>
-          </a:xfrm>
-        </p:grpSpPr>
-        <p:sp>
-          <p:nvSpPr>
-            <p:cNvPr id="117" name="TextBox 116"/>
-            <p:cNvSpPr txBox="1"/>
-            <p:nvPr/>
-          </p:nvSpPr>
-          <p:spPr>
-            <a:xfrm>
-              <a:off x="18075290" y="26149760"/>
-              <a:ext cx="6047771" cy="572727"/>
-            </a:xfrm>
-            <a:prstGeom prst="rect">
-              <a:avLst/>
-            </a:prstGeom>
-            <a:noFill/>
-            <a:ln>
-              <a:noFill/>
-            </a:ln>
-          </p:spPr>
-          <p:txBody>
-            <a:bodyPr wrap="square" lIns="79507" tIns="39754" rIns="79507" bIns="39754" rtlCol="0">
-              <a:spAutoFit/>
-            </a:bodyPr>
-            <a:lstStyle/>
-            <a:p>
-              <a:r>
-                <a:rPr lang="en-US" sz="3200" dirty="0">
-                  <a:ln w="3175">
-                    <a:noFill/>
-                  </a:ln>
-                  <a:solidFill>
-                    <a:srgbClr val="F79029"/>
-                  </a:solidFill>
-                  <a:latin typeface="Avenir 65" pitchFamily="50" charset="0"/>
-                </a:rPr>
-                <a:t>JoeDirt (L1)  </a:t>
-              </a:r>
-              <a:r>
-                <a:rPr lang="en-US" sz="2000" dirty="0">
-                  <a:ln w="3175">
-                    <a:noFill/>
-                  </a:ln>
-                  <a:latin typeface="Avenir 65" pitchFamily="50" charset="0"/>
-                </a:rPr>
-                <a:t>cluster of repeats at 70kb</a:t>
-              </a:r>
-            </a:p>
-          </p:txBody>
-        </p:sp>
-        <p:grpSp>
-          <p:nvGrpSpPr>
-            <p:cNvPr id="110" name="Group 109"/>
-            <p:cNvGrpSpPr/>
-            <p:nvPr/>
-          </p:nvGrpSpPr>
-          <p:grpSpPr>
-            <a:xfrm>
-              <a:off x="18018443" y="26722487"/>
-              <a:ext cx="6161464" cy="3939045"/>
-              <a:chOff x="18027270" y="25589815"/>
-              <a:chExt cx="6161464" cy="3939045"/>
-            </a:xfrm>
-          </p:grpSpPr>
-          <p:pic>
-            <p:nvPicPr>
-              <p:cNvPr id="93" name="Picture 92"/>
-              <p:cNvPicPr>
-                <a:picLocks noChangeAspect="1"/>
-              </p:cNvPicPr>
-              <p:nvPr/>
-            </p:nvPicPr>
-            <p:blipFill rotWithShape="1">
-              <a:blip r:embed="rId13">
-                <a:extLst>
-                  <a:ext uri="{28A0092B-C50C-407E-A947-70E740481C1C}">
-                    <a14:useLocalDpi xmlns:a14="http://schemas.microsoft.com/office/drawing/2010/main" val="0"/>
-                  </a:ext>
-                </a:extLst>
-              </a:blip>
-              <a:srcRect l="-5" r="93" b="98488"/>
-              <a:stretch/>
-            </p:blipFill>
-            <p:spPr>
-              <a:xfrm>
-                <a:off x="18124400" y="25589815"/>
-                <a:ext cx="6064334" cy="3939045"/>
-              </a:xfrm>
-              <a:prstGeom prst="rect">
-                <a:avLst/>
-              </a:prstGeom>
-            </p:spPr>
-          </p:pic>
-          <p:sp>
-            <p:nvSpPr>
-              <p:cNvPr id="108" name="TextBox 107"/>
-              <p:cNvSpPr txBox="1"/>
-              <p:nvPr/>
-            </p:nvSpPr>
-            <p:spPr>
-              <a:xfrm>
-                <a:off x="18027270" y="25799865"/>
-                <a:ext cx="4970800" cy="338554"/>
-              </a:xfrm>
-              <a:prstGeom prst="rect">
-                <a:avLst/>
-              </a:prstGeom>
-              <a:solidFill>
-                <a:schemeClr val="bg1"/>
-              </a:solidFill>
-            </p:spPr>
-            <p:txBody>
-              <a:bodyPr wrap="square" rtlCol="0">
-                <a:spAutoFit/>
-              </a:bodyPr>
-              <a:lstStyle/>
-              <a:p>
-                <a:r>
-                  <a:rPr lang="en-US" sz="1600" dirty="0"/>
-                  <a:t>	70000</a:t>
-                </a:r>
-              </a:p>
-            </p:txBody>
-          </p:sp>
-          <p:sp>
-            <p:nvSpPr>
-              <p:cNvPr id="128" name="TextBox 127"/>
-              <p:cNvSpPr txBox="1"/>
-              <p:nvPr/>
-            </p:nvSpPr>
-            <p:spPr>
-              <a:xfrm>
-                <a:off x="22914002" y="25799865"/>
-                <a:ext cx="1253150" cy="338554"/>
-              </a:xfrm>
-              <a:prstGeom prst="rect">
-                <a:avLst/>
-              </a:prstGeom>
-              <a:solidFill>
-                <a:schemeClr val="bg1"/>
-              </a:solidFill>
-            </p:spPr>
-            <p:txBody>
-              <a:bodyPr wrap="square" rtlCol="0">
-                <a:spAutoFit/>
-              </a:bodyPr>
-              <a:lstStyle/>
-              <a:p>
-                <a:endParaRPr lang="en-US" sz="1600" dirty="0"/>
-              </a:p>
-            </p:txBody>
-          </p:sp>
-        </p:grpSp>
-        <p:sp>
-          <p:nvSpPr>
-            <p:cNvPr id="233" name="TextBox 232"/>
-            <p:cNvSpPr txBox="1"/>
-            <p:nvPr/>
-          </p:nvSpPr>
-          <p:spPr>
-            <a:xfrm>
-              <a:off x="17876105" y="30503860"/>
-              <a:ext cx="6446140" cy="357283"/>
-            </a:xfrm>
-            <a:prstGeom prst="rect">
-              <a:avLst/>
-            </a:prstGeom>
-            <a:noFill/>
-            <a:ln>
-              <a:noFill/>
-            </a:ln>
-          </p:spPr>
-          <p:txBody>
-            <a:bodyPr wrap="square" lIns="79507" tIns="39754" rIns="79507" bIns="39754" rtlCol="0">
-              <a:spAutoFit/>
-            </a:bodyPr>
-            <a:lstStyle/>
-            <a:p>
-              <a:pPr algn="ctr"/>
-              <a:r>
-                <a:rPr lang="en-US" sz="1800" dirty="0">
-                  <a:latin typeface="Avenir 65" pitchFamily="50" charset="0"/>
-                </a:rPr>
-                <a:t>Colored lines indicate significant clusters of repeats </a:t>
-              </a:r>
-            </a:p>
-          </p:txBody>
-        </p:sp>
-      </p:grpSp>
-      <p:grpSp>
-        <p:nvGrpSpPr>
-          <p:cNvPr id="144" name="Group 143"/>
-          <p:cNvGrpSpPr/>
-          <p:nvPr/>
-        </p:nvGrpSpPr>
-        <p:grpSpPr>
-          <a:xfrm>
-            <a:off x="24731855" y="26175014"/>
-            <a:ext cx="6622783" cy="4760591"/>
-            <a:chOff x="24731850" y="26175008"/>
-            <a:chExt cx="6622783" cy="4760590"/>
-          </a:xfrm>
-        </p:grpSpPr>
-        <p:sp>
-          <p:nvSpPr>
-            <p:cNvPr id="118" name="TextBox 117"/>
-            <p:cNvSpPr txBox="1"/>
-            <p:nvPr/>
-          </p:nvSpPr>
-          <p:spPr>
-            <a:xfrm>
-              <a:off x="24731850" y="26175008"/>
-              <a:ext cx="6622783" cy="1065169"/>
-            </a:xfrm>
-            <a:prstGeom prst="rect">
-              <a:avLst/>
-            </a:prstGeom>
-            <a:noFill/>
-            <a:ln>
-              <a:noFill/>
-            </a:ln>
-          </p:spPr>
-          <p:txBody>
-            <a:bodyPr wrap="square" lIns="79507" tIns="39754" rIns="79507" bIns="39754" rtlCol="0">
-              <a:spAutoFit/>
-            </a:bodyPr>
-            <a:lstStyle/>
-            <a:p>
-              <a:r>
-                <a:rPr lang="en-US" sz="3200" dirty="0">
-                  <a:ln w="3175">
-                    <a:noFill/>
-                  </a:ln>
-                  <a:solidFill>
-                    <a:srgbClr val="F79029"/>
-                  </a:solidFill>
-                  <a:latin typeface="Avenir 65" pitchFamily="50" charset="0"/>
-                </a:rPr>
-                <a:t>Archie (L2) </a:t>
-              </a:r>
-              <a:r>
-                <a:rPr lang="en-US" sz="2000" dirty="0">
-                  <a:ln w="3175">
-                    <a:noFill/>
-                  </a:ln>
-                  <a:latin typeface="Avenir 65" pitchFamily="50" charset="0"/>
-                </a:rPr>
-                <a:t>cluster of repeats at 74kb and 76kb</a:t>
-              </a:r>
-            </a:p>
-            <a:p>
-              <a:endParaRPr lang="en-US" sz="3200" dirty="0">
+            <a:r>
+              <a:rPr lang="en-US" sz="3200" dirty="0" smtClean="0">
                 <a:ln w="3175">
                   <a:noFill/>
                 </a:ln>
@@ -12067,790 +9570,104 @@
                   <a:srgbClr val="F79029"/>
                 </a:solidFill>
                 <a:latin typeface="Avenir 65" pitchFamily="50" charset="0"/>
-              </a:endParaRPr>
-            </a:p>
-          </p:txBody>
-        </p:sp>
-        <p:grpSp>
-          <p:nvGrpSpPr>
-            <p:cNvPr id="115" name="Group 114"/>
-            <p:cNvGrpSpPr/>
-            <p:nvPr/>
-          </p:nvGrpSpPr>
-          <p:grpSpPr>
-            <a:xfrm>
-              <a:off x="25027091" y="26722487"/>
-              <a:ext cx="6032300" cy="3773945"/>
-              <a:chOff x="25006512" y="25589815"/>
-              <a:chExt cx="6032300" cy="3773945"/>
-            </a:xfrm>
-          </p:grpSpPr>
-          <p:pic>
-            <p:nvPicPr>
-              <p:cNvPr id="1034" name="Picture 10" descr="http://zlab.bu.edu/~mfrith/cgi_out/rf_pic22996.png"/>
-              <p:cNvPicPr>
-                <a:picLocks noChangeAspect="1" noChangeArrowheads="1"/>
-              </p:cNvPicPr>
-              <p:nvPr/>
-            </p:nvPicPr>
-            <p:blipFill rotWithShape="1">
-              <a:blip r:embed="rId14">
-                <a:extLst>
-                  <a:ext uri="{28A0092B-C50C-407E-A947-70E740481C1C}">
-                    <a14:useLocalDpi xmlns:a14="http://schemas.microsoft.com/office/drawing/2010/main" val="0"/>
-                  </a:ext>
-                </a:extLst>
-              </a:blip>
-              <a:srcRect b="96083"/>
-              <a:stretch/>
-            </p:blipFill>
-            <p:spPr bwMode="auto">
-              <a:xfrm>
-                <a:off x="25006512" y="25589815"/>
-                <a:ext cx="6032300" cy="3773945"/>
-              </a:xfrm>
-              <a:prstGeom prst="rect">
-                <a:avLst/>
-              </a:prstGeom>
-              <a:noFill/>
-              <a:extLst>
-                <a:ext uri="{909E8E84-426E-40DD-AFC4-6F175D3DCCD1}">
-                  <a14:hiddenFill xmlns:a14="http://schemas.microsoft.com/office/drawing/2010/main">
-                    <a:solidFill>
-                      <a:srgbClr val="FFFFFF"/>
-                    </a:solidFill>
-                  </a14:hiddenFill>
-                </a:ext>
-              </a:extLst>
-            </p:spPr>
-          </p:pic>
-          <p:sp>
-            <p:nvSpPr>
-              <p:cNvPr id="130" name="TextBox 129"/>
-              <p:cNvSpPr txBox="1"/>
-              <p:nvPr/>
-            </p:nvSpPr>
-            <p:spPr>
-              <a:xfrm>
-                <a:off x="25356517" y="25799865"/>
-                <a:ext cx="4970800" cy="338554"/>
-              </a:xfrm>
-              <a:prstGeom prst="rect">
-                <a:avLst/>
-              </a:prstGeom>
+              </a:rPr>
+              <a:t>Archie (L2) </a:t>
+            </a:r>
+            <a:r>
+              <a:rPr lang="en-US" sz="2000" dirty="0">
+                <a:ln w="3175">
+                  <a:noFill/>
+                </a:ln>
+                <a:latin typeface="Avenir 65" pitchFamily="50" charset="0"/>
+              </a:rPr>
+              <a:t>cluster of repeats at </a:t>
+            </a:r>
+            <a:r>
+              <a:rPr lang="en-US" sz="2000" dirty="0" smtClean="0">
+                <a:ln w="3175">
+                  <a:noFill/>
+                </a:ln>
+                <a:latin typeface="Avenir 65" pitchFamily="50" charset="0"/>
+              </a:rPr>
+              <a:t>74kb and 76kb</a:t>
+            </a:r>
+            <a:endParaRPr lang="en-US" sz="2000" dirty="0">
+              <a:ln w="3175">
+                <a:noFill/>
+              </a:ln>
+              <a:latin typeface="Avenir 65" pitchFamily="50" charset="0"/>
+            </a:endParaRPr>
+          </a:p>
+          <a:p>
+            <a:endParaRPr lang="en-US" sz="3200" dirty="0">
+              <a:ln w="3175">
+                <a:noFill/>
+              </a:ln>
               <a:solidFill>
-                <a:schemeClr val="bg1"/>
+                <a:srgbClr val="F79029"/>
               </a:solidFill>
-            </p:spPr>
-            <p:txBody>
-              <a:bodyPr wrap="square" rtlCol="0">
-                <a:spAutoFit/>
-              </a:bodyPr>
-              <a:lstStyle/>
-              <a:p>
-                <a:r>
-                  <a:rPr lang="en-US" sz="1600" dirty="0"/>
-                  <a:t>	74000</a:t>
-                </a:r>
-              </a:p>
-            </p:txBody>
-          </p:sp>
-          <p:sp>
-            <p:nvSpPr>
-              <p:cNvPr id="131" name="TextBox 130"/>
-              <p:cNvSpPr txBox="1"/>
-              <p:nvPr/>
-            </p:nvSpPr>
-            <p:spPr>
-              <a:xfrm>
-                <a:off x="30291488" y="25772348"/>
-                <a:ext cx="729601" cy="338554"/>
-              </a:xfrm>
-              <a:prstGeom prst="rect">
-                <a:avLst/>
-              </a:prstGeom>
-              <a:solidFill>
-                <a:schemeClr val="bg1"/>
-              </a:solidFill>
-            </p:spPr>
-            <p:txBody>
-              <a:bodyPr wrap="square" rtlCol="0">
-                <a:spAutoFit/>
-              </a:bodyPr>
-              <a:lstStyle/>
-              <a:p>
-                <a:r>
-                  <a:rPr lang="en-US" sz="1600" dirty="0"/>
-                  <a:t>76000</a:t>
-                </a:r>
-              </a:p>
-            </p:txBody>
-          </p:sp>
-        </p:grpSp>
-        <p:sp>
-          <p:nvSpPr>
-            <p:cNvPr id="234" name="TextBox 233"/>
-            <p:cNvSpPr txBox="1"/>
-            <p:nvPr/>
-          </p:nvSpPr>
-          <p:spPr>
-            <a:xfrm>
-              <a:off x="24820171" y="30578315"/>
-              <a:ext cx="6446139" cy="357283"/>
-            </a:xfrm>
-            <a:prstGeom prst="rect">
-              <a:avLst/>
-            </a:prstGeom>
-            <a:noFill/>
-            <a:ln>
-              <a:noFill/>
-            </a:ln>
-          </p:spPr>
-          <p:txBody>
-            <a:bodyPr wrap="square" lIns="79507" tIns="39754" rIns="79507" bIns="39754" rtlCol="0">
-              <a:spAutoFit/>
-            </a:bodyPr>
-            <a:lstStyle/>
-            <a:p>
-              <a:pPr algn="ctr"/>
-              <a:r>
-                <a:rPr lang="en-US" sz="1800" dirty="0">
-                  <a:latin typeface="Avenir 65" pitchFamily="50" charset="0"/>
-                </a:rPr>
-                <a:t>Colored lines indicate significant clusters of repeats </a:t>
-              </a:r>
-            </a:p>
-          </p:txBody>
-        </p:sp>
-      </p:grpSp>
-      <p:pic>
-        <p:nvPicPr>
-          <p:cNvPr id="1082" name="Picture 1081"/>
-          <p:cNvPicPr>
-            <a:picLocks noChangeAspect="1"/>
-          </p:cNvPicPr>
+              <a:latin typeface="Avenir 65" pitchFamily="50" charset="0"/>
+            </a:endParaRPr>
+          </a:p>
+        </p:txBody>
+      </p:sp>
+      <p:sp>
+        <p:nvSpPr>
+          <p:cNvPr id="121" name="TextBox 120"/>
+          <p:cNvSpPr txBox="1"/>
           <p:nvPr/>
-        </p:nvPicPr>
-        <p:blipFill>
-          <a:blip r:embed="rId15">
-            <a:extLst>
-              <a:ext uri="{28A0092B-C50C-407E-A947-70E740481C1C}">
-                <a14:useLocalDpi xmlns:a14="http://schemas.microsoft.com/office/drawing/2010/main" val="0"/>
-              </a:ext>
-            </a:extLst>
-          </a:blip>
-          <a:stretch>
-            <a:fillRect/>
-          </a:stretch>
-        </p:blipFill>
+        </p:nvSpPr>
         <p:spPr>
           <a:xfrm>
-            <a:off x="10501952" y="5779086"/>
-            <a:ext cx="9444088" cy="11955904"/>
+            <a:off x="32297424" y="20693114"/>
+            <a:ext cx="914400" cy="914400"/>
           </a:xfrm>
           <a:prstGeom prst="rect">
             <a:avLst/>
           </a:prstGeom>
+          <a:noFill/>
+          <a:ln w="44450" cap="rnd">
+            <a:solidFill>
+              <a:srgbClr val="F79029"/>
+            </a:solidFill>
+          </a:ln>
         </p:spPr>
-      </p:pic>
-      <p:graphicFrame>
-        <p:nvGraphicFramePr>
-          <p:cNvPr id="1086" name="Table 1085"/>
-          <p:cNvGraphicFramePr>
-            <a:graphicFrameLocks noGrp="1"/>
-          </p:cNvGraphicFramePr>
-          <p:nvPr>
-            <p:extLst>
-              <p:ext uri="{D42A27DB-BD31-4B8C-83A1-F6EECF244321}">
-                <p14:modId xmlns:p14="http://schemas.microsoft.com/office/powerpoint/2010/main" val="1208562906"/>
-              </p:ext>
-            </p:extLst>
-          </p:nvPr>
-        </p:nvGraphicFramePr>
-        <p:xfrm>
-          <a:off x="5411805" y="15262687"/>
-          <a:ext cx="2484903" cy="1930508"/>
-        </p:xfrm>
-        <a:graphic>
-          <a:graphicData uri="http://schemas.openxmlformats.org/drawingml/2006/table">
-            <a:tbl>
-              <a:tblPr firstRow="1" bandRow="1">
-                <a:tableStyleId>{2D5ABB26-0587-4C30-8999-92F81FD0307C}</a:tableStyleId>
-              </a:tblPr>
-              <a:tblGrid>
-                <a:gridCol w="1354392"/>
-                <a:gridCol w="1130511"/>
-              </a:tblGrid>
-              <a:tr h="542771">
-                <a:tc gridSpan="2">
-                  <a:txBody>
-                    <a:bodyPr/>
-                    <a:lstStyle/>
-                    <a:p>
-                      <a:pPr marL="0" marR="0" indent="0" algn="ctr" defTabSz="2089883" rtl="0" eaLnBrk="1" fontAlgn="auto" latinLnBrk="0" hangingPunct="1">
-                        <a:lnSpc>
-                          <a:spcPct val="100000"/>
-                        </a:lnSpc>
-                        <a:spcBef>
-                          <a:spcPts val="0"/>
-                        </a:spcBef>
-                        <a:spcAft>
-                          <a:spcPts val="0"/>
-                        </a:spcAft>
-                        <a:buClrTx/>
-                        <a:buSzTx/>
-                        <a:buFontTx/>
-                        <a:buNone/>
-                        <a:tabLst/>
-                        <a:defRPr/>
-                      </a:pPr>
-                      <a:r>
-                        <a:rPr lang="en-US" sz="2400" dirty="0" smtClean="0">
-                          <a:latin typeface="Avenir 65" pitchFamily="50" charset="0"/>
-                        </a:rPr>
-                        <a:t>Here’s the result</a:t>
-                      </a:r>
-                    </a:p>
-                  </a:txBody>
-                  <a:tcPr>
-                    <a:lnL>
-                      <a:noFill/>
-                    </a:lnL>
-                    <a:lnR w="12700" cap="flat" cmpd="sng" algn="ctr">
-                      <a:noFill/>
-                      <a:prstDash val="solid"/>
-                      <a:round/>
-                      <a:headEnd type="none" w="med" len="med"/>
-                      <a:tailEnd type="none" w="med" len="med"/>
-                    </a:lnR>
-                    <a:lnT>
-                      <a:noFill/>
-                    </a:lnT>
-                    <a:lnB w="12700" cap="flat" cmpd="sng" algn="ctr">
-                      <a:noFill/>
-                      <a:prstDash val="solid"/>
-                      <a:round/>
-                      <a:headEnd type="none" w="med" len="med"/>
-                      <a:tailEnd type="none" w="med" len="med"/>
-                    </a:lnB>
-                    <a:lnTlToBr w="12700" cmpd="sng">
-                      <a:noFill/>
-                      <a:prstDash val="solid"/>
-                    </a:lnTlToBr>
-                    <a:lnBlToTr w="12700" cmpd="sng">
-                      <a:noFill/>
-                      <a:prstDash val="solid"/>
-                    </a:lnBlToTr>
-                  </a:tcPr>
-                </a:tc>
-                <a:tc hMerge="1">
-                  <a:txBody>
-                    <a:bodyPr/>
-                    <a:lstStyle/>
-                    <a:p>
-                      <a:endParaRPr lang="en-US" sz="2400" dirty="0"/>
-                    </a:p>
-                  </a:txBody>
-                  <a:tcPr>
-                    <a:lnL w="12700" cap="flat" cmpd="sng" algn="ctr">
-                      <a:solidFill>
-                        <a:schemeClr val="tx1"/>
-                      </a:solidFill>
-                      <a:prstDash val="solid"/>
-                      <a:round/>
-                      <a:headEnd type="none" w="med" len="med"/>
-                      <a:tailEnd type="none" w="med" len="med"/>
-                    </a:lnL>
-                    <a:lnR>
-                      <a:noFill/>
-                    </a:lnR>
-                    <a:lnT>
-                      <a:noFill/>
-                    </a:lnT>
-                    <a:lnB w="12700" cap="flat" cmpd="sng" algn="ctr">
-                      <a:solidFill>
-                        <a:schemeClr val="tx1"/>
-                      </a:solidFill>
-                      <a:prstDash val="solid"/>
-                      <a:round/>
-                      <a:headEnd type="none" w="med" len="med"/>
-                      <a:tailEnd type="none" w="med" len="med"/>
-                    </a:lnB>
-                    <a:lnTlToBr w="12700" cmpd="sng">
-                      <a:noFill/>
-                      <a:prstDash val="solid"/>
-                    </a:lnTlToBr>
-                    <a:lnBlToTr w="12700" cmpd="sng">
-                      <a:noFill/>
-                      <a:prstDash val="solid"/>
-                    </a:lnBlToTr>
-                  </a:tcPr>
-                </a:tc>
-              </a:tr>
-              <a:tr h="462579">
-                <a:tc>
-                  <a:txBody>
-                    <a:bodyPr/>
-                    <a:lstStyle/>
-                    <a:p>
-                      <a:pPr>
-                        <a:spcAft>
-                          <a:spcPts val="400"/>
-                        </a:spcAft>
-                      </a:pPr>
-                      <a:r>
-                        <a:rPr lang="en-US" sz="2400" spc="600" dirty="0" smtClean="0">
-                          <a:ln w="19050">
-                            <a:solidFill>
-                              <a:srgbClr val="C7474E"/>
-                            </a:solidFill>
-                          </a:ln>
-                          <a:solidFill>
-                            <a:srgbClr val="C7474E"/>
-                          </a:solidFill>
-                          <a:latin typeface="Hero" panose="02000506000000020004" pitchFamily="50" charset="0"/>
-                        </a:rPr>
-                        <a:t>GATG</a:t>
-                      </a:r>
-                      <a:endParaRPr lang="en-US" sz="2400" dirty="0"/>
-                    </a:p>
-                  </a:txBody>
-                  <a:tcPr>
-                    <a:lnL>
-                      <a:noFill/>
-                    </a:lnL>
-                    <a:lnR w="12700" cap="flat" cmpd="sng" algn="ctr">
-                      <a:noFill/>
-                      <a:prstDash val="solid"/>
-                      <a:round/>
-                      <a:headEnd type="none" w="med" len="med"/>
-                      <a:tailEnd type="none" w="med" len="med"/>
-                    </a:lnR>
-                    <a:lnT w="12700" cap="flat" cmpd="sng" algn="ctr">
-                      <a:noFill/>
-                      <a:prstDash val="solid"/>
-                      <a:round/>
-                      <a:headEnd type="none" w="med" len="med"/>
-                      <a:tailEnd type="none" w="med" len="med"/>
-                    </a:lnT>
-                    <a:lnB w="12700" cap="flat" cmpd="sng" algn="ctr">
-                      <a:noFill/>
-                      <a:prstDash val="solid"/>
-                      <a:round/>
-                      <a:headEnd type="none" w="med" len="med"/>
-                      <a:tailEnd type="none" w="med" len="med"/>
-                    </a:lnB>
-                    <a:lnTlToBr w="12700" cmpd="sng">
-                      <a:noFill/>
-                      <a:prstDash val="solid"/>
-                    </a:lnTlToBr>
-                    <a:lnBlToTr w="12700" cmpd="sng">
-                      <a:noFill/>
-                      <a:prstDash val="solid"/>
-                    </a:lnBlToTr>
-                  </a:tcPr>
-                </a:tc>
-                <a:tc>
-                  <a:txBody>
-                    <a:bodyPr/>
-                    <a:lstStyle/>
-                    <a:p>
-                      <a:pPr marL="0" marR="0" indent="0" algn="l" defTabSz="2089883" rtl="0" eaLnBrk="1" fontAlgn="auto" latinLnBrk="0" hangingPunct="1">
-                        <a:lnSpc>
-                          <a:spcPct val="100000"/>
-                        </a:lnSpc>
-                        <a:spcBef>
-                          <a:spcPts val="0"/>
-                        </a:spcBef>
-                        <a:spcAft>
-                          <a:spcPts val="0"/>
-                        </a:spcAft>
-                        <a:buClrTx/>
-                        <a:buSzTx/>
-                        <a:buFontTx/>
-                        <a:buNone/>
-                        <a:tabLst/>
-                        <a:defRPr/>
-                      </a:pPr>
-                      <a:r>
-                        <a:rPr lang="en-US" sz="2400" dirty="0" smtClean="0">
-                          <a:latin typeface="Avenir 65" pitchFamily="50" charset="0"/>
-                        </a:rPr>
-                        <a:t>x2</a:t>
-                      </a:r>
-                    </a:p>
-                  </a:txBody>
-                  <a:tcPr>
-                    <a:lnL w="12700" cap="flat" cmpd="sng" algn="ctr">
-                      <a:noFill/>
-                      <a:prstDash val="solid"/>
-                      <a:round/>
-                      <a:headEnd type="none" w="med" len="med"/>
-                      <a:tailEnd type="none" w="med" len="med"/>
-                    </a:lnL>
-                    <a:lnR>
-                      <a:noFill/>
-                    </a:lnR>
-                    <a:lnT w="12700" cap="flat" cmpd="sng" algn="ctr">
-                      <a:noFill/>
-                      <a:prstDash val="solid"/>
-                      <a:round/>
-                      <a:headEnd type="none" w="med" len="med"/>
-                      <a:tailEnd type="none" w="med" len="med"/>
-                    </a:lnT>
-                    <a:lnB w="12700" cap="flat" cmpd="sng" algn="ctr">
-                      <a:noFill/>
-                      <a:prstDash val="solid"/>
-                      <a:round/>
-                      <a:headEnd type="none" w="med" len="med"/>
-                      <a:tailEnd type="none" w="med" len="med"/>
-                    </a:lnB>
-                    <a:lnTlToBr w="12700" cmpd="sng">
-                      <a:noFill/>
-                      <a:prstDash val="solid"/>
-                    </a:lnTlToBr>
-                    <a:lnBlToTr w="12700" cmpd="sng">
-                      <a:noFill/>
-                      <a:prstDash val="solid"/>
-                    </a:lnBlToTr>
-                  </a:tcPr>
-                </a:tc>
-              </a:tr>
-              <a:tr h="462579">
-                <a:tc>
-                  <a:txBody>
-                    <a:bodyPr/>
-                    <a:lstStyle/>
-                    <a:p>
-                      <a:r>
-                        <a:rPr lang="en-US" sz="2400" spc="600" dirty="0" smtClean="0">
-                          <a:ln w="19050">
-                            <a:solidFill>
-                              <a:srgbClr val="D6AA26"/>
-                            </a:solidFill>
-                          </a:ln>
-                          <a:solidFill>
-                            <a:srgbClr val="D6AA26"/>
-                          </a:solidFill>
-                          <a:latin typeface="Hero" panose="02000506000000020004" pitchFamily="50" charset="0"/>
-                        </a:rPr>
-                        <a:t>ATGA</a:t>
-                      </a:r>
-                      <a:r>
-                        <a:rPr lang="en-US" sz="2400" dirty="0" smtClean="0">
-                          <a:latin typeface="Avenir 65" pitchFamily="50" charset="0"/>
-                        </a:rPr>
-                        <a:t> </a:t>
-                      </a:r>
-                      <a:endParaRPr lang="en-US" sz="2400" dirty="0"/>
-                    </a:p>
-                  </a:txBody>
-                  <a:tcPr>
-                    <a:lnL>
-                      <a:noFill/>
-                    </a:lnL>
-                    <a:lnR w="12700" cap="flat" cmpd="sng" algn="ctr">
-                      <a:noFill/>
-                      <a:prstDash val="solid"/>
-                      <a:round/>
-                      <a:headEnd type="none" w="med" len="med"/>
-                      <a:tailEnd type="none" w="med" len="med"/>
-                    </a:lnR>
-                    <a:lnT w="12700" cap="flat" cmpd="sng" algn="ctr">
-                      <a:noFill/>
-                      <a:prstDash val="solid"/>
-                      <a:round/>
-                      <a:headEnd type="none" w="med" len="med"/>
-                      <a:tailEnd type="none" w="med" len="med"/>
-                    </a:lnT>
-                    <a:lnB w="12700" cap="flat" cmpd="sng" algn="ctr">
-                      <a:noFill/>
-                      <a:prstDash val="solid"/>
-                      <a:round/>
-                      <a:headEnd type="none" w="med" len="med"/>
-                      <a:tailEnd type="none" w="med" len="med"/>
-                    </a:lnB>
-                    <a:lnTlToBr w="12700" cmpd="sng">
-                      <a:noFill/>
-                      <a:prstDash val="solid"/>
-                    </a:lnTlToBr>
-                    <a:lnBlToTr w="12700" cmpd="sng">
-                      <a:noFill/>
-                      <a:prstDash val="solid"/>
-                    </a:lnBlToTr>
-                  </a:tcPr>
-                </a:tc>
-                <a:tc>
-                  <a:txBody>
-                    <a:bodyPr/>
-                    <a:lstStyle/>
-                    <a:p>
-                      <a:pPr marL="0" marR="0" indent="0" algn="l" defTabSz="2089883" rtl="0" eaLnBrk="1" fontAlgn="auto" latinLnBrk="0" hangingPunct="1">
-                        <a:lnSpc>
-                          <a:spcPct val="100000"/>
-                        </a:lnSpc>
-                        <a:spcBef>
-                          <a:spcPts val="0"/>
-                        </a:spcBef>
-                        <a:spcAft>
-                          <a:spcPts val="0"/>
-                        </a:spcAft>
-                        <a:buClrTx/>
-                        <a:buSzTx/>
-                        <a:buFontTx/>
-                        <a:buNone/>
-                        <a:tabLst/>
-                        <a:defRPr/>
-                      </a:pPr>
-                      <a:r>
-                        <a:rPr lang="en-US" sz="2400" dirty="0" smtClean="0">
-                          <a:latin typeface="Avenir 65" pitchFamily="50" charset="0"/>
-                        </a:rPr>
-                        <a:t>x2</a:t>
-                      </a:r>
-                    </a:p>
-                  </a:txBody>
-                  <a:tcPr>
-                    <a:lnL w="12700" cap="flat" cmpd="sng" algn="ctr">
-                      <a:noFill/>
-                      <a:prstDash val="solid"/>
-                      <a:round/>
-                      <a:headEnd type="none" w="med" len="med"/>
-                      <a:tailEnd type="none" w="med" len="med"/>
-                    </a:lnL>
-                    <a:lnR>
-                      <a:noFill/>
-                    </a:lnR>
-                    <a:lnT w="12700" cap="flat" cmpd="sng" algn="ctr">
-                      <a:noFill/>
-                      <a:prstDash val="solid"/>
-                      <a:round/>
-                      <a:headEnd type="none" w="med" len="med"/>
-                      <a:tailEnd type="none" w="med" len="med"/>
-                    </a:lnT>
-                    <a:lnB w="12700" cap="flat" cmpd="sng" algn="ctr">
-                      <a:noFill/>
-                      <a:prstDash val="solid"/>
-                      <a:round/>
-                      <a:headEnd type="none" w="med" len="med"/>
-                      <a:tailEnd type="none" w="med" len="med"/>
-                    </a:lnB>
-                    <a:lnTlToBr w="12700" cmpd="sng">
-                      <a:noFill/>
-                      <a:prstDash val="solid"/>
-                    </a:lnTlToBr>
-                    <a:lnBlToTr w="12700" cmpd="sng">
-                      <a:noFill/>
-                      <a:prstDash val="solid"/>
-                    </a:lnBlToTr>
-                  </a:tcPr>
-                </a:tc>
-              </a:tr>
-              <a:tr h="462579">
-                <a:tc>
-                  <a:txBody>
-                    <a:bodyPr/>
-                    <a:lstStyle/>
-                    <a:p>
-                      <a:r>
-                        <a:rPr lang="en-US" sz="2400" spc="600" dirty="0" smtClean="0">
-                          <a:ln w="19050">
-                            <a:solidFill>
-                              <a:srgbClr val="4E8B63"/>
-                            </a:solidFill>
-                          </a:ln>
-                          <a:solidFill>
-                            <a:srgbClr val="4E8B63"/>
-                          </a:solidFill>
-                          <a:latin typeface="Hero" panose="02000506000000020004" pitchFamily="50" charset="0"/>
-                        </a:rPr>
-                        <a:t>TGAT</a:t>
-                      </a:r>
-                      <a:r>
-                        <a:rPr lang="en-US" sz="2400" dirty="0" smtClean="0">
-                          <a:latin typeface="Avenir 65" pitchFamily="50" charset="0"/>
-                        </a:rPr>
-                        <a:t> </a:t>
-                      </a:r>
-                      <a:endParaRPr lang="en-US" sz="2400" dirty="0"/>
-                    </a:p>
-                  </a:txBody>
-                  <a:tcPr>
-                    <a:lnL>
-                      <a:noFill/>
-                    </a:lnL>
-                    <a:lnR w="12700" cap="flat" cmpd="sng" algn="ctr">
-                      <a:noFill/>
-                      <a:prstDash val="solid"/>
-                      <a:round/>
-                      <a:headEnd type="none" w="med" len="med"/>
-                      <a:tailEnd type="none" w="med" len="med"/>
-                    </a:lnR>
-                    <a:lnT w="12700" cap="flat" cmpd="sng" algn="ctr">
-                      <a:noFill/>
-                      <a:prstDash val="solid"/>
-                      <a:round/>
-                      <a:headEnd type="none" w="med" len="med"/>
-                      <a:tailEnd type="none" w="med" len="med"/>
-                    </a:lnT>
-                    <a:lnB>
-                      <a:noFill/>
-                    </a:lnB>
-                    <a:lnTlToBr w="12700" cmpd="sng">
-                      <a:noFill/>
-                      <a:prstDash val="solid"/>
-                    </a:lnTlToBr>
-                    <a:lnBlToTr w="12700" cmpd="sng">
-                      <a:noFill/>
-                      <a:prstDash val="solid"/>
-                    </a:lnBlToTr>
-                  </a:tcPr>
-                </a:tc>
-                <a:tc>
-                  <a:txBody>
-                    <a:bodyPr/>
-                    <a:lstStyle/>
-                    <a:p>
-                      <a:r>
-                        <a:rPr lang="en-US" sz="2400" dirty="0" smtClean="0">
-                          <a:latin typeface="Avenir 65" pitchFamily="50" charset="0"/>
-                        </a:rPr>
-                        <a:t>x1 </a:t>
-                      </a:r>
-                      <a:endParaRPr lang="en-US" sz="2400" dirty="0"/>
-                    </a:p>
-                  </a:txBody>
-                  <a:tcPr>
-                    <a:lnL w="12700" cap="flat" cmpd="sng" algn="ctr">
-                      <a:noFill/>
-                      <a:prstDash val="solid"/>
-                      <a:round/>
-                      <a:headEnd type="none" w="med" len="med"/>
-                      <a:tailEnd type="none" w="med" len="med"/>
-                    </a:lnL>
-                    <a:lnR>
-                      <a:noFill/>
-                    </a:lnR>
-                    <a:lnT w="12700" cap="flat" cmpd="sng" algn="ctr">
-                      <a:noFill/>
-                      <a:prstDash val="solid"/>
-                      <a:round/>
-                      <a:headEnd type="none" w="med" len="med"/>
-                      <a:tailEnd type="none" w="med" len="med"/>
-                    </a:lnT>
-                    <a:lnB>
-                      <a:noFill/>
-                    </a:lnB>
-                    <a:lnTlToBr w="12700" cmpd="sng">
-                      <a:noFill/>
-                      <a:prstDash val="solid"/>
-                    </a:lnTlToBr>
-                    <a:lnBlToTr w="12700" cmpd="sng">
-                      <a:noFill/>
-                      <a:prstDash val="solid"/>
-                    </a:lnBlToTr>
-                  </a:tcPr>
-                </a:tc>
-              </a:tr>
-            </a:tbl>
-          </a:graphicData>
-        </a:graphic>
-      </p:graphicFrame>
-      <p:sp>
-        <p:nvSpPr>
-          <p:cNvPr id="246" name="Rounded Rectangle 245"/>
-          <p:cNvSpPr/>
-          <p:nvPr/>
-        </p:nvSpPr>
-        <p:spPr>
-          <a:xfrm>
-            <a:off x="21064010" y="19957285"/>
-            <a:ext cx="2765008" cy="1372985"/>
-          </a:xfrm>
-          <a:prstGeom prst="roundRect">
-            <a:avLst/>
-          </a:prstGeom>
-          <a:noFill/>
-        </p:spPr>
-        <p:style>
-          <a:lnRef idx="2">
-            <a:schemeClr val="dk1"/>
-          </a:lnRef>
-          <a:fillRef idx="1">
-            <a:schemeClr val="lt1"/>
-          </a:fillRef>
-          <a:effectRef idx="0">
-            <a:schemeClr val="dk1"/>
-          </a:effectRef>
-          <a:fontRef idx="minor">
-            <a:schemeClr val="dk1"/>
-          </a:fontRef>
-        </p:style>
         <p:txBody>
-          <a:bodyPr rot="0" spcFirstLastPara="0" vertOverflow="overflow" horzOverflow="overflow" vert="horz" wrap="square" lIns="91440" tIns="45720" rIns="91440" bIns="45720" numCol="1" spcCol="0" rtlCol="0" fromWordArt="0" anchor="ctr" anchorCtr="0" forceAA="0" compatLnSpc="1">
-            <a:prstTxWarp prst="textNoShape">
-              <a:avLst/>
-            </a:prstTxWarp>
+          <a:bodyPr wrap="square" lIns="0" tIns="0" rIns="0" bIns="0" rtlCol="0" anchor="ctr" anchorCtr="0">
             <a:noAutofit/>
           </a:bodyPr>
           <a:lstStyle/>
           <a:p>
             <a:pPr algn="ctr"/>
-            <a:endParaRPr lang="en-US" sz="8299" dirty="0"/>
+            <a:r>
+              <a:rPr lang="en-US" sz="4400" b="1" dirty="0" smtClean="0">
+                <a:latin typeface="Avenir 65" pitchFamily="50" charset="0"/>
+              </a:rPr>
+              <a:t>7</a:t>
+            </a:r>
+            <a:endParaRPr lang="en-US" sz="4400" b="1" dirty="0" smtClean="0">
+              <a:latin typeface="Avenir 65" pitchFamily="50" charset="0"/>
+            </a:endParaRPr>
           </a:p>
         </p:txBody>
       </p:sp>
       <p:cxnSp>
         <p:nvCxnSpPr>
-          <p:cNvPr id="248" name="Straight Arrow Connector 247"/>
+          <p:cNvPr id="122" name="Straight Connector 121"/>
           <p:cNvCxnSpPr/>
           <p:nvPr/>
         </p:nvCxnSpPr>
         <p:spPr>
-          <a:xfrm flipV="1">
-            <a:off x="19391600" y="21244549"/>
-            <a:ext cx="1552398" cy="2929586"/>
-          </a:xfrm>
-          <a:prstGeom prst="straightConnector1">
-            <a:avLst/>
-          </a:prstGeom>
-          <a:ln>
-            <a:prstDash val="dash"/>
-            <a:tailEnd type="none"/>
-          </a:ln>
-        </p:spPr>
-        <p:style>
-          <a:lnRef idx="1">
-            <a:schemeClr val="dk1"/>
-          </a:lnRef>
-          <a:fillRef idx="0">
-            <a:schemeClr val="dk1"/>
-          </a:fillRef>
-          <a:effectRef idx="0">
-            <a:schemeClr val="dk1"/>
-          </a:effectRef>
-          <a:fontRef idx="minor">
-            <a:schemeClr val="tx1"/>
-          </a:fontRef>
-        </p:style>
-      </p:cxnSp>
-      <p:cxnSp>
-        <p:nvCxnSpPr>
-          <p:cNvPr id="262" name="Straight Connector 261"/>
-          <p:cNvCxnSpPr/>
-          <p:nvPr/>
-        </p:nvCxnSpPr>
-        <p:spPr>
-          <a:xfrm flipH="1">
-            <a:off x="10436246" y="19168012"/>
-            <a:ext cx="21103215" cy="0"/>
+          <a:xfrm>
+            <a:off x="33211824" y="21605192"/>
+            <a:ext cx="6314912" cy="41928"/>
           </a:xfrm>
           <a:prstGeom prst="line">
             <a:avLst/>
           </a:prstGeom>
           <a:ln w="44450">
             <a:solidFill>
-              <a:srgbClr val="4369BD"/>
+              <a:srgbClr val="F79029"/>
             </a:solidFill>
           </a:ln>
         </p:spPr>
@@ -12871,14 +9688,14 @@
       </p:cxnSp>
       <p:sp>
         <p:nvSpPr>
-          <p:cNvPr id="269" name="TextBox 268"/>
+          <p:cNvPr id="123" name="TextBox 122"/>
           <p:cNvSpPr txBox="1"/>
           <p:nvPr/>
         </p:nvSpPr>
         <p:spPr>
           <a:xfrm>
-            <a:off x="22612605" y="11483100"/>
-            <a:ext cx="2294905" cy="1426022"/>
+            <a:off x="33450495" y="20747577"/>
+            <a:ext cx="6076241" cy="757393"/>
           </a:xfrm>
           <a:prstGeom prst="rect">
             <a:avLst/>
@@ -12895,191 +9712,71 @@
           <a:lstStyle/>
           <a:p>
             <a:r>
-              <a:rPr lang="en-US" sz="2200" dirty="0" smtClean="0">
+              <a:rPr lang="en-US" sz="4400" dirty="0" smtClean="0">
                 <a:latin typeface="Avenir 65" pitchFamily="50" charset="0"/>
               </a:rPr>
-              <a:t>Alignment based tree in </a:t>
-            </a:r>
-            <a:r>
-              <a:rPr lang="en-US" sz="2200" dirty="0" err="1" smtClean="0">
-                <a:latin typeface="Avenir 65" pitchFamily="50" charset="0"/>
-              </a:rPr>
-              <a:t>Hatfull</a:t>
-            </a:r>
-            <a:r>
-              <a:rPr lang="en-US" sz="2200" dirty="0" smtClean="0">
-                <a:latin typeface="Avenir 65" pitchFamily="50" charset="0"/>
-              </a:rPr>
-              <a:t> </a:t>
-            </a:r>
-            <a:r>
-              <a:rPr lang="en-US" sz="2200" i="1" dirty="0" smtClean="0">
-                <a:latin typeface="Avenir 65" pitchFamily="50" charset="0"/>
-              </a:rPr>
-              <a:t>et. al</a:t>
-            </a:r>
-            <a:r>
-              <a:rPr lang="en-US" sz="2200" dirty="0" smtClean="0">
-                <a:latin typeface="Avenir 65" pitchFamily="50" charset="0"/>
-              </a:rPr>
-              <a:t> (2010)</a:t>
-            </a:r>
-            <a:endParaRPr lang="en-US" sz="2200" dirty="0">
-              <a:latin typeface="Avenir 65" pitchFamily="50" charset="0"/>
-            </a:endParaRPr>
+              <a:t>Future directions</a:t>
+            </a:r>
           </a:p>
         </p:txBody>
       </p:sp>
       <p:sp>
         <p:nvSpPr>
-          <p:cNvPr id="270" name="TextBox 269"/>
+          <p:cNvPr id="124" name="TextBox 123"/>
           <p:cNvSpPr txBox="1"/>
           <p:nvPr/>
         </p:nvSpPr>
         <p:spPr>
           <a:xfrm>
-            <a:off x="26371418" y="11465226"/>
-            <a:ext cx="2294905" cy="757393"/>
+            <a:off x="32278859" y="6642460"/>
+            <a:ext cx="914400" cy="914400"/>
           </a:xfrm>
           <a:prstGeom prst="rect">
             <a:avLst/>
           </a:prstGeom>
           <a:noFill/>
-          <a:ln>
-            <a:noFill/>
+          <a:ln w="44450" cap="rnd">
+            <a:solidFill>
+              <a:srgbClr val="F79029"/>
+            </a:solidFill>
           </a:ln>
         </p:spPr>
         <p:txBody>
-          <a:bodyPr wrap="square" lIns="79507" tIns="39754" rIns="79507" bIns="39754" rtlCol="0">
-            <a:spAutoFit/>
+          <a:bodyPr wrap="square" lIns="0" tIns="0" rIns="0" bIns="0" rtlCol="0" anchor="ctr" anchorCtr="0">
+            <a:noAutofit/>
           </a:bodyPr>
           <a:lstStyle/>
           <a:p>
-            <a:r>
-              <a:rPr lang="en-US" sz="2200" dirty="0" smtClean="0">
+            <a:pPr algn="ctr"/>
+            <a:r>
+              <a:rPr lang="en-US" sz="4400" b="1" dirty="0">
                 <a:latin typeface="Avenir 65" pitchFamily="50" charset="0"/>
               </a:rPr>
-              <a:t>Our TUD based tree</a:t>
-            </a:r>
-            <a:endParaRPr lang="en-US" sz="2200" dirty="0">
+              <a:t>6</a:t>
+            </a:r>
+            <a:endParaRPr lang="en-US" sz="4400" b="1" dirty="0" smtClean="0">
               <a:latin typeface="Avenir 65" pitchFamily="50" charset="0"/>
             </a:endParaRPr>
           </a:p>
         </p:txBody>
       </p:sp>
-      <p:pic>
-        <p:nvPicPr>
-          <p:cNvPr id="165" name="Picture 164"/>
-          <p:cNvPicPr>
-            <a:picLocks noChangeAspect="1"/>
-          </p:cNvPicPr>
-          <p:nvPr/>
-        </p:nvPicPr>
-        <p:blipFill>
-          <a:blip r:embed="rId16"/>
-          <a:stretch>
-            <a:fillRect/>
-          </a:stretch>
-        </p:blipFill>
-        <p:spPr>
-          <a:xfrm>
-            <a:off x="22226964" y="13063538"/>
-            <a:ext cx="2762250" cy="2790825"/>
-          </a:xfrm>
-          <a:prstGeom prst="rect">
-            <a:avLst/>
-          </a:prstGeom>
-        </p:spPr>
-      </p:pic>
-      <p:pic>
-        <p:nvPicPr>
-          <p:cNvPr id="166" name="Picture 165"/>
-          <p:cNvPicPr>
-            <a:picLocks noChangeAspect="1"/>
-          </p:cNvPicPr>
-          <p:nvPr/>
-        </p:nvPicPr>
-        <p:blipFill>
-          <a:blip r:embed="rId17"/>
-          <a:stretch>
-            <a:fillRect/>
-          </a:stretch>
-        </p:blipFill>
-        <p:spPr>
-          <a:xfrm>
-            <a:off x="26061836" y="13373100"/>
-            <a:ext cx="2362200" cy="2171700"/>
-          </a:xfrm>
-          <a:prstGeom prst="rect">
-            <a:avLst/>
-          </a:prstGeom>
-        </p:spPr>
-      </p:pic>
-      <p:pic>
-        <p:nvPicPr>
-          <p:cNvPr id="167" name="Picture 166"/>
-          <p:cNvPicPr>
-            <a:picLocks noChangeAspect="1"/>
-          </p:cNvPicPr>
-          <p:nvPr/>
-        </p:nvPicPr>
-        <p:blipFill>
-          <a:blip r:embed="rId18"/>
-          <a:stretch>
-            <a:fillRect/>
-          </a:stretch>
-        </p:blipFill>
-        <p:spPr>
-          <a:xfrm>
-            <a:off x="22549823" y="15796734"/>
-            <a:ext cx="2028825" cy="2486025"/>
-          </a:xfrm>
-          <a:prstGeom prst="rect">
-            <a:avLst/>
-          </a:prstGeom>
-        </p:spPr>
-      </p:pic>
-      <p:pic>
-        <p:nvPicPr>
-          <p:cNvPr id="169" name="Picture 168"/>
-          <p:cNvPicPr>
-            <a:picLocks noChangeAspect="1"/>
-          </p:cNvPicPr>
-          <p:nvPr/>
-        </p:nvPicPr>
-        <p:blipFill>
-          <a:blip r:embed="rId19"/>
-          <a:stretch>
-            <a:fillRect/>
-          </a:stretch>
-        </p:blipFill>
-        <p:spPr>
-          <a:xfrm>
-            <a:off x="25775781" y="15401160"/>
-            <a:ext cx="3667125" cy="3324225"/>
-          </a:xfrm>
-          <a:prstGeom prst="rect">
-            <a:avLst/>
-          </a:prstGeom>
-        </p:spPr>
-      </p:pic>
       <p:cxnSp>
         <p:nvCxnSpPr>
-          <p:cNvPr id="275" name="Straight Connector 274"/>
+          <p:cNvPr id="125" name="Straight Connector 124"/>
           <p:cNvCxnSpPr/>
           <p:nvPr/>
         </p:nvCxnSpPr>
         <p:spPr>
           <a:xfrm>
-            <a:off x="36912581" y="7143750"/>
-            <a:ext cx="0" cy="528594"/>
+            <a:off x="33193259" y="7554538"/>
+            <a:ext cx="6314912" cy="41928"/>
           </a:xfrm>
           <a:prstGeom prst="line">
             <a:avLst/>
           </a:prstGeom>
-          <a:ln w="19050">
+          <a:ln w="44450">
             <a:solidFill>
-              <a:srgbClr val="C00000"/>
+              <a:srgbClr val="F79029"/>
             </a:solidFill>
           </a:ln>
         </p:spPr>
@@ -13098,127 +9795,16 @@
           </a:fontRef>
         </p:style>
       </p:cxnSp>
-      <p:grpSp>
-        <p:nvGrpSpPr>
-          <p:cNvPr id="171" name="Group 170"/>
-          <p:cNvGrpSpPr/>
-          <p:nvPr/>
-        </p:nvGrpSpPr>
-        <p:grpSpPr>
-          <a:xfrm>
-            <a:off x="36388712" y="7052784"/>
-            <a:ext cx="3290119" cy="1419481"/>
-            <a:chOff x="19386141" y="7064496"/>
-            <a:chExt cx="3290119" cy="1419481"/>
-          </a:xfrm>
-        </p:grpSpPr>
-        <p:sp>
-          <p:nvSpPr>
-            <p:cNvPr id="170" name="Rectangle 169"/>
-            <p:cNvSpPr/>
-            <p:nvPr/>
-          </p:nvSpPr>
-          <p:spPr>
-            <a:xfrm>
-              <a:off x="19386141" y="7064496"/>
-              <a:ext cx="3290119" cy="769441"/>
-            </a:xfrm>
-            <a:prstGeom prst="rect">
-              <a:avLst/>
-            </a:prstGeom>
-          </p:spPr>
-          <p:txBody>
-            <a:bodyPr wrap="square">
-              <a:spAutoFit/>
-            </a:bodyPr>
-            <a:lstStyle/>
-            <a:p>
-              <a:pPr>
-                <a:spcAft>
-                  <a:spcPts val="400"/>
-                </a:spcAft>
-              </a:pPr>
-              <a:r>
-                <a:rPr lang="en-US" sz="4400" spc="900" normalizeH="1" dirty="0" smtClean="0">
-                  <a:ln w="19050">
-                    <a:solidFill>
-                      <a:schemeClr val="tx1"/>
-                    </a:solidFill>
-                  </a:ln>
-                  <a:latin typeface="Hero" panose="02000506000000020004" pitchFamily="50" charset="0"/>
-                </a:rPr>
-                <a:t>GGATCC</a:t>
-              </a:r>
-              <a:endParaRPr lang="en-US" sz="4400" spc="900" normalizeH="1" dirty="0">
-                <a:ln w="19050">
-                  <a:solidFill>
-                    <a:schemeClr val="tx1"/>
-                  </a:solidFill>
-                </a:ln>
-                <a:latin typeface="Hero" panose="02000506000000020004" pitchFamily="50" charset="0"/>
-              </a:endParaRPr>
-            </a:p>
-          </p:txBody>
-        </p:sp>
-        <p:sp>
-          <p:nvSpPr>
-            <p:cNvPr id="277" name="Rectangle 276"/>
-            <p:cNvSpPr/>
-            <p:nvPr/>
-          </p:nvSpPr>
-          <p:spPr>
-            <a:xfrm>
-              <a:off x="19386141" y="7714536"/>
-              <a:ext cx="3290119" cy="769441"/>
-            </a:xfrm>
-            <a:prstGeom prst="rect">
-              <a:avLst/>
-            </a:prstGeom>
-          </p:spPr>
-          <p:txBody>
-            <a:bodyPr wrap="square">
-              <a:spAutoFit/>
-            </a:bodyPr>
-            <a:lstStyle/>
-            <a:p>
-              <a:pPr>
-                <a:spcAft>
-                  <a:spcPts val="400"/>
-                </a:spcAft>
-              </a:pPr>
-              <a:r>
-                <a:rPr lang="en-US" sz="4400" spc="900" normalizeH="1" dirty="0" smtClean="0">
-                  <a:ln w="19050">
-                    <a:solidFill>
-                      <a:schemeClr val="tx1"/>
-                    </a:solidFill>
-                  </a:ln>
-                  <a:latin typeface="Hero" panose="02000506000000020004" pitchFamily="50" charset="0"/>
-                </a:rPr>
-                <a:t>CCTAGG</a:t>
-              </a:r>
-              <a:endParaRPr lang="en-US" sz="4400" spc="900" normalizeH="1" dirty="0">
-                <a:ln w="19050">
-                  <a:solidFill>
-                    <a:schemeClr val="tx1"/>
-                  </a:solidFill>
-                </a:ln>
-                <a:latin typeface="Hero" panose="02000506000000020004" pitchFamily="50" charset="0"/>
-              </a:endParaRPr>
-            </a:p>
-          </p:txBody>
-        </p:sp>
-      </p:grpSp>
       <p:sp>
         <p:nvSpPr>
-          <p:cNvPr id="279" name="TextBox 278"/>
+          <p:cNvPr id="126" name="TextBox 125"/>
           <p:cNvSpPr txBox="1"/>
           <p:nvPr/>
         </p:nvSpPr>
         <p:spPr>
           <a:xfrm>
-            <a:off x="24971506" y="5490480"/>
-            <a:ext cx="7130800" cy="1095947"/>
+            <a:off x="33431930" y="6696923"/>
+            <a:ext cx="6076241" cy="757393"/>
           </a:xfrm>
           <a:prstGeom prst="rect">
             <a:avLst/>
@@ -13235,119 +9821,318 @@
           <a:lstStyle/>
           <a:p>
             <a:r>
-              <a:rPr lang="en-US" sz="2200" dirty="0">
+              <a:rPr lang="en-US" sz="4400" dirty="0" smtClean="0">
                 <a:latin typeface="Avenir 65" pitchFamily="50" charset="0"/>
               </a:rPr>
-              <a:t>Cluster B3 phage aren’t closely related to other members of cluster B. We investigated what specific tetranucleotides are responsible for this. </a:t>
+              <a:t>Conclusions</a:t>
             </a:r>
           </a:p>
         </p:txBody>
       </p:sp>
-      <p:cxnSp>
-        <p:nvCxnSpPr>
-          <p:cNvPr id="284" name="Straight Connector 283"/>
-          <p:cNvCxnSpPr/>
+      <p:grpSp>
+        <p:nvGrpSpPr>
+          <p:cNvPr id="110" name="Group 109"/>
+          <p:cNvGrpSpPr/>
           <p:nvPr/>
-        </p:nvCxnSpPr>
+        </p:nvGrpSpPr>
+        <p:grpSpPr>
+          <a:xfrm>
+            <a:off x="18027270" y="25589815"/>
+            <a:ext cx="6161464" cy="3939045"/>
+            <a:chOff x="18027270" y="25589815"/>
+            <a:chExt cx="6161464" cy="3939045"/>
+          </a:xfrm>
+        </p:grpSpPr>
+        <p:pic>
+          <p:nvPicPr>
+            <p:cNvPr id="93" name="Picture 92"/>
+            <p:cNvPicPr>
+              <a:picLocks noChangeAspect="1"/>
+            </p:cNvPicPr>
+            <p:nvPr/>
+          </p:nvPicPr>
+          <p:blipFill rotWithShape="1">
+            <a:blip r:embed="rId8">
+              <a:extLst>
+                <a:ext uri="{28A0092B-C50C-407E-A947-70E740481C1C}">
+                  <a14:useLocalDpi xmlns:a14="http://schemas.microsoft.com/office/drawing/2010/main" val="0"/>
+                </a:ext>
+              </a:extLst>
+            </a:blip>
+            <a:srcRect l="-5" r="93" b="98488"/>
+            <a:stretch/>
+          </p:blipFill>
+          <p:spPr>
+            <a:xfrm>
+              <a:off x="18124400" y="25589815"/>
+              <a:ext cx="6064334" cy="3939045"/>
+            </a:xfrm>
+            <a:prstGeom prst="rect">
+              <a:avLst/>
+            </a:prstGeom>
+          </p:spPr>
+        </p:pic>
+        <p:sp>
+          <p:nvSpPr>
+            <p:cNvPr id="108" name="TextBox 107"/>
+            <p:cNvSpPr txBox="1"/>
+            <p:nvPr/>
+          </p:nvSpPr>
+          <p:spPr>
+            <a:xfrm>
+              <a:off x="18027270" y="25799865"/>
+              <a:ext cx="4970800" cy="338554"/>
+            </a:xfrm>
+            <a:prstGeom prst="rect">
+              <a:avLst/>
+            </a:prstGeom>
+            <a:solidFill>
+              <a:schemeClr val="bg1"/>
+            </a:solidFill>
+          </p:spPr>
+          <p:txBody>
+            <a:bodyPr wrap="square" rtlCol="0">
+              <a:spAutoFit/>
+            </a:bodyPr>
+            <a:lstStyle/>
+            <a:p>
+              <a:r>
+                <a:rPr lang="en-US" sz="1600" dirty="0" smtClean="0"/>
+                <a:t>	70000</a:t>
+              </a:r>
+              <a:endParaRPr lang="en-US" sz="1600" dirty="0"/>
+            </a:p>
+          </p:txBody>
+        </p:sp>
+        <p:sp>
+          <p:nvSpPr>
+            <p:cNvPr id="128" name="TextBox 127"/>
+            <p:cNvSpPr txBox="1"/>
+            <p:nvPr/>
+          </p:nvSpPr>
+          <p:spPr>
+            <a:xfrm>
+              <a:off x="22914003" y="25799865"/>
+              <a:ext cx="1253150" cy="114447"/>
+            </a:xfrm>
+            <a:prstGeom prst="rect">
+              <a:avLst/>
+            </a:prstGeom>
+            <a:solidFill>
+              <a:schemeClr val="bg1"/>
+            </a:solidFill>
+          </p:spPr>
+          <p:txBody>
+            <a:bodyPr wrap="square" rtlCol="0">
+              <a:spAutoFit/>
+            </a:bodyPr>
+            <a:lstStyle/>
+            <a:p>
+              <a:endParaRPr lang="en-US" sz="1600" dirty="0"/>
+            </a:p>
+          </p:txBody>
+        </p:sp>
+      </p:grpSp>
+      <p:grpSp>
+        <p:nvGrpSpPr>
+          <p:cNvPr id="115" name="Group 114"/>
+          <p:cNvGrpSpPr/>
+          <p:nvPr/>
+        </p:nvGrpSpPr>
+        <p:grpSpPr>
+          <a:xfrm>
+            <a:off x="25006512" y="25589815"/>
+            <a:ext cx="6032300" cy="3773945"/>
+            <a:chOff x="25006512" y="25589815"/>
+            <a:chExt cx="6032300" cy="3773945"/>
+          </a:xfrm>
+        </p:grpSpPr>
+        <p:pic>
+          <p:nvPicPr>
+            <p:cNvPr id="1034" name="Picture 10" descr="http://zlab.bu.edu/~mfrith/cgi_out/rf_pic22996.png"/>
+            <p:cNvPicPr>
+              <a:picLocks noChangeAspect="1" noChangeArrowheads="1"/>
+            </p:cNvPicPr>
+            <p:nvPr/>
+          </p:nvPicPr>
+          <p:blipFill rotWithShape="1">
+            <a:blip r:embed="rId9">
+              <a:extLst>
+                <a:ext uri="{28A0092B-C50C-407E-A947-70E740481C1C}">
+                  <a14:useLocalDpi xmlns:a14="http://schemas.microsoft.com/office/drawing/2010/main" val="0"/>
+                </a:ext>
+              </a:extLst>
+            </a:blip>
+            <a:srcRect b="96083"/>
+            <a:stretch/>
+          </p:blipFill>
+          <p:spPr bwMode="auto">
+            <a:xfrm>
+              <a:off x="25006512" y="25589815"/>
+              <a:ext cx="6032300" cy="3773945"/>
+            </a:xfrm>
+            <a:prstGeom prst="rect">
+              <a:avLst/>
+            </a:prstGeom>
+            <a:noFill/>
+            <a:extLst>
+              <a:ext uri="{909E8E84-426E-40DD-AFC4-6F175D3DCCD1}">
+                <a14:hiddenFill xmlns:a14="http://schemas.microsoft.com/office/drawing/2010/main">
+                  <a:solidFill>
+                    <a:srgbClr val="FFFFFF"/>
+                  </a:solidFill>
+                </a14:hiddenFill>
+              </a:ext>
+            </a:extLst>
+          </p:spPr>
+        </p:pic>
+        <p:sp>
+          <p:nvSpPr>
+            <p:cNvPr id="130" name="TextBox 129"/>
+            <p:cNvSpPr txBox="1"/>
+            <p:nvPr/>
+          </p:nvSpPr>
+          <p:spPr>
+            <a:xfrm>
+              <a:off x="25356517" y="25799865"/>
+              <a:ext cx="4970800" cy="338554"/>
+            </a:xfrm>
+            <a:prstGeom prst="rect">
+              <a:avLst/>
+            </a:prstGeom>
+            <a:solidFill>
+              <a:schemeClr val="bg1"/>
+            </a:solidFill>
+          </p:spPr>
+          <p:txBody>
+            <a:bodyPr wrap="square" rtlCol="0">
+              <a:spAutoFit/>
+            </a:bodyPr>
+            <a:lstStyle/>
+            <a:p>
+              <a:r>
+                <a:rPr lang="en-US" sz="1600" dirty="0" smtClean="0"/>
+                <a:t>	74000</a:t>
+              </a:r>
+              <a:endParaRPr lang="en-US" sz="1600" dirty="0"/>
+            </a:p>
+          </p:txBody>
+        </p:sp>
+        <p:sp>
+          <p:nvSpPr>
+            <p:cNvPr id="131" name="TextBox 130"/>
+            <p:cNvSpPr txBox="1"/>
+            <p:nvPr/>
+          </p:nvSpPr>
+          <p:spPr>
+            <a:xfrm>
+              <a:off x="30291488" y="25772348"/>
+              <a:ext cx="729601" cy="338554"/>
+            </a:xfrm>
+            <a:prstGeom prst="rect">
+              <a:avLst/>
+            </a:prstGeom>
+            <a:solidFill>
+              <a:schemeClr val="bg1"/>
+            </a:solidFill>
+          </p:spPr>
+          <p:txBody>
+            <a:bodyPr wrap="square" rtlCol="0">
+              <a:spAutoFit/>
+            </a:bodyPr>
+            <a:lstStyle/>
+            <a:p>
+              <a:r>
+                <a:rPr lang="en-US" sz="1600" dirty="0" smtClean="0"/>
+                <a:t>76000</a:t>
+              </a:r>
+              <a:endParaRPr lang="en-US" sz="1600" dirty="0"/>
+            </a:p>
+          </p:txBody>
+        </p:sp>
+      </p:grpSp>
+      <p:sp>
+        <p:nvSpPr>
+          <p:cNvPr id="134" name="TextBox 133"/>
+          <p:cNvSpPr txBox="1"/>
+          <p:nvPr/>
+        </p:nvSpPr>
         <p:spPr>
-          <a:xfrm flipH="1">
-            <a:off x="36902730" y="7672344"/>
-            <a:ext cx="1902120" cy="0"/>
+          <a:xfrm>
+            <a:off x="32269960" y="25051836"/>
+            <a:ext cx="9265532" cy="2173165"/>
           </a:xfrm>
-          <a:prstGeom prst="line">
+          <a:prstGeom prst="rect">
             <a:avLst/>
           </a:prstGeom>
-          <a:ln w="19050">
-            <a:solidFill>
-              <a:srgbClr val="C00000"/>
-            </a:solidFill>
+          <a:noFill/>
+          <a:ln w="3175">
+            <a:noFill/>
           </a:ln>
         </p:spPr>
-        <p:style>
-          <a:lnRef idx="1">
-            <a:schemeClr val="dk1"/>
-          </a:lnRef>
-          <a:fillRef idx="0">
-            <a:schemeClr val="dk1"/>
-          </a:fillRef>
-          <a:effectRef idx="0">
-            <a:schemeClr val="dk1"/>
-          </a:effectRef>
-          <a:fontRef idx="minor">
-            <a:schemeClr val="tx1"/>
-          </a:fontRef>
-        </p:style>
-      </p:cxnSp>
-      <p:cxnSp>
-        <p:nvCxnSpPr>
-          <p:cNvPr id="287" name="Straight Connector 286"/>
-          <p:cNvCxnSpPr/>
-          <p:nvPr/>
-        </p:nvCxnSpPr>
-        <p:spPr>
-          <a:xfrm>
-            <a:off x="38801044" y="7672344"/>
-            <a:ext cx="0" cy="580632"/>
-          </a:xfrm>
-          <a:prstGeom prst="line">
-            <a:avLst/>
-          </a:prstGeom>
-          <a:ln w="19050">
-            <a:solidFill>
-              <a:srgbClr val="C00000"/>
-            </a:solidFill>
-          </a:ln>
-        </p:spPr>
-        <p:style>
-          <a:lnRef idx="1">
-            <a:schemeClr val="dk1"/>
-          </a:lnRef>
-          <a:fillRef idx="0">
-            <a:schemeClr val="dk1"/>
-          </a:fillRef>
-          <a:effectRef idx="0">
-            <a:schemeClr val="dk1"/>
-          </a:effectRef>
-          <a:fontRef idx="minor">
-            <a:schemeClr val="tx1"/>
-          </a:fontRef>
-        </p:style>
-      </p:cxnSp>
-      <p:cxnSp>
-        <p:nvCxnSpPr>
-          <p:cNvPr id="292" name="Straight Connector 291"/>
-          <p:cNvCxnSpPr/>
-          <p:nvPr/>
-        </p:nvCxnSpPr>
-        <p:spPr>
-          <a:xfrm flipH="1">
-            <a:off x="31920427" y="13756923"/>
-            <a:ext cx="9944606" cy="0"/>
-          </a:xfrm>
-          <a:prstGeom prst="line">
-            <a:avLst/>
-          </a:prstGeom>
-          <a:ln w="44450">
-            <a:solidFill>
-              <a:srgbClr val="4369BD"/>
-            </a:solidFill>
-          </a:ln>
-        </p:spPr>
-        <p:style>
-          <a:lnRef idx="1">
-            <a:schemeClr val="dk1"/>
-          </a:lnRef>
-          <a:fillRef idx="0">
-            <a:schemeClr val="dk1"/>
-          </a:fillRef>
-          <a:effectRef idx="0">
-            <a:schemeClr val="dk1"/>
-          </a:effectRef>
-          <a:fontRef idx="minor">
-            <a:schemeClr val="tx1"/>
-          </a:fontRef>
-        </p:style>
-      </p:cxnSp>
+        <p:txBody>
+          <a:bodyPr wrap="square" lIns="79507" tIns="39754" rIns="79507" bIns="39754" rtlCol="0">
+            <a:spAutoFit/>
+          </a:bodyPr>
+          <a:lstStyle/>
+          <a:p>
+            <a:r>
+              <a:rPr lang="en-US" sz="4000" dirty="0" smtClean="0">
+                <a:solidFill>
+                  <a:srgbClr val="F79029"/>
+                </a:solidFill>
+                <a:latin typeface="Avenir 65" pitchFamily="50" charset="0"/>
+              </a:rPr>
+              <a:t>Additional information:</a:t>
+            </a:r>
+          </a:p>
+          <a:p>
+            <a:r>
+              <a:rPr lang="en-US" sz="3200" dirty="0" smtClean="0">
+                <a:latin typeface="Avenir 65" pitchFamily="50" charset="0"/>
+              </a:rPr>
+              <a:t>Source code and processed data is available at</a:t>
+            </a:r>
+          </a:p>
+          <a:p>
+            <a:r>
+              <a:rPr lang="en-US" sz="3200" dirty="0" smtClean="0">
+                <a:latin typeface="Avenir 65" pitchFamily="50" charset="0"/>
+              </a:rPr>
+              <a:t>Github.com/</a:t>
+            </a:r>
+            <a:r>
+              <a:rPr lang="en-US" sz="3200" dirty="0" err="1" smtClean="0">
+                <a:latin typeface="Avenir 65" pitchFamily="50" charset="0"/>
+              </a:rPr>
+              <a:t>bsiranosian</a:t>
+            </a:r>
+            <a:r>
+              <a:rPr lang="en-US" sz="3200" dirty="0" smtClean="0">
+                <a:latin typeface="Avenir 65" pitchFamily="50" charset="0"/>
+              </a:rPr>
+              <a:t>/</a:t>
+            </a:r>
+            <a:r>
+              <a:rPr lang="en-US" sz="3200" dirty="0" err="1" smtClean="0">
+                <a:latin typeface="Avenir 65" pitchFamily="50" charset="0"/>
+              </a:rPr>
+              <a:t>tago</a:t>
+            </a:r>
+            <a:endParaRPr lang="en-US" sz="3200" dirty="0" smtClean="0">
+              <a:latin typeface="Avenir 65" pitchFamily="50" charset="0"/>
+            </a:endParaRPr>
+          </a:p>
+          <a:p>
+            <a:r>
+              <a:rPr lang="en-US" sz="3200" dirty="0" smtClean="0">
+                <a:latin typeface="Avenir 65" pitchFamily="50" charset="0"/>
+              </a:rPr>
+              <a:t>Bsiranosian.com</a:t>
+            </a:r>
+          </a:p>
+        </p:txBody>
+      </p:sp>
     </p:spTree>
   </p:cSld>
   <p:clrMapOvr>
